--- a/presentations/sdc/8-SDC-Modular-and-Derived-Forms.pptx
+++ b/presentations/sdc/8-SDC-Modular-and-Derived-Forms.pptx
@@ -2,45 +2,46 @@
 <file path=ppt/presentation.xml><?xml version="1.0" encoding="utf-8"?>
 <p:presentation xmlns:a="http://schemas.openxmlformats.org/drawingml/2006/main" xmlns:r="http://schemas.openxmlformats.org/officeDocument/2006/relationships" xmlns:p="http://schemas.openxmlformats.org/presentationml/2006/main" saveSubsetFonts="1" autoCompressPictures="0">
   <p:sldMasterIdLst>
-    <p:sldMasterId id="2147483648" r:id="rId1"/>
+    <p:sldMasterId id="2147483648" r:id="rId4"/>
   </p:sldMasterIdLst>
   <p:notesMasterIdLst>
-    <p:notesMasterId r:id="rId32"/>
+    <p:notesMasterId r:id="rId36"/>
   </p:notesMasterIdLst>
   <p:handoutMasterIdLst>
-    <p:handoutMasterId r:id="rId33"/>
+    <p:handoutMasterId r:id="rId37"/>
   </p:handoutMasterIdLst>
   <p:sldIdLst>
-    <p:sldId id="672" r:id="rId2"/>
-    <p:sldId id="690" r:id="rId3"/>
-    <p:sldId id="665" r:id="rId4"/>
-    <p:sldId id="680" r:id="rId5"/>
-    <p:sldId id="758" r:id="rId6"/>
-    <p:sldId id="313" r:id="rId7"/>
-    <p:sldId id="4850" r:id="rId8"/>
-    <p:sldId id="4924" r:id="rId9"/>
-    <p:sldId id="4817" r:id="rId10"/>
-    <p:sldId id="4914" r:id="rId11"/>
-    <p:sldId id="4916" r:id="rId12"/>
-    <p:sldId id="4918" r:id="rId13"/>
-    <p:sldId id="4917" r:id="rId14"/>
-    <p:sldId id="4920" r:id="rId15"/>
-    <p:sldId id="4921" r:id="rId16"/>
-    <p:sldId id="4922" r:id="rId17"/>
-    <p:sldId id="4919" r:id="rId18"/>
-    <p:sldId id="4861" r:id="rId19"/>
-    <p:sldId id="4923" r:id="rId20"/>
-    <p:sldId id="4925" r:id="rId21"/>
-    <p:sldId id="4927" r:id="rId22"/>
-    <p:sldId id="4930" r:id="rId23"/>
-    <p:sldId id="4932" r:id="rId24"/>
-    <p:sldId id="4931" r:id="rId25"/>
-    <p:sldId id="4933" r:id="rId26"/>
-    <p:sldId id="4928" r:id="rId27"/>
-    <p:sldId id="4929" r:id="rId28"/>
-    <p:sldId id="4926" r:id="rId29"/>
-    <p:sldId id="4802" r:id="rId30"/>
-    <p:sldId id="759" r:id="rId31"/>
+    <p:sldId id="672" r:id="rId5"/>
+    <p:sldId id="797" r:id="rId6"/>
+    <p:sldId id="690" r:id="rId7"/>
+    <p:sldId id="665" r:id="rId8"/>
+    <p:sldId id="680" r:id="rId9"/>
+    <p:sldId id="758" r:id="rId10"/>
+    <p:sldId id="313" r:id="rId11"/>
+    <p:sldId id="4850" r:id="rId12"/>
+    <p:sldId id="4924" r:id="rId13"/>
+    <p:sldId id="4817" r:id="rId14"/>
+    <p:sldId id="4914" r:id="rId15"/>
+    <p:sldId id="4916" r:id="rId16"/>
+    <p:sldId id="4918" r:id="rId17"/>
+    <p:sldId id="4917" r:id="rId18"/>
+    <p:sldId id="4920" r:id="rId19"/>
+    <p:sldId id="4921" r:id="rId20"/>
+    <p:sldId id="4922" r:id="rId21"/>
+    <p:sldId id="4919" r:id="rId22"/>
+    <p:sldId id="4861" r:id="rId23"/>
+    <p:sldId id="4923" r:id="rId24"/>
+    <p:sldId id="4925" r:id="rId25"/>
+    <p:sldId id="4927" r:id="rId26"/>
+    <p:sldId id="4930" r:id="rId27"/>
+    <p:sldId id="4932" r:id="rId28"/>
+    <p:sldId id="4931" r:id="rId29"/>
+    <p:sldId id="4933" r:id="rId30"/>
+    <p:sldId id="4928" r:id="rId31"/>
+    <p:sldId id="4929" r:id="rId32"/>
+    <p:sldId id="4926" r:id="rId33"/>
+    <p:sldId id="4802" r:id="rId34"/>
+    <p:sldId id="759" r:id="rId35"/>
   </p:sldIdLst>
   <p:sldSz cx="9144000" cy="5143500" type="screen16x9"/>
   <p:notesSz cx="6858000" cy="9144000"/>
@@ -175,6 +176,7 @@
         <p14:section name="Default Section" id="{A3B7BF1A-48CE-4925-8F93-96FAB591DFC7}">
           <p14:sldIdLst>
             <p14:sldId id="672"/>
+            <p14:sldId id="797"/>
           </p14:sldIdLst>
         </p14:section>
         <p14:section name="Expressions Introduction" id="{2A578097-FEE4-49B0-858C-B6A0014658D4}">
@@ -229,6 +231,651 @@
     </p:ext>
   </p:extLst>
 </p:presentation>
+</file>
+
+<file path=ppt/authors.xml><?xml version="1.0" encoding="utf-8"?>
+<p188:authorLst xmlns:a="http://schemas.openxmlformats.org/drawingml/2006/main" xmlns:r="http://schemas.openxmlformats.org/officeDocument/2006/relationships" xmlns:p188="http://schemas.microsoft.com/office/powerpoint/2018/8/main">
+  <p188:author id="{E7F7EB04-2042-28C4-7D23-DF347712863D}" name="Forouzi, Sam" initials="SF" userId="S::sam.forouzi@ontariohealth.ca::0b6d262b-2292-43d2-8971-5e6d1ff46381" providerId="AD"/>
+</p188:authorLst>
+</file>
+
+<file path=ppt/revisionInfo.xml><?xml version="1.0" encoding="utf-8"?>
+<p1510:revInfo xmlns:a="http://schemas.openxmlformats.org/drawingml/2006/main" xmlns:r="http://schemas.openxmlformats.org/officeDocument/2006/relationships" xmlns:p1510="http://schemas.microsoft.com/office/powerpoint/2015/10/main">
+  <p1510:revLst>
+    <p1510:client id="{324D43B1-B72A-3C28-DC18-F765FEBA4B6D}" v="41" dt="2025-02-07T18:23:06.457"/>
+    <p1510:client id="{F3C0F137-8028-7069-C88C-5C1CD85F0653}" v="2" dt="2025-02-06T20:23:10.738"/>
+  </p1510:revLst>
+</p1510:revInfo>
+</file>
+
+<file path=ppt/changesInfos/changesInfo1.xml><?xml version="1.0" encoding="utf-8"?>
+<pc:chgInfo xmlns:a="http://schemas.openxmlformats.org/drawingml/2006/main" xmlns:r="http://schemas.openxmlformats.org/officeDocument/2006/relationships" xmlns:ac="http://schemas.microsoft.com/office/drawing/2013/main/command" xmlns:pc="http://schemas.microsoft.com/office/powerpoint/2013/main/command">
+  <pc:docChgLst>
+    <pc:chgData name="McKenzie, Lloyd" userId="S::lloyd.mckenzie@ontariohealth.ca::4544ac19-90a7-4bc9-9dda-63119ceabc25" providerId="AD" clId="Web-{324D43B1-B72A-3C28-DC18-F765FEBA4B6D}"/>
+    <pc:docChg chg="addSld modSld modMainMaster modSection">
+      <pc:chgData name="McKenzie, Lloyd" userId="S::lloyd.mckenzie@ontariohealth.ca::4544ac19-90a7-4bc9-9dda-63119ceabc25" providerId="AD" clId="Web-{324D43B1-B72A-3C28-DC18-F765FEBA4B6D}" dt="2025-02-07T18:23:06.457" v="24" actId="20577"/>
+      <pc:docMkLst>
+        <pc:docMk/>
+      </pc:docMkLst>
+      <pc:sldChg chg="modSp">
+        <pc:chgData name="McKenzie, Lloyd" userId="S::lloyd.mckenzie@ontariohealth.ca::4544ac19-90a7-4bc9-9dda-63119ceabc25" providerId="AD" clId="Web-{324D43B1-B72A-3C28-DC18-F765FEBA4B6D}" dt="2025-02-07T16:53:57.916" v="7"/>
+        <pc:sldMkLst>
+          <pc:docMk/>
+          <pc:sldMk cId="655917162" sldId="665"/>
+        </pc:sldMkLst>
+        <pc:spChg chg="mod">
+          <ac:chgData name="McKenzie, Lloyd" userId="S::lloyd.mckenzie@ontariohealth.ca::4544ac19-90a7-4bc9-9dda-63119ceabc25" providerId="AD" clId="Web-{324D43B1-B72A-3C28-DC18-F765FEBA4B6D}" dt="2025-02-07T16:53:57.916" v="7"/>
+          <ac:spMkLst>
+            <pc:docMk/>
+            <pc:sldMk cId="655917162" sldId="665"/>
+            <ac:spMk id="11" creationId="{E5D67FA5-D1E9-4E1E-B63E-097C12003FCF}"/>
+          </ac:spMkLst>
+        </pc:spChg>
+      </pc:sldChg>
+      <pc:sldChg chg="modSp">
+        <pc:chgData name="McKenzie, Lloyd" userId="S::lloyd.mckenzie@ontariohealth.ca::4544ac19-90a7-4bc9-9dda-63119ceabc25" providerId="AD" clId="Web-{324D43B1-B72A-3C28-DC18-F765FEBA4B6D}" dt="2025-02-07T16:53:57.916" v="7"/>
+        <pc:sldMkLst>
+          <pc:docMk/>
+          <pc:sldMk cId="1226924551" sldId="672"/>
+        </pc:sldMkLst>
+        <pc:spChg chg="mod">
+          <ac:chgData name="McKenzie, Lloyd" userId="S::lloyd.mckenzie@ontariohealth.ca::4544ac19-90a7-4bc9-9dda-63119ceabc25" providerId="AD" clId="Web-{324D43B1-B72A-3C28-DC18-F765FEBA4B6D}" dt="2025-02-07T16:53:57.916" v="7"/>
+          <ac:spMkLst>
+            <pc:docMk/>
+            <pc:sldMk cId="1226924551" sldId="672"/>
+            <ac:spMk id="2" creationId="{2DB8BFEF-A591-4AA8-9418-E34A204D637F}"/>
+          </ac:spMkLst>
+        </pc:spChg>
+        <pc:spChg chg="mod">
+          <ac:chgData name="McKenzie, Lloyd" userId="S::lloyd.mckenzie@ontariohealth.ca::4544ac19-90a7-4bc9-9dda-63119ceabc25" providerId="AD" clId="Web-{324D43B1-B72A-3C28-DC18-F765FEBA4B6D}" dt="2025-02-07T16:36:16.675" v="6" actId="20577"/>
+          <ac:spMkLst>
+            <pc:docMk/>
+            <pc:sldMk cId="1226924551" sldId="672"/>
+            <ac:spMk id="8" creationId="{62EAEE4D-DFDC-4EFC-B01D-4E1EAA084740}"/>
+          </ac:spMkLst>
+        </pc:spChg>
+      </pc:sldChg>
+      <pc:sldChg chg="modSp">
+        <pc:chgData name="McKenzie, Lloyd" userId="S::lloyd.mckenzie@ontariohealth.ca::4544ac19-90a7-4bc9-9dda-63119ceabc25" providerId="AD" clId="Web-{324D43B1-B72A-3C28-DC18-F765FEBA4B6D}" dt="2025-02-07T16:53:57.916" v="7"/>
+        <pc:sldMkLst>
+          <pc:docMk/>
+          <pc:sldMk cId="1920275464" sldId="680"/>
+        </pc:sldMkLst>
+        <pc:spChg chg="mod">
+          <ac:chgData name="McKenzie, Lloyd" userId="S::lloyd.mckenzie@ontariohealth.ca::4544ac19-90a7-4bc9-9dda-63119ceabc25" providerId="AD" clId="Web-{324D43B1-B72A-3C28-DC18-F765FEBA4B6D}" dt="2025-02-07T16:53:57.916" v="7"/>
+          <ac:spMkLst>
+            <pc:docMk/>
+            <pc:sldMk cId="1920275464" sldId="680"/>
+            <ac:spMk id="2" creationId="{12A36B17-60AD-40D9-B33D-C4B147E58C6F}"/>
+          </ac:spMkLst>
+        </pc:spChg>
+      </pc:sldChg>
+      <pc:sldChg chg="modSp">
+        <pc:chgData name="McKenzie, Lloyd" userId="S::lloyd.mckenzie@ontariohealth.ca::4544ac19-90a7-4bc9-9dda-63119ceabc25" providerId="AD" clId="Web-{324D43B1-B72A-3C28-DC18-F765FEBA4B6D}" dt="2025-02-07T16:53:57.916" v="7"/>
+        <pc:sldMkLst>
+          <pc:docMk/>
+          <pc:sldMk cId="1547336493" sldId="690"/>
+        </pc:sldMkLst>
+        <pc:spChg chg="mod">
+          <ac:chgData name="McKenzie, Lloyd" userId="S::lloyd.mckenzie@ontariohealth.ca::4544ac19-90a7-4bc9-9dda-63119ceabc25" providerId="AD" clId="Web-{324D43B1-B72A-3C28-DC18-F765FEBA4B6D}" dt="2025-02-07T16:53:57.916" v="7"/>
+          <ac:spMkLst>
+            <pc:docMk/>
+            <pc:sldMk cId="1547336493" sldId="690"/>
+            <ac:spMk id="6" creationId="{6800A3FA-C98F-470C-B249-AC7AFCD5482D}"/>
+          </ac:spMkLst>
+        </pc:spChg>
+      </pc:sldChg>
+      <pc:sldChg chg="modSp">
+        <pc:chgData name="McKenzie, Lloyd" userId="S::lloyd.mckenzie@ontariohealth.ca::4544ac19-90a7-4bc9-9dda-63119ceabc25" providerId="AD" clId="Web-{324D43B1-B72A-3C28-DC18-F765FEBA4B6D}" dt="2025-02-07T18:23:06.457" v="24" actId="20577"/>
+        <pc:sldMkLst>
+          <pc:docMk/>
+          <pc:sldMk cId="1068210073" sldId="758"/>
+        </pc:sldMkLst>
+        <pc:spChg chg="mod">
+          <ac:chgData name="McKenzie, Lloyd" userId="S::lloyd.mckenzie@ontariohealth.ca::4544ac19-90a7-4bc9-9dda-63119ceabc25" providerId="AD" clId="Web-{324D43B1-B72A-3C28-DC18-F765FEBA4B6D}" dt="2025-02-07T18:23:06.457" v="24" actId="20577"/>
+          <ac:spMkLst>
+            <pc:docMk/>
+            <pc:sldMk cId="1068210073" sldId="758"/>
+            <ac:spMk id="3" creationId="{265F06E4-AA8E-0233-8B95-FA7FA4341F19}"/>
+          </ac:spMkLst>
+        </pc:spChg>
+        <pc:spChg chg="mod">
+          <ac:chgData name="McKenzie, Lloyd" userId="S::lloyd.mckenzie@ontariohealth.ca::4544ac19-90a7-4bc9-9dda-63119ceabc25" providerId="AD" clId="Web-{324D43B1-B72A-3C28-DC18-F765FEBA4B6D}" dt="2025-02-07T16:53:57.916" v="7"/>
+          <ac:spMkLst>
+            <pc:docMk/>
+            <pc:sldMk cId="1068210073" sldId="758"/>
+            <ac:spMk id="4" creationId="{E203CAF6-E711-E44D-32E7-0E369101B9FF}"/>
+          </ac:spMkLst>
+        </pc:spChg>
+      </pc:sldChg>
+      <pc:sldChg chg="modSp add">
+        <pc:chgData name="McKenzie, Lloyd" userId="S::lloyd.mckenzie@ontariohealth.ca::4544ac19-90a7-4bc9-9dda-63119ceabc25" providerId="AD" clId="Web-{324D43B1-B72A-3C28-DC18-F765FEBA4B6D}" dt="2025-02-07T18:22:58.973" v="21" actId="20577"/>
+        <pc:sldMkLst>
+          <pc:docMk/>
+          <pc:sldMk cId="2030768388" sldId="797"/>
+        </pc:sldMkLst>
+        <pc:spChg chg="mod">
+          <ac:chgData name="McKenzie, Lloyd" userId="S::lloyd.mckenzie@ontariohealth.ca::4544ac19-90a7-4bc9-9dda-63119ceabc25" providerId="AD" clId="Web-{324D43B1-B72A-3C28-DC18-F765FEBA4B6D}" dt="2025-02-07T18:22:58.973" v="21" actId="20577"/>
+          <ac:spMkLst>
+            <pc:docMk/>
+            <pc:sldMk cId="2030768388" sldId="797"/>
+            <ac:spMk id="2" creationId="{E265F639-6FEA-A56A-8782-FB04C81D81D5}"/>
+          </ac:spMkLst>
+        </pc:spChg>
+      </pc:sldChg>
+      <pc:sldChg chg="modSp">
+        <pc:chgData name="McKenzie, Lloyd" userId="S::lloyd.mckenzie@ontariohealth.ca::4544ac19-90a7-4bc9-9dda-63119ceabc25" providerId="AD" clId="Web-{324D43B1-B72A-3C28-DC18-F765FEBA4B6D}" dt="2025-02-07T16:53:57.916" v="7"/>
+        <pc:sldMkLst>
+          <pc:docMk/>
+          <pc:sldMk cId="2805408624" sldId="4802"/>
+        </pc:sldMkLst>
+        <pc:spChg chg="mod">
+          <ac:chgData name="McKenzie, Lloyd" userId="S::lloyd.mckenzie@ontariohealth.ca::4544ac19-90a7-4bc9-9dda-63119ceabc25" providerId="AD" clId="Web-{324D43B1-B72A-3C28-DC18-F765FEBA4B6D}" dt="2025-02-07T16:53:57.916" v="7"/>
+          <ac:spMkLst>
+            <pc:docMk/>
+            <pc:sldMk cId="2805408624" sldId="4802"/>
+            <ac:spMk id="4" creationId="{146EE1AE-A93F-AB55-8489-EA018C625A48}"/>
+          </ac:spMkLst>
+        </pc:spChg>
+      </pc:sldChg>
+      <pc:sldChg chg="modSp">
+        <pc:chgData name="McKenzie, Lloyd" userId="S::lloyd.mckenzie@ontariohealth.ca::4544ac19-90a7-4bc9-9dda-63119ceabc25" providerId="AD" clId="Web-{324D43B1-B72A-3C28-DC18-F765FEBA4B6D}" dt="2025-02-07T16:53:57.916" v="7"/>
+        <pc:sldMkLst>
+          <pc:docMk/>
+          <pc:sldMk cId="2725813447" sldId="4817"/>
+        </pc:sldMkLst>
+        <pc:spChg chg="mod">
+          <ac:chgData name="McKenzie, Lloyd" userId="S::lloyd.mckenzie@ontariohealth.ca::4544ac19-90a7-4bc9-9dda-63119ceabc25" providerId="AD" clId="Web-{324D43B1-B72A-3C28-DC18-F765FEBA4B6D}" dt="2025-02-07T16:53:57.916" v="7"/>
+          <ac:spMkLst>
+            <pc:docMk/>
+            <pc:sldMk cId="2725813447" sldId="4817"/>
+            <ac:spMk id="3" creationId="{D8136FED-0229-CDD8-8100-DABD768C7D44}"/>
+          </ac:spMkLst>
+        </pc:spChg>
+      </pc:sldChg>
+      <pc:sldChg chg="modSp">
+        <pc:chgData name="McKenzie, Lloyd" userId="S::lloyd.mckenzie@ontariohealth.ca::4544ac19-90a7-4bc9-9dda-63119ceabc25" providerId="AD" clId="Web-{324D43B1-B72A-3C28-DC18-F765FEBA4B6D}" dt="2025-02-07T16:53:57.916" v="7"/>
+        <pc:sldMkLst>
+          <pc:docMk/>
+          <pc:sldMk cId="588540160" sldId="4850"/>
+        </pc:sldMkLst>
+        <pc:spChg chg="mod">
+          <ac:chgData name="McKenzie, Lloyd" userId="S::lloyd.mckenzie@ontariohealth.ca::4544ac19-90a7-4bc9-9dda-63119ceabc25" providerId="AD" clId="Web-{324D43B1-B72A-3C28-DC18-F765FEBA4B6D}" dt="2025-02-07T16:53:57.916" v="7"/>
+          <ac:spMkLst>
+            <pc:docMk/>
+            <pc:sldMk cId="588540160" sldId="4850"/>
+            <ac:spMk id="4" creationId="{18FAE81A-F94C-14E5-38F9-39AD325F5D9B}"/>
+          </ac:spMkLst>
+        </pc:spChg>
+      </pc:sldChg>
+      <pc:sldChg chg="modSp">
+        <pc:chgData name="McKenzie, Lloyd" userId="S::lloyd.mckenzie@ontariohealth.ca::4544ac19-90a7-4bc9-9dda-63119ceabc25" providerId="AD" clId="Web-{324D43B1-B72A-3C28-DC18-F765FEBA4B6D}" dt="2025-02-07T16:53:57.916" v="7"/>
+        <pc:sldMkLst>
+          <pc:docMk/>
+          <pc:sldMk cId="3762182957" sldId="4861"/>
+        </pc:sldMkLst>
+        <pc:spChg chg="mod">
+          <ac:chgData name="McKenzie, Lloyd" userId="S::lloyd.mckenzie@ontariohealth.ca::4544ac19-90a7-4bc9-9dda-63119ceabc25" providerId="AD" clId="Web-{324D43B1-B72A-3C28-DC18-F765FEBA4B6D}" dt="2025-02-07T16:53:57.916" v="7"/>
+          <ac:spMkLst>
+            <pc:docMk/>
+            <pc:sldMk cId="3762182957" sldId="4861"/>
+            <ac:spMk id="3" creationId="{0D997C32-2ED6-21A0-8EFE-3094FB53FA96}"/>
+          </ac:spMkLst>
+        </pc:spChg>
+      </pc:sldChg>
+      <pc:sldChg chg="modSp">
+        <pc:chgData name="McKenzie, Lloyd" userId="S::lloyd.mckenzie@ontariohealth.ca::4544ac19-90a7-4bc9-9dda-63119ceabc25" providerId="AD" clId="Web-{324D43B1-B72A-3C28-DC18-F765FEBA4B6D}" dt="2025-02-07T16:53:57.916" v="7"/>
+        <pc:sldMkLst>
+          <pc:docMk/>
+          <pc:sldMk cId="3199103371" sldId="4917"/>
+        </pc:sldMkLst>
+        <pc:spChg chg="mod">
+          <ac:chgData name="McKenzie, Lloyd" userId="S::lloyd.mckenzie@ontariohealth.ca::4544ac19-90a7-4bc9-9dda-63119ceabc25" providerId="AD" clId="Web-{324D43B1-B72A-3C28-DC18-F765FEBA4B6D}" dt="2025-02-07T16:53:57.916" v="7"/>
+          <ac:spMkLst>
+            <pc:docMk/>
+            <pc:sldMk cId="3199103371" sldId="4917"/>
+            <ac:spMk id="3" creationId="{0F3704A9-4D62-77E7-6F5E-8592E27B2B04}"/>
+          </ac:spMkLst>
+        </pc:spChg>
+      </pc:sldChg>
+      <pc:sldChg chg="modSp">
+        <pc:chgData name="McKenzie, Lloyd" userId="S::lloyd.mckenzie@ontariohealth.ca::4544ac19-90a7-4bc9-9dda-63119ceabc25" providerId="AD" clId="Web-{324D43B1-B72A-3C28-DC18-F765FEBA4B6D}" dt="2025-02-07T16:53:57.916" v="7"/>
+        <pc:sldMkLst>
+          <pc:docMk/>
+          <pc:sldMk cId="2026169221" sldId="4918"/>
+        </pc:sldMkLst>
+        <pc:spChg chg="mod">
+          <ac:chgData name="McKenzie, Lloyd" userId="S::lloyd.mckenzie@ontariohealth.ca::4544ac19-90a7-4bc9-9dda-63119ceabc25" providerId="AD" clId="Web-{324D43B1-B72A-3C28-DC18-F765FEBA4B6D}" dt="2025-02-07T16:53:57.916" v="7"/>
+          <ac:spMkLst>
+            <pc:docMk/>
+            <pc:sldMk cId="2026169221" sldId="4918"/>
+            <ac:spMk id="3" creationId="{0E31A4B4-B142-624D-85D7-40D577C2665C}"/>
+          </ac:spMkLst>
+        </pc:spChg>
+      </pc:sldChg>
+      <pc:sldChg chg="modSp">
+        <pc:chgData name="McKenzie, Lloyd" userId="S::lloyd.mckenzie@ontariohealth.ca::4544ac19-90a7-4bc9-9dda-63119ceabc25" providerId="AD" clId="Web-{324D43B1-B72A-3C28-DC18-F765FEBA4B6D}" dt="2025-02-07T16:53:57.916" v="7"/>
+        <pc:sldMkLst>
+          <pc:docMk/>
+          <pc:sldMk cId="2157651299" sldId="4919"/>
+        </pc:sldMkLst>
+        <pc:spChg chg="mod">
+          <ac:chgData name="McKenzie, Lloyd" userId="S::lloyd.mckenzie@ontariohealth.ca::4544ac19-90a7-4bc9-9dda-63119ceabc25" providerId="AD" clId="Web-{324D43B1-B72A-3C28-DC18-F765FEBA4B6D}" dt="2025-02-07T16:53:57.916" v="7"/>
+          <ac:spMkLst>
+            <pc:docMk/>
+            <pc:sldMk cId="2157651299" sldId="4919"/>
+            <ac:spMk id="4" creationId="{8BF7D378-8C9E-7A85-8277-B8B2566FA186}"/>
+          </ac:spMkLst>
+        </pc:spChg>
+      </pc:sldChg>
+      <pc:sldChg chg="modSp">
+        <pc:chgData name="McKenzie, Lloyd" userId="S::lloyd.mckenzie@ontariohealth.ca::4544ac19-90a7-4bc9-9dda-63119ceabc25" providerId="AD" clId="Web-{324D43B1-B72A-3C28-DC18-F765FEBA4B6D}" dt="2025-02-07T16:53:57.916" v="7"/>
+        <pc:sldMkLst>
+          <pc:docMk/>
+          <pc:sldMk cId="2154008174" sldId="4920"/>
+        </pc:sldMkLst>
+        <pc:spChg chg="mod">
+          <ac:chgData name="McKenzie, Lloyd" userId="S::lloyd.mckenzie@ontariohealth.ca::4544ac19-90a7-4bc9-9dda-63119ceabc25" providerId="AD" clId="Web-{324D43B1-B72A-3C28-DC18-F765FEBA4B6D}" dt="2025-02-07T16:53:57.916" v="7"/>
+          <ac:spMkLst>
+            <pc:docMk/>
+            <pc:sldMk cId="2154008174" sldId="4920"/>
+            <ac:spMk id="4" creationId="{3CF9F33D-4161-1BDC-7903-FCD8C279234D}"/>
+          </ac:spMkLst>
+        </pc:spChg>
+      </pc:sldChg>
+      <pc:sldChg chg="modSp">
+        <pc:chgData name="McKenzie, Lloyd" userId="S::lloyd.mckenzie@ontariohealth.ca::4544ac19-90a7-4bc9-9dda-63119ceabc25" providerId="AD" clId="Web-{324D43B1-B72A-3C28-DC18-F765FEBA4B6D}" dt="2025-02-07T16:53:57.916" v="7"/>
+        <pc:sldMkLst>
+          <pc:docMk/>
+          <pc:sldMk cId="778096081" sldId="4922"/>
+        </pc:sldMkLst>
+        <pc:spChg chg="mod">
+          <ac:chgData name="McKenzie, Lloyd" userId="S::lloyd.mckenzie@ontariohealth.ca::4544ac19-90a7-4bc9-9dda-63119ceabc25" providerId="AD" clId="Web-{324D43B1-B72A-3C28-DC18-F765FEBA4B6D}" dt="2025-02-07T16:53:57.916" v="7"/>
+          <ac:spMkLst>
+            <pc:docMk/>
+            <pc:sldMk cId="778096081" sldId="4922"/>
+            <ac:spMk id="4" creationId="{E2A67A32-D1A2-4460-8BBE-626A9BD96DB8}"/>
+          </ac:spMkLst>
+        </pc:spChg>
+      </pc:sldChg>
+      <pc:sldChg chg="modSp">
+        <pc:chgData name="McKenzie, Lloyd" userId="S::lloyd.mckenzie@ontariohealth.ca::4544ac19-90a7-4bc9-9dda-63119ceabc25" providerId="AD" clId="Web-{324D43B1-B72A-3C28-DC18-F765FEBA4B6D}" dt="2025-02-07T16:53:57.916" v="7"/>
+        <pc:sldMkLst>
+          <pc:docMk/>
+          <pc:sldMk cId="4119625314" sldId="4923"/>
+        </pc:sldMkLst>
+        <pc:spChg chg="mod">
+          <ac:chgData name="McKenzie, Lloyd" userId="S::lloyd.mckenzie@ontariohealth.ca::4544ac19-90a7-4bc9-9dda-63119ceabc25" providerId="AD" clId="Web-{324D43B1-B72A-3C28-DC18-F765FEBA4B6D}" dt="2025-02-07T16:53:57.916" v="7"/>
+          <ac:spMkLst>
+            <pc:docMk/>
+            <pc:sldMk cId="4119625314" sldId="4923"/>
+            <ac:spMk id="3" creationId="{99B083D1-315F-D551-1B58-9AB82CD7DDCB}"/>
+          </ac:spMkLst>
+        </pc:spChg>
+      </pc:sldChg>
+      <pc:sldChg chg="modSp">
+        <pc:chgData name="McKenzie, Lloyd" userId="S::lloyd.mckenzie@ontariohealth.ca::4544ac19-90a7-4bc9-9dda-63119ceabc25" providerId="AD" clId="Web-{324D43B1-B72A-3C28-DC18-F765FEBA4B6D}" dt="2025-02-07T16:53:57.916" v="7"/>
+        <pc:sldMkLst>
+          <pc:docMk/>
+          <pc:sldMk cId="3562261403" sldId="4924"/>
+        </pc:sldMkLst>
+        <pc:spChg chg="mod">
+          <ac:chgData name="McKenzie, Lloyd" userId="S::lloyd.mckenzie@ontariohealth.ca::4544ac19-90a7-4bc9-9dda-63119ceabc25" providerId="AD" clId="Web-{324D43B1-B72A-3C28-DC18-F765FEBA4B6D}" dt="2025-02-07T16:53:57.916" v="7"/>
+          <ac:spMkLst>
+            <pc:docMk/>
+            <pc:sldMk cId="3562261403" sldId="4924"/>
+            <ac:spMk id="4" creationId="{CBE3CC94-D79E-FF12-5D61-26BAD83B2CFF}"/>
+          </ac:spMkLst>
+        </pc:spChg>
+      </pc:sldChg>
+      <pc:sldChg chg="modSp">
+        <pc:chgData name="McKenzie, Lloyd" userId="S::lloyd.mckenzie@ontariohealth.ca::4544ac19-90a7-4bc9-9dda-63119ceabc25" providerId="AD" clId="Web-{324D43B1-B72A-3C28-DC18-F765FEBA4B6D}" dt="2025-02-07T16:53:57.916" v="7"/>
+        <pc:sldMkLst>
+          <pc:docMk/>
+          <pc:sldMk cId="1194817898" sldId="4925"/>
+        </pc:sldMkLst>
+        <pc:spChg chg="mod">
+          <ac:chgData name="McKenzie, Lloyd" userId="S::lloyd.mckenzie@ontariohealth.ca::4544ac19-90a7-4bc9-9dda-63119ceabc25" providerId="AD" clId="Web-{324D43B1-B72A-3C28-DC18-F765FEBA4B6D}" dt="2025-02-07T16:53:57.916" v="7"/>
+          <ac:spMkLst>
+            <pc:docMk/>
+            <pc:sldMk cId="1194817898" sldId="4925"/>
+            <ac:spMk id="4" creationId="{20410346-A835-A266-FF36-1227F3854B5D}"/>
+          </ac:spMkLst>
+        </pc:spChg>
+      </pc:sldChg>
+      <pc:sldChg chg="modSp">
+        <pc:chgData name="McKenzie, Lloyd" userId="S::lloyd.mckenzie@ontariohealth.ca::4544ac19-90a7-4bc9-9dda-63119ceabc25" providerId="AD" clId="Web-{324D43B1-B72A-3C28-DC18-F765FEBA4B6D}" dt="2025-02-07T16:53:57.916" v="7"/>
+        <pc:sldMkLst>
+          <pc:docMk/>
+          <pc:sldMk cId="2122753277" sldId="4926"/>
+        </pc:sldMkLst>
+        <pc:spChg chg="mod">
+          <ac:chgData name="McKenzie, Lloyd" userId="S::lloyd.mckenzie@ontariohealth.ca::4544ac19-90a7-4bc9-9dda-63119ceabc25" providerId="AD" clId="Web-{324D43B1-B72A-3C28-DC18-F765FEBA4B6D}" dt="2025-02-07T16:53:57.916" v="7"/>
+          <ac:spMkLst>
+            <pc:docMk/>
+            <pc:sldMk cId="2122753277" sldId="4926"/>
+            <ac:spMk id="4" creationId="{2551CC32-52C0-837C-9730-80CF6BC3A173}"/>
+          </ac:spMkLst>
+        </pc:spChg>
+      </pc:sldChg>
+      <pc:sldChg chg="modSp">
+        <pc:chgData name="McKenzie, Lloyd" userId="S::lloyd.mckenzie@ontariohealth.ca::4544ac19-90a7-4bc9-9dda-63119ceabc25" providerId="AD" clId="Web-{324D43B1-B72A-3C28-DC18-F765FEBA4B6D}" dt="2025-02-07T16:53:57.916" v="7"/>
+        <pc:sldMkLst>
+          <pc:docMk/>
+          <pc:sldMk cId="1247966441" sldId="4927"/>
+        </pc:sldMkLst>
+        <pc:spChg chg="mod">
+          <ac:chgData name="McKenzie, Lloyd" userId="S::lloyd.mckenzie@ontariohealth.ca::4544ac19-90a7-4bc9-9dda-63119ceabc25" providerId="AD" clId="Web-{324D43B1-B72A-3C28-DC18-F765FEBA4B6D}" dt="2025-02-07T16:53:57.916" v="7"/>
+          <ac:spMkLst>
+            <pc:docMk/>
+            <pc:sldMk cId="1247966441" sldId="4927"/>
+            <ac:spMk id="3" creationId="{BEE9D176-1C75-57E3-08F5-021E73B5DF73}"/>
+          </ac:spMkLst>
+        </pc:spChg>
+      </pc:sldChg>
+      <pc:sldChg chg="modSp">
+        <pc:chgData name="McKenzie, Lloyd" userId="S::lloyd.mckenzie@ontariohealth.ca::4544ac19-90a7-4bc9-9dda-63119ceabc25" providerId="AD" clId="Web-{324D43B1-B72A-3C28-DC18-F765FEBA4B6D}" dt="2025-02-07T16:53:57.916" v="7"/>
+        <pc:sldMkLst>
+          <pc:docMk/>
+          <pc:sldMk cId="3965815765" sldId="4928"/>
+        </pc:sldMkLst>
+        <pc:spChg chg="mod">
+          <ac:chgData name="McKenzie, Lloyd" userId="S::lloyd.mckenzie@ontariohealth.ca::4544ac19-90a7-4bc9-9dda-63119ceabc25" providerId="AD" clId="Web-{324D43B1-B72A-3C28-DC18-F765FEBA4B6D}" dt="2025-02-07T16:53:57.916" v="7"/>
+          <ac:spMkLst>
+            <pc:docMk/>
+            <pc:sldMk cId="3965815765" sldId="4928"/>
+            <ac:spMk id="4" creationId="{7848216F-9791-8452-D978-B10D89EA8E33}"/>
+          </ac:spMkLst>
+        </pc:spChg>
+      </pc:sldChg>
+      <pc:sldChg chg="modSp">
+        <pc:chgData name="McKenzie, Lloyd" userId="S::lloyd.mckenzie@ontariohealth.ca::4544ac19-90a7-4bc9-9dda-63119ceabc25" providerId="AD" clId="Web-{324D43B1-B72A-3C28-DC18-F765FEBA4B6D}" dt="2025-02-07T16:53:57.916" v="7"/>
+        <pc:sldMkLst>
+          <pc:docMk/>
+          <pc:sldMk cId="3219241533" sldId="4929"/>
+        </pc:sldMkLst>
+        <pc:spChg chg="mod">
+          <ac:chgData name="McKenzie, Lloyd" userId="S::lloyd.mckenzie@ontariohealth.ca::4544ac19-90a7-4bc9-9dda-63119ceabc25" providerId="AD" clId="Web-{324D43B1-B72A-3C28-DC18-F765FEBA4B6D}" dt="2025-02-07T16:53:57.916" v="7"/>
+          <ac:spMkLst>
+            <pc:docMk/>
+            <pc:sldMk cId="3219241533" sldId="4929"/>
+            <ac:spMk id="3" creationId="{329C3964-4EA6-7276-D783-369EF7FB4555}"/>
+          </ac:spMkLst>
+        </pc:spChg>
+      </pc:sldChg>
+      <pc:sldChg chg="modSp">
+        <pc:chgData name="McKenzie, Lloyd" userId="S::lloyd.mckenzie@ontariohealth.ca::4544ac19-90a7-4bc9-9dda-63119ceabc25" providerId="AD" clId="Web-{324D43B1-B72A-3C28-DC18-F765FEBA4B6D}" dt="2025-02-07T16:53:57.916" v="7"/>
+        <pc:sldMkLst>
+          <pc:docMk/>
+          <pc:sldMk cId="2123645235" sldId="4930"/>
+        </pc:sldMkLst>
+        <pc:spChg chg="mod">
+          <ac:chgData name="McKenzie, Lloyd" userId="S::lloyd.mckenzie@ontariohealth.ca::4544ac19-90a7-4bc9-9dda-63119ceabc25" providerId="AD" clId="Web-{324D43B1-B72A-3C28-DC18-F765FEBA4B6D}" dt="2025-02-07T16:53:57.916" v="7"/>
+          <ac:spMkLst>
+            <pc:docMk/>
+            <pc:sldMk cId="2123645235" sldId="4930"/>
+            <ac:spMk id="4" creationId="{959205CF-4FB7-B48E-0512-96ACB4D3BFAA}"/>
+          </ac:spMkLst>
+        </pc:spChg>
+      </pc:sldChg>
+      <pc:sldChg chg="modSp">
+        <pc:chgData name="McKenzie, Lloyd" userId="S::lloyd.mckenzie@ontariohealth.ca::4544ac19-90a7-4bc9-9dda-63119ceabc25" providerId="AD" clId="Web-{324D43B1-B72A-3C28-DC18-F765FEBA4B6D}" dt="2025-02-07T16:53:57.916" v="7"/>
+        <pc:sldMkLst>
+          <pc:docMk/>
+          <pc:sldMk cId="2658522808" sldId="4931"/>
+        </pc:sldMkLst>
+        <pc:spChg chg="mod">
+          <ac:chgData name="McKenzie, Lloyd" userId="S::lloyd.mckenzie@ontariohealth.ca::4544ac19-90a7-4bc9-9dda-63119ceabc25" providerId="AD" clId="Web-{324D43B1-B72A-3C28-DC18-F765FEBA4B6D}" dt="2025-02-07T16:53:57.916" v="7"/>
+          <ac:spMkLst>
+            <pc:docMk/>
+            <pc:sldMk cId="2658522808" sldId="4931"/>
+            <ac:spMk id="3" creationId="{55DE4CFA-BE45-09D0-7473-1B44EFA6D3F2}"/>
+          </ac:spMkLst>
+        </pc:spChg>
+      </pc:sldChg>
+      <pc:sldChg chg="modSp">
+        <pc:chgData name="McKenzie, Lloyd" userId="S::lloyd.mckenzie@ontariohealth.ca::4544ac19-90a7-4bc9-9dda-63119ceabc25" providerId="AD" clId="Web-{324D43B1-B72A-3C28-DC18-F765FEBA4B6D}" dt="2025-02-07T16:53:57.916" v="7"/>
+        <pc:sldMkLst>
+          <pc:docMk/>
+          <pc:sldMk cId="4183608553" sldId="4932"/>
+        </pc:sldMkLst>
+        <pc:spChg chg="mod">
+          <ac:chgData name="McKenzie, Lloyd" userId="S::lloyd.mckenzie@ontariohealth.ca::4544ac19-90a7-4bc9-9dda-63119ceabc25" providerId="AD" clId="Web-{324D43B1-B72A-3C28-DC18-F765FEBA4B6D}" dt="2025-02-07T16:53:57.916" v="7"/>
+          <ac:spMkLst>
+            <pc:docMk/>
+            <pc:sldMk cId="4183608553" sldId="4932"/>
+            <ac:spMk id="4" creationId="{2EAB6887-69A8-9320-87BC-0BC69331437F}"/>
+          </ac:spMkLst>
+        </pc:spChg>
+      </pc:sldChg>
+      <pc:sldChg chg="modSp">
+        <pc:chgData name="McKenzie, Lloyd" userId="S::lloyd.mckenzie@ontariohealth.ca::4544ac19-90a7-4bc9-9dda-63119ceabc25" providerId="AD" clId="Web-{324D43B1-B72A-3C28-DC18-F765FEBA4B6D}" dt="2025-02-07T16:53:57.916" v="7"/>
+        <pc:sldMkLst>
+          <pc:docMk/>
+          <pc:sldMk cId="1282372968" sldId="4933"/>
+        </pc:sldMkLst>
+        <pc:spChg chg="mod">
+          <ac:chgData name="McKenzie, Lloyd" userId="S::lloyd.mckenzie@ontariohealth.ca::4544ac19-90a7-4bc9-9dda-63119ceabc25" providerId="AD" clId="Web-{324D43B1-B72A-3C28-DC18-F765FEBA4B6D}" dt="2025-02-07T16:53:57.916" v="7"/>
+          <ac:spMkLst>
+            <pc:docMk/>
+            <pc:sldMk cId="1282372968" sldId="4933"/>
+            <ac:spMk id="4" creationId="{A3400775-4BA1-5C02-8FB1-455BEBC87263}"/>
+          </ac:spMkLst>
+        </pc:spChg>
+      </pc:sldChg>
+      <pc:sldMasterChg chg="modSp addSldLayout modSldLayout">
+        <pc:chgData name="McKenzie, Lloyd" userId="S::lloyd.mckenzie@ontariohealth.ca::4544ac19-90a7-4bc9-9dda-63119ceabc25" providerId="AD" clId="Web-{324D43B1-B72A-3C28-DC18-F765FEBA4B6D}" dt="2025-02-07T18:22:46.941" v="8"/>
+        <pc:sldMasterMkLst>
+          <pc:docMk/>
+          <pc:sldMasterMk cId="0" sldId="2147483648"/>
+        </pc:sldMasterMkLst>
+        <pc:spChg chg="mod">
+          <ac:chgData name="McKenzie, Lloyd" userId="S::lloyd.mckenzie@ontariohealth.ca::4544ac19-90a7-4bc9-9dda-63119ceabc25" providerId="AD" clId="Web-{324D43B1-B72A-3C28-DC18-F765FEBA4B6D}" dt="2025-02-07T16:53:57.916" v="7"/>
+          <ac:spMkLst>
+            <pc:docMk/>
+            <pc:sldMasterMk cId="0" sldId="2147483648"/>
+            <ac:spMk id="5" creationId="{B9753632-C492-4515-B901-41AFB25873CC}"/>
+          </ac:spMkLst>
+        </pc:spChg>
+        <pc:sldLayoutChg chg="modSp">
+          <pc:chgData name="McKenzie, Lloyd" userId="S::lloyd.mckenzie@ontariohealth.ca::4544ac19-90a7-4bc9-9dda-63119ceabc25" providerId="AD" clId="Web-{324D43B1-B72A-3C28-DC18-F765FEBA4B6D}" dt="2025-02-07T16:53:57.916" v="7"/>
+          <pc:sldLayoutMkLst>
+            <pc:docMk/>
+            <pc:sldMasterMk cId="0" sldId="2147483648"/>
+            <pc:sldLayoutMk cId="2237845615" sldId="2147483682"/>
+          </pc:sldLayoutMkLst>
+          <pc:spChg chg="mod">
+            <ac:chgData name="McKenzie, Lloyd" userId="S::lloyd.mckenzie@ontariohealth.ca::4544ac19-90a7-4bc9-9dda-63119ceabc25" providerId="AD" clId="Web-{324D43B1-B72A-3C28-DC18-F765FEBA4B6D}" dt="2025-02-07T16:53:57.916" v="7"/>
+            <ac:spMkLst>
+              <pc:docMk/>
+              <pc:sldMasterMk cId="0" sldId="2147483648"/>
+              <pc:sldLayoutMk cId="2237845615" sldId="2147483682"/>
+              <ac:spMk id="8" creationId="{8E2087E9-637C-4C09-8985-3BAE95EB3A0C}"/>
+            </ac:spMkLst>
+          </pc:spChg>
+        </pc:sldLayoutChg>
+        <pc:sldLayoutChg chg="modSp">
+          <pc:chgData name="McKenzie, Lloyd" userId="S::lloyd.mckenzie@ontariohealth.ca::4544ac19-90a7-4bc9-9dda-63119ceabc25" providerId="AD" clId="Web-{324D43B1-B72A-3C28-DC18-F765FEBA4B6D}" dt="2025-02-07T16:53:57.916" v="7"/>
+          <pc:sldLayoutMkLst>
+            <pc:docMk/>
+            <pc:sldMasterMk cId="0" sldId="2147483648"/>
+            <pc:sldLayoutMk cId="3769414896" sldId="2147483683"/>
+          </pc:sldLayoutMkLst>
+          <pc:spChg chg="mod">
+            <ac:chgData name="McKenzie, Lloyd" userId="S::lloyd.mckenzie@ontariohealth.ca::4544ac19-90a7-4bc9-9dda-63119ceabc25" providerId="AD" clId="Web-{324D43B1-B72A-3C28-DC18-F765FEBA4B6D}" dt="2025-02-07T16:53:57.916" v="7"/>
+            <ac:spMkLst>
+              <pc:docMk/>
+              <pc:sldMasterMk cId="0" sldId="2147483648"/>
+              <pc:sldLayoutMk cId="3769414896" sldId="2147483683"/>
+              <ac:spMk id="8" creationId="{9170F17B-552A-4993-A6F0-1A6FE335872E}"/>
+            </ac:spMkLst>
+          </pc:spChg>
+        </pc:sldLayoutChg>
+        <pc:sldLayoutChg chg="modSp">
+          <pc:chgData name="McKenzie, Lloyd" userId="S::lloyd.mckenzie@ontariohealth.ca::4544ac19-90a7-4bc9-9dda-63119ceabc25" providerId="AD" clId="Web-{324D43B1-B72A-3C28-DC18-F765FEBA4B6D}" dt="2025-02-07T16:53:57.916" v="7"/>
+          <pc:sldLayoutMkLst>
+            <pc:docMk/>
+            <pc:sldMasterMk cId="0" sldId="2147483648"/>
+            <pc:sldLayoutMk cId="2024429228" sldId="2147483684"/>
+          </pc:sldLayoutMkLst>
+          <pc:spChg chg="mod">
+            <ac:chgData name="McKenzie, Lloyd" userId="S::lloyd.mckenzie@ontariohealth.ca::4544ac19-90a7-4bc9-9dda-63119ceabc25" providerId="AD" clId="Web-{324D43B1-B72A-3C28-DC18-F765FEBA4B6D}" dt="2025-02-07T16:53:57.916" v="7"/>
+            <ac:spMkLst>
+              <pc:docMk/>
+              <pc:sldMasterMk cId="0" sldId="2147483648"/>
+              <pc:sldLayoutMk cId="2024429228" sldId="2147483684"/>
+              <ac:spMk id="25" creationId="{6C4765DB-7105-45CC-BD97-DDD21BCA1C4A}"/>
+            </ac:spMkLst>
+          </pc:spChg>
+        </pc:sldLayoutChg>
+        <pc:sldLayoutChg chg="modSp">
+          <pc:chgData name="McKenzie, Lloyd" userId="S::lloyd.mckenzie@ontariohealth.ca::4544ac19-90a7-4bc9-9dda-63119ceabc25" providerId="AD" clId="Web-{324D43B1-B72A-3C28-DC18-F765FEBA4B6D}" dt="2025-02-07T16:53:57.916" v="7"/>
+          <pc:sldLayoutMkLst>
+            <pc:docMk/>
+            <pc:sldMasterMk cId="0" sldId="2147483648"/>
+            <pc:sldLayoutMk cId="1828050307" sldId="2147483685"/>
+          </pc:sldLayoutMkLst>
+          <pc:spChg chg="mod">
+            <ac:chgData name="McKenzie, Lloyd" userId="S::lloyd.mckenzie@ontariohealth.ca::4544ac19-90a7-4bc9-9dda-63119ceabc25" providerId="AD" clId="Web-{324D43B1-B72A-3C28-DC18-F765FEBA4B6D}" dt="2025-02-07T16:53:57.916" v="7"/>
+            <ac:spMkLst>
+              <pc:docMk/>
+              <pc:sldMasterMk cId="0" sldId="2147483648"/>
+              <pc:sldLayoutMk cId="1828050307" sldId="2147483685"/>
+              <ac:spMk id="41" creationId="{86364F0F-A2BB-480B-88A7-F41748072267}"/>
+            </ac:spMkLst>
+          </pc:spChg>
+        </pc:sldLayoutChg>
+        <pc:sldLayoutChg chg="modSp">
+          <pc:chgData name="McKenzie, Lloyd" userId="S::lloyd.mckenzie@ontariohealth.ca::4544ac19-90a7-4bc9-9dda-63119ceabc25" providerId="AD" clId="Web-{324D43B1-B72A-3C28-DC18-F765FEBA4B6D}" dt="2025-02-07T16:53:57.916" v="7"/>
+          <pc:sldLayoutMkLst>
+            <pc:docMk/>
+            <pc:sldMasterMk cId="0" sldId="2147483648"/>
+            <pc:sldLayoutMk cId="4066057111" sldId="2147483686"/>
+          </pc:sldLayoutMkLst>
+          <pc:spChg chg="mod">
+            <ac:chgData name="McKenzie, Lloyd" userId="S::lloyd.mckenzie@ontariohealth.ca::4544ac19-90a7-4bc9-9dda-63119ceabc25" providerId="AD" clId="Web-{324D43B1-B72A-3C28-DC18-F765FEBA4B6D}" dt="2025-02-07T16:53:57.916" v="7"/>
+            <ac:spMkLst>
+              <pc:docMk/>
+              <pc:sldMasterMk cId="0" sldId="2147483648"/>
+              <pc:sldLayoutMk cId="4066057111" sldId="2147483686"/>
+              <ac:spMk id="23" creationId="{3278E695-3242-46C8-A5D0-91F98BE1AA7A}"/>
+            </ac:spMkLst>
+          </pc:spChg>
+        </pc:sldLayoutChg>
+        <pc:sldLayoutChg chg="modSp">
+          <pc:chgData name="McKenzie, Lloyd" userId="S::lloyd.mckenzie@ontariohealth.ca::4544ac19-90a7-4bc9-9dda-63119ceabc25" providerId="AD" clId="Web-{324D43B1-B72A-3C28-DC18-F765FEBA4B6D}" dt="2025-02-07T16:53:57.916" v="7"/>
+          <pc:sldLayoutMkLst>
+            <pc:docMk/>
+            <pc:sldMasterMk cId="0" sldId="2147483648"/>
+            <pc:sldLayoutMk cId="1509802494" sldId="2147483687"/>
+          </pc:sldLayoutMkLst>
+          <pc:spChg chg="mod">
+            <ac:chgData name="McKenzie, Lloyd" userId="S::lloyd.mckenzie@ontariohealth.ca::4544ac19-90a7-4bc9-9dda-63119ceabc25" providerId="AD" clId="Web-{324D43B1-B72A-3C28-DC18-F765FEBA4B6D}" dt="2025-02-07T16:53:57.916" v="7"/>
+            <ac:spMkLst>
+              <pc:docMk/>
+              <pc:sldMasterMk cId="0" sldId="2147483648"/>
+              <pc:sldLayoutMk cId="1509802494" sldId="2147483687"/>
+              <ac:spMk id="27" creationId="{1B1954A0-3B1F-45BD-8FA9-A14758770218}"/>
+            </ac:spMkLst>
+          </pc:spChg>
+        </pc:sldLayoutChg>
+        <pc:sldLayoutChg chg="modSp">
+          <pc:chgData name="McKenzie, Lloyd" userId="S::lloyd.mckenzie@ontariohealth.ca::4544ac19-90a7-4bc9-9dda-63119ceabc25" providerId="AD" clId="Web-{324D43B1-B72A-3C28-DC18-F765FEBA4B6D}" dt="2025-02-07T16:53:57.916" v="7"/>
+          <pc:sldLayoutMkLst>
+            <pc:docMk/>
+            <pc:sldMasterMk cId="0" sldId="2147483648"/>
+            <pc:sldLayoutMk cId="3002454115" sldId="2147483688"/>
+          </pc:sldLayoutMkLst>
+          <pc:spChg chg="mod">
+            <ac:chgData name="McKenzie, Lloyd" userId="S::lloyd.mckenzie@ontariohealth.ca::4544ac19-90a7-4bc9-9dda-63119ceabc25" providerId="AD" clId="Web-{324D43B1-B72A-3C28-DC18-F765FEBA4B6D}" dt="2025-02-07T16:53:57.916" v="7"/>
+            <ac:spMkLst>
+              <pc:docMk/>
+              <pc:sldMasterMk cId="0" sldId="2147483648"/>
+              <pc:sldLayoutMk cId="3002454115" sldId="2147483688"/>
+              <ac:spMk id="27" creationId="{3E9F65D5-F0E8-4EA4-B4AD-024D025D4000}"/>
+            </ac:spMkLst>
+          </pc:spChg>
+        </pc:sldLayoutChg>
+        <pc:sldLayoutChg chg="modSp">
+          <pc:chgData name="McKenzie, Lloyd" userId="S::lloyd.mckenzie@ontariohealth.ca::4544ac19-90a7-4bc9-9dda-63119ceabc25" providerId="AD" clId="Web-{324D43B1-B72A-3C28-DC18-F765FEBA4B6D}" dt="2025-02-07T16:53:57.916" v="7"/>
+          <pc:sldLayoutMkLst>
+            <pc:docMk/>
+            <pc:sldMasterMk cId="0" sldId="2147483648"/>
+            <pc:sldLayoutMk cId="2112457495" sldId="2147483689"/>
+          </pc:sldLayoutMkLst>
+          <pc:spChg chg="mod">
+            <ac:chgData name="McKenzie, Lloyd" userId="S::lloyd.mckenzie@ontariohealth.ca::4544ac19-90a7-4bc9-9dda-63119ceabc25" providerId="AD" clId="Web-{324D43B1-B72A-3C28-DC18-F765FEBA4B6D}" dt="2025-02-07T16:53:57.916" v="7"/>
+            <ac:spMkLst>
+              <pc:docMk/>
+              <pc:sldMasterMk cId="0" sldId="2147483648"/>
+              <pc:sldLayoutMk cId="2112457495" sldId="2147483689"/>
+              <ac:spMk id="9" creationId="{50BB96CA-A2ED-4646-843D-EEE743521AEF}"/>
+            </ac:spMkLst>
+          </pc:spChg>
+        </pc:sldLayoutChg>
+        <pc:sldLayoutChg chg="modSp">
+          <pc:chgData name="McKenzie, Lloyd" userId="S::lloyd.mckenzie@ontariohealth.ca::4544ac19-90a7-4bc9-9dda-63119ceabc25" providerId="AD" clId="Web-{324D43B1-B72A-3C28-DC18-F765FEBA4B6D}" dt="2025-02-07T16:53:57.916" v="7"/>
+          <pc:sldLayoutMkLst>
+            <pc:docMk/>
+            <pc:sldMasterMk cId="0" sldId="2147483648"/>
+            <pc:sldLayoutMk cId="2809160247" sldId="2147483690"/>
+          </pc:sldLayoutMkLst>
+          <pc:spChg chg="mod">
+            <ac:chgData name="McKenzie, Lloyd" userId="S::lloyd.mckenzie@ontariohealth.ca::4544ac19-90a7-4bc9-9dda-63119ceabc25" providerId="AD" clId="Web-{324D43B1-B72A-3C28-DC18-F765FEBA4B6D}" dt="2025-02-07T16:53:57.916" v="7"/>
+            <ac:spMkLst>
+              <pc:docMk/>
+              <pc:sldMasterMk cId="0" sldId="2147483648"/>
+              <pc:sldLayoutMk cId="2809160247" sldId="2147483690"/>
+              <ac:spMk id="19" creationId="{736339CA-3043-4229-B59B-66EFA864600D}"/>
+            </ac:spMkLst>
+          </pc:spChg>
+        </pc:sldLayoutChg>
+        <pc:sldLayoutChg chg="modSp">
+          <pc:chgData name="McKenzie, Lloyd" userId="S::lloyd.mckenzie@ontariohealth.ca::4544ac19-90a7-4bc9-9dda-63119ceabc25" providerId="AD" clId="Web-{324D43B1-B72A-3C28-DC18-F765FEBA4B6D}" dt="2025-02-07T16:53:57.916" v="7"/>
+          <pc:sldLayoutMkLst>
+            <pc:docMk/>
+            <pc:sldMasterMk cId="0" sldId="2147483648"/>
+            <pc:sldLayoutMk cId="4228695043" sldId="2147483699"/>
+          </pc:sldLayoutMkLst>
+          <pc:spChg chg="mod">
+            <ac:chgData name="McKenzie, Lloyd" userId="S::lloyd.mckenzie@ontariohealth.ca::4544ac19-90a7-4bc9-9dda-63119ceabc25" providerId="AD" clId="Web-{324D43B1-B72A-3C28-DC18-F765FEBA4B6D}" dt="2025-02-07T16:53:57.916" v="7"/>
+            <ac:spMkLst>
+              <pc:docMk/>
+              <pc:sldMasterMk cId="0" sldId="2147483648"/>
+              <pc:sldLayoutMk cId="4228695043" sldId="2147483699"/>
+              <ac:spMk id="23" creationId="{3278E695-3242-46C8-A5D0-91F98BE1AA7A}"/>
+            </ac:spMkLst>
+          </pc:spChg>
+        </pc:sldLayoutChg>
+        <pc:sldLayoutChg chg="modSp">
+          <pc:chgData name="McKenzie, Lloyd" userId="S::lloyd.mckenzie@ontariohealth.ca::4544ac19-90a7-4bc9-9dda-63119ceabc25" providerId="AD" clId="Web-{324D43B1-B72A-3C28-DC18-F765FEBA4B6D}" dt="2025-02-07T16:53:57.916" v="7"/>
+          <pc:sldLayoutMkLst>
+            <pc:docMk/>
+            <pc:sldMasterMk cId="0" sldId="2147483648"/>
+            <pc:sldLayoutMk cId="3475593088" sldId="2147483700"/>
+          </pc:sldLayoutMkLst>
+          <pc:spChg chg="mod">
+            <ac:chgData name="McKenzie, Lloyd" userId="S::lloyd.mckenzie@ontariohealth.ca::4544ac19-90a7-4bc9-9dda-63119ceabc25" providerId="AD" clId="Web-{324D43B1-B72A-3C28-DC18-F765FEBA4B6D}" dt="2025-02-07T16:53:57.916" v="7"/>
+            <ac:spMkLst>
+              <pc:docMk/>
+              <pc:sldMasterMk cId="0" sldId="2147483648"/>
+              <pc:sldLayoutMk cId="3475593088" sldId="2147483700"/>
+              <ac:spMk id="23" creationId="{3278E695-3242-46C8-A5D0-91F98BE1AA7A}"/>
+            </ac:spMkLst>
+          </pc:spChg>
+        </pc:sldLayoutChg>
+        <pc:sldLayoutChg chg="add">
+          <pc:chgData name="McKenzie, Lloyd" userId="S::lloyd.mckenzie@ontariohealth.ca::4544ac19-90a7-4bc9-9dda-63119ceabc25" providerId="AD" clId="Web-{324D43B1-B72A-3C28-DC18-F765FEBA4B6D}" dt="2025-02-07T18:22:46.941" v="8"/>
+          <pc:sldLayoutMkLst>
+            <pc:docMk/>
+            <pc:sldMasterMk cId="0" sldId="2147483648"/>
+            <pc:sldLayoutMk cId="3858933367" sldId="2147483707"/>
+          </pc:sldLayoutMkLst>
+        </pc:sldLayoutChg>
+      </pc:sldMasterChg>
+    </pc:docChg>
+  </pc:docChgLst>
+</pc:chgInfo>
 </file>
 
 <file path=ppt/diagrams/colors1.xml><?xml version="1.0" encoding="utf-8"?>
@@ -3498,7 +4145,7 @@
   <dgm:whole/>
   <dgm:extLst>
     <a:ext uri="http://schemas.microsoft.com/office/drawing/2008/diagram">
-      <dsp:dataModelExt xmlns:dsp="http://schemas.microsoft.com/office/drawing/2008/diagram" relId="rId6" minVer="http://schemas.openxmlformats.org/drawingml/2006/diagram"/>
+      <dsp:dataModelExt xmlns:dsp="http://schemas.microsoft.com/office/drawing/2008/diagram" relId="rId7" minVer="http://schemas.openxmlformats.org/drawingml/2006/diagram"/>
     </a:ext>
   </dgm:extLst>
 </dgm:dataModel>
@@ -11772,7 +12419,7 @@
             <a:fld id="{1BCE7D1B-E2D6-42EC-A46F-6B8D8AB722EA}" type="datetime1">
               <a:rPr lang="en-US" altLang="en-US"/>
               <a:pPr/>
-              <a:t>1/6/2025</a:t>
+              <a:t>2/7/2025</a:t>
             </a:fld>
             <a:endParaRPr lang="en-US" altLang="en-US"/>
           </a:p>
@@ -12003,7 +12650,7 @@
             <a:fld id="{60D4D74E-7671-46E5-9A5B-14F31A4C0D2E}" type="datetime1">
               <a:rPr lang="en-US" altLang="en-US"/>
               <a:pPr/>
-              <a:t>1/6/2025</a:t>
+              <a:t>2/7/2025</a:t>
             </a:fld>
             <a:endParaRPr lang="en-US" altLang="en-US"/>
           </a:p>
@@ -12433,6 +13080,91 @@
 </p:notes>
 </file>
 
+<file path=ppt/notesSlides/notesSlide2.xml><?xml version="1.0" encoding="utf-8"?>
+<p:notes xmlns:a="http://schemas.openxmlformats.org/drawingml/2006/main" xmlns:r="http://schemas.openxmlformats.org/officeDocument/2006/relationships" xmlns:p="http://schemas.openxmlformats.org/presentationml/2006/main">
+  <p:cSld>
+    <p:spTree>
+      <p:nvGrpSpPr>
+        <p:cNvPr id="1" name=""/>
+        <p:cNvGrpSpPr/>
+        <p:nvPr/>
+      </p:nvGrpSpPr>
+      <p:grpSpPr>
+        <a:xfrm>
+          <a:off x="0" y="0"/>
+          <a:ext cx="0" cy="0"/>
+          <a:chOff x="0" y="0"/>
+          <a:chExt cx="0" cy="0"/>
+        </a:xfrm>
+      </p:grpSpPr>
+      <p:sp>
+        <p:nvSpPr>
+          <p:cNvPr id="2" name="Slide Image Placeholder 1"/>
+          <p:cNvSpPr>
+            <a:spLocks noGrp="1" noRot="1" noChangeAspect="1"/>
+          </p:cNvSpPr>
+          <p:nvPr>
+            <p:ph type="sldImg"/>
+          </p:nvPr>
+        </p:nvSpPr>
+        <p:spPr/>
+      </p:sp>
+      <p:sp>
+        <p:nvSpPr>
+          <p:cNvPr id="3" name="Notes Placeholder 2"/>
+          <p:cNvSpPr>
+            <a:spLocks noGrp="1"/>
+          </p:cNvSpPr>
+          <p:nvPr>
+            <p:ph type="body" idx="1"/>
+          </p:nvPr>
+        </p:nvSpPr>
+        <p:spPr/>
+        <p:txBody>
+          <a:bodyPr/>
+          <a:lstStyle/>
+          <a:p>
+            <a:endParaRPr lang="en-CA" dirty="0"/>
+          </a:p>
+        </p:txBody>
+      </p:sp>
+      <p:sp>
+        <p:nvSpPr>
+          <p:cNvPr id="4" name="Slide Number Placeholder 3"/>
+          <p:cNvSpPr>
+            <a:spLocks noGrp="1"/>
+          </p:cNvSpPr>
+          <p:nvPr>
+            <p:ph type="sldNum" sz="quarter" idx="5"/>
+          </p:nvPr>
+        </p:nvSpPr>
+        <p:spPr/>
+        <p:txBody>
+          <a:bodyPr/>
+          <a:lstStyle/>
+          <a:p>
+            <a:fld id="{CF4A7F80-F256-4EC8-A9CC-1A842C6C5143}" type="slidenum">
+              <a:rPr lang="en-US" altLang="en-US" smtClean="0"/>
+              <a:pPr/>
+              <a:t>7</a:t>
+            </a:fld>
+            <a:endParaRPr lang="en-US" altLang="en-US"/>
+          </a:p>
+        </p:txBody>
+      </p:sp>
+    </p:spTree>
+    <p:extLst>
+      <p:ext uri="{BB962C8B-B14F-4D97-AF65-F5344CB8AC3E}">
+        <p14:creationId xmlns:p14="http://schemas.microsoft.com/office/powerpoint/2010/main" val="4252791910"/>
+      </p:ext>
+    </p:extLst>
+  </p:cSld>
+  <p:clrMapOvr>
+    <a:masterClrMapping/>
+  </p:clrMapOvr>
+</p:notes>
+</file>
+
 <file path=ppt/slideLayouts/slideLayout1.xml><?xml version="1.0" encoding="utf-8"?>
 <p:sldLayout xmlns:a="http://schemas.openxmlformats.org/drawingml/2006/main" xmlns:r="http://schemas.openxmlformats.org/officeDocument/2006/relationships" xmlns:p="http://schemas.openxmlformats.org/presentationml/2006/main" preserve="1" userDrawn="1">
   <p:cSld name="Title Slide">
@@ -12844,7 +13576,7 @@
           <a:p>
             <a:r>
               <a:rPr lang="en-CA" b="1" dirty="0"/>
-              <a:t>© 2024 Health Level Seven ® International. All Rights Reserved. Published under the Creative Commons 3.0 Attribution </a:t>
+              <a:t>© 2025 Health Level Seven ® International. All Rights Reserved. Published under the Creative Commons 3.0 Attribution </a:t>
             </a:r>
             <a:r>
               <a:rPr lang="en-CA" b="1" dirty="0" err="1"/>
@@ -13605,7 +14337,7 @@
           <a:p>
             <a:r>
               <a:rPr lang="en-CA" b="1" dirty="0"/>
-              <a:t>© 2024 Health Level Seven ® International. All Rights Reserved. Published under the Creative Commons 3.0 Attribution </a:t>
+              <a:t>© 2025 Health Level Seven ® International. All Rights Reserved. Published under the Creative Commons 3.0 Attribution </a:t>
             </a:r>
             <a:r>
               <a:rPr lang="en-CA" b="1" dirty="0" err="1"/>
@@ -14276,7 +15008,7 @@
           <a:p>
             <a:r>
               <a:rPr lang="en-CA" b="1" dirty="0"/>
-              <a:t>© 2024 Health Level Seven ® International. All Rights Reserved. Published under the Creative Commons 3.0 Attribution </a:t>
+              <a:t>© 2025 Health Level Seven ® International. All Rights Reserved. Published under the Creative Commons 3.0 Attribution </a:t>
             </a:r>
             <a:r>
               <a:rPr lang="en-CA" b="1" dirty="0" err="1"/>
@@ -14884,7 +15616,7 @@
           <a:p>
             <a:r>
               <a:rPr lang="en-CA" b="1" dirty="0"/>
-              <a:t>© 2024 Health Level Seven ® International. All Rights Reserved. Published under the Creative Commons 3.0 Attribution </a:t>
+              <a:t>© 2025 Health Level Seven ® International. All Rights Reserved. Published under the Creative Commons 3.0 Attribution </a:t>
             </a:r>
             <a:r>
               <a:rPr lang="en-CA" b="1" dirty="0" err="1"/>
@@ -16351,7 +17083,7 @@
           <a:p>
             <a:fld id="{D83995C2-806B-4997-8C0A-E780F2B14CC7}" type="datetimeFigureOut">
               <a:rPr lang="en-US" smtClean="0"/>
-              <a:t>1/6/2025</a:t>
+              <a:t>2/7/2025</a:t>
             </a:fld>
             <a:endParaRPr lang="en-US"/>
           </a:p>
@@ -16415,6 +17147,503 @@
     <p:extLst>
       <p:ext uri="{BB962C8B-B14F-4D97-AF65-F5344CB8AC3E}">
         <p14:creationId xmlns:p14="http://schemas.microsoft.com/office/powerpoint/2010/main" val="71163052"/>
+      </p:ext>
+    </p:extLst>
+  </p:cSld>
+  <p:clrMapOvr>
+    <a:masterClrMapping/>
+  </p:clrMapOvr>
+</p:sldLayout>
+</file>
+
+<file path=ppt/slideLayouts/slideLayout17.xml><?xml version="1.0" encoding="utf-8"?>
+<p:sldLayout xmlns:a="http://schemas.openxmlformats.org/drawingml/2006/main" xmlns:r="http://schemas.openxmlformats.org/officeDocument/2006/relationships" xmlns:p="http://schemas.openxmlformats.org/presentationml/2006/main" preserve="1">
+  <p:cSld name="Title Slide 2 - Photo Large">
+    <p:bg>
+      <p:bgPr>
+        <a:blipFill dpi="0" rotWithShape="1">
+          <a:blip r:embed="rId2">
+            <a:lum/>
+          </a:blip>
+          <a:srcRect/>
+          <a:stretch>
+            <a:fillRect/>
+          </a:stretch>
+        </a:blipFill>
+        <a:effectLst/>
+      </p:bgPr>
+    </p:bg>
+    <p:spTree>
+      <p:nvGrpSpPr>
+        <p:cNvPr id="1" name=""/>
+        <p:cNvGrpSpPr/>
+        <p:nvPr/>
+      </p:nvGrpSpPr>
+      <p:grpSpPr>
+        <a:xfrm>
+          <a:off x="0" y="0"/>
+          <a:ext cx="0" cy="0"/>
+          <a:chOff x="0" y="0"/>
+          <a:chExt cx="0" cy="0"/>
+        </a:xfrm>
+      </p:grpSpPr>
+      <p:sp>
+        <p:nvSpPr>
+          <p:cNvPr id="4" name="Text Placeholder 47">
+            <a:extLst>
+              <a:ext uri="{FF2B5EF4-FFF2-40B4-BE49-F238E27FC236}">
+                <a16:creationId xmlns:a16="http://schemas.microsoft.com/office/drawing/2014/main" id="{D350924A-494F-9580-8CE1-82EE38F3FB24}"/>
+              </a:ext>
+            </a:extLst>
+          </p:cNvPr>
+          <p:cNvSpPr>
+            <a:spLocks noGrp="1"/>
+          </p:cNvSpPr>
+          <p:nvPr>
+            <p:ph type="body" sz="quarter" idx="16" hasCustomPrompt="1"/>
+          </p:nvPr>
+        </p:nvSpPr>
+        <p:spPr>
+          <a:xfrm>
+            <a:off x="534075" y="4578144"/>
+            <a:ext cx="4057650" cy="233013"/>
+          </a:xfrm>
+        </p:spPr>
+        <p:txBody>
+          <a:bodyPr wrap="square" anchor="t">
+            <a:spAutoFit/>
+          </a:bodyPr>
+          <a:lstStyle>
+            <a:lvl1pPr marL="0" indent="0">
+              <a:buNone/>
+              <a:defRPr sz="1500">
+                <a:latin typeface="+mn-lt"/>
+              </a:defRPr>
+            </a:lvl1pPr>
+            <a:lvl2pPr>
+              <a:defRPr sz="1200">
+                <a:latin typeface="+mn-lt"/>
+              </a:defRPr>
+            </a:lvl2pPr>
+            <a:lvl3pPr>
+              <a:defRPr sz="1200">
+                <a:latin typeface="+mn-lt"/>
+              </a:defRPr>
+            </a:lvl3pPr>
+            <a:lvl4pPr>
+              <a:defRPr sz="1200">
+                <a:latin typeface="+mn-lt"/>
+              </a:defRPr>
+            </a:lvl4pPr>
+            <a:lvl5pPr>
+              <a:defRPr sz="1200">
+                <a:latin typeface="+mn-lt"/>
+              </a:defRPr>
+            </a:lvl5pPr>
+          </a:lstStyle>
+          <a:p>
+            <a:pPr>
+              <a:lnSpc>
+                <a:spcPts val="1979"/>
+              </a:lnSpc>
+              <a:spcAft>
+                <a:spcPts val="600"/>
+              </a:spcAft>
+            </a:pPr>
+            <a:r>
+              <a:rPr lang="en-US" altLang="en-US" sz="1200" u="none" dirty="0">
+                <a:latin typeface="Calibri"/>
+                <a:ea typeface="MS PGothic"/>
+                <a:cs typeface="Calibri"/>
+              </a:rPr>
+              <a:t>Presenter Name  </a:t>
+            </a:r>
+            <a:r>
+              <a:rPr lang="en-US" altLang="en-US" sz="1200" u="none" dirty="0">
+                <a:solidFill>
+                  <a:srgbClr val="047BC1"/>
+                </a:solidFill>
+                <a:latin typeface="Calibri"/>
+                <a:ea typeface="MS PGothic"/>
+                <a:cs typeface="Calibri"/>
+              </a:rPr>
+              <a:t>|</a:t>
+            </a:r>
+            <a:r>
+              <a:rPr lang="en-US" altLang="en-US" sz="1200" u="none" dirty="0">
+                <a:latin typeface="Calibri"/>
+                <a:ea typeface="MS PGothic"/>
+                <a:cs typeface="Calibri"/>
+              </a:rPr>
+              <a:t>  Date</a:t>
+            </a:r>
+            <a:endParaRPr lang="en-CA" altLang="en-US" sz="1200" u="none" dirty="0">
+              <a:latin typeface="Calibri" panose="020F0502020204030204" pitchFamily="34" charset="0"/>
+              <a:cs typeface="Calibri" panose="020F0502020204030204" pitchFamily="34" charset="0"/>
+            </a:endParaRPr>
+          </a:p>
+        </p:txBody>
+      </p:sp>
+      <p:sp>
+        <p:nvSpPr>
+          <p:cNvPr id="5" name="Text Placeholder 42">
+            <a:extLst>
+              <a:ext uri="{FF2B5EF4-FFF2-40B4-BE49-F238E27FC236}">
+                <a16:creationId xmlns:a16="http://schemas.microsoft.com/office/drawing/2014/main" id="{9A66CD2C-C71C-36A5-5711-07E6732387FF}"/>
+              </a:ext>
+            </a:extLst>
+          </p:cNvPr>
+          <p:cNvSpPr>
+            <a:spLocks noGrp="1"/>
+          </p:cNvSpPr>
+          <p:nvPr>
+            <p:ph type="body" sz="quarter" idx="14" hasCustomPrompt="1"/>
+          </p:nvPr>
+        </p:nvSpPr>
+        <p:spPr>
+          <a:xfrm>
+            <a:off x="534075" y="2756496"/>
+            <a:ext cx="4057650" cy="609398"/>
+          </a:xfrm>
+        </p:spPr>
+        <p:txBody>
+          <a:bodyPr wrap="square" anchor="t">
+            <a:spAutoFit/>
+          </a:bodyPr>
+          <a:lstStyle>
+            <a:lvl1pPr marL="0" indent="0">
+              <a:spcAft>
+                <a:spcPts val="0"/>
+              </a:spcAft>
+              <a:buNone/>
+              <a:defRPr sz="2250">
+                <a:latin typeface="+mj-lt"/>
+              </a:defRPr>
+            </a:lvl1pPr>
+            <a:lvl2pPr>
+              <a:defRPr sz="2250">
+                <a:latin typeface="+mj-lt"/>
+              </a:defRPr>
+            </a:lvl2pPr>
+            <a:lvl3pPr>
+              <a:defRPr sz="2250">
+                <a:latin typeface="+mj-lt"/>
+              </a:defRPr>
+            </a:lvl3pPr>
+            <a:lvl4pPr>
+              <a:defRPr sz="2250">
+                <a:latin typeface="+mj-lt"/>
+              </a:defRPr>
+            </a:lvl4pPr>
+            <a:lvl5pPr>
+              <a:defRPr sz="2250">
+                <a:latin typeface="+mj-lt"/>
+              </a:defRPr>
+            </a:lvl5pPr>
+          </a:lstStyle>
+          <a:p>
+            <a:pPr>
+              <a:lnSpc>
+                <a:spcPct val="88000"/>
+              </a:lnSpc>
+            </a:pPr>
+            <a:r>
+              <a:rPr lang="en-US" sz="2250" u="none" dirty="0">
+                <a:latin typeface="Calibri Light" panose="020F0302020204030204" pitchFamily="34" charset="0"/>
+                <a:ea typeface="MS PGothic"/>
+                <a:cs typeface="Calibri Light" panose="020F0302020204030204" pitchFamily="34" charset="0"/>
+              </a:rPr>
+              <a:t>Subheading goes here</a:t>
+            </a:r>
+            <a:br>
+              <a:rPr lang="en-US" sz="2250" u="none" dirty="0">
+                <a:latin typeface="Calibri Light" panose="020F0302020204030204" pitchFamily="34" charset="0"/>
+                <a:ea typeface="MS PGothic"/>
+                <a:cs typeface="Calibri Light" panose="020F0302020204030204" pitchFamily="34" charset="0"/>
+              </a:rPr>
+            </a:br>
+            <a:r>
+              <a:rPr lang="en-US" sz="2250" dirty="0">
+                <a:latin typeface="Calibri Light" panose="020F0302020204030204" pitchFamily="34" charset="0"/>
+                <a:ea typeface="MS PGothic"/>
+                <a:cs typeface="Calibri Light" panose="020F0302020204030204" pitchFamily="34" charset="0"/>
+              </a:rPr>
+              <a:t>Calibri 30 pt.</a:t>
+            </a:r>
+            <a:endParaRPr lang="en-US" sz="2250" u="none" dirty="0">
+              <a:latin typeface="Calibri Light" panose="020F0302020204030204" pitchFamily="34" charset="0"/>
+              <a:ea typeface="MS PGothic"/>
+              <a:cs typeface="Calibri Light" panose="020F0302020204030204" pitchFamily="34" charset="0"/>
+            </a:endParaRPr>
+          </a:p>
+        </p:txBody>
+      </p:sp>
+      <p:sp>
+        <p:nvSpPr>
+          <p:cNvPr id="7" name="Text Placeholder 37">
+            <a:extLst>
+              <a:ext uri="{FF2B5EF4-FFF2-40B4-BE49-F238E27FC236}">
+                <a16:creationId xmlns:a16="http://schemas.microsoft.com/office/drawing/2014/main" id="{95B5AC9A-8274-BF47-BC66-46041274E93A}"/>
+              </a:ext>
+            </a:extLst>
+          </p:cNvPr>
+          <p:cNvSpPr>
+            <a:spLocks noGrp="1"/>
+          </p:cNvSpPr>
+          <p:nvPr>
+            <p:ph type="body" sz="quarter" idx="17" hasCustomPrompt="1"/>
+          </p:nvPr>
+        </p:nvSpPr>
+        <p:spPr>
+          <a:xfrm>
+            <a:off x="534075" y="1593411"/>
+            <a:ext cx="4383157" cy="853167"/>
+          </a:xfrm>
+        </p:spPr>
+        <p:txBody>
+          <a:bodyPr wrap="square" anchor="b">
+            <a:spAutoFit/>
+          </a:bodyPr>
+          <a:lstStyle>
+            <a:lvl1pPr marL="0" indent="0">
+              <a:lnSpc>
+                <a:spcPct val="88000"/>
+              </a:lnSpc>
+              <a:spcBef>
+                <a:spcPts val="0"/>
+              </a:spcBef>
+              <a:spcAft>
+                <a:spcPts val="0"/>
+              </a:spcAft>
+              <a:buNone/>
+              <a:defRPr sz="3150" b="1"/>
+            </a:lvl1pPr>
+            <a:lvl2pPr marL="342900" indent="0">
+              <a:lnSpc>
+                <a:spcPct val="88000"/>
+              </a:lnSpc>
+              <a:buNone/>
+              <a:defRPr sz="3150" b="1"/>
+            </a:lvl2pPr>
+            <a:lvl3pPr marL="685800" indent="0">
+              <a:lnSpc>
+                <a:spcPct val="88000"/>
+              </a:lnSpc>
+              <a:buNone/>
+              <a:defRPr sz="3150" b="1"/>
+            </a:lvl3pPr>
+            <a:lvl4pPr marL="1028700" indent="0">
+              <a:lnSpc>
+                <a:spcPct val="88000"/>
+              </a:lnSpc>
+              <a:buNone/>
+              <a:defRPr sz="3150" b="1"/>
+            </a:lvl4pPr>
+            <a:lvl5pPr marL="1371600" indent="0">
+              <a:lnSpc>
+                <a:spcPct val="88000"/>
+              </a:lnSpc>
+              <a:buNone/>
+              <a:defRPr sz="3150" b="1"/>
+            </a:lvl5pPr>
+          </a:lstStyle>
+          <a:p>
+            <a:pPr>
+              <a:lnSpc>
+                <a:spcPct val="88000"/>
+              </a:lnSpc>
+              <a:spcAft>
+                <a:spcPts val="600"/>
+              </a:spcAft>
+            </a:pPr>
+            <a:r>
+              <a:rPr lang="en-US" sz="3150" b="1" u="none" dirty="0">
+                <a:latin typeface="Calibri"/>
+                <a:ea typeface="MS PGothic"/>
+                <a:cs typeface="Calibri"/>
+              </a:rPr>
+              <a:t>Presentation Title. </a:t>
+            </a:r>
+            <a:br>
+              <a:rPr lang="en-US" sz="3150" b="1" u="none" dirty="0">
+                <a:latin typeface="Calibri"/>
+                <a:ea typeface="MS PGothic"/>
+                <a:cs typeface="Calibri"/>
+              </a:rPr>
+            </a:br>
+            <a:r>
+              <a:rPr lang="en-US" sz="3150" b="1" u="none" dirty="0">
+                <a:latin typeface="Calibri"/>
+                <a:ea typeface="MS PGothic"/>
+                <a:cs typeface="Calibri"/>
+              </a:rPr>
+              <a:t>Can be 2-3 lines in length</a:t>
+            </a:r>
+            <a:endParaRPr lang="en-US" sz="3150" b="1" u="none" dirty="0">
+              <a:latin typeface="Calibri Light" panose="020F0302020204030204" pitchFamily="34" charset="0"/>
+              <a:ea typeface="MS PGothic"/>
+              <a:cs typeface="Calibri Light" panose="020F0302020204030204" pitchFamily="34" charset="0"/>
+            </a:endParaRPr>
+          </a:p>
+        </p:txBody>
+      </p:sp>
+      <p:sp>
+        <p:nvSpPr>
+          <p:cNvPr id="6" name="Rectangle 5">
+            <a:extLst>
+              <a:ext uri="{FF2B5EF4-FFF2-40B4-BE49-F238E27FC236}">
+                <a16:creationId xmlns:a16="http://schemas.microsoft.com/office/drawing/2014/main" id="{1D716EFD-F646-3881-9E4C-0455F945B4A4}"/>
+              </a:ext>
+              <a:ext uri="{C183D7F6-B498-43B3-948B-1728B52AA6E4}">
+                <adec:decorative xmlns:adec="http://schemas.microsoft.com/office/drawing/2017/decorative" val="1"/>
+              </a:ext>
+            </a:extLst>
+          </p:cNvPr>
+          <p:cNvSpPr/>
+          <p:nvPr/>
+        </p:nvSpPr>
+        <p:spPr>
+          <a:xfrm>
+            <a:off x="547721" y="2482414"/>
+            <a:ext cx="685800" cy="89154"/>
+          </a:xfrm>
+          <a:prstGeom prst="rect">
+            <a:avLst/>
+          </a:prstGeom>
+          <a:solidFill>
+            <a:schemeClr val="accent1"/>
+          </a:solidFill>
+          <a:ln>
+            <a:noFill/>
+          </a:ln>
+        </p:spPr>
+        <p:style>
+          <a:lnRef idx="2">
+            <a:schemeClr val="accent1">
+              <a:shade val="50000"/>
+            </a:schemeClr>
+          </a:lnRef>
+          <a:fillRef idx="1">
+            <a:schemeClr val="accent1"/>
+          </a:fillRef>
+          <a:effectRef idx="0">
+            <a:schemeClr val="accent1"/>
+          </a:effectRef>
+          <a:fontRef idx="minor">
+            <a:schemeClr val="lt1"/>
+          </a:fontRef>
+        </p:style>
+        <p:txBody>
+          <a:bodyPr lIns="137160" tIns="137160" rIns="137160" bIns="137160" rtlCol="0" anchor="t" anchorCtr="1"/>
+          <a:lstStyle/>
+          <a:p>
+            <a:pPr algn="l"/>
+            <a:endParaRPr lang="en-US" sz="1650" b="1" dirty="0">
+              <a:solidFill>
+                <a:schemeClr val="tx1"/>
+              </a:solidFill>
+              <a:latin typeface="Calibri" panose="020F0502020204030204" pitchFamily="34" charset="0"/>
+              <a:ea typeface="MS PGothic"/>
+              <a:cs typeface="Calibri" panose="020F0502020204030204" pitchFamily="34" charset="0"/>
+            </a:endParaRPr>
+          </a:p>
+        </p:txBody>
+      </p:sp>
+      <p:sp>
+        <p:nvSpPr>
+          <p:cNvPr id="2" name="Rectangle 1">
+            <a:extLst>
+              <a:ext uri="{FF2B5EF4-FFF2-40B4-BE49-F238E27FC236}">
+                <a16:creationId xmlns:a16="http://schemas.microsoft.com/office/drawing/2014/main" id="{DFC92F6B-E831-308F-C985-13BDB8D6318E}"/>
+              </a:ext>
+              <a:ext uri="{C183D7F6-B498-43B3-948B-1728B52AA6E4}">
+                <adec:decorative xmlns:adec="http://schemas.microsoft.com/office/drawing/2017/decorative" val="1"/>
+              </a:ext>
+            </a:extLst>
+          </p:cNvPr>
+          <p:cNvSpPr/>
+          <p:nvPr userDrawn="1"/>
+        </p:nvSpPr>
+        <p:spPr>
+          <a:xfrm>
+            <a:off x="547721" y="2482414"/>
+            <a:ext cx="685800" cy="89154"/>
+          </a:xfrm>
+          <a:prstGeom prst="rect">
+            <a:avLst/>
+          </a:prstGeom>
+          <a:solidFill>
+            <a:schemeClr val="accent1"/>
+          </a:solidFill>
+          <a:ln>
+            <a:noFill/>
+          </a:ln>
+        </p:spPr>
+        <p:style>
+          <a:lnRef idx="2">
+            <a:schemeClr val="accent1">
+              <a:shade val="50000"/>
+            </a:schemeClr>
+          </a:lnRef>
+          <a:fillRef idx="1">
+            <a:schemeClr val="accent1"/>
+          </a:fillRef>
+          <a:effectRef idx="0">
+            <a:schemeClr val="accent1"/>
+          </a:effectRef>
+          <a:fontRef idx="minor">
+            <a:schemeClr val="lt1"/>
+          </a:fontRef>
+        </p:style>
+        <p:txBody>
+          <a:bodyPr lIns="137160" tIns="137160" rIns="137160" bIns="137160" rtlCol="0" anchor="t" anchorCtr="1"/>
+          <a:lstStyle/>
+          <a:p>
+            <a:pPr algn="l"/>
+            <a:endParaRPr lang="en-US" sz="1650" b="1" dirty="0">
+              <a:solidFill>
+                <a:schemeClr val="tx1"/>
+              </a:solidFill>
+              <a:latin typeface="Calibri" panose="020F0502020204030204" pitchFamily="34" charset="0"/>
+              <a:ea typeface="MS PGothic"/>
+              <a:cs typeface="Calibri" panose="020F0502020204030204" pitchFamily="34" charset="0"/>
+            </a:endParaRPr>
+          </a:p>
+        </p:txBody>
+      </p:sp>
+      <p:pic>
+        <p:nvPicPr>
+          <p:cNvPr id="8" name="Picture 7">
+            <a:extLst>
+              <a:ext uri="{FF2B5EF4-FFF2-40B4-BE49-F238E27FC236}">
+                <a16:creationId xmlns:a16="http://schemas.microsoft.com/office/drawing/2014/main" id="{2135E3E3-D409-BCAE-B326-682ADC262DF2}"/>
+              </a:ext>
+            </a:extLst>
+          </p:cNvPr>
+          <p:cNvPicPr>
+            <a:picLocks noChangeAspect="1"/>
+          </p:cNvPicPr>
+          <p:nvPr userDrawn="1"/>
+        </p:nvPicPr>
+        <p:blipFill>
+          <a:blip r:embed="rId3"/>
+          <a:srcRect/>
+          <a:stretch/>
+        </p:blipFill>
+        <p:spPr>
+          <a:xfrm>
+            <a:off x="7141722" y="4160771"/>
+            <a:ext cx="2002278" cy="980895"/>
+          </a:xfrm>
+          <a:prstGeom prst="rect">
+            <a:avLst/>
+          </a:prstGeom>
+        </p:spPr>
+      </p:pic>
+    </p:spTree>
+    <p:extLst>
+      <p:ext uri="{BB962C8B-B14F-4D97-AF65-F5344CB8AC3E}">
+        <p14:creationId xmlns:p14="http://schemas.microsoft.com/office/powerpoint/2010/main" val="3858933367"/>
       </p:ext>
     </p:extLst>
   </p:cSld>
@@ -16762,7 +17991,7 @@
           <a:p>
             <a:r>
               <a:rPr lang="en-CA" b="1" dirty="0"/>
-              <a:t>© 2024 Health Level Seven ® International. All Rights Reserved. Published under the Creative Commons 3.0 Attribution </a:t>
+              <a:t>© 2025 Health Level Seven ® International. All Rights Reserved. Published under the Creative Commons 3.0 Attribution </a:t>
             </a:r>
             <a:r>
               <a:rPr lang="en-CA" b="1" dirty="0" err="1"/>
@@ -17324,7 +18553,7 @@
           <a:p>
             <a:r>
               <a:rPr lang="en-CA" b="1" dirty="0"/>
-              <a:t>© 2024 Health Level Seven ® International. All Rights Reserved. Published under the Creative Commons 3.0 Attribution </a:t>
+              <a:t>© 2025 Health Level Seven ® International. All Rights Reserved. Published under the Creative Commons 3.0 Attribution </a:t>
             </a:r>
             <a:r>
               <a:rPr lang="en-CA" b="1" dirty="0" err="1"/>
@@ -17824,7 +19053,7 @@
           <a:p>
             <a:r>
               <a:rPr lang="en-CA" b="1" dirty="0"/>
-              <a:t>© 2024 Health Level Seven ® International. All Rights Reserved. Published under the Creative Commons 3.0 Attribution </a:t>
+              <a:t>© 2025 Health Level Seven ® International. All Rights Reserved. Published under the Creative Commons 3.0 Attribution </a:t>
             </a:r>
             <a:r>
               <a:rPr lang="en-CA" b="1" dirty="0" err="1"/>
@@ -18324,7 +19553,7 @@
           <a:p>
             <a:r>
               <a:rPr lang="en-CA" b="1" dirty="0"/>
-              <a:t>© 2024 Health Level Seven ® International. All Rights Reserved. Published under the Creative Commons 3.0 Attribution </a:t>
+              <a:t>© 2025 Health Level Seven ® International. All Rights Reserved. Published under the Creative Commons 3.0 Attribution </a:t>
             </a:r>
             <a:r>
               <a:rPr lang="en-CA" b="1" dirty="0" err="1"/>
@@ -19067,7 +20296,7 @@
           <a:p>
             <a:r>
               <a:rPr lang="en-CA" b="1" dirty="0"/>
-              <a:t>© 2024 Health Level Seven ® International. All Rights Reserved. Published under the Creative Commons 3.0 Attribution </a:t>
+              <a:t>© 2025 Health Level Seven ® International. All Rights Reserved. Published under the Creative Commons 3.0 Attribution </a:t>
             </a:r>
             <a:r>
               <a:rPr lang="en-CA" b="1" dirty="0" err="1"/>
@@ -20058,7 +21287,7 @@
           <a:p>
             <a:r>
               <a:rPr lang="en-CA" b="1" dirty="0"/>
-              <a:t>© 2024 Health Level Seven ® International. All Rights Reserved. Published under the Creative Commons 3.0 Attribution </a:t>
+              <a:t>© 2025 Health Level Seven ® International. All Rights Reserved. Published under the Creative Commons 3.0 Attribution </a:t>
             </a:r>
             <a:r>
               <a:rPr lang="en-CA" b="1" dirty="0" err="1"/>
@@ -20867,7 +22096,7 @@
           <a:p>
             <a:r>
               <a:rPr lang="en-CA" b="1" dirty="0"/>
-              <a:t>© 2024 Health Level Seven ® International. All Rights Reserved. Published under the Creative Commons 3.0 Attribution </a:t>
+              <a:t>© 2025 Health Level Seven ® International. All Rights Reserved. Published under the Creative Commons 3.0 Attribution </a:t>
             </a:r>
             <a:r>
               <a:rPr lang="en-CA" b="1" dirty="0" err="1"/>
@@ -21406,7 +22635,7 @@
           <a:p>
             <a:r>
               <a:rPr lang="en-CA" b="1" dirty="0"/>
-              <a:t>© 2024 Health Level Seven ® International. All Rights Reserved. Published under the Creative Commons 3.0 Attribution </a:t>
+              <a:t>© 2025 Health Level Seven ® International. All Rights Reserved. Published under the Creative Commons 3.0 Attribution </a:t>
             </a:r>
             <a:r>
               <a:rPr lang="en-CA" b="1" dirty="0" err="1"/>
@@ -21488,6 +22717,7 @@
     <p:sldLayoutId id="2147483702" r:id="rId14"/>
     <p:sldLayoutId id="2147483704" r:id="rId15"/>
     <p:sldLayoutId id="2147483706" r:id="rId16"/>
+    <p:sldLayoutId id="2147483707" r:id="rId17"/>
   </p:sldLayoutIdLst>
   <p:hf hdr="0" dt="0"/>
   <p:txStyles>
@@ -21970,9 +23200,12 @@
           </a:p>
           <a:p>
             <a:r>
-              <a:rPr lang="en-US" dirty="0"/>
-              <a:t>??Date??</a:t>
-            </a:r>
+              <a:rPr lang="en-US">
+                <a:ea typeface="ヒラギノ角ゴ Pro W3"/>
+              </a:rPr>
+              <a:t>February 2025</a:t>
+            </a:r>
+            <a:endParaRPr lang="en-US"/>
           </a:p>
         </p:txBody>
       </p:sp>
@@ -21999,7 +23232,7 @@
           <a:p>
             <a:r>
               <a:rPr lang="en-CA" dirty="0"/>
-              <a:t>© 2024 Health Level Seven ® International. All Rights Reserved. Published under the Creative Commons 3.0 Attribution </a:t>
+              <a:t>© 2025 Health Level Seven ® International. All Rights Reserved. Published under the Creative Commons 3.0 Attribution </a:t>
             </a:r>
             <a:r>
               <a:rPr lang="en-CA" dirty="0" err="1"/>
@@ -22062,6 +23295,227 @@
 </file>
 
 <file path=ppt/slides/slide10.xml><?xml version="1.0" encoding="utf-8"?>
+<p:sld xmlns:a="http://schemas.openxmlformats.org/drawingml/2006/main" xmlns:r="http://schemas.openxmlformats.org/officeDocument/2006/relationships" xmlns:p="http://schemas.openxmlformats.org/presentationml/2006/main">
+  <p:cSld>
+    <p:spTree>
+      <p:nvGrpSpPr>
+        <p:cNvPr id="1" name=""/>
+        <p:cNvGrpSpPr/>
+        <p:nvPr/>
+      </p:nvGrpSpPr>
+      <p:grpSpPr>
+        <a:xfrm>
+          <a:off x="0" y="0"/>
+          <a:ext cx="0" cy="0"/>
+          <a:chOff x="0" y="0"/>
+          <a:chExt cx="0" cy="0"/>
+        </a:xfrm>
+      </p:grpSpPr>
+      <p:sp>
+        <p:nvSpPr>
+          <p:cNvPr id="5" name="Title 4">
+            <a:extLst>
+              <a:ext uri="{FF2B5EF4-FFF2-40B4-BE49-F238E27FC236}">
+                <a16:creationId xmlns:a16="http://schemas.microsoft.com/office/drawing/2014/main" id="{7445A3EF-F95F-1ADA-66F9-800ADE9B40C6}"/>
+              </a:ext>
+            </a:extLst>
+          </p:cNvPr>
+          <p:cNvSpPr>
+            <a:spLocks noGrp="1"/>
+          </p:cNvSpPr>
+          <p:nvPr>
+            <p:ph type="title"/>
+          </p:nvPr>
+        </p:nvSpPr>
+        <p:spPr/>
+        <p:txBody>
+          <a:bodyPr/>
+          <a:lstStyle/>
+          <a:p>
+            <a:r>
+              <a:rPr lang="en-US" dirty="0"/>
+              <a:t>Rationale for modular forms</a:t>
+            </a:r>
+            <a:endParaRPr lang="en-CA" dirty="0"/>
+          </a:p>
+        </p:txBody>
+      </p:sp>
+      <p:sp>
+        <p:nvSpPr>
+          <p:cNvPr id="6" name="Text Placeholder 5">
+            <a:extLst>
+              <a:ext uri="{FF2B5EF4-FFF2-40B4-BE49-F238E27FC236}">
+                <a16:creationId xmlns:a16="http://schemas.microsoft.com/office/drawing/2014/main" id="{D845FD7C-AA28-D0B4-33C4-A9DDAD29160A}"/>
+              </a:ext>
+            </a:extLst>
+          </p:cNvPr>
+          <p:cNvSpPr>
+            <a:spLocks noGrp="1"/>
+          </p:cNvSpPr>
+          <p:nvPr>
+            <p:ph type="body" sz="quarter" idx="13"/>
+          </p:nvPr>
+        </p:nvSpPr>
+        <p:spPr>
+          <a:xfrm>
+            <a:off x="614362" y="1357310"/>
+            <a:ext cx="4779759" cy="3098780"/>
+          </a:xfrm>
+        </p:spPr>
+        <p:txBody>
+          <a:bodyPr/>
+          <a:lstStyle/>
+          <a:p>
+            <a:r>
+              <a:rPr lang="en-US" dirty="0"/>
+              <a:t>More consistency</a:t>
+            </a:r>
+          </a:p>
+          <a:p>
+            <a:pPr lvl="1"/>
+            <a:r>
+              <a:rPr lang="en-US" dirty="0"/>
+              <a:t>Better data quality</a:t>
+            </a:r>
+          </a:p>
+          <a:p>
+            <a:pPr lvl="1"/>
+            <a:r>
+              <a:rPr lang="en-US" dirty="0"/>
+              <a:t>Leverage known ‘good’ questions</a:t>
+            </a:r>
+          </a:p>
+          <a:p>
+            <a:pPr lvl="1"/>
+            <a:r>
+              <a:rPr lang="en-US" dirty="0"/>
+              <a:t>More user familiarity</a:t>
+            </a:r>
+          </a:p>
+          <a:p>
+            <a:r>
+              <a:rPr lang="en-US" dirty="0"/>
+              <a:t>Reduce maintenance effort</a:t>
+            </a:r>
+          </a:p>
+          <a:p>
+            <a:pPr lvl="1"/>
+            <a:r>
+              <a:rPr lang="en-US" dirty="0"/>
+              <a:t>Including on population/extraction logic</a:t>
+            </a:r>
+          </a:p>
+        </p:txBody>
+      </p:sp>
+      <p:sp>
+        <p:nvSpPr>
+          <p:cNvPr id="3" name="Footer Placeholder 2">
+            <a:extLst>
+              <a:ext uri="{FF2B5EF4-FFF2-40B4-BE49-F238E27FC236}">
+                <a16:creationId xmlns:a16="http://schemas.microsoft.com/office/drawing/2014/main" id="{D8136FED-0229-CDD8-8100-DABD768C7D44}"/>
+              </a:ext>
+            </a:extLst>
+          </p:cNvPr>
+          <p:cNvSpPr>
+            <a:spLocks noGrp="1"/>
+          </p:cNvSpPr>
+          <p:nvPr>
+            <p:ph type="ftr" sz="quarter" idx="10"/>
+          </p:nvPr>
+        </p:nvSpPr>
+        <p:spPr/>
+        <p:txBody>
+          <a:bodyPr/>
+          <a:lstStyle/>
+          <a:p>
+            <a:r>
+              <a:rPr lang="en-CA" b="1"/>
+              <a:t>© 2025 Health Level Seven ® International. All Rights Reserved. Published under the Creative Commons 3.0 Attribution Unported license</a:t>
+            </a:r>
+            <a:endParaRPr lang="en-US" b="1" dirty="0"/>
+          </a:p>
+        </p:txBody>
+      </p:sp>
+      <p:sp>
+        <p:nvSpPr>
+          <p:cNvPr id="4" name="Slide Number Placeholder 3">
+            <a:extLst>
+              <a:ext uri="{FF2B5EF4-FFF2-40B4-BE49-F238E27FC236}">
+                <a16:creationId xmlns:a16="http://schemas.microsoft.com/office/drawing/2014/main" id="{9C24CF50-A2AB-9E57-631F-D717DB7B4C6C}"/>
+              </a:ext>
+            </a:extLst>
+          </p:cNvPr>
+          <p:cNvSpPr>
+            <a:spLocks noGrp="1"/>
+          </p:cNvSpPr>
+          <p:nvPr>
+            <p:ph type="sldNum" sz="quarter" idx="11"/>
+          </p:nvPr>
+        </p:nvSpPr>
+        <p:spPr/>
+        <p:txBody>
+          <a:bodyPr/>
+          <a:lstStyle/>
+          <a:p>
+            <a:fld id="{6CACE926-AEF5-4BFE-8BD7-24414108CB7B}" type="slidenum">
+              <a:rPr lang="en-US" altLang="en-US" smtClean="0"/>
+              <a:pPr/>
+              <a:t>10</a:t>
+            </a:fld>
+            <a:endParaRPr lang="en-US" altLang="en-US" dirty="0"/>
+          </a:p>
+        </p:txBody>
+      </p:sp>
+      <p:pic>
+        <p:nvPicPr>
+          <p:cNvPr id="8" name="Picture 7" descr="A hand holding a yellow paper with black text&#10;&#10;Description automatically generated">
+            <a:extLst>
+              <a:ext uri="{FF2B5EF4-FFF2-40B4-BE49-F238E27FC236}">
+                <a16:creationId xmlns:a16="http://schemas.microsoft.com/office/drawing/2014/main" id="{609A5118-F888-EB8B-E4FB-A7DC35D2673C}"/>
+              </a:ext>
+            </a:extLst>
+          </p:cNvPr>
+          <p:cNvPicPr>
+            <a:picLocks noChangeAspect="1"/>
+          </p:cNvPicPr>
+          <p:nvPr/>
+        </p:nvPicPr>
+        <p:blipFill>
+          <a:blip r:embed="rId2">
+            <a:extLst>
+              <a:ext uri="{837473B0-CC2E-450A-ABE3-18F120FF3D39}">
+                <a1611:picAttrSrcUrl xmlns:a1611="http://schemas.microsoft.com/office/drawing/2016/11/main" r:id="rId3"/>
+              </a:ext>
+            </a:extLst>
+          </a:blip>
+          <a:stretch>
+            <a:fillRect/>
+          </a:stretch>
+        </p:blipFill>
+        <p:spPr>
+          <a:xfrm>
+            <a:off x="5730875" y="1476462"/>
+            <a:ext cx="2495725" cy="1871794"/>
+          </a:xfrm>
+          <a:prstGeom prst="rect">
+            <a:avLst/>
+          </a:prstGeom>
+        </p:spPr>
+      </p:pic>
+    </p:spTree>
+    <p:extLst>
+      <p:ext uri="{BB962C8B-B14F-4D97-AF65-F5344CB8AC3E}">
+        <p14:creationId xmlns:p14="http://schemas.microsoft.com/office/powerpoint/2010/main" val="2725813447"/>
+      </p:ext>
+    </p:extLst>
+  </p:cSld>
+  <p:clrMapOvr>
+    <a:masterClrMapping/>
+  </p:clrMapOvr>
+</p:sld>
+</file>
+
+<file path=ppt/slides/slide11.xml><?xml version="1.0" encoding="utf-8"?>
 <p:sld xmlns:a="http://schemas.openxmlformats.org/drawingml/2006/main" xmlns:r="http://schemas.openxmlformats.org/officeDocument/2006/relationships" xmlns:p="http://schemas.openxmlformats.org/presentationml/2006/main">
   <p:cSld>
     <p:spTree>
@@ -22107,7 +23561,7 @@
             <a:fld id="{6CACE926-AEF5-4BFE-8BD7-24414108CB7B}" type="slidenum">
               <a:rPr lang="en-US" altLang="en-US" smtClean="0"/>
               <a:pPr/>
-              <a:t>10</a:t>
+              <a:t>11</a:t>
             </a:fld>
             <a:endParaRPr lang="en-US" altLang="en-US" dirty="0"/>
           </a:p>
@@ -22644,7 +24098,7 @@
 </p:sld>
 </file>
 
-<file path=ppt/slides/slide11.xml><?xml version="1.0" encoding="utf-8"?>
+<file path=ppt/slides/slide12.xml><?xml version="1.0" encoding="utf-8"?>
 <p:sld xmlns:a="http://schemas.openxmlformats.org/drawingml/2006/main" xmlns:r="http://schemas.openxmlformats.org/officeDocument/2006/relationships" xmlns:p="http://schemas.openxmlformats.org/presentationml/2006/main">
   <p:cSld>
     <p:spTree>
@@ -22957,7 +24411,7 @@
 </p:sld>
 </file>
 
-<file path=ppt/slides/slide12.xml><?xml version="1.0" encoding="utf-8"?>
+<file path=ppt/slides/slide13.xml><?xml version="1.0" encoding="utf-8"?>
 <p:sld xmlns:a="http://schemas.openxmlformats.org/drawingml/2006/main" xmlns:r="http://schemas.openxmlformats.org/officeDocument/2006/relationships" xmlns:p="http://schemas.openxmlformats.org/presentationml/2006/main">
   <p:cSld>
     <p:spTree>
@@ -23033,7 +24487,7 @@
           <a:p>
             <a:r>
               <a:rPr lang="en-CA" b="1"/>
-              <a:t>© 2024 Health Level Seven ® International. All Rights Reserved. Published under the Creative Commons 3.0 Attribution Unported license</a:t>
+              <a:t>© 2025 Health Level Seven ® International. All Rights Reserved. Published under the Creative Commons 3.0 Attribution Unported license</a:t>
             </a:r>
             <a:endParaRPr lang="en-US" b="1" dirty="0"/>
           </a:p>
@@ -23063,7 +24517,7 @@
             <a:fld id="{6CACE926-AEF5-4BFE-8BD7-24414108CB7B}" type="slidenum">
               <a:rPr lang="en-US" altLang="en-US" smtClean="0"/>
               <a:pPr/>
-              <a:t>12</a:t>
+              <a:t>13</a:t>
             </a:fld>
             <a:endParaRPr lang="en-US" altLang="en-US" dirty="0"/>
           </a:p>
@@ -23509,7 +24963,7 @@
 </p:sld>
 </file>
 
-<file path=ppt/slides/slide13.xml><?xml version="1.0" encoding="utf-8"?>
+<file path=ppt/slides/slide14.xml><?xml version="1.0" encoding="utf-8"?>
 <p:sld xmlns:a="http://schemas.openxmlformats.org/drawingml/2006/main" xmlns:r="http://schemas.openxmlformats.org/officeDocument/2006/relationships" xmlns:p="http://schemas.openxmlformats.org/presentationml/2006/main">
   <p:cSld>
     <p:spTree>
@@ -23643,7 +25097,7 @@
           <a:p>
             <a:r>
               <a:rPr lang="en-CA" b="1"/>
-              <a:t>© 2024 Health Level Seven ® International. All Rights Reserved. Published under the Creative Commons 3.0 Attribution Unported license</a:t>
+              <a:t>© 2025 Health Level Seven ® International. All Rights Reserved. Published under the Creative Commons 3.0 Attribution Unported license</a:t>
             </a:r>
             <a:endParaRPr lang="en-US" b="1" dirty="0"/>
           </a:p>
@@ -23673,7 +25127,7 @@
             <a:fld id="{6CACE926-AEF5-4BFE-8BD7-24414108CB7B}" type="slidenum">
               <a:rPr lang="en-US" altLang="en-US" smtClean="0"/>
               <a:pPr/>
-              <a:t>13</a:t>
+              <a:t>14</a:t>
             </a:fld>
             <a:endParaRPr lang="en-US" altLang="en-US" dirty="0"/>
           </a:p>
@@ -23692,7 +25146,7 @@
 </p:sld>
 </file>
 
-<file path=ppt/slides/slide14.xml><?xml version="1.0" encoding="utf-8"?>
+<file path=ppt/slides/slide15.xml><?xml version="1.0" encoding="utf-8"?>
 <p:sld xmlns:a="http://schemas.openxmlformats.org/drawingml/2006/main" xmlns:r="http://schemas.openxmlformats.org/officeDocument/2006/relationships" xmlns:p="http://schemas.openxmlformats.org/presentationml/2006/main">
   <p:cSld>
     <p:spTree>
@@ -23857,7 +25311,7 @@
           <a:p>
             <a:r>
               <a:rPr lang="en-CA" b="1"/>
-              <a:t>© 2024 Health Level Seven ® International. All Rights Reserved. Published under the Creative Commons 3.0 Attribution Unported license</a:t>
+              <a:t>© 2025 Health Level Seven ® International. All Rights Reserved. Published under the Creative Commons 3.0 Attribution Unported license</a:t>
             </a:r>
             <a:endParaRPr lang="en-US" b="1" dirty="0"/>
           </a:p>
@@ -23887,7 +25341,7 @@
             <a:fld id="{6CACE926-AEF5-4BFE-8BD7-24414108CB7B}" type="slidenum">
               <a:rPr lang="en-US" altLang="en-US" smtClean="0"/>
               <a:pPr/>
-              <a:t>14</a:t>
+              <a:t>15</a:t>
             </a:fld>
             <a:endParaRPr lang="en-US" altLang="en-US" dirty="0"/>
           </a:p>
@@ -23906,7 +25360,7 @@
 </p:sld>
 </file>
 
-<file path=ppt/slides/slide15.xml><?xml version="1.0" encoding="utf-8"?>
+<file path=ppt/slides/slide16.xml><?xml version="1.0" encoding="utf-8"?>
 <p:sld xmlns:a="http://schemas.openxmlformats.org/drawingml/2006/main" xmlns:r="http://schemas.openxmlformats.org/officeDocument/2006/relationships" xmlns:p="http://schemas.openxmlformats.org/presentationml/2006/main">
   <p:cSld>
     <p:spTree>
@@ -23952,7 +25406,7 @@
             <a:fld id="{6CACE926-AEF5-4BFE-8BD7-24414108CB7B}" type="slidenum">
               <a:rPr lang="en-US" altLang="en-US" smtClean="0"/>
               <a:pPr/>
-              <a:t>15</a:t>
+              <a:t>16</a:t>
             </a:fld>
             <a:endParaRPr lang="en-US" altLang="en-US" dirty="0"/>
           </a:p>
@@ -24298,7 +25752,7 @@
 </p:sld>
 </file>
 
-<file path=ppt/slides/slide16.xml><?xml version="1.0" encoding="utf-8"?>
+<file path=ppt/slides/slide17.xml><?xml version="1.0" encoding="utf-8"?>
 <p:sld xmlns:a="http://schemas.openxmlformats.org/drawingml/2006/main" xmlns:r="http://schemas.openxmlformats.org/officeDocument/2006/relationships" xmlns:p="http://schemas.openxmlformats.org/presentationml/2006/main">
   <p:cSld>
     <p:spTree>
@@ -24471,7 +25925,7 @@
           <a:p>
             <a:r>
               <a:rPr lang="en-CA" b="1"/>
-              <a:t>© 2024 Health Level Seven ® International. All Rights Reserved. Published under the Creative Commons 3.0 Attribution Unported license</a:t>
+              <a:t>© 2025 Health Level Seven ® International. All Rights Reserved. Published under the Creative Commons 3.0 Attribution Unported license</a:t>
             </a:r>
             <a:endParaRPr lang="en-US" b="1" dirty="0"/>
           </a:p>
@@ -24501,7 +25955,7 @@
             <a:fld id="{6CACE926-AEF5-4BFE-8BD7-24414108CB7B}" type="slidenum">
               <a:rPr lang="en-US" altLang="en-US" smtClean="0"/>
               <a:pPr/>
-              <a:t>16</a:t>
+              <a:t>17</a:t>
             </a:fld>
             <a:endParaRPr lang="en-US" altLang="en-US" dirty="0"/>
           </a:p>
@@ -24520,7 +25974,7 @@
 </p:sld>
 </file>
 
-<file path=ppt/slides/slide17.xml><?xml version="1.0" encoding="utf-8"?>
+<file path=ppt/slides/slide18.xml><?xml version="1.0" encoding="utf-8"?>
 <p:sld xmlns:a="http://schemas.openxmlformats.org/drawingml/2006/main" xmlns:r="http://schemas.openxmlformats.org/officeDocument/2006/relationships" xmlns:p="http://schemas.openxmlformats.org/presentationml/2006/main">
   <p:cSld>
     <p:spTree>
@@ -24647,7 +26101,7 @@
           <a:p>
             <a:r>
               <a:rPr lang="en-CA" b="1"/>
-              <a:t>© 2024 Health Level Seven ® International. All Rights Reserved. Published under the Creative Commons 3.0 Attribution Unported license</a:t>
+              <a:t>© 2025 Health Level Seven ® International. All Rights Reserved. Published under the Creative Commons 3.0 Attribution Unported license</a:t>
             </a:r>
             <a:endParaRPr lang="en-US" b="1" dirty="0"/>
           </a:p>
@@ -24677,7 +26131,7 @@
             <a:fld id="{6CACE926-AEF5-4BFE-8BD7-24414108CB7B}" type="slidenum">
               <a:rPr lang="en-US" altLang="en-US" smtClean="0"/>
               <a:pPr/>
-              <a:t>17</a:t>
+              <a:t>18</a:t>
             </a:fld>
             <a:endParaRPr lang="en-US" altLang="en-US" dirty="0"/>
           </a:p>
@@ -24696,7 +26150,7 @@
 </p:sld>
 </file>
 
-<file path=ppt/slides/slide18.xml><?xml version="1.0" encoding="utf-8"?>
+<file path=ppt/slides/slide19.xml><?xml version="1.0" encoding="utf-8"?>
 <p:sld xmlns:a="http://schemas.openxmlformats.org/drawingml/2006/main" xmlns:r="http://schemas.openxmlformats.org/officeDocument/2006/relationships" xmlns:p="http://schemas.openxmlformats.org/presentationml/2006/main">
   <p:cSld>
     <p:spTree>
@@ -24765,7 +26219,7 @@
           <a:p>
             <a:r>
               <a:rPr lang="en-CA" b="1"/>
-              <a:t>© 2024 Health Level Seven ® International. All Rights Reserved. Published under the Creative Commons 3.0 Attribution Unported license</a:t>
+              <a:t>© 2025 Health Level Seven ® International. All Rights Reserved. Published under the Creative Commons 3.0 Attribution Unported license</a:t>
             </a:r>
             <a:endParaRPr lang="en-US" b="1" dirty="0"/>
           </a:p>
@@ -24795,7 +26249,7 @@
             <a:fld id="{6CACE926-AEF5-4BFE-8BD7-24414108CB7B}" type="slidenum">
               <a:rPr lang="en-US" altLang="en-US" smtClean="0"/>
               <a:pPr/>
-              <a:t>18</a:t>
+              <a:t>19</a:t>
             </a:fld>
             <a:endParaRPr lang="en-US" altLang="en-US" dirty="0"/>
           </a:p>
@@ -24882,7 +26336,471 @@
 </p:sld>
 </file>
 
-<file path=ppt/slides/slide19.xml><?xml version="1.0" encoding="utf-8"?>
+<file path=ppt/slides/slide2.xml><?xml version="1.0" encoding="utf-8"?>
+<p:sld xmlns:a="http://schemas.openxmlformats.org/drawingml/2006/main" xmlns:r="http://schemas.openxmlformats.org/officeDocument/2006/relationships" xmlns:p="http://schemas.openxmlformats.org/presentationml/2006/main">
+  <p:cSld>
+    <p:bg>
+      <p:bgPr>
+        <a:blipFill dpi="0" rotWithShape="1">
+          <a:blip r:embed="rId2">
+            <a:lum/>
+          </a:blip>
+          <a:srcRect/>
+          <a:stretch>
+            <a:fillRect/>
+          </a:stretch>
+        </a:blipFill>
+        <a:effectLst/>
+      </p:bgPr>
+    </p:bg>
+    <p:spTree>
+      <p:nvGrpSpPr>
+        <p:cNvPr id="1" name=""/>
+        <p:cNvGrpSpPr/>
+        <p:nvPr/>
+      </p:nvGrpSpPr>
+      <p:grpSpPr>
+        <a:xfrm>
+          <a:off x="0" y="0"/>
+          <a:ext cx="0" cy="0"/>
+          <a:chOff x="0" y="0"/>
+          <a:chExt cx="0" cy="0"/>
+        </a:xfrm>
+      </p:grpSpPr>
+      <p:sp>
+        <p:nvSpPr>
+          <p:cNvPr id="6" name="Text Placeholder 5">
+            <a:extLst>
+              <a:ext uri="{FF2B5EF4-FFF2-40B4-BE49-F238E27FC236}">
+                <a16:creationId xmlns:a16="http://schemas.microsoft.com/office/drawing/2014/main" id="{32A55B74-6F49-9F22-9178-DE37CD82D03E}"/>
+              </a:ext>
+            </a:extLst>
+          </p:cNvPr>
+          <p:cNvSpPr>
+            <a:spLocks noGrp="1"/>
+          </p:cNvSpPr>
+          <p:nvPr>
+            <p:ph type="body" sz="quarter" idx="16"/>
+          </p:nvPr>
+        </p:nvSpPr>
+        <p:spPr>
+          <a:xfrm>
+            <a:off x="534075" y="4603166"/>
+            <a:ext cx="4057650" cy="207749"/>
+          </a:xfrm>
+        </p:spPr>
+        <p:txBody>
+          <a:bodyPr/>
+          <a:lstStyle>
+            <a:defPPr>
+              <a:defRPr lang="en-US"/>
+            </a:defPPr>
+            <a:lvl1pPr marL="0" algn="l" defTabSz="685800" rtl="0" eaLnBrk="1" latinLnBrk="0" hangingPunct="1">
+              <a:defRPr sz="1350" kern="1200">
+                <a:solidFill>
+                  <a:schemeClr val="tx1"/>
+                </a:solidFill>
+                <a:latin typeface="+mn-lt"/>
+                <a:ea typeface="+mn-ea"/>
+                <a:cs typeface="+mn-cs"/>
+              </a:defRPr>
+            </a:lvl1pPr>
+            <a:lvl2pPr marL="342900" algn="l" defTabSz="685800" rtl="0" eaLnBrk="1" latinLnBrk="0" hangingPunct="1">
+              <a:defRPr sz="1350" kern="1200">
+                <a:solidFill>
+                  <a:schemeClr val="tx1"/>
+                </a:solidFill>
+                <a:latin typeface="+mn-lt"/>
+                <a:ea typeface="+mn-ea"/>
+                <a:cs typeface="+mn-cs"/>
+              </a:defRPr>
+            </a:lvl2pPr>
+            <a:lvl3pPr marL="685800" algn="l" defTabSz="685800" rtl="0" eaLnBrk="1" latinLnBrk="0" hangingPunct="1">
+              <a:defRPr sz="1350" kern="1200">
+                <a:solidFill>
+                  <a:schemeClr val="tx1"/>
+                </a:solidFill>
+                <a:latin typeface="+mn-lt"/>
+                <a:ea typeface="+mn-ea"/>
+                <a:cs typeface="+mn-cs"/>
+              </a:defRPr>
+            </a:lvl3pPr>
+            <a:lvl4pPr marL="1028700" algn="l" defTabSz="685800" rtl="0" eaLnBrk="1" latinLnBrk="0" hangingPunct="1">
+              <a:defRPr sz="1350" kern="1200">
+                <a:solidFill>
+                  <a:schemeClr val="tx1"/>
+                </a:solidFill>
+                <a:latin typeface="+mn-lt"/>
+                <a:ea typeface="+mn-ea"/>
+                <a:cs typeface="+mn-cs"/>
+              </a:defRPr>
+            </a:lvl4pPr>
+            <a:lvl5pPr marL="1371600" algn="l" defTabSz="685800" rtl="0" eaLnBrk="1" latinLnBrk="0" hangingPunct="1">
+              <a:defRPr sz="1350" kern="1200">
+                <a:solidFill>
+                  <a:schemeClr val="tx1"/>
+                </a:solidFill>
+                <a:latin typeface="+mn-lt"/>
+                <a:ea typeface="+mn-ea"/>
+                <a:cs typeface="+mn-cs"/>
+              </a:defRPr>
+            </a:lvl5pPr>
+            <a:lvl6pPr marL="1714500" algn="l" defTabSz="685800" rtl="0" eaLnBrk="1" latinLnBrk="0" hangingPunct="1">
+              <a:defRPr sz="1350" kern="1200">
+                <a:solidFill>
+                  <a:schemeClr val="tx1"/>
+                </a:solidFill>
+                <a:latin typeface="+mn-lt"/>
+                <a:ea typeface="+mn-ea"/>
+                <a:cs typeface="+mn-cs"/>
+              </a:defRPr>
+            </a:lvl6pPr>
+            <a:lvl7pPr marL="2057400" algn="l" defTabSz="685800" rtl="0" eaLnBrk="1" latinLnBrk="0" hangingPunct="1">
+              <a:defRPr sz="1350" kern="1200">
+                <a:solidFill>
+                  <a:schemeClr val="tx1"/>
+                </a:solidFill>
+                <a:latin typeface="+mn-lt"/>
+                <a:ea typeface="+mn-ea"/>
+                <a:cs typeface="+mn-cs"/>
+              </a:defRPr>
+            </a:lvl7pPr>
+            <a:lvl8pPr marL="2400300" algn="l" defTabSz="685800" rtl="0" eaLnBrk="1" latinLnBrk="0" hangingPunct="1">
+              <a:defRPr sz="1350" kern="1200">
+                <a:solidFill>
+                  <a:schemeClr val="tx1"/>
+                </a:solidFill>
+                <a:latin typeface="+mn-lt"/>
+                <a:ea typeface="+mn-ea"/>
+                <a:cs typeface="+mn-cs"/>
+              </a:defRPr>
+            </a:lvl8pPr>
+            <a:lvl9pPr marL="2743200" algn="l" defTabSz="685800" rtl="0" eaLnBrk="1" latinLnBrk="0" hangingPunct="1">
+              <a:defRPr sz="1350" kern="1200">
+                <a:solidFill>
+                  <a:schemeClr val="tx1"/>
+                </a:solidFill>
+                <a:latin typeface="+mn-lt"/>
+                <a:ea typeface="+mn-ea"/>
+                <a:cs typeface="+mn-cs"/>
+              </a:defRPr>
+            </a:lvl9pPr>
+          </a:lstStyle>
+          <a:p>
+            <a:r>
+              <a:rPr lang="en-US" dirty="0">
+                <a:cs typeface="Arial"/>
+              </a:rPr>
+              <a:t>Lloyd McKenzie | February 2025</a:t>
+            </a:r>
+            <a:endParaRPr lang="en-US" dirty="0"/>
+          </a:p>
+        </p:txBody>
+      </p:sp>
+      <p:sp>
+        <p:nvSpPr>
+          <p:cNvPr id="2" name="Text Placeholder 1">
+            <a:extLst>
+              <a:ext uri="{FF2B5EF4-FFF2-40B4-BE49-F238E27FC236}">
+                <a16:creationId xmlns:a16="http://schemas.microsoft.com/office/drawing/2014/main" id="{E265F639-6FEA-A56A-8782-FB04C81D81D5}"/>
+              </a:ext>
+            </a:extLst>
+          </p:cNvPr>
+          <p:cNvSpPr>
+            <a:spLocks noGrp="1"/>
+          </p:cNvSpPr>
+          <p:nvPr>
+            <p:ph type="body" sz="quarter" idx="14"/>
+          </p:nvPr>
+        </p:nvSpPr>
+        <p:spPr>
+          <a:xfrm>
+            <a:off x="534075" y="2756496"/>
+            <a:ext cx="4057650" cy="207749"/>
+          </a:xfrm>
+        </p:spPr>
+        <p:txBody>
+          <a:bodyPr/>
+          <a:lstStyle>
+            <a:defPPr>
+              <a:defRPr lang="en-US"/>
+            </a:defPPr>
+            <a:lvl1pPr marL="0" algn="l" defTabSz="685800" rtl="0" eaLnBrk="1" latinLnBrk="0" hangingPunct="1">
+              <a:defRPr sz="1350" kern="1200">
+                <a:solidFill>
+                  <a:schemeClr val="tx1"/>
+                </a:solidFill>
+                <a:latin typeface="+mn-lt"/>
+                <a:ea typeface="+mn-ea"/>
+                <a:cs typeface="+mn-cs"/>
+              </a:defRPr>
+            </a:lvl1pPr>
+            <a:lvl2pPr marL="342900" algn="l" defTabSz="685800" rtl="0" eaLnBrk="1" latinLnBrk="0" hangingPunct="1">
+              <a:defRPr sz="1350" kern="1200">
+                <a:solidFill>
+                  <a:schemeClr val="tx1"/>
+                </a:solidFill>
+                <a:latin typeface="+mn-lt"/>
+                <a:ea typeface="+mn-ea"/>
+                <a:cs typeface="+mn-cs"/>
+              </a:defRPr>
+            </a:lvl2pPr>
+            <a:lvl3pPr marL="685800" algn="l" defTabSz="685800" rtl="0" eaLnBrk="1" latinLnBrk="0" hangingPunct="1">
+              <a:defRPr sz="1350" kern="1200">
+                <a:solidFill>
+                  <a:schemeClr val="tx1"/>
+                </a:solidFill>
+                <a:latin typeface="+mn-lt"/>
+                <a:ea typeface="+mn-ea"/>
+                <a:cs typeface="+mn-cs"/>
+              </a:defRPr>
+            </a:lvl3pPr>
+            <a:lvl4pPr marL="1028700" algn="l" defTabSz="685800" rtl="0" eaLnBrk="1" latinLnBrk="0" hangingPunct="1">
+              <a:defRPr sz="1350" kern="1200">
+                <a:solidFill>
+                  <a:schemeClr val="tx1"/>
+                </a:solidFill>
+                <a:latin typeface="+mn-lt"/>
+                <a:ea typeface="+mn-ea"/>
+                <a:cs typeface="+mn-cs"/>
+              </a:defRPr>
+            </a:lvl4pPr>
+            <a:lvl5pPr marL="1371600" algn="l" defTabSz="685800" rtl="0" eaLnBrk="1" latinLnBrk="0" hangingPunct="1">
+              <a:defRPr sz="1350" kern="1200">
+                <a:solidFill>
+                  <a:schemeClr val="tx1"/>
+                </a:solidFill>
+                <a:latin typeface="+mn-lt"/>
+                <a:ea typeface="+mn-ea"/>
+                <a:cs typeface="+mn-cs"/>
+              </a:defRPr>
+            </a:lvl5pPr>
+            <a:lvl6pPr marL="1714500" algn="l" defTabSz="685800" rtl="0" eaLnBrk="1" latinLnBrk="0" hangingPunct="1">
+              <a:defRPr sz="1350" kern="1200">
+                <a:solidFill>
+                  <a:schemeClr val="tx1"/>
+                </a:solidFill>
+                <a:latin typeface="+mn-lt"/>
+                <a:ea typeface="+mn-ea"/>
+                <a:cs typeface="+mn-cs"/>
+              </a:defRPr>
+            </a:lvl6pPr>
+            <a:lvl7pPr marL="2057400" algn="l" defTabSz="685800" rtl="0" eaLnBrk="1" latinLnBrk="0" hangingPunct="1">
+              <a:defRPr sz="1350" kern="1200">
+                <a:solidFill>
+                  <a:schemeClr val="tx1"/>
+                </a:solidFill>
+                <a:latin typeface="+mn-lt"/>
+                <a:ea typeface="+mn-ea"/>
+                <a:cs typeface="+mn-cs"/>
+              </a:defRPr>
+            </a:lvl7pPr>
+            <a:lvl8pPr marL="2400300" algn="l" defTabSz="685800" rtl="0" eaLnBrk="1" latinLnBrk="0" hangingPunct="1">
+              <a:defRPr sz="1350" kern="1200">
+                <a:solidFill>
+                  <a:schemeClr val="tx1"/>
+                </a:solidFill>
+                <a:latin typeface="+mn-lt"/>
+                <a:ea typeface="+mn-ea"/>
+                <a:cs typeface="+mn-cs"/>
+              </a:defRPr>
+            </a:lvl8pPr>
+            <a:lvl9pPr marL="2743200" algn="l" defTabSz="685800" rtl="0" eaLnBrk="1" latinLnBrk="0" hangingPunct="1">
+              <a:defRPr sz="1350" kern="1200">
+                <a:solidFill>
+                  <a:schemeClr val="tx1"/>
+                </a:solidFill>
+                <a:latin typeface="+mn-lt"/>
+                <a:ea typeface="+mn-ea"/>
+                <a:cs typeface="+mn-cs"/>
+              </a:defRPr>
+            </a:lvl9pPr>
+          </a:lstStyle>
+          <a:p>
+            <a:r>
+              <a:rPr lang="en-US" dirty="0">
+                <a:cs typeface="Arial"/>
+              </a:rPr>
+              <a:t>Modular and Derived Forms</a:t>
+            </a:r>
+            <a:endParaRPr lang="en-US" dirty="0"/>
+          </a:p>
+        </p:txBody>
+      </p:sp>
+      <p:sp>
+        <p:nvSpPr>
+          <p:cNvPr id="7" name="Text Placeholder 6">
+            <a:extLst>
+              <a:ext uri="{FF2B5EF4-FFF2-40B4-BE49-F238E27FC236}">
+                <a16:creationId xmlns:a16="http://schemas.microsoft.com/office/drawing/2014/main" id="{4F7F09CA-AAA3-4BE6-D1C9-77D304F05A8A}"/>
+              </a:ext>
+            </a:extLst>
+          </p:cNvPr>
+          <p:cNvSpPr>
+            <a:spLocks noGrp="1"/>
+          </p:cNvSpPr>
+          <p:nvPr>
+            <p:ph type="body" sz="quarter" idx="17"/>
+          </p:nvPr>
+        </p:nvSpPr>
+        <p:spPr>
+          <a:xfrm>
+            <a:off x="534075" y="2263771"/>
+            <a:ext cx="4383157" cy="182807"/>
+          </a:xfrm>
+        </p:spPr>
+        <p:txBody>
+          <a:bodyPr/>
+          <a:lstStyle>
+            <a:defPPr>
+              <a:defRPr lang="en-US"/>
+            </a:defPPr>
+            <a:lvl1pPr marL="0" algn="l" defTabSz="685800" rtl="0" eaLnBrk="1" latinLnBrk="0" hangingPunct="1">
+              <a:defRPr sz="1350" kern="1200">
+                <a:solidFill>
+                  <a:schemeClr val="tx1"/>
+                </a:solidFill>
+                <a:latin typeface="+mn-lt"/>
+                <a:ea typeface="+mn-ea"/>
+                <a:cs typeface="+mn-cs"/>
+              </a:defRPr>
+            </a:lvl1pPr>
+            <a:lvl2pPr marL="342900" algn="l" defTabSz="685800" rtl="0" eaLnBrk="1" latinLnBrk="0" hangingPunct="1">
+              <a:defRPr sz="1350" kern="1200">
+                <a:solidFill>
+                  <a:schemeClr val="tx1"/>
+                </a:solidFill>
+                <a:latin typeface="+mn-lt"/>
+                <a:ea typeface="+mn-ea"/>
+                <a:cs typeface="+mn-cs"/>
+              </a:defRPr>
+            </a:lvl2pPr>
+            <a:lvl3pPr marL="685800" algn="l" defTabSz="685800" rtl="0" eaLnBrk="1" latinLnBrk="0" hangingPunct="1">
+              <a:defRPr sz="1350" kern="1200">
+                <a:solidFill>
+                  <a:schemeClr val="tx1"/>
+                </a:solidFill>
+                <a:latin typeface="+mn-lt"/>
+                <a:ea typeface="+mn-ea"/>
+                <a:cs typeface="+mn-cs"/>
+              </a:defRPr>
+            </a:lvl3pPr>
+            <a:lvl4pPr marL="1028700" algn="l" defTabSz="685800" rtl="0" eaLnBrk="1" latinLnBrk="0" hangingPunct="1">
+              <a:defRPr sz="1350" kern="1200">
+                <a:solidFill>
+                  <a:schemeClr val="tx1"/>
+                </a:solidFill>
+                <a:latin typeface="+mn-lt"/>
+                <a:ea typeface="+mn-ea"/>
+                <a:cs typeface="+mn-cs"/>
+              </a:defRPr>
+            </a:lvl4pPr>
+            <a:lvl5pPr marL="1371600" algn="l" defTabSz="685800" rtl="0" eaLnBrk="1" latinLnBrk="0" hangingPunct="1">
+              <a:defRPr sz="1350" kern="1200">
+                <a:solidFill>
+                  <a:schemeClr val="tx1"/>
+                </a:solidFill>
+                <a:latin typeface="+mn-lt"/>
+                <a:ea typeface="+mn-ea"/>
+                <a:cs typeface="+mn-cs"/>
+              </a:defRPr>
+            </a:lvl5pPr>
+            <a:lvl6pPr marL="1714500" algn="l" defTabSz="685800" rtl="0" eaLnBrk="1" latinLnBrk="0" hangingPunct="1">
+              <a:defRPr sz="1350" kern="1200">
+                <a:solidFill>
+                  <a:schemeClr val="tx1"/>
+                </a:solidFill>
+                <a:latin typeface="+mn-lt"/>
+                <a:ea typeface="+mn-ea"/>
+                <a:cs typeface="+mn-cs"/>
+              </a:defRPr>
+            </a:lvl6pPr>
+            <a:lvl7pPr marL="2057400" algn="l" defTabSz="685800" rtl="0" eaLnBrk="1" latinLnBrk="0" hangingPunct="1">
+              <a:defRPr sz="1350" kern="1200">
+                <a:solidFill>
+                  <a:schemeClr val="tx1"/>
+                </a:solidFill>
+                <a:latin typeface="+mn-lt"/>
+                <a:ea typeface="+mn-ea"/>
+                <a:cs typeface="+mn-cs"/>
+              </a:defRPr>
+            </a:lvl7pPr>
+            <a:lvl8pPr marL="2400300" algn="l" defTabSz="685800" rtl="0" eaLnBrk="1" latinLnBrk="0" hangingPunct="1">
+              <a:defRPr sz="1350" kern="1200">
+                <a:solidFill>
+                  <a:schemeClr val="tx1"/>
+                </a:solidFill>
+                <a:latin typeface="+mn-lt"/>
+                <a:ea typeface="+mn-ea"/>
+                <a:cs typeface="+mn-cs"/>
+              </a:defRPr>
+            </a:lvl8pPr>
+            <a:lvl9pPr marL="2743200" algn="l" defTabSz="685800" rtl="0" eaLnBrk="1" latinLnBrk="0" hangingPunct="1">
+              <a:defRPr sz="1350" kern="1200">
+                <a:solidFill>
+                  <a:schemeClr val="tx1"/>
+                </a:solidFill>
+                <a:latin typeface="+mn-lt"/>
+                <a:ea typeface="+mn-ea"/>
+                <a:cs typeface="+mn-cs"/>
+              </a:defRPr>
+            </a:lvl9pPr>
+          </a:lstStyle>
+          <a:p>
+            <a:r>
+              <a:rPr lang="en-US" dirty="0">
+                <a:cs typeface="Arial"/>
+              </a:rPr>
+              <a:t>Structured Data Capture (SDC)</a:t>
+            </a:r>
+            <a:endParaRPr lang="en-US" dirty="0"/>
+          </a:p>
+        </p:txBody>
+      </p:sp>
+      <p:pic>
+        <p:nvPicPr>
+          <p:cNvPr id="3" name="Picture 2">
+            <a:extLst>
+              <a:ext uri="{FF2B5EF4-FFF2-40B4-BE49-F238E27FC236}">
+                <a16:creationId xmlns:a16="http://schemas.microsoft.com/office/drawing/2014/main" id="{D757EB45-C247-3B54-4921-3BF1D56F9D38}"/>
+              </a:ext>
+            </a:extLst>
+          </p:cNvPr>
+          <p:cNvPicPr>
+            <a:picLocks noChangeAspect="1"/>
+          </p:cNvPicPr>
+          <p:nvPr/>
+        </p:nvPicPr>
+        <p:blipFill>
+          <a:blip r:embed="rId3"/>
+          <a:stretch>
+            <a:fillRect/>
+          </a:stretch>
+        </p:blipFill>
+        <p:spPr>
+          <a:xfrm>
+            <a:off x="3375580" y="4601608"/>
+            <a:ext cx="1304925" cy="457200"/>
+          </a:xfrm>
+          <a:prstGeom prst="rect">
+            <a:avLst/>
+          </a:prstGeom>
+        </p:spPr>
+      </p:pic>
+    </p:spTree>
+    <p:extLst>
+      <p:ext uri="{BB962C8B-B14F-4D97-AF65-F5344CB8AC3E}">
+        <p14:creationId xmlns:p14="http://schemas.microsoft.com/office/powerpoint/2010/main" val="2030768388"/>
+      </p:ext>
+    </p:extLst>
+  </p:cSld>
+  <p:clrMapOvr>
+    <a:masterClrMapping/>
+  </p:clrMapOvr>
+</p:sld>
+</file>
+
+<file path=ppt/slides/slide20.xml><?xml version="1.0" encoding="utf-8"?>
 <p:sld xmlns:a="http://schemas.openxmlformats.org/drawingml/2006/main" xmlns:r="http://schemas.openxmlformats.org/officeDocument/2006/relationships" xmlns:p="http://schemas.openxmlformats.org/presentationml/2006/main">
   <p:cSld>
     <p:spTree>
@@ -25052,7 +26970,7 @@
           <a:p>
             <a:r>
               <a:rPr lang="en-CA" b="1"/>
-              <a:t>© 2024 Health Level Seven ® International. All Rights Reserved. Published under the Creative Commons 3.0 Attribution Unported license</a:t>
+              <a:t>© 2025 Health Level Seven ® International. All Rights Reserved. Published under the Creative Commons 3.0 Attribution Unported license</a:t>
             </a:r>
             <a:endParaRPr lang="en-US" b="1" dirty="0"/>
           </a:p>
@@ -25082,7 +27000,7 @@
             <a:fld id="{6CACE926-AEF5-4BFE-8BD7-24414108CB7B}" type="slidenum">
               <a:rPr lang="en-US" altLang="en-US" smtClean="0"/>
               <a:pPr/>
-              <a:t>19</a:t>
+              <a:t>20</a:t>
             </a:fld>
             <a:endParaRPr lang="en-US" altLang="en-US" dirty="0"/>
           </a:p>
@@ -25101,240 +27019,7 @@
 </p:sld>
 </file>
 
-<file path=ppt/slides/slide2.xml><?xml version="1.0" encoding="utf-8"?>
-<p:sld xmlns:a="http://schemas.openxmlformats.org/drawingml/2006/main" xmlns:r="http://schemas.openxmlformats.org/officeDocument/2006/relationships" xmlns:p="http://schemas.openxmlformats.org/presentationml/2006/main">
-  <p:cSld>
-    <p:spTree>
-      <p:nvGrpSpPr>
-        <p:cNvPr id="1" name=""/>
-        <p:cNvGrpSpPr/>
-        <p:nvPr/>
-      </p:nvGrpSpPr>
-      <p:grpSpPr>
-        <a:xfrm>
-          <a:off x="0" y="0"/>
-          <a:ext cx="0" cy="0"/>
-          <a:chOff x="0" y="0"/>
-          <a:chExt cx="0" cy="0"/>
-        </a:xfrm>
-      </p:grpSpPr>
-      <p:sp>
-        <p:nvSpPr>
-          <p:cNvPr id="2" name="Title 1">
-            <a:extLst>
-              <a:ext uri="{FF2B5EF4-FFF2-40B4-BE49-F238E27FC236}">
-                <a16:creationId xmlns:a16="http://schemas.microsoft.com/office/drawing/2014/main" id="{982B60BE-5EFD-4D48-9D4F-7BA611A40098}"/>
-              </a:ext>
-            </a:extLst>
-          </p:cNvPr>
-          <p:cNvSpPr>
-            <a:spLocks noGrp="1"/>
-          </p:cNvSpPr>
-          <p:nvPr>
-            <p:ph type="title"/>
-          </p:nvPr>
-        </p:nvSpPr>
-        <p:spPr/>
-        <p:txBody>
-          <a:bodyPr/>
-          <a:lstStyle/>
-          <a:p>
-            <a:r>
-              <a:rPr lang="en-CA" dirty="0"/>
-              <a:t>Who am I?</a:t>
-            </a:r>
-          </a:p>
-        </p:txBody>
-      </p:sp>
-      <p:sp>
-        <p:nvSpPr>
-          <p:cNvPr id="3" name="Text Placeholder 2">
-            <a:extLst>
-              <a:ext uri="{FF2B5EF4-FFF2-40B4-BE49-F238E27FC236}">
-                <a16:creationId xmlns:a16="http://schemas.microsoft.com/office/drawing/2014/main" id="{F4F28625-56DE-4E6D-944A-39B2939B56B4}"/>
-              </a:ext>
-            </a:extLst>
-          </p:cNvPr>
-          <p:cNvSpPr>
-            <a:spLocks noGrp="1"/>
-          </p:cNvSpPr>
-          <p:nvPr>
-            <p:ph type="body" sz="quarter" idx="13"/>
-          </p:nvPr>
-        </p:nvSpPr>
-        <p:spPr/>
-        <p:txBody>
-          <a:bodyPr/>
-          <a:lstStyle/>
-          <a:p>
-            <a:r>
-              <a:rPr lang="en-US" dirty="0"/>
-              <a:t>Name: Lloyd McKenzie</a:t>
-            </a:r>
-          </a:p>
-          <a:p>
-            <a:r>
-              <a:rPr lang="en-US" dirty="0"/>
-              <a:t>Company: Dogwood Health</a:t>
-            </a:r>
-          </a:p>
-          <a:p>
-            <a:r>
-              <a:rPr lang="en-US" dirty="0"/>
-              <a:t>Background:</a:t>
-            </a:r>
-          </a:p>
-          <a:p>
-            <a:pPr lvl="1"/>
-            <a:r>
-              <a:rPr lang="en-US" dirty="0"/>
-              <a:t>One of FHIR’s 3 initial editors</a:t>
-            </a:r>
-          </a:p>
-          <a:p>
-            <a:pPr lvl="1"/>
-            <a:r>
-              <a:rPr lang="en-US" dirty="0"/>
-              <a:t>Co-chair FHIR-Infrastructure, past chair FHIR Management Group</a:t>
-            </a:r>
-          </a:p>
-          <a:p>
-            <a:pPr lvl="1"/>
-            <a:r>
-              <a:rPr lang="en-US" dirty="0"/>
-              <a:t>HL7 Fellow</a:t>
-            </a:r>
-          </a:p>
-          <a:p>
-            <a:pPr lvl="1"/>
-            <a:r>
-              <a:rPr lang="en-US" dirty="0"/>
-              <a:t>Lead for both the ONC and international FHIR SDC projects</a:t>
-            </a:r>
-          </a:p>
-          <a:p>
-            <a:pPr lvl="1"/>
-            <a:r>
-              <a:rPr lang="en-US" dirty="0">
-                <a:hlinkClick r:id="rId2"/>
-              </a:rPr>
-              <a:t>lloyd@dogwoodhealthconsulting.com</a:t>
-            </a:r>
-            <a:endParaRPr lang="en-CA" dirty="0"/>
-          </a:p>
-        </p:txBody>
-      </p:sp>
-      <p:sp>
-        <p:nvSpPr>
-          <p:cNvPr id="6" name="Footer Placeholder 5">
-            <a:extLst>
-              <a:ext uri="{FF2B5EF4-FFF2-40B4-BE49-F238E27FC236}">
-                <a16:creationId xmlns:a16="http://schemas.microsoft.com/office/drawing/2014/main" id="{6800A3FA-C98F-470C-B249-AC7AFCD5482D}"/>
-              </a:ext>
-            </a:extLst>
-          </p:cNvPr>
-          <p:cNvSpPr>
-            <a:spLocks noGrp="1"/>
-          </p:cNvSpPr>
-          <p:nvPr>
-            <p:ph type="ftr" sz="quarter" idx="10"/>
-          </p:nvPr>
-        </p:nvSpPr>
-        <p:spPr/>
-        <p:txBody>
-          <a:bodyPr/>
-          <a:lstStyle/>
-          <a:p>
-            <a:r>
-              <a:rPr lang="en-CA" dirty="0"/>
-              <a:t>© 2024 Health Level Seven ® International. All Rights Reserved. Published under the Creative Commons 3.0 Attribution </a:t>
-            </a:r>
-            <a:r>
-              <a:rPr lang="en-CA" dirty="0" err="1"/>
-              <a:t>Unported</a:t>
-            </a:r>
-            <a:r>
-              <a:rPr lang="en-CA" dirty="0"/>
-              <a:t> license</a:t>
-            </a:r>
-            <a:endParaRPr lang="en-US" dirty="0"/>
-          </a:p>
-        </p:txBody>
-      </p:sp>
-      <p:sp>
-        <p:nvSpPr>
-          <p:cNvPr id="5" name="Slide Number Placeholder 4">
-            <a:extLst>
-              <a:ext uri="{FF2B5EF4-FFF2-40B4-BE49-F238E27FC236}">
-                <a16:creationId xmlns:a16="http://schemas.microsoft.com/office/drawing/2014/main" id="{37233324-D520-44D6-BABD-140673A5B927}"/>
-              </a:ext>
-            </a:extLst>
-          </p:cNvPr>
-          <p:cNvSpPr>
-            <a:spLocks noGrp="1"/>
-          </p:cNvSpPr>
-          <p:nvPr>
-            <p:ph type="sldNum" sz="quarter" idx="11"/>
-          </p:nvPr>
-        </p:nvSpPr>
-        <p:spPr/>
-        <p:txBody>
-          <a:bodyPr/>
-          <a:lstStyle/>
-          <a:p>
-            <a:fld id="{6CACE926-AEF5-4BFE-8BD7-24414108CB7B}" type="slidenum">
-              <a:rPr lang="en-US" altLang="en-US" smtClean="0"/>
-              <a:pPr/>
-              <a:t>2</a:t>
-            </a:fld>
-            <a:endParaRPr lang="en-US" altLang="en-US" dirty="0"/>
-          </a:p>
-        </p:txBody>
-      </p:sp>
-      <p:pic>
-        <p:nvPicPr>
-          <p:cNvPr id="8" name="Picture 7" descr="A person wearing a suit and tie smiling at the camera&#10;&#10;Description automatically generated">
-            <a:extLst>
-              <a:ext uri="{FF2B5EF4-FFF2-40B4-BE49-F238E27FC236}">
-                <a16:creationId xmlns:a16="http://schemas.microsoft.com/office/drawing/2014/main" id="{549034C7-C9A0-4642-B53B-ACAA4B9277D9}"/>
-              </a:ext>
-            </a:extLst>
-          </p:cNvPr>
-          <p:cNvPicPr>
-            <a:picLocks noChangeAspect="1"/>
-          </p:cNvPicPr>
-          <p:nvPr/>
-        </p:nvPicPr>
-        <p:blipFill>
-          <a:blip r:embed="rId3"/>
-          <a:stretch>
-            <a:fillRect/>
-          </a:stretch>
-        </p:blipFill>
-        <p:spPr>
-          <a:xfrm>
-            <a:off x="6175300" y="597142"/>
-            <a:ext cx="2042891" cy="2042891"/>
-          </a:xfrm>
-          <a:prstGeom prst="rect">
-            <a:avLst/>
-          </a:prstGeom>
-        </p:spPr>
-      </p:pic>
-    </p:spTree>
-    <p:extLst>
-      <p:ext uri="{BB962C8B-B14F-4D97-AF65-F5344CB8AC3E}">
-        <p14:creationId xmlns:p14="http://schemas.microsoft.com/office/powerpoint/2010/main" val="1547336493"/>
-      </p:ext>
-    </p:extLst>
-  </p:cSld>
-  <p:clrMapOvr>
-    <a:masterClrMapping/>
-  </p:clrMapOvr>
-</p:sld>
-</file>
-
-<file path=ppt/slides/slide20.xml><?xml version="1.0" encoding="utf-8"?>
+<file path=ppt/slides/slide21.xml><?xml version="1.0" encoding="utf-8"?>
 <p:sld xmlns:a="http://schemas.openxmlformats.org/drawingml/2006/main" xmlns:r="http://schemas.openxmlformats.org/officeDocument/2006/relationships" xmlns:p="http://schemas.openxmlformats.org/presentationml/2006/main">
   <p:cSld>
     <p:spTree>
@@ -25380,7 +27065,7 @@
           <a:p>
             <a:r>
               <a:rPr lang="en-CA" b="1"/>
-              <a:t>© 2024 Health Level Seven ® International. All Rights Reserved. Published under the Creative Commons 3.0 Attribution Unported license</a:t>
+              <a:t>© 2025 Health Level Seven ® International. All Rights Reserved. Published under the Creative Commons 3.0 Attribution Unported license</a:t>
             </a:r>
             <a:endParaRPr lang="en-US" b="1" dirty="0"/>
           </a:p>
@@ -25410,7 +27095,7 @@
             <a:fld id="{6CACE926-AEF5-4BFE-8BD7-24414108CB7B}" type="slidenum">
               <a:rPr lang="en-US" altLang="en-US" smtClean="0"/>
               <a:pPr/>
-              <a:t>20</a:t>
+              <a:t>21</a:t>
             </a:fld>
             <a:endParaRPr lang="en-US" altLang="en-US" dirty="0"/>
           </a:p>
@@ -25457,7 +27142,7 @@
 </p:sld>
 </file>
 
-<file path=ppt/slides/slide21.xml><?xml version="1.0" encoding="utf-8"?>
+<file path=ppt/slides/slide22.xml><?xml version="1.0" encoding="utf-8"?>
 <p:sld xmlns:a="http://schemas.openxmlformats.org/drawingml/2006/main" xmlns:r="http://schemas.openxmlformats.org/officeDocument/2006/relationships" xmlns:p="http://schemas.openxmlformats.org/presentationml/2006/main">
   <p:cSld>
     <p:spTree>
@@ -25599,7 +27284,7 @@
           <a:p>
             <a:r>
               <a:rPr lang="en-CA" b="1"/>
-              <a:t>© 2024 Health Level Seven ® International. All Rights Reserved. Published under the Creative Commons 3.0 Attribution Unported license</a:t>
+              <a:t>© 2025 Health Level Seven ® International. All Rights Reserved. Published under the Creative Commons 3.0 Attribution Unported license</a:t>
             </a:r>
             <a:endParaRPr lang="en-US" b="1" dirty="0"/>
           </a:p>
@@ -25629,7 +27314,7 @@
             <a:fld id="{6CACE926-AEF5-4BFE-8BD7-24414108CB7B}" type="slidenum">
               <a:rPr lang="en-US" altLang="en-US" smtClean="0"/>
               <a:pPr/>
-              <a:t>21</a:t>
+              <a:t>22</a:t>
             </a:fld>
             <a:endParaRPr lang="en-US" altLang="en-US" dirty="0"/>
           </a:p>
@@ -25684,7 +27369,7 @@
 </p:sld>
 </file>
 
-<file path=ppt/slides/slide22.xml><?xml version="1.0" encoding="utf-8"?>
+<file path=ppt/slides/slide23.xml><?xml version="1.0" encoding="utf-8"?>
 <p:sld xmlns:a="http://schemas.openxmlformats.org/drawingml/2006/main" xmlns:r="http://schemas.openxmlformats.org/officeDocument/2006/relationships" xmlns:p="http://schemas.openxmlformats.org/presentationml/2006/main">
   <p:cSld>
     <p:spTree>
@@ -25783,7 +27468,7 @@
           <a:p>
             <a:r>
               <a:rPr lang="en-CA" b="1"/>
-              <a:t>© 2024 Health Level Seven ® International. All Rights Reserved. Published under the Creative Commons 3.0 Attribution Unported license</a:t>
+              <a:t>© 2025 Health Level Seven ® International. All Rights Reserved. Published under the Creative Commons 3.0 Attribution Unported license</a:t>
             </a:r>
             <a:endParaRPr lang="en-US" b="1" dirty="0"/>
           </a:p>
@@ -25813,7 +27498,7 @@
             <a:fld id="{6CACE926-AEF5-4BFE-8BD7-24414108CB7B}" type="slidenum">
               <a:rPr lang="en-US" altLang="en-US" smtClean="0"/>
               <a:pPr/>
-              <a:t>22</a:t>
+              <a:t>23</a:t>
             </a:fld>
             <a:endParaRPr lang="en-US" altLang="en-US" dirty="0"/>
           </a:p>
@@ -26797,7 +28482,7 @@
 </p:sld>
 </file>
 
-<file path=ppt/slides/slide23.xml><?xml version="1.0" encoding="utf-8"?>
+<file path=ppt/slides/slide24.xml><?xml version="1.0" encoding="utf-8"?>
 <p:sld xmlns:a="http://schemas.openxmlformats.org/drawingml/2006/main" xmlns:r="http://schemas.openxmlformats.org/officeDocument/2006/relationships" xmlns:p="http://schemas.openxmlformats.org/presentationml/2006/main">
   <p:cSld>
     <p:spTree>
@@ -26938,7 +28623,7 @@
           <a:p>
             <a:r>
               <a:rPr lang="en-CA" b="1"/>
-              <a:t>© 2024 Health Level Seven ® International. All Rights Reserved. Published under the Creative Commons 3.0 Attribution Unported license</a:t>
+              <a:t>© 2025 Health Level Seven ® International. All Rights Reserved. Published under the Creative Commons 3.0 Attribution Unported license</a:t>
             </a:r>
             <a:endParaRPr lang="en-US" b="1" dirty="0"/>
           </a:p>
@@ -26968,7 +28653,7 @@
             <a:fld id="{6CACE926-AEF5-4BFE-8BD7-24414108CB7B}" type="slidenum">
               <a:rPr lang="en-US" altLang="en-US" smtClean="0"/>
               <a:pPr/>
-              <a:t>23</a:t>
+              <a:t>24</a:t>
             </a:fld>
             <a:endParaRPr lang="en-US" altLang="en-US" dirty="0"/>
           </a:p>
@@ -26987,7 +28672,7 @@
 </p:sld>
 </file>
 
-<file path=ppt/slides/slide24.xml><?xml version="1.0" encoding="utf-8"?>
+<file path=ppt/slides/slide25.xml><?xml version="1.0" encoding="utf-8"?>
 <p:sld xmlns:a="http://schemas.openxmlformats.org/drawingml/2006/main" xmlns:r="http://schemas.openxmlformats.org/officeDocument/2006/relationships" xmlns:p="http://schemas.openxmlformats.org/presentationml/2006/main">
   <p:cSld>
     <p:spTree>
@@ -27118,7 +28803,7 @@
           <a:p>
             <a:r>
               <a:rPr lang="en-CA" b="1"/>
-              <a:t>© 2024 Health Level Seven ® International. All Rights Reserved. Published under the Creative Commons 3.0 Attribution Unported license</a:t>
+              <a:t>© 2025 Health Level Seven ® International. All Rights Reserved. Published under the Creative Commons 3.0 Attribution Unported license</a:t>
             </a:r>
             <a:endParaRPr lang="en-US" b="1" dirty="0"/>
           </a:p>
@@ -27148,7 +28833,7 @@
             <a:fld id="{6CACE926-AEF5-4BFE-8BD7-24414108CB7B}" type="slidenum">
               <a:rPr lang="en-US" altLang="en-US" smtClean="0"/>
               <a:pPr/>
-              <a:t>24</a:t>
+              <a:t>25</a:t>
             </a:fld>
             <a:endParaRPr lang="en-US" altLang="en-US" dirty="0"/>
           </a:p>
@@ -27167,7 +28852,7 @@
 </p:sld>
 </file>
 
-<file path=ppt/slides/slide25.xml><?xml version="1.0" encoding="utf-8"?>
+<file path=ppt/slides/slide26.xml><?xml version="1.0" encoding="utf-8"?>
 <p:sld xmlns:a="http://schemas.openxmlformats.org/drawingml/2006/main" xmlns:r="http://schemas.openxmlformats.org/officeDocument/2006/relationships" xmlns:p="http://schemas.openxmlformats.org/presentationml/2006/main">
   <p:cSld>
     <p:spTree>
@@ -27297,7 +28982,7 @@
           <a:p>
             <a:r>
               <a:rPr lang="en-CA" b="1"/>
-              <a:t>© 2024 Health Level Seven ® International. All Rights Reserved. Published under the Creative Commons 3.0 Attribution Unported license</a:t>
+              <a:t>© 2025 Health Level Seven ® International. All Rights Reserved. Published under the Creative Commons 3.0 Attribution Unported license</a:t>
             </a:r>
             <a:endParaRPr lang="en-US" b="1" dirty="0"/>
           </a:p>
@@ -27327,7 +29012,7 @@
             <a:fld id="{6CACE926-AEF5-4BFE-8BD7-24414108CB7B}" type="slidenum">
               <a:rPr lang="en-US" altLang="en-US" smtClean="0"/>
               <a:pPr/>
-              <a:t>25</a:t>
+              <a:t>26</a:t>
             </a:fld>
             <a:endParaRPr lang="en-US" altLang="en-US" dirty="0"/>
           </a:p>
@@ -27346,7 +29031,7 @@
 </p:sld>
 </file>
 
-<file path=ppt/slides/slide26.xml><?xml version="1.0" encoding="utf-8"?>
+<file path=ppt/slides/slide27.xml><?xml version="1.0" encoding="utf-8"?>
 <p:sld xmlns:a="http://schemas.openxmlformats.org/drawingml/2006/main" xmlns:r="http://schemas.openxmlformats.org/officeDocument/2006/relationships" xmlns:p="http://schemas.openxmlformats.org/presentationml/2006/main">
   <p:cSld>
     <p:spTree>
@@ -27485,7 +29170,7 @@
           <a:p>
             <a:r>
               <a:rPr lang="en-CA" b="1"/>
-              <a:t>© 2024 Health Level Seven ® International. All Rights Reserved. Published under the Creative Commons 3.0 Attribution Unported license</a:t>
+              <a:t>© 2025 Health Level Seven ® International. All Rights Reserved. Published under the Creative Commons 3.0 Attribution Unported license</a:t>
             </a:r>
             <a:endParaRPr lang="en-US" b="1" dirty="0"/>
           </a:p>
@@ -27515,7 +29200,7 @@
             <a:fld id="{6CACE926-AEF5-4BFE-8BD7-24414108CB7B}" type="slidenum">
               <a:rPr lang="en-US" altLang="en-US" smtClean="0"/>
               <a:pPr/>
-              <a:t>26</a:t>
+              <a:t>27</a:t>
             </a:fld>
             <a:endParaRPr lang="en-US" altLang="en-US" dirty="0"/>
           </a:p>
@@ -27534,7 +29219,7 @@
 </p:sld>
 </file>
 
-<file path=ppt/slides/slide27.xml><?xml version="1.0" encoding="utf-8"?>
+<file path=ppt/slides/slide28.xml><?xml version="1.0" encoding="utf-8"?>
 <p:sld xmlns:a="http://schemas.openxmlformats.org/drawingml/2006/main" xmlns:r="http://schemas.openxmlformats.org/officeDocument/2006/relationships" xmlns:p="http://schemas.openxmlformats.org/presentationml/2006/main">
   <p:cSld>
     <p:spTree>
@@ -27609,7 +29294,7 @@
           <a:p>
             <a:r>
               <a:rPr lang="en-CA" b="1"/>
-              <a:t>© 2024 Health Level Seven ® International. All Rights Reserved. Published under the Creative Commons 3.0 Attribution Unported license</a:t>
+              <a:t>© 2025 Health Level Seven ® International. All Rights Reserved. Published under the Creative Commons 3.0 Attribution Unported license</a:t>
             </a:r>
             <a:endParaRPr lang="en-US" b="1" dirty="0"/>
           </a:p>
@@ -27639,7 +29324,7 @@
             <a:fld id="{6CACE926-AEF5-4BFE-8BD7-24414108CB7B}" type="slidenum">
               <a:rPr lang="en-US" altLang="en-US" smtClean="0"/>
               <a:pPr/>
-              <a:t>27</a:t>
+              <a:t>28</a:t>
             </a:fld>
             <a:endParaRPr lang="en-US" altLang="en-US" dirty="0"/>
           </a:p>
@@ -27726,7 +29411,7 @@
 </p:sld>
 </file>
 
-<file path=ppt/slides/slide28.xml><?xml version="1.0" encoding="utf-8"?>
+<file path=ppt/slides/slide29.xml><?xml version="1.0" encoding="utf-8"?>
 <p:sld xmlns:a="http://schemas.openxmlformats.org/drawingml/2006/main" xmlns:r="http://schemas.openxmlformats.org/officeDocument/2006/relationships" xmlns:p="http://schemas.openxmlformats.org/presentationml/2006/main">
   <p:cSld>
     <p:spTree>
@@ -27772,7 +29457,7 @@
           <a:p>
             <a:r>
               <a:rPr lang="en-CA" b="1"/>
-              <a:t>© 2024 Health Level Seven ® International. All Rights Reserved. Published under the Creative Commons 3.0 Attribution Unported license</a:t>
+              <a:t>© 2025 Health Level Seven ® International. All Rights Reserved. Published under the Creative Commons 3.0 Attribution Unported license</a:t>
             </a:r>
             <a:endParaRPr lang="en-US" b="1" dirty="0"/>
           </a:p>
@@ -27802,7 +29487,7 @@
             <a:fld id="{6CACE926-AEF5-4BFE-8BD7-24414108CB7B}" type="slidenum">
               <a:rPr lang="en-US" altLang="en-US" smtClean="0"/>
               <a:pPr/>
-              <a:t>28</a:t>
+              <a:t>29</a:t>
             </a:fld>
             <a:endParaRPr lang="en-US" altLang="en-US" dirty="0"/>
           </a:p>
@@ -27849,7 +29534,240 @@
 </p:sld>
 </file>
 
-<file path=ppt/slides/slide29.xml><?xml version="1.0" encoding="utf-8"?>
+<file path=ppt/slides/slide3.xml><?xml version="1.0" encoding="utf-8"?>
+<p:sld xmlns:a="http://schemas.openxmlformats.org/drawingml/2006/main" xmlns:r="http://schemas.openxmlformats.org/officeDocument/2006/relationships" xmlns:p="http://schemas.openxmlformats.org/presentationml/2006/main">
+  <p:cSld>
+    <p:spTree>
+      <p:nvGrpSpPr>
+        <p:cNvPr id="1" name=""/>
+        <p:cNvGrpSpPr/>
+        <p:nvPr/>
+      </p:nvGrpSpPr>
+      <p:grpSpPr>
+        <a:xfrm>
+          <a:off x="0" y="0"/>
+          <a:ext cx="0" cy="0"/>
+          <a:chOff x="0" y="0"/>
+          <a:chExt cx="0" cy="0"/>
+        </a:xfrm>
+      </p:grpSpPr>
+      <p:sp>
+        <p:nvSpPr>
+          <p:cNvPr id="2" name="Title 1">
+            <a:extLst>
+              <a:ext uri="{FF2B5EF4-FFF2-40B4-BE49-F238E27FC236}">
+                <a16:creationId xmlns:a16="http://schemas.microsoft.com/office/drawing/2014/main" id="{982B60BE-5EFD-4D48-9D4F-7BA611A40098}"/>
+              </a:ext>
+            </a:extLst>
+          </p:cNvPr>
+          <p:cNvSpPr>
+            <a:spLocks noGrp="1"/>
+          </p:cNvSpPr>
+          <p:nvPr>
+            <p:ph type="title"/>
+          </p:nvPr>
+        </p:nvSpPr>
+        <p:spPr/>
+        <p:txBody>
+          <a:bodyPr/>
+          <a:lstStyle/>
+          <a:p>
+            <a:r>
+              <a:rPr lang="en-CA" dirty="0"/>
+              <a:t>Who am I?</a:t>
+            </a:r>
+          </a:p>
+        </p:txBody>
+      </p:sp>
+      <p:sp>
+        <p:nvSpPr>
+          <p:cNvPr id="3" name="Text Placeholder 2">
+            <a:extLst>
+              <a:ext uri="{FF2B5EF4-FFF2-40B4-BE49-F238E27FC236}">
+                <a16:creationId xmlns:a16="http://schemas.microsoft.com/office/drawing/2014/main" id="{F4F28625-56DE-4E6D-944A-39B2939B56B4}"/>
+              </a:ext>
+            </a:extLst>
+          </p:cNvPr>
+          <p:cNvSpPr>
+            <a:spLocks noGrp="1"/>
+          </p:cNvSpPr>
+          <p:nvPr>
+            <p:ph type="body" sz="quarter" idx="13"/>
+          </p:nvPr>
+        </p:nvSpPr>
+        <p:spPr/>
+        <p:txBody>
+          <a:bodyPr/>
+          <a:lstStyle/>
+          <a:p>
+            <a:r>
+              <a:rPr lang="en-US" dirty="0"/>
+              <a:t>Name: Lloyd McKenzie</a:t>
+            </a:r>
+          </a:p>
+          <a:p>
+            <a:r>
+              <a:rPr lang="en-US" dirty="0"/>
+              <a:t>Company: Dogwood Health</a:t>
+            </a:r>
+          </a:p>
+          <a:p>
+            <a:r>
+              <a:rPr lang="en-US" dirty="0"/>
+              <a:t>Background:</a:t>
+            </a:r>
+          </a:p>
+          <a:p>
+            <a:pPr lvl="1"/>
+            <a:r>
+              <a:rPr lang="en-US" dirty="0"/>
+              <a:t>One of FHIR’s 3 initial editors</a:t>
+            </a:r>
+          </a:p>
+          <a:p>
+            <a:pPr lvl="1"/>
+            <a:r>
+              <a:rPr lang="en-US" dirty="0"/>
+              <a:t>Co-chair FHIR-Infrastructure, past chair FHIR Management Group</a:t>
+            </a:r>
+          </a:p>
+          <a:p>
+            <a:pPr lvl="1"/>
+            <a:r>
+              <a:rPr lang="en-US" dirty="0"/>
+              <a:t>HL7 Fellow</a:t>
+            </a:r>
+          </a:p>
+          <a:p>
+            <a:pPr lvl="1"/>
+            <a:r>
+              <a:rPr lang="en-US" dirty="0"/>
+              <a:t>Lead for both the ONC and international FHIR SDC projects</a:t>
+            </a:r>
+          </a:p>
+          <a:p>
+            <a:pPr lvl="1"/>
+            <a:r>
+              <a:rPr lang="en-US" dirty="0">
+                <a:hlinkClick r:id="rId2"/>
+              </a:rPr>
+              <a:t>lloyd@dogwoodhealthconsulting.com</a:t>
+            </a:r>
+            <a:endParaRPr lang="en-CA" dirty="0"/>
+          </a:p>
+        </p:txBody>
+      </p:sp>
+      <p:sp>
+        <p:nvSpPr>
+          <p:cNvPr id="6" name="Footer Placeholder 5">
+            <a:extLst>
+              <a:ext uri="{FF2B5EF4-FFF2-40B4-BE49-F238E27FC236}">
+                <a16:creationId xmlns:a16="http://schemas.microsoft.com/office/drawing/2014/main" id="{6800A3FA-C98F-470C-B249-AC7AFCD5482D}"/>
+              </a:ext>
+            </a:extLst>
+          </p:cNvPr>
+          <p:cNvSpPr>
+            <a:spLocks noGrp="1"/>
+          </p:cNvSpPr>
+          <p:nvPr>
+            <p:ph type="ftr" sz="quarter" idx="10"/>
+          </p:nvPr>
+        </p:nvSpPr>
+        <p:spPr/>
+        <p:txBody>
+          <a:bodyPr/>
+          <a:lstStyle/>
+          <a:p>
+            <a:r>
+              <a:rPr lang="en-CA" dirty="0"/>
+              <a:t>© 2025 Health Level Seven ® International. All Rights Reserved. Published under the Creative Commons 3.0 Attribution </a:t>
+            </a:r>
+            <a:r>
+              <a:rPr lang="en-CA" dirty="0" err="1"/>
+              <a:t>Unported</a:t>
+            </a:r>
+            <a:r>
+              <a:rPr lang="en-CA" dirty="0"/>
+              <a:t> license</a:t>
+            </a:r>
+            <a:endParaRPr lang="en-US" dirty="0"/>
+          </a:p>
+        </p:txBody>
+      </p:sp>
+      <p:sp>
+        <p:nvSpPr>
+          <p:cNvPr id="5" name="Slide Number Placeholder 4">
+            <a:extLst>
+              <a:ext uri="{FF2B5EF4-FFF2-40B4-BE49-F238E27FC236}">
+                <a16:creationId xmlns:a16="http://schemas.microsoft.com/office/drawing/2014/main" id="{37233324-D520-44D6-BABD-140673A5B927}"/>
+              </a:ext>
+            </a:extLst>
+          </p:cNvPr>
+          <p:cNvSpPr>
+            <a:spLocks noGrp="1"/>
+          </p:cNvSpPr>
+          <p:nvPr>
+            <p:ph type="sldNum" sz="quarter" idx="11"/>
+          </p:nvPr>
+        </p:nvSpPr>
+        <p:spPr/>
+        <p:txBody>
+          <a:bodyPr/>
+          <a:lstStyle/>
+          <a:p>
+            <a:fld id="{6CACE926-AEF5-4BFE-8BD7-24414108CB7B}" type="slidenum">
+              <a:rPr lang="en-US" altLang="en-US" smtClean="0"/>
+              <a:pPr/>
+              <a:t>3</a:t>
+            </a:fld>
+            <a:endParaRPr lang="en-US" altLang="en-US" dirty="0"/>
+          </a:p>
+        </p:txBody>
+      </p:sp>
+      <p:pic>
+        <p:nvPicPr>
+          <p:cNvPr id="8" name="Picture 7" descr="A person wearing a suit and tie smiling at the camera&#10;&#10;Description automatically generated">
+            <a:extLst>
+              <a:ext uri="{FF2B5EF4-FFF2-40B4-BE49-F238E27FC236}">
+                <a16:creationId xmlns:a16="http://schemas.microsoft.com/office/drawing/2014/main" id="{549034C7-C9A0-4642-B53B-ACAA4B9277D9}"/>
+              </a:ext>
+            </a:extLst>
+          </p:cNvPr>
+          <p:cNvPicPr>
+            <a:picLocks noChangeAspect="1"/>
+          </p:cNvPicPr>
+          <p:nvPr/>
+        </p:nvPicPr>
+        <p:blipFill>
+          <a:blip r:embed="rId3"/>
+          <a:stretch>
+            <a:fillRect/>
+          </a:stretch>
+        </p:blipFill>
+        <p:spPr>
+          <a:xfrm>
+            <a:off x="6175300" y="597142"/>
+            <a:ext cx="2042891" cy="2042891"/>
+          </a:xfrm>
+          <a:prstGeom prst="rect">
+            <a:avLst/>
+          </a:prstGeom>
+        </p:spPr>
+      </p:pic>
+    </p:spTree>
+    <p:extLst>
+      <p:ext uri="{BB962C8B-B14F-4D97-AF65-F5344CB8AC3E}">
+        <p14:creationId xmlns:p14="http://schemas.microsoft.com/office/powerpoint/2010/main" val="1547336493"/>
+      </p:ext>
+    </p:extLst>
+  </p:cSld>
+  <p:clrMapOvr>
+    <a:masterClrMapping/>
+  </p:clrMapOvr>
+</p:sld>
+</file>
+
+<file path=ppt/slides/slide30.xml><?xml version="1.0" encoding="utf-8"?>
 <p:sld xmlns:a="http://schemas.openxmlformats.org/drawingml/2006/main" xmlns:r="http://schemas.openxmlformats.org/officeDocument/2006/relationships" xmlns:p="http://schemas.openxmlformats.org/presentationml/2006/main">
   <p:cSld>
     <p:spTree>
@@ -28034,7 +29952,7 @@
           <a:p>
             <a:r>
               <a:rPr lang="en-CA" b="1"/>
-              <a:t>© 2024 Health Level Seven ® International. All Rights Reserved. Published under the Creative Commons 3.0 Attribution Unported license</a:t>
+              <a:t>© 2025 Health Level Seven ® International. All Rights Reserved. Published under the Creative Commons 3.0 Attribution Unported license</a:t>
             </a:r>
             <a:endParaRPr lang="en-US" b="1" dirty="0"/>
           </a:p>
@@ -28064,7 +29982,7 @@
             <a:fld id="{6CACE926-AEF5-4BFE-8BD7-24414108CB7B}" type="slidenum">
               <a:rPr lang="en-US" altLang="en-US" smtClean="0"/>
               <a:pPr/>
-              <a:t>29</a:t>
+              <a:t>30</a:t>
             </a:fld>
             <a:endParaRPr lang="en-US" altLang="en-US" dirty="0"/>
           </a:p>
@@ -28083,236 +30001,7 @@
 </p:sld>
 </file>
 
-<file path=ppt/slides/slide3.xml><?xml version="1.0" encoding="utf-8"?>
-<p:sld xmlns:a="http://schemas.openxmlformats.org/drawingml/2006/main" xmlns:r="http://schemas.openxmlformats.org/officeDocument/2006/relationships" xmlns:p="http://schemas.openxmlformats.org/presentationml/2006/main">
-  <p:cSld>
-    <p:spTree>
-      <p:nvGrpSpPr>
-        <p:cNvPr id="1" name=""/>
-        <p:cNvGrpSpPr/>
-        <p:nvPr/>
-      </p:nvGrpSpPr>
-      <p:grpSpPr>
-        <a:xfrm>
-          <a:off x="0" y="0"/>
-          <a:ext cx="0" cy="0"/>
-          <a:chOff x="0" y="0"/>
-          <a:chExt cx="0" cy="0"/>
-        </a:xfrm>
-      </p:grpSpPr>
-      <p:sp>
-        <p:nvSpPr>
-          <p:cNvPr id="2" name="Title 1"/>
-          <p:cNvSpPr>
-            <a:spLocks noGrp="1"/>
-          </p:cNvSpPr>
-          <p:nvPr>
-            <p:ph type="title"/>
-          </p:nvPr>
-        </p:nvSpPr>
-        <p:spPr/>
-        <p:txBody>
-          <a:bodyPr/>
-          <a:lstStyle/>
-          <a:p>
-            <a:r>
-              <a:rPr lang="en-US"/>
-              <a:t>This presentation</a:t>
-            </a:r>
-            <a:endParaRPr lang="en-CA" dirty="0"/>
-          </a:p>
-        </p:txBody>
-      </p:sp>
-      <p:sp>
-        <p:nvSpPr>
-          <p:cNvPr id="4" name="Content Placeholder 3"/>
-          <p:cNvSpPr>
-            <a:spLocks noGrp="1"/>
-          </p:cNvSpPr>
-          <p:nvPr>
-            <p:ph type="body" sz="quarter" idx="13"/>
-          </p:nvPr>
-        </p:nvSpPr>
-        <p:spPr/>
-        <p:txBody>
-          <a:bodyPr/>
-          <a:lstStyle/>
-          <a:p>
-            <a:r>
-              <a:rPr lang="en-US" dirty="0"/>
-              <a:t>Can be downloaded here:</a:t>
-            </a:r>
-          </a:p>
-          <a:p>
-            <a:pPr lvl="1"/>
-            <a:r>
-              <a:rPr lang="en-CA" dirty="0">
-                <a:hlinkClick r:id="rId2"/>
-              </a:rPr>
-              <a:t>https://github.com/FHIR/documents/tree/master/presentations/sdc</a:t>
-            </a:r>
-            <a:endParaRPr lang="en-CA" dirty="0"/>
-          </a:p>
-          <a:p>
-            <a:pPr lvl="0"/>
-            <a:r>
-              <a:rPr lang="en-US" dirty="0"/>
-              <a:t>Is licensed for use under the Creative Commons, specifically:</a:t>
-            </a:r>
-          </a:p>
-          <a:p>
-            <a:pPr lvl="1"/>
-            <a:r>
-              <a:rPr lang="en-CA" dirty="0">
-                <a:hlinkClick r:id="rId3"/>
-              </a:rPr>
-              <a:t>Creative Commons Attribution 3.0 </a:t>
-            </a:r>
-            <a:r>
-              <a:rPr lang="en-CA" dirty="0" err="1">
-                <a:hlinkClick r:id="rId3"/>
-              </a:rPr>
-              <a:t>Unported</a:t>
-            </a:r>
-            <a:r>
-              <a:rPr lang="en-CA" dirty="0">
-                <a:hlinkClick r:id="rId3"/>
-              </a:rPr>
-              <a:t> License</a:t>
-            </a:r>
-            <a:endParaRPr lang="en-CA" dirty="0"/>
-          </a:p>
-          <a:p>
-            <a:pPr lvl="1"/>
-            <a:r>
-              <a:rPr lang="en-US" dirty="0"/>
-              <a:t>(Do with it as you wish, so long as you give credit</a:t>
-            </a:r>
-          </a:p>
-        </p:txBody>
-      </p:sp>
-      <p:sp>
-        <p:nvSpPr>
-          <p:cNvPr id="11" name="Footer Placeholder 10">
-            <a:extLst>
-              <a:ext uri="{FF2B5EF4-FFF2-40B4-BE49-F238E27FC236}">
-                <a16:creationId xmlns:a16="http://schemas.microsoft.com/office/drawing/2014/main" id="{E5D67FA5-D1E9-4E1E-B63E-097C12003FCF}"/>
-              </a:ext>
-            </a:extLst>
-          </p:cNvPr>
-          <p:cNvSpPr>
-            <a:spLocks noGrp="1"/>
-          </p:cNvSpPr>
-          <p:nvPr>
-            <p:ph type="ftr" sz="quarter" idx="10"/>
-          </p:nvPr>
-        </p:nvSpPr>
-        <p:spPr/>
-        <p:txBody>
-          <a:bodyPr/>
-          <a:lstStyle/>
-          <a:p>
-            <a:r>
-              <a:rPr lang="en-CA" dirty="0"/>
-              <a:t>© 2024 Health Level Seven ® International. All Rights Reserved. Published under the Creative Commons 3.0 Attribution </a:t>
-            </a:r>
-            <a:r>
-              <a:rPr lang="en-CA" dirty="0" err="1"/>
-              <a:t>Unported</a:t>
-            </a:r>
-            <a:r>
-              <a:rPr lang="en-CA" dirty="0"/>
-              <a:t> license</a:t>
-            </a:r>
-            <a:endParaRPr lang="en-US" dirty="0"/>
-          </a:p>
-        </p:txBody>
-      </p:sp>
-      <p:sp>
-        <p:nvSpPr>
-          <p:cNvPr id="8" name="Slide Number Placeholder 7">
-            <a:extLst>
-              <a:ext uri="{FF2B5EF4-FFF2-40B4-BE49-F238E27FC236}">
-                <a16:creationId xmlns:a16="http://schemas.microsoft.com/office/drawing/2014/main" id="{0D655E1C-9171-4990-BC7C-0027C9FAE154}"/>
-              </a:ext>
-            </a:extLst>
-          </p:cNvPr>
-          <p:cNvSpPr>
-            <a:spLocks noGrp="1"/>
-          </p:cNvSpPr>
-          <p:nvPr>
-            <p:ph type="sldNum" sz="quarter" idx="11"/>
-          </p:nvPr>
-        </p:nvSpPr>
-        <p:spPr/>
-        <p:txBody>
-          <a:bodyPr/>
-          <a:lstStyle/>
-          <a:p>
-            <a:fld id="{DD8FDF0E-2772-4D89-9F72-F3CB15D8B8AB}" type="slidenum">
-              <a:rPr lang="en-US" smtClean="0"/>
-              <a:pPr/>
-              <a:t>3</a:t>
-            </a:fld>
-            <a:endParaRPr lang="en-US" dirty="0"/>
-          </a:p>
-        </p:txBody>
-      </p:sp>
-      <p:pic>
-        <p:nvPicPr>
-          <p:cNvPr id="5" name="Picture 4" descr="Creative Commons Licence"/>
-          <p:cNvPicPr>
-            <a:picLocks noChangeAspect="1" noChangeArrowheads="1"/>
-          </p:cNvPicPr>
-          <p:nvPr/>
-        </p:nvPicPr>
-        <p:blipFill>
-          <a:blip r:embed="rId4" cstate="print">
-            <a:extLst>
-              <a:ext uri="{28A0092B-C50C-407E-A947-70E740481C1C}">
-                <a14:useLocalDpi xmlns:a14="http://schemas.microsoft.com/office/drawing/2010/main" val="0"/>
-              </a:ext>
-            </a:extLst>
-          </a:blip>
-          <a:srcRect/>
-          <a:stretch>
-            <a:fillRect/>
-          </a:stretch>
-        </p:blipFill>
-        <p:spPr bwMode="auto">
-          <a:xfrm>
-            <a:off x="7672387" y="3226897"/>
-            <a:ext cx="1135626" cy="400050"/>
-          </a:xfrm>
-          <a:prstGeom prst="rect">
-            <a:avLst/>
-          </a:prstGeom>
-          <a:noFill/>
-          <a:extLst>
-            <a:ext uri="{909E8E84-426E-40DD-AFC4-6F175D3DCCD1}">
-              <a14:hiddenFill xmlns:a14="http://schemas.microsoft.com/office/drawing/2010/main">
-                <a:solidFill>
-                  <a:srgbClr val="FFFFFF"/>
-                </a:solidFill>
-              </a14:hiddenFill>
-            </a:ext>
-          </a:extLst>
-        </p:spPr>
-      </p:pic>
-    </p:spTree>
-    <p:extLst>
-      <p:ext uri="{BB962C8B-B14F-4D97-AF65-F5344CB8AC3E}">
-        <p14:creationId xmlns:p14="http://schemas.microsoft.com/office/powerpoint/2010/main" val="655917162"/>
-      </p:ext>
-    </p:extLst>
-  </p:cSld>
-  <p:clrMapOvr>
-    <a:masterClrMapping/>
-  </p:clrMapOvr>
-</p:sld>
-</file>
-
-<file path=ppt/slides/slide30.xml><?xml version="1.0" encoding="utf-8"?>
+<file path=ppt/slides/slide31.xml><?xml version="1.0" encoding="utf-8"?>
 <p:sld xmlns:a="http://schemas.openxmlformats.org/drawingml/2006/main" xmlns:r="http://schemas.openxmlformats.org/officeDocument/2006/relationships" xmlns:p="http://schemas.openxmlformats.org/presentationml/2006/main">
   <p:cSld>
     <p:spTree>
@@ -28612,6 +30301,235 @@
       </p:grpSpPr>
       <p:sp>
         <p:nvSpPr>
+          <p:cNvPr id="2" name="Title 1"/>
+          <p:cNvSpPr>
+            <a:spLocks noGrp="1"/>
+          </p:cNvSpPr>
+          <p:nvPr>
+            <p:ph type="title"/>
+          </p:nvPr>
+        </p:nvSpPr>
+        <p:spPr/>
+        <p:txBody>
+          <a:bodyPr/>
+          <a:lstStyle/>
+          <a:p>
+            <a:r>
+              <a:rPr lang="en-US"/>
+              <a:t>This presentation</a:t>
+            </a:r>
+            <a:endParaRPr lang="en-CA" dirty="0"/>
+          </a:p>
+        </p:txBody>
+      </p:sp>
+      <p:sp>
+        <p:nvSpPr>
+          <p:cNvPr id="4" name="Content Placeholder 3"/>
+          <p:cNvSpPr>
+            <a:spLocks noGrp="1"/>
+          </p:cNvSpPr>
+          <p:nvPr>
+            <p:ph type="body" sz="quarter" idx="13"/>
+          </p:nvPr>
+        </p:nvSpPr>
+        <p:spPr/>
+        <p:txBody>
+          <a:bodyPr/>
+          <a:lstStyle/>
+          <a:p>
+            <a:r>
+              <a:rPr lang="en-US" dirty="0"/>
+              <a:t>Can be downloaded here:</a:t>
+            </a:r>
+          </a:p>
+          <a:p>
+            <a:pPr lvl="1"/>
+            <a:r>
+              <a:rPr lang="en-CA" dirty="0">
+                <a:hlinkClick r:id="rId2"/>
+              </a:rPr>
+              <a:t>https://github.com/FHIR/documents/tree/master/presentations/sdc</a:t>
+            </a:r>
+            <a:endParaRPr lang="en-CA" dirty="0"/>
+          </a:p>
+          <a:p>
+            <a:pPr lvl="0"/>
+            <a:r>
+              <a:rPr lang="en-US" dirty="0"/>
+              <a:t>Is licensed for use under the Creative Commons, specifically:</a:t>
+            </a:r>
+          </a:p>
+          <a:p>
+            <a:pPr lvl="1"/>
+            <a:r>
+              <a:rPr lang="en-CA" dirty="0">
+                <a:hlinkClick r:id="rId3"/>
+              </a:rPr>
+              <a:t>Creative Commons Attribution 3.0 </a:t>
+            </a:r>
+            <a:r>
+              <a:rPr lang="en-CA" dirty="0" err="1">
+                <a:hlinkClick r:id="rId3"/>
+              </a:rPr>
+              <a:t>Unported</a:t>
+            </a:r>
+            <a:r>
+              <a:rPr lang="en-CA" dirty="0">
+                <a:hlinkClick r:id="rId3"/>
+              </a:rPr>
+              <a:t> License</a:t>
+            </a:r>
+            <a:endParaRPr lang="en-CA" dirty="0"/>
+          </a:p>
+          <a:p>
+            <a:pPr lvl="1"/>
+            <a:r>
+              <a:rPr lang="en-US" dirty="0"/>
+              <a:t>(Do with it as you wish, so long as you give credit</a:t>
+            </a:r>
+          </a:p>
+        </p:txBody>
+      </p:sp>
+      <p:sp>
+        <p:nvSpPr>
+          <p:cNvPr id="11" name="Footer Placeholder 10">
+            <a:extLst>
+              <a:ext uri="{FF2B5EF4-FFF2-40B4-BE49-F238E27FC236}">
+                <a16:creationId xmlns:a16="http://schemas.microsoft.com/office/drawing/2014/main" id="{E5D67FA5-D1E9-4E1E-B63E-097C12003FCF}"/>
+              </a:ext>
+            </a:extLst>
+          </p:cNvPr>
+          <p:cNvSpPr>
+            <a:spLocks noGrp="1"/>
+          </p:cNvSpPr>
+          <p:nvPr>
+            <p:ph type="ftr" sz="quarter" idx="10"/>
+          </p:nvPr>
+        </p:nvSpPr>
+        <p:spPr/>
+        <p:txBody>
+          <a:bodyPr/>
+          <a:lstStyle/>
+          <a:p>
+            <a:r>
+              <a:rPr lang="en-CA" dirty="0"/>
+              <a:t>© 2025 Health Level Seven ® International. All Rights Reserved. Published under the Creative Commons 3.0 Attribution </a:t>
+            </a:r>
+            <a:r>
+              <a:rPr lang="en-CA" dirty="0" err="1"/>
+              <a:t>Unported</a:t>
+            </a:r>
+            <a:r>
+              <a:rPr lang="en-CA" dirty="0"/>
+              <a:t> license</a:t>
+            </a:r>
+            <a:endParaRPr lang="en-US" dirty="0"/>
+          </a:p>
+        </p:txBody>
+      </p:sp>
+      <p:sp>
+        <p:nvSpPr>
+          <p:cNvPr id="8" name="Slide Number Placeholder 7">
+            <a:extLst>
+              <a:ext uri="{FF2B5EF4-FFF2-40B4-BE49-F238E27FC236}">
+                <a16:creationId xmlns:a16="http://schemas.microsoft.com/office/drawing/2014/main" id="{0D655E1C-9171-4990-BC7C-0027C9FAE154}"/>
+              </a:ext>
+            </a:extLst>
+          </p:cNvPr>
+          <p:cNvSpPr>
+            <a:spLocks noGrp="1"/>
+          </p:cNvSpPr>
+          <p:nvPr>
+            <p:ph type="sldNum" sz="quarter" idx="11"/>
+          </p:nvPr>
+        </p:nvSpPr>
+        <p:spPr/>
+        <p:txBody>
+          <a:bodyPr/>
+          <a:lstStyle/>
+          <a:p>
+            <a:fld id="{DD8FDF0E-2772-4D89-9F72-F3CB15D8B8AB}" type="slidenum">
+              <a:rPr lang="en-US" smtClean="0"/>
+              <a:pPr/>
+              <a:t>4</a:t>
+            </a:fld>
+            <a:endParaRPr lang="en-US" dirty="0"/>
+          </a:p>
+        </p:txBody>
+      </p:sp>
+      <p:pic>
+        <p:nvPicPr>
+          <p:cNvPr id="5" name="Picture 4" descr="Creative Commons Licence"/>
+          <p:cNvPicPr>
+            <a:picLocks noChangeAspect="1" noChangeArrowheads="1"/>
+          </p:cNvPicPr>
+          <p:nvPr/>
+        </p:nvPicPr>
+        <p:blipFill>
+          <a:blip r:embed="rId4" cstate="print">
+            <a:extLst>
+              <a:ext uri="{28A0092B-C50C-407E-A947-70E740481C1C}">
+                <a14:useLocalDpi xmlns:a14="http://schemas.microsoft.com/office/drawing/2010/main" val="0"/>
+              </a:ext>
+            </a:extLst>
+          </a:blip>
+          <a:srcRect/>
+          <a:stretch>
+            <a:fillRect/>
+          </a:stretch>
+        </p:blipFill>
+        <p:spPr bwMode="auto">
+          <a:xfrm>
+            <a:off x="7672387" y="3226897"/>
+            <a:ext cx="1135626" cy="400050"/>
+          </a:xfrm>
+          <a:prstGeom prst="rect">
+            <a:avLst/>
+          </a:prstGeom>
+          <a:noFill/>
+          <a:extLst>
+            <a:ext uri="{909E8E84-426E-40DD-AFC4-6F175D3DCCD1}">
+              <a14:hiddenFill xmlns:a14="http://schemas.microsoft.com/office/drawing/2010/main">
+                <a:solidFill>
+                  <a:srgbClr val="FFFFFF"/>
+                </a:solidFill>
+              </a14:hiddenFill>
+            </a:ext>
+          </a:extLst>
+        </p:spPr>
+      </p:pic>
+    </p:spTree>
+    <p:extLst>
+      <p:ext uri="{BB962C8B-B14F-4D97-AF65-F5344CB8AC3E}">
+        <p14:creationId xmlns:p14="http://schemas.microsoft.com/office/powerpoint/2010/main" val="655917162"/>
+      </p:ext>
+    </p:extLst>
+  </p:cSld>
+  <p:clrMapOvr>
+    <a:masterClrMapping/>
+  </p:clrMapOvr>
+</p:sld>
+</file>
+
+<file path=ppt/slides/slide5.xml><?xml version="1.0" encoding="utf-8"?>
+<p:sld xmlns:a="http://schemas.openxmlformats.org/drawingml/2006/main" xmlns:r="http://schemas.openxmlformats.org/officeDocument/2006/relationships" xmlns:p="http://schemas.openxmlformats.org/presentationml/2006/main">
+  <p:cSld>
+    <p:spTree>
+      <p:nvGrpSpPr>
+        <p:cNvPr id="1" name=""/>
+        <p:cNvGrpSpPr/>
+        <p:nvPr/>
+      </p:nvGrpSpPr>
+      <p:grpSpPr>
+        <a:xfrm>
+          <a:off x="0" y="0"/>
+          <a:ext cx="0" cy="0"/>
+          <a:chOff x="0" y="0"/>
+          <a:chExt cx="0" cy="0"/>
+        </a:xfrm>
+      </p:grpSpPr>
+      <p:sp>
+        <p:nvSpPr>
           <p:cNvPr id="7" name="Title 6">
             <a:extLst>
               <a:ext uri="{FF2B5EF4-FFF2-40B4-BE49-F238E27FC236}">
@@ -28698,7 +30616,7 @@
           <a:p>
             <a:r>
               <a:rPr lang="en-CA" dirty="0"/>
-              <a:t>© 2024 Health Level Seven ® International. All Rights Reserved. Published under the Creative Commons 3.0 Attribution </a:t>
+              <a:t>© 2025 Health Level Seven ® International. All Rights Reserved. Published under the Creative Commons 3.0 Attribution </a:t>
             </a:r>
             <a:r>
               <a:rPr lang="en-CA" dirty="0" err="1"/>
@@ -28736,7 +30654,7 @@
             <a:fld id="{CEB45A3F-552B-4961-AC9A-06435CED62A6}" type="slidenum">
               <a:rPr lang="en-US" smtClean="0"/>
               <a:pPr/>
-              <a:t>4</a:t>
+              <a:t>5</a:t>
             </a:fld>
             <a:endParaRPr lang="en-US"/>
           </a:p>
@@ -28791,7 +30709,7 @@
 </p:sld>
 </file>
 
-<file path=ppt/slides/slide5.xml><?xml version="1.0" encoding="utf-8"?>
+<file path=ppt/slides/slide6.xml><?xml version="1.0" encoding="utf-8"?>
 <p:sld xmlns:a="http://schemas.openxmlformats.org/drawingml/2006/main" xmlns:r="http://schemas.openxmlformats.org/officeDocument/2006/relationships" xmlns:p="http://schemas.openxmlformats.org/presentationml/2006/main">
   <p:cSld>
     <p:spTree>
@@ -28903,21 +30821,20 @@
           </a:p>
           <a:p>
             <a:r>
-              <a:rPr lang="en-US" sz="1800" b="1" dirty="0"/>
+              <a:rPr lang="en-US" sz="1800" b="1" dirty="0">
+                <a:ea typeface="ヒラギノ角ゴ Pro W3"/>
+              </a:rPr>
               <a:t>SDC Modular &amp; Derived Forms </a:t>
             </a:r>
             <a:r>
-              <a:rPr lang="en-US" sz="1800" dirty="0"/>
+              <a:rPr lang="en-US" sz="1800">
+                <a:ea typeface="ヒラギノ角ゴ Pro W3"/>
+              </a:rPr>
               <a:t>(you are here)</a:t>
             </a:r>
-            <a:endParaRPr lang="en-US" sz="1800" b="1" dirty="0"/>
-          </a:p>
-          <a:p>
-            <a:r>
-              <a:rPr lang="en-US" sz="1800" dirty="0"/>
-              <a:t>SDC Open Forum</a:t>
-            </a:r>
-            <a:endParaRPr lang="en-CA" sz="1800" dirty="0"/>
+            <a:endParaRPr lang="en-US" sz="1800" b="1">
+              <a:ea typeface="ヒラギノ角ゴ Pro W3"/>
+            </a:endParaRPr>
           </a:p>
         </p:txBody>
       </p:sp>
@@ -28944,7 +30861,7 @@
           <a:p>
             <a:r>
               <a:rPr lang="en-CA" b="1"/>
-              <a:t>© 2024 Health Level Seven ® International. All Rights Reserved. Published under the Creative Commons 3.0 Attribution Unported license</a:t>
+              <a:t>© 2025 Health Level Seven ® International. All Rights Reserved. Published under the Creative Commons 3.0 Attribution Unported license</a:t>
             </a:r>
             <a:endParaRPr lang="en-US" b="1" dirty="0"/>
           </a:p>
@@ -28974,7 +30891,7 @@
             <a:fld id="{6CACE926-AEF5-4BFE-8BD7-24414108CB7B}" type="slidenum">
               <a:rPr lang="en-US" altLang="en-US" smtClean="0"/>
               <a:pPr/>
-              <a:t>5</a:t>
+              <a:t>6</a:t>
             </a:fld>
             <a:endParaRPr lang="en-US" altLang="en-US" dirty="0"/>
           </a:p>
@@ -29029,7 +30946,7 @@
 </p:sld>
 </file>
 
-<file path=ppt/slides/slide6.xml><?xml version="1.0" encoding="utf-8"?>
+<file path=ppt/slides/slide7.xml><?xml version="1.0" encoding="utf-8"?>
 <p:sld xmlns:a="http://schemas.openxmlformats.org/drawingml/2006/main" xmlns:r="http://schemas.openxmlformats.org/officeDocument/2006/relationships" xmlns:p="http://schemas.openxmlformats.org/presentationml/2006/main">
   <p:cSld>
     <p:spTree>
@@ -29191,7 +31108,7 @@
 </p:sld>
 </file>
 
-<file path=ppt/slides/slide7.xml><?xml version="1.0" encoding="utf-8"?>
+<file path=ppt/slides/slide8.xml><?xml version="1.0" encoding="utf-8"?>
 <p:sld xmlns:a="http://schemas.openxmlformats.org/drawingml/2006/main" xmlns:r="http://schemas.openxmlformats.org/officeDocument/2006/relationships" xmlns:p="http://schemas.openxmlformats.org/presentationml/2006/main">
   <p:cSld>
     <p:spTree>
@@ -29237,7 +31154,7 @@
           <a:p>
             <a:r>
               <a:rPr lang="en-CA" b="1"/>
-              <a:t>© 2024 Health Level Seven ® International. All Rights Reserved. Published under the Creative Commons 3.0 Attribution Unported license</a:t>
+              <a:t>© 2025 Health Level Seven ® International. All Rights Reserved. Published under the Creative Commons 3.0 Attribution Unported license</a:t>
             </a:r>
             <a:endParaRPr lang="en-US" b="1" dirty="0"/>
           </a:p>
@@ -29267,7 +31184,7 @@
             <a:fld id="{6CACE926-AEF5-4BFE-8BD7-24414108CB7B}" type="slidenum">
               <a:rPr lang="en-US" altLang="en-US" smtClean="0"/>
               <a:pPr/>
-              <a:t>7</a:t>
+              <a:t>8</a:t>
             </a:fld>
             <a:endParaRPr lang="en-US" altLang="en-US" dirty="0"/>
           </a:p>
@@ -29297,7 +31214,7 @@
         </p:xfrm>
         <a:graphic>
           <a:graphicData uri="http://schemas.openxmlformats.org/drawingml/2006/diagram">
-            <dgm:relIds xmlns:dgm="http://schemas.openxmlformats.org/drawingml/2006/diagram" xmlns:r="http://schemas.openxmlformats.org/officeDocument/2006/relationships" r:dm="rId2" r:lo="rId3" r:qs="rId4" r:cs="rId5"/>
+            <dgm:relIds xmlns:dgm="http://schemas.openxmlformats.org/drawingml/2006/diagram" xmlns:r="http://schemas.openxmlformats.org/officeDocument/2006/relationships" r:dm="rId3" r:lo="rId4" r:qs="rId5" r:cs="rId6"/>
           </a:graphicData>
         </a:graphic>
       </p:graphicFrame>
@@ -29314,7 +31231,7 @@
 </p:sld>
 </file>
 
-<file path=ppt/slides/slide8.xml><?xml version="1.0" encoding="utf-8"?>
+<file path=ppt/slides/slide9.xml><?xml version="1.0" encoding="utf-8"?>
 <p:sld xmlns:a="http://schemas.openxmlformats.org/drawingml/2006/main" xmlns:r="http://schemas.openxmlformats.org/officeDocument/2006/relationships" xmlns:p="http://schemas.openxmlformats.org/presentationml/2006/main">
   <p:cSld>
     <p:spTree>
@@ -29360,7 +31277,7 @@
           <a:p>
             <a:r>
               <a:rPr lang="en-CA" b="1"/>
-              <a:t>© 2024 Health Level Seven ® International. All Rights Reserved. Published under the Creative Commons 3.0 Attribution Unported license</a:t>
+              <a:t>© 2025 Health Level Seven ® International. All Rights Reserved. Published under the Creative Commons 3.0 Attribution Unported license</a:t>
             </a:r>
             <a:endParaRPr lang="en-US" b="1" dirty="0"/>
           </a:p>
@@ -29390,7 +31307,7 @@
             <a:fld id="{6CACE926-AEF5-4BFE-8BD7-24414108CB7B}" type="slidenum">
               <a:rPr lang="en-US" altLang="en-US" smtClean="0"/>
               <a:pPr/>
-              <a:t>8</a:t>
+              <a:t>9</a:t>
             </a:fld>
             <a:endParaRPr lang="en-US" altLang="en-US" dirty="0"/>
           </a:p>
@@ -29428,227 +31345,6 @@
     <p:extLst>
       <p:ext uri="{BB962C8B-B14F-4D97-AF65-F5344CB8AC3E}">
         <p14:creationId xmlns:p14="http://schemas.microsoft.com/office/powerpoint/2010/main" val="3562261403"/>
-      </p:ext>
-    </p:extLst>
-  </p:cSld>
-  <p:clrMapOvr>
-    <a:masterClrMapping/>
-  </p:clrMapOvr>
-</p:sld>
-</file>
-
-<file path=ppt/slides/slide9.xml><?xml version="1.0" encoding="utf-8"?>
-<p:sld xmlns:a="http://schemas.openxmlformats.org/drawingml/2006/main" xmlns:r="http://schemas.openxmlformats.org/officeDocument/2006/relationships" xmlns:p="http://schemas.openxmlformats.org/presentationml/2006/main">
-  <p:cSld>
-    <p:spTree>
-      <p:nvGrpSpPr>
-        <p:cNvPr id="1" name=""/>
-        <p:cNvGrpSpPr/>
-        <p:nvPr/>
-      </p:nvGrpSpPr>
-      <p:grpSpPr>
-        <a:xfrm>
-          <a:off x="0" y="0"/>
-          <a:ext cx="0" cy="0"/>
-          <a:chOff x="0" y="0"/>
-          <a:chExt cx="0" cy="0"/>
-        </a:xfrm>
-      </p:grpSpPr>
-      <p:sp>
-        <p:nvSpPr>
-          <p:cNvPr id="5" name="Title 4">
-            <a:extLst>
-              <a:ext uri="{FF2B5EF4-FFF2-40B4-BE49-F238E27FC236}">
-                <a16:creationId xmlns:a16="http://schemas.microsoft.com/office/drawing/2014/main" id="{7445A3EF-F95F-1ADA-66F9-800ADE9B40C6}"/>
-              </a:ext>
-            </a:extLst>
-          </p:cNvPr>
-          <p:cNvSpPr>
-            <a:spLocks noGrp="1"/>
-          </p:cNvSpPr>
-          <p:nvPr>
-            <p:ph type="title"/>
-          </p:nvPr>
-        </p:nvSpPr>
-        <p:spPr/>
-        <p:txBody>
-          <a:bodyPr/>
-          <a:lstStyle/>
-          <a:p>
-            <a:r>
-              <a:rPr lang="en-US" dirty="0"/>
-              <a:t>Rationale for modular forms</a:t>
-            </a:r>
-            <a:endParaRPr lang="en-CA" dirty="0"/>
-          </a:p>
-        </p:txBody>
-      </p:sp>
-      <p:sp>
-        <p:nvSpPr>
-          <p:cNvPr id="6" name="Text Placeholder 5">
-            <a:extLst>
-              <a:ext uri="{FF2B5EF4-FFF2-40B4-BE49-F238E27FC236}">
-                <a16:creationId xmlns:a16="http://schemas.microsoft.com/office/drawing/2014/main" id="{D845FD7C-AA28-D0B4-33C4-A9DDAD29160A}"/>
-              </a:ext>
-            </a:extLst>
-          </p:cNvPr>
-          <p:cNvSpPr>
-            <a:spLocks noGrp="1"/>
-          </p:cNvSpPr>
-          <p:nvPr>
-            <p:ph type="body" sz="quarter" idx="13"/>
-          </p:nvPr>
-        </p:nvSpPr>
-        <p:spPr>
-          <a:xfrm>
-            <a:off x="614362" y="1357310"/>
-            <a:ext cx="4779759" cy="3098780"/>
-          </a:xfrm>
-        </p:spPr>
-        <p:txBody>
-          <a:bodyPr/>
-          <a:lstStyle/>
-          <a:p>
-            <a:r>
-              <a:rPr lang="en-US" dirty="0"/>
-              <a:t>More consistency</a:t>
-            </a:r>
-          </a:p>
-          <a:p>
-            <a:pPr lvl="1"/>
-            <a:r>
-              <a:rPr lang="en-US" dirty="0"/>
-              <a:t>Better data quality</a:t>
-            </a:r>
-          </a:p>
-          <a:p>
-            <a:pPr lvl="1"/>
-            <a:r>
-              <a:rPr lang="en-US" dirty="0"/>
-              <a:t>Leverage known ‘good’ questions</a:t>
-            </a:r>
-          </a:p>
-          <a:p>
-            <a:pPr lvl="1"/>
-            <a:r>
-              <a:rPr lang="en-US" dirty="0"/>
-              <a:t>More user familiarity</a:t>
-            </a:r>
-          </a:p>
-          <a:p>
-            <a:r>
-              <a:rPr lang="en-US" dirty="0"/>
-              <a:t>Reduce maintenance effort</a:t>
-            </a:r>
-          </a:p>
-          <a:p>
-            <a:pPr lvl="1"/>
-            <a:r>
-              <a:rPr lang="en-US" dirty="0"/>
-              <a:t>Including on population/extraction logic</a:t>
-            </a:r>
-          </a:p>
-        </p:txBody>
-      </p:sp>
-      <p:sp>
-        <p:nvSpPr>
-          <p:cNvPr id="3" name="Footer Placeholder 2">
-            <a:extLst>
-              <a:ext uri="{FF2B5EF4-FFF2-40B4-BE49-F238E27FC236}">
-                <a16:creationId xmlns:a16="http://schemas.microsoft.com/office/drawing/2014/main" id="{D8136FED-0229-CDD8-8100-DABD768C7D44}"/>
-              </a:ext>
-            </a:extLst>
-          </p:cNvPr>
-          <p:cNvSpPr>
-            <a:spLocks noGrp="1"/>
-          </p:cNvSpPr>
-          <p:nvPr>
-            <p:ph type="ftr" sz="quarter" idx="10"/>
-          </p:nvPr>
-        </p:nvSpPr>
-        <p:spPr/>
-        <p:txBody>
-          <a:bodyPr/>
-          <a:lstStyle/>
-          <a:p>
-            <a:r>
-              <a:rPr lang="en-CA" b="1"/>
-              <a:t>© 2024 Health Level Seven ® International. All Rights Reserved. Published under the Creative Commons 3.0 Attribution Unported license</a:t>
-            </a:r>
-            <a:endParaRPr lang="en-US" b="1" dirty="0"/>
-          </a:p>
-        </p:txBody>
-      </p:sp>
-      <p:sp>
-        <p:nvSpPr>
-          <p:cNvPr id="4" name="Slide Number Placeholder 3">
-            <a:extLst>
-              <a:ext uri="{FF2B5EF4-FFF2-40B4-BE49-F238E27FC236}">
-                <a16:creationId xmlns:a16="http://schemas.microsoft.com/office/drawing/2014/main" id="{9C24CF50-A2AB-9E57-631F-D717DB7B4C6C}"/>
-              </a:ext>
-            </a:extLst>
-          </p:cNvPr>
-          <p:cNvSpPr>
-            <a:spLocks noGrp="1"/>
-          </p:cNvSpPr>
-          <p:nvPr>
-            <p:ph type="sldNum" sz="quarter" idx="11"/>
-          </p:nvPr>
-        </p:nvSpPr>
-        <p:spPr/>
-        <p:txBody>
-          <a:bodyPr/>
-          <a:lstStyle/>
-          <a:p>
-            <a:fld id="{6CACE926-AEF5-4BFE-8BD7-24414108CB7B}" type="slidenum">
-              <a:rPr lang="en-US" altLang="en-US" smtClean="0"/>
-              <a:pPr/>
-              <a:t>9</a:t>
-            </a:fld>
-            <a:endParaRPr lang="en-US" altLang="en-US" dirty="0"/>
-          </a:p>
-        </p:txBody>
-      </p:sp>
-      <p:pic>
-        <p:nvPicPr>
-          <p:cNvPr id="8" name="Picture 7" descr="A hand holding a yellow paper with black text&#10;&#10;Description automatically generated">
-            <a:extLst>
-              <a:ext uri="{FF2B5EF4-FFF2-40B4-BE49-F238E27FC236}">
-                <a16:creationId xmlns:a16="http://schemas.microsoft.com/office/drawing/2014/main" id="{609A5118-F888-EB8B-E4FB-A7DC35D2673C}"/>
-              </a:ext>
-            </a:extLst>
-          </p:cNvPr>
-          <p:cNvPicPr>
-            <a:picLocks noChangeAspect="1"/>
-          </p:cNvPicPr>
-          <p:nvPr/>
-        </p:nvPicPr>
-        <p:blipFill>
-          <a:blip r:embed="rId2">
-            <a:extLst>
-              <a:ext uri="{837473B0-CC2E-450A-ABE3-18F120FF3D39}">
-                <a1611:picAttrSrcUrl xmlns:a1611="http://schemas.microsoft.com/office/drawing/2016/11/main" r:id="rId3"/>
-              </a:ext>
-            </a:extLst>
-          </a:blip>
-          <a:stretch>
-            <a:fillRect/>
-          </a:stretch>
-        </p:blipFill>
-        <p:spPr>
-          <a:xfrm>
-            <a:off x="5730875" y="1476462"/>
-            <a:ext cx="2495725" cy="1871794"/>
-          </a:xfrm>
-          <a:prstGeom prst="rect">
-            <a:avLst/>
-          </a:prstGeom>
-        </p:spPr>
-      </p:pic>
-    </p:spTree>
-    <p:extLst>
-      <p:ext uri="{BB962C8B-B14F-4D97-AF65-F5344CB8AC3E}">
-        <p14:creationId xmlns:p14="http://schemas.microsoft.com/office/powerpoint/2010/main" val="2725813447"/>
       </p:ext>
     </p:extLst>
   </p:cSld>
@@ -30614,4 +32310,205 @@
   </a:objectDefaults>
   <a:extraClrSchemeLst/>
 </a:theme>
+</file>
+
+<file path=customXml/item1.xml><?xml version="1.0" encoding="utf-8"?>
+<ct:contentTypeSchema xmlns:ct="http://schemas.microsoft.com/office/2006/metadata/contentType" xmlns:ma="http://schemas.microsoft.com/office/2006/metadata/properties/metaAttributes" ct:_="" ma:_="" ma:contentTypeName="Document" ma:contentTypeID="0x01010046B6A228CEBB844FBC6B8633F16E3300" ma:contentTypeVersion="4" ma:contentTypeDescription="Create a new document." ma:contentTypeScope="" ma:versionID="5b56d2be9ea1ecaf21ca08678214dcd0">
+  <xsd:schema xmlns:xsd="http://www.w3.org/2001/XMLSchema" xmlns:xs="http://www.w3.org/2001/XMLSchema" xmlns:p="http://schemas.microsoft.com/office/2006/metadata/properties" xmlns:ns2="2371556d-c2f8-4c27-a7c5-4c2acf225d27" targetNamespace="http://schemas.microsoft.com/office/2006/metadata/properties" ma:root="true" ma:fieldsID="e32f1ed78c00c18b31e32be9b8f4ba9c" ns2:_="">
+    <xsd:import namespace="2371556d-c2f8-4c27-a7c5-4c2acf225d27"/>
+    <xsd:element name="properties">
+      <xsd:complexType>
+        <xsd:sequence>
+          <xsd:element name="documentManagement">
+            <xsd:complexType>
+              <xsd:all>
+                <xsd:element ref="ns2:MediaServiceMetadata" minOccurs="0"/>
+                <xsd:element ref="ns2:MediaServiceFastMetadata" minOccurs="0"/>
+                <xsd:element ref="ns2:MediaServiceSearchProperties" minOccurs="0"/>
+                <xsd:element ref="ns2:MediaServiceObjectDetectorVersions" minOccurs="0"/>
+              </xsd:all>
+            </xsd:complexType>
+          </xsd:element>
+        </xsd:sequence>
+      </xsd:complexType>
+    </xsd:element>
+  </xsd:schema>
+  <xsd:schema xmlns:xsd="http://www.w3.org/2001/XMLSchema" xmlns:xs="http://www.w3.org/2001/XMLSchema" xmlns:dms="http://schemas.microsoft.com/office/2006/documentManagement/types" xmlns:pc="http://schemas.microsoft.com/office/infopath/2007/PartnerControls" targetNamespace="2371556d-c2f8-4c27-a7c5-4c2acf225d27" elementFormDefault="qualified">
+    <xsd:import namespace="http://schemas.microsoft.com/office/2006/documentManagement/types"/>
+    <xsd:import namespace="http://schemas.microsoft.com/office/infopath/2007/PartnerControls"/>
+    <xsd:element name="MediaServiceMetadata" ma:index="8" nillable="true" ma:displayName="MediaServiceMetadata" ma:hidden="true" ma:internalName="MediaServiceMetadata" ma:readOnly="true">
+      <xsd:simpleType>
+        <xsd:restriction base="dms:Note"/>
+      </xsd:simpleType>
+    </xsd:element>
+    <xsd:element name="MediaServiceFastMetadata" ma:index="9" nillable="true" ma:displayName="MediaServiceFastMetadata" ma:hidden="true" ma:internalName="MediaServiceFastMetadata" ma:readOnly="true">
+      <xsd:simpleType>
+        <xsd:restriction base="dms:Note"/>
+      </xsd:simpleType>
+    </xsd:element>
+    <xsd:element name="MediaServiceSearchProperties" ma:index="10" nillable="true" ma:displayName="MediaServiceSearchProperties" ma:hidden="true" ma:internalName="MediaServiceSearchProperties" ma:readOnly="true">
+      <xsd:simpleType>
+        <xsd:restriction base="dms:Note"/>
+      </xsd:simpleType>
+    </xsd:element>
+    <xsd:element name="MediaServiceObjectDetectorVersions" ma:index="11" nillable="true" ma:displayName="MediaServiceObjectDetectorVersions" ma:hidden="true" ma:indexed="true" ma:internalName="MediaServiceObjectDetectorVersions" ma:readOnly="true">
+      <xsd:simpleType>
+        <xsd:restriction base="dms:Text"/>
+      </xsd:simpleType>
+    </xsd:element>
+  </xsd:schema>
+  <xsd:schema xmlns="http://schemas.openxmlformats.org/package/2006/metadata/core-properties" xmlns:xsd="http://www.w3.org/2001/XMLSchema" xmlns:xsi="http://www.w3.org/2001/XMLSchema-instance" xmlns:dc="http://purl.org/dc/elements/1.1/" xmlns:dcterms="http://purl.org/dc/terms/" xmlns:odoc="http://schemas.microsoft.com/internal/obd" targetNamespace="http://schemas.openxmlformats.org/package/2006/metadata/core-properties" elementFormDefault="qualified" attributeFormDefault="unqualified" blockDefault="#all">
+    <xsd:import namespace="http://purl.org/dc/elements/1.1/" schemaLocation="http://dublincore.org/schemas/xmls/qdc/2003/04/02/dc.xsd"/>
+    <xsd:import namespace="http://purl.org/dc/terms/" schemaLocation="http://dublincore.org/schemas/xmls/qdc/2003/04/02/dcterms.xsd"/>
+    <xsd:element name="coreProperties" type="CT_coreProperties"/>
+    <xsd:complexType name="CT_coreProperties">
+      <xsd:all>
+        <xsd:element ref="dc:creator" minOccurs="0" maxOccurs="1"/>
+        <xsd:element ref="dcterms:created" minOccurs="0" maxOccurs="1"/>
+        <xsd:element ref="dc:identifier" minOccurs="0" maxOccurs="1"/>
+        <xsd:element name="contentType" minOccurs="0" maxOccurs="1" type="xsd:string" ma:index="0" ma:displayName="Content Type"/>
+        <xsd:element ref="dc:title" minOccurs="0" maxOccurs="1" ma:index="4" ma:displayName="Title"/>
+        <xsd:element ref="dc:subject" minOccurs="0" maxOccurs="1"/>
+        <xsd:element ref="dc:description" minOccurs="0" maxOccurs="1"/>
+        <xsd:element name="keywords" minOccurs="0" maxOccurs="1" type="xsd:string"/>
+        <xsd:element ref="dc:language" minOccurs="0" maxOccurs="1"/>
+        <xsd:element name="category" minOccurs="0" maxOccurs="1" type="xsd:string"/>
+        <xsd:element name="version" minOccurs="0" maxOccurs="1" type="xsd:string"/>
+        <xsd:element name="revision" minOccurs="0" maxOccurs="1" type="xsd:string">
+          <xsd:annotation>
+            <xsd:documentation>
+                        This value indicates the number of saves or revisions. The application is responsible for updating this value after each revision.
+                    </xsd:documentation>
+          </xsd:annotation>
+        </xsd:element>
+        <xsd:element name="lastModifiedBy" minOccurs="0" maxOccurs="1" type="xsd:string"/>
+        <xsd:element ref="dcterms:modified" minOccurs="0" maxOccurs="1"/>
+        <xsd:element name="contentStatus" minOccurs="0" maxOccurs="1" type="xsd:string"/>
+      </xsd:all>
+    </xsd:complexType>
+  </xsd:schema>
+  <xs:schema xmlns:pc="http://schemas.microsoft.com/office/infopath/2007/PartnerControls" xmlns:xs="http://www.w3.org/2001/XMLSchema" targetNamespace="http://schemas.microsoft.com/office/infopath/2007/PartnerControls" elementFormDefault="qualified" attributeFormDefault="unqualified">
+    <xs:element name="Person">
+      <xs:complexType>
+        <xs:sequence>
+          <xs:element ref="pc:DisplayName" minOccurs="0"/>
+          <xs:element ref="pc:AccountId" minOccurs="0"/>
+          <xs:element ref="pc:AccountType" minOccurs="0"/>
+        </xs:sequence>
+      </xs:complexType>
+    </xs:element>
+    <xs:element name="DisplayName" type="xs:string"/>
+    <xs:element name="AccountId" type="xs:string"/>
+    <xs:element name="AccountType" type="xs:string"/>
+    <xs:element name="BDCAssociatedEntity">
+      <xs:complexType>
+        <xs:sequence>
+          <xs:element ref="pc:BDCEntity" minOccurs="0" maxOccurs="unbounded"/>
+        </xs:sequence>
+        <xs:attribute ref="pc:EntityNamespace"/>
+        <xs:attribute ref="pc:EntityName"/>
+        <xs:attribute ref="pc:SystemInstanceName"/>
+        <xs:attribute ref="pc:AssociationName"/>
+      </xs:complexType>
+    </xs:element>
+    <xs:attribute name="EntityNamespace" type="xs:string"/>
+    <xs:attribute name="EntityName" type="xs:string"/>
+    <xs:attribute name="SystemInstanceName" type="xs:string"/>
+    <xs:attribute name="AssociationName" type="xs:string"/>
+    <xs:element name="BDCEntity">
+      <xs:complexType>
+        <xs:sequence>
+          <xs:element ref="pc:EntityDisplayName" minOccurs="0"/>
+          <xs:element ref="pc:EntityInstanceReference" minOccurs="0"/>
+          <xs:element ref="pc:EntityId1" minOccurs="0"/>
+          <xs:element ref="pc:EntityId2" minOccurs="0"/>
+          <xs:element ref="pc:EntityId3" minOccurs="0"/>
+          <xs:element ref="pc:EntityId4" minOccurs="0"/>
+          <xs:element ref="pc:EntityId5" minOccurs="0"/>
+        </xs:sequence>
+      </xs:complexType>
+    </xs:element>
+    <xs:element name="EntityDisplayName" type="xs:string"/>
+    <xs:element name="EntityInstanceReference" type="xs:string"/>
+    <xs:element name="EntityId1" type="xs:string"/>
+    <xs:element name="EntityId2" type="xs:string"/>
+    <xs:element name="EntityId3" type="xs:string"/>
+    <xs:element name="EntityId4" type="xs:string"/>
+    <xs:element name="EntityId5" type="xs:string"/>
+    <xs:element name="Terms">
+      <xs:complexType>
+        <xs:sequence>
+          <xs:element ref="pc:TermInfo" minOccurs="0" maxOccurs="unbounded"/>
+        </xs:sequence>
+      </xs:complexType>
+    </xs:element>
+    <xs:element name="TermInfo">
+      <xs:complexType>
+        <xs:sequence>
+          <xs:element ref="pc:TermName" minOccurs="0"/>
+          <xs:element ref="pc:TermId" minOccurs="0"/>
+        </xs:sequence>
+      </xs:complexType>
+    </xs:element>
+    <xs:element name="TermName" type="xs:string"/>
+    <xs:element name="TermId" type="xs:string"/>
+  </xs:schema>
+</ct:contentTypeSchema>
+</file>
+
+<file path=customXml/item2.xml><?xml version="1.0" encoding="utf-8"?>
+<p:properties xmlns:p="http://schemas.microsoft.com/office/2006/metadata/properties" xmlns:xsi="http://www.w3.org/2001/XMLSchema-instance" xmlns:pc="http://schemas.microsoft.com/office/infopath/2007/PartnerControls">
+  <documentManagement/>
+</p:properties>
+</file>
+
+<file path=customXml/item3.xml><?xml version="1.0" encoding="utf-8"?>
+<?mso-contentType ?>
+<FormTemplates xmlns="http://schemas.microsoft.com/sharepoint/v3/contenttype/forms">
+  <Display>DocumentLibraryForm</Display>
+  <Edit>DocumentLibraryForm</Edit>
+  <New>DocumentLibraryForm</New>
+</FormTemplates>
+</file>
+
+<file path=customXml/itemProps1.xml><?xml version="1.0" encoding="utf-8"?>
+<ds:datastoreItem xmlns:ds="http://schemas.openxmlformats.org/officeDocument/2006/customXml" ds:itemID="{56561847-7309-464A-A49C-3BBB6A514354}">
+  <ds:schemaRefs>
+    <ds:schemaRef ds:uri="http://schemas.microsoft.com/office/2006/metadata/contentType"/>
+    <ds:schemaRef ds:uri="http://schemas.microsoft.com/office/2006/metadata/properties/metaAttributes"/>
+    <ds:schemaRef ds:uri="http://www.w3.org/2001/XMLSchema"/>
+    <ds:schemaRef ds:uri="http://schemas.microsoft.com/office/2006/metadata/properties"/>
+    <ds:schemaRef ds:uri="2371556d-c2f8-4c27-a7c5-4c2acf225d27"/>
+    <ds:schemaRef ds:uri="http://schemas.microsoft.com/office/2006/documentManagement/types"/>
+    <ds:schemaRef ds:uri="http://schemas.microsoft.com/office/infopath/2007/PartnerControls"/>
+    <ds:schemaRef ds:uri="http://schemas.openxmlformats.org/package/2006/metadata/core-properties"/>
+    <ds:schemaRef ds:uri="http://purl.org/dc/elements/1.1/"/>
+    <ds:schemaRef ds:uri="http://purl.org/dc/terms/"/>
+    <ds:schemaRef ds:uri="http://schemas.microsoft.com/internal/obd"/>
+  </ds:schemaRefs>
+</ds:datastoreItem>
+</file>
+
+<file path=customXml/itemProps2.xml><?xml version="1.0" encoding="utf-8"?>
+<ds:datastoreItem xmlns:ds="http://schemas.openxmlformats.org/officeDocument/2006/customXml" ds:itemID="{4CF163E8-E28C-4AB1-8667-5D8B77F57B40}">
+  <ds:schemaRefs>
+    <ds:schemaRef ds:uri="http://purl.org/dc/terms/"/>
+    <ds:schemaRef ds:uri="http://purl.org/dc/dcmitype/"/>
+    <ds:schemaRef ds:uri="http://schemas.microsoft.com/office/2006/metadata/properties"/>
+    <ds:schemaRef ds:uri="2371556d-c2f8-4c27-a7c5-4c2acf225d27"/>
+    <ds:schemaRef ds:uri="http://www.w3.org/XML/1998/namespace"/>
+    <ds:schemaRef ds:uri="http://schemas.openxmlformats.org/package/2006/metadata/core-properties"/>
+    <ds:schemaRef ds:uri="http://purl.org/dc/elements/1.1/"/>
+    <ds:schemaRef ds:uri="http://schemas.microsoft.com/office/2006/documentManagement/types"/>
+    <ds:schemaRef ds:uri="http://schemas.microsoft.com/office/infopath/2007/PartnerControls"/>
+  </ds:schemaRefs>
+</ds:datastoreItem>
+</file>
+
+<file path=customXml/itemProps3.xml><?xml version="1.0" encoding="utf-8"?>
+<ds:datastoreItem xmlns:ds="http://schemas.openxmlformats.org/officeDocument/2006/customXml" ds:itemID="{A64BB759-F51B-43FB-A13F-86518DC1BE9B}">
+  <ds:schemaRefs>
+    <ds:schemaRef ds:uri="http://schemas.microsoft.com/sharepoint/v3/contenttype/forms"/>
+  </ds:schemaRefs>
+</ds:datastoreItem>
 </file>
--- a/presentations/sdc/8-SDC-Modular-and-Derived-Forms.pptx
+++ b/presentations/sdc/8-SDC-Modular-and-Derived-Forms.pptx
@@ -14,7 +14,7 @@
     <p:sldId id="672" r:id="rId5"/>
     <p:sldId id="797" r:id="rId6"/>
     <p:sldId id="690" r:id="rId7"/>
-    <p:sldId id="665" r:id="rId8"/>
+    <p:sldId id="4934" r:id="rId8"/>
     <p:sldId id="680" r:id="rId9"/>
     <p:sldId id="758" r:id="rId10"/>
     <p:sldId id="313" r:id="rId11"/>
@@ -41,7 +41,7 @@
     <p:sldId id="4929" r:id="rId32"/>
     <p:sldId id="4926" r:id="rId33"/>
     <p:sldId id="4802" r:id="rId34"/>
-    <p:sldId id="759" r:id="rId35"/>
+    <p:sldId id="4935" r:id="rId35"/>
   </p:sldIdLst>
   <p:sldSz cx="9144000" cy="5143500" type="screen16x9"/>
   <p:notesSz cx="6858000" cy="9144000"/>
@@ -182,7 +182,7 @@
         <p14:section name="Expressions Introduction" id="{2A578097-FEE4-49B0-858C-B6A0014658D4}">
           <p14:sldIdLst>
             <p14:sldId id="690"/>
-            <p14:sldId id="665"/>
+            <p14:sldId id="4934"/>
             <p14:sldId id="680"/>
             <p14:sldId id="758"/>
             <p14:sldId id="313"/>
@@ -221,7 +221,7 @@
           <p14:sldIdLst>
             <p14:sldId id="4926"/>
             <p14:sldId id="4802"/>
-            <p14:sldId id="759"/>
+            <p14:sldId id="4935"/>
           </p14:sldIdLst>
         </p14:section>
       </p14:sectionLst>
@@ -12419,7 +12419,7 @@
             <a:fld id="{1BCE7D1B-E2D6-42EC-A46F-6B8D8AB722EA}" type="datetime1">
               <a:rPr lang="en-US" altLang="en-US"/>
               <a:pPr/>
-              <a:t>2/7/2025</a:t>
+              <a:t>2/24/2025</a:t>
             </a:fld>
             <a:endParaRPr lang="en-US" altLang="en-US"/>
           </a:p>
@@ -12650,7 +12650,7 @@
             <a:fld id="{60D4D74E-7671-46E5-9A5B-14F31A4C0D2E}" type="datetime1">
               <a:rPr lang="en-US" altLang="en-US"/>
               <a:pPr/>
-              <a:t>2/7/2025</a:t>
+              <a:t>2/24/2025</a:t>
             </a:fld>
             <a:endParaRPr lang="en-US" altLang="en-US"/>
           </a:p>
@@ -13146,7 +13146,7 @@
             <a:fld id="{CF4A7F80-F256-4EC8-A9CC-1A842C6C5143}" type="slidenum">
               <a:rPr lang="en-US" altLang="en-US" smtClean="0"/>
               <a:pPr/>
-              <a:t>7</a:t>
+              <a:t>8</a:t>
             </a:fld>
             <a:endParaRPr lang="en-US" altLang="en-US"/>
           </a:p>
@@ -13156,6 +13156,95 @@
     <p:extLst>
       <p:ext uri="{BB962C8B-B14F-4D97-AF65-F5344CB8AC3E}">
         <p14:creationId xmlns:p14="http://schemas.microsoft.com/office/powerpoint/2010/main" val="4252791910"/>
+      </p:ext>
+    </p:extLst>
+  </p:cSld>
+  <p:clrMapOvr>
+    <a:masterClrMapping/>
+  </p:clrMapOvr>
+</p:notes>
+</file>
+
+<file path=ppt/notesSlides/notesSlide3.xml><?xml version="1.0" encoding="utf-8"?>
+<p:notes xmlns:a="http://schemas.openxmlformats.org/drawingml/2006/main" xmlns:r="http://schemas.openxmlformats.org/officeDocument/2006/relationships" xmlns:p="http://schemas.openxmlformats.org/presentationml/2006/main">
+  <p:cSld>
+    <p:spTree>
+      <p:nvGrpSpPr>
+        <p:cNvPr id="1" name=""/>
+        <p:cNvGrpSpPr/>
+        <p:nvPr/>
+      </p:nvGrpSpPr>
+      <p:grpSpPr>
+        <a:xfrm>
+          <a:off x="0" y="0"/>
+          <a:ext cx="0" cy="0"/>
+          <a:chOff x="0" y="0"/>
+          <a:chExt cx="0" cy="0"/>
+        </a:xfrm>
+      </p:grpSpPr>
+      <p:sp>
+        <p:nvSpPr>
+          <p:cNvPr id="2" name="Slide Image Placeholder 1"/>
+          <p:cNvSpPr>
+            <a:spLocks noGrp="1" noRot="1" noChangeAspect="1"/>
+          </p:cNvSpPr>
+          <p:nvPr>
+            <p:ph type="sldImg"/>
+          </p:nvPr>
+        </p:nvSpPr>
+        <p:spPr/>
+      </p:sp>
+      <p:sp>
+        <p:nvSpPr>
+          <p:cNvPr id="3" name="Notes Placeholder 2"/>
+          <p:cNvSpPr>
+            <a:spLocks noGrp="1"/>
+          </p:cNvSpPr>
+          <p:nvPr>
+            <p:ph type="body" idx="1"/>
+          </p:nvPr>
+        </p:nvSpPr>
+        <p:spPr/>
+        <p:txBody>
+          <a:bodyPr/>
+          <a:lstStyle/>
+          <a:p>
+            <a:r>
+              <a:rPr lang="en-US" dirty="0"/>
+              <a:t>Population and extraction would be added using “complies with”</a:t>
+            </a:r>
+            <a:endParaRPr lang="en-CA" dirty="0"/>
+          </a:p>
+        </p:txBody>
+      </p:sp>
+      <p:sp>
+        <p:nvSpPr>
+          <p:cNvPr id="4" name="Slide Number Placeholder 3"/>
+          <p:cNvSpPr>
+            <a:spLocks noGrp="1"/>
+          </p:cNvSpPr>
+          <p:nvPr>
+            <p:ph type="sldNum" sz="quarter" idx="5"/>
+          </p:nvPr>
+        </p:nvSpPr>
+        <p:spPr/>
+        <p:txBody>
+          <a:bodyPr/>
+          <a:lstStyle/>
+          <a:p>
+            <a:fld id="{CF4A7F80-F256-4EC8-A9CC-1A842C6C5143}" type="slidenum">
+              <a:rPr lang="en-US" altLang="en-US" smtClean="0"/>
+              <a:pPr/>
+              <a:t>23</a:t>
+            </a:fld>
+            <a:endParaRPr lang="en-US" altLang="en-US"/>
+          </a:p>
+        </p:txBody>
+      </p:sp>
+    </p:spTree>
+    <p:extLst>
+      <p:ext uri="{BB962C8B-B14F-4D97-AF65-F5344CB8AC3E}">
+        <p14:creationId xmlns:p14="http://schemas.microsoft.com/office/powerpoint/2010/main" val="3994509"/>
       </p:ext>
     </p:extLst>
   </p:cSld>
@@ -17083,7 +17172,7 @@
           <a:p>
             <a:fld id="{D83995C2-806B-4997-8C0A-E780F2B14CC7}" type="datetimeFigureOut">
               <a:rPr lang="en-US" smtClean="0"/>
-              <a:t>2/7/2025</a:t>
+              <a:t>2/24/2025</a:t>
             </a:fld>
             <a:endParaRPr lang="en-US"/>
           </a:p>
@@ -24158,7 +24247,7 @@
           <p:nvPr>
             <p:extLst>
               <p:ext uri="{D42A27DB-BD31-4B8C-83A1-F6EECF244321}">
-                <p14:modId xmlns:p14="http://schemas.microsoft.com/office/powerpoint/2010/main" val="311951668"/>
+                <p14:modId xmlns:p14="http://schemas.microsoft.com/office/powerpoint/2010/main" val="3700934943"/>
               </p:ext>
             </p:extLst>
           </p:nvPr>
@@ -24377,13 +24466,8 @@
                       </a:pPr>
                       <a:r>
                         <a:rPr lang="en-CA" dirty="0"/>
-                        <a:t>On a sub-form, indicates variables that must be made available by the </a:t>
+                        <a:t>On a sub-form, indicates variables that must be made available by the parent</a:t>
                       </a:r>
-                      <a:r>
-                        <a:rPr lang="en-CA" dirty="0" err="1"/>
-                        <a:t>parrent</a:t>
-                      </a:r>
-                      <a:endParaRPr lang="en-CA" dirty="0"/>
                     </a:p>
                   </a:txBody>
                   <a:tcPr/>
@@ -25072,6 +25156,16 @@
               <a:t>Definitions for backbone elements turn into groups of questions</a:t>
             </a:r>
           </a:p>
+          <a:p>
+            <a:r>
+              <a:rPr lang="en-CA" sz="2000" dirty="0" err="1"/>
+              <a:t>linkIdPrefixes</a:t>
+            </a:r>
+            <a:r>
+              <a:rPr lang="en-CA" sz="2000" dirty="0"/>
+              <a:t> are prepended to the </a:t>
+            </a:r>
+          </a:p>
         </p:txBody>
       </p:sp>
       <p:sp>
@@ -25226,11 +25320,11 @@
             <a:pPr lvl="1"/>
             <a:r>
               <a:rPr lang="en-CA" dirty="0"/>
-              <a:t>Would result in </a:t>
+              <a:t>Would result in duplicate </a:t>
             </a:r>
             <a:r>
               <a:rPr lang="en-CA" dirty="0" err="1"/>
-              <a:t>duplicateLinkIds</a:t>
+              <a:t>linkIds</a:t>
             </a:r>
             <a:endParaRPr lang="en-CA" dirty="0"/>
           </a:p>
@@ -25243,12 +25337,8 @@
           <a:p>
             <a:pPr lvl="1"/>
             <a:r>
-              <a:rPr lang="en-CA" dirty="0" err="1"/>
-              <a:t>subQuestionnaire</a:t>
-            </a:r>
-            <a:r>
               <a:rPr lang="en-CA" dirty="0"/>
-              <a:t> identifies a </a:t>
+              <a:t>Parent Questionnaire defines a %</a:t>
             </a:r>
             <a:r>
               <a:rPr lang="en-CA" dirty="0" err="1"/>
@@ -25272,18 +25362,18 @@
             </a:r>
             <a:r>
               <a:rPr lang="en-CA" dirty="0" err="1"/>
-              <a:t>emableWhen.question</a:t>
+              <a:t>enableWhen.question</a:t>
             </a:r>
             <a:r>
               <a:rPr lang="en-CA" dirty="0"/>
-              <a:t> elements in the imported form</a:t>
+              <a:t> elements in the imported sub-form</a:t>
             </a:r>
           </a:p>
           <a:p>
             <a:pPr lvl="2"/>
             <a:r>
               <a:rPr lang="en-CA" dirty="0"/>
-              <a:t>Also sets a variable that can be used in expressions</a:t>
+              <a:t>Also sets a variable that can be used in expressions in the sub-form</a:t>
             </a:r>
           </a:p>
         </p:txBody>
@@ -26041,40 +26131,53 @@
           <a:lstStyle/>
           <a:p>
             <a:r>
-              <a:rPr lang="en-CA" dirty="0"/>
+              <a:rPr lang="en-CA" sz="1800" dirty="0"/>
               <a:t>Modifiers are prohibited on sub-forms</a:t>
             </a:r>
           </a:p>
           <a:p>
             <a:r>
-              <a:rPr lang="en-CA" dirty="0"/>
+              <a:rPr lang="en-CA" sz="1800" dirty="0"/>
               <a:t>Language must match across root and child forms (and </a:t>
             </a:r>
             <a:r>
-              <a:rPr lang="en-CA" dirty="0" err="1"/>
+              <a:rPr lang="en-CA" sz="1800" dirty="0" err="1"/>
               <a:t>StructureDefinitions</a:t>
             </a:r>
             <a:r>
-              <a:rPr lang="en-CA" dirty="0"/>
+              <a:rPr lang="en-CA" sz="1800" dirty="0"/>
               <a:t>)</a:t>
             </a:r>
           </a:p>
           <a:p>
             <a:r>
-              <a:rPr lang="en-CA" dirty="0"/>
+              <a:rPr lang="en-CA" sz="1800" dirty="0"/>
               <a:t>If extracting child elements from a definition, match against item children if there are any, otherwise just create needed children</a:t>
             </a:r>
           </a:p>
           <a:p>
             <a:r>
-              <a:rPr lang="en-CA" dirty="0"/>
+              <a:rPr lang="en-CA" sz="1800" dirty="0"/>
               <a:t>The canonical of an unassembled and assembled Questionnaire is </a:t>
             </a:r>
             <a:r>
-              <a:rPr lang="en-CA" b="1" dirty="0"/>
+              <a:rPr lang="en-CA" sz="1800" b="1" dirty="0"/>
               <a:t>the same</a:t>
             </a:r>
-            <a:endParaRPr lang="en-CA" dirty="0"/>
+            <a:endParaRPr lang="en-CA" sz="1800" dirty="0"/>
+          </a:p>
+          <a:p>
+            <a:r>
+              <a:rPr lang="en-CA" sz="1800" dirty="0"/>
+              <a:t>SDC is currently examining the issue that definition is used for both extraction and modular forms (and might need different values for each)</a:t>
+            </a:r>
+          </a:p>
+          <a:p>
+            <a:pPr lvl="1"/>
+            <a:r>
+              <a:rPr lang="en-CA" sz="1600" dirty="0"/>
+              <a:t>Watch for forthcoming guidance</a:t>
+            </a:r>
           </a:p>
         </p:txBody>
       </p:sp>
@@ -27427,7 +27530,7 @@
               <a:rPr lang="en-CA" b="0" i="0" u="none" strike="noStrike" dirty="0">
                 <a:effectLst/>
                 <a:latin typeface="+mj-lt"/>
-                <a:hlinkClick r:id="rId2"/>
+                <a:hlinkClick r:id="rId3"/>
               </a:rPr>
               <a:t>questionnaire-</a:t>
             </a:r>
@@ -27435,7 +27538,7 @@
               <a:rPr lang="en-CA" b="0" i="0" u="none" strike="noStrike" dirty="0" err="1">
                 <a:effectLst/>
                 <a:latin typeface="+mj-lt"/>
-                <a:hlinkClick r:id="rId2"/>
+                <a:hlinkClick r:id="rId3"/>
               </a:rPr>
               <a:t>derivationType</a:t>
             </a:r>
@@ -27519,14 +27622,14 @@
           <p:nvPr>
             <p:extLst>
               <p:ext uri="{D42A27DB-BD31-4B8C-83A1-F6EECF244321}">
-                <p14:modId xmlns:p14="http://schemas.microsoft.com/office/powerpoint/2010/main" val="4115232883"/>
+                <p14:modId xmlns:p14="http://schemas.microsoft.com/office/powerpoint/2010/main" val="4145274773"/>
               </p:ext>
             </p:extLst>
           </p:nvPr>
         </p:nvGraphicFramePr>
         <p:xfrm>
           <a:off x="1478666" y="1146621"/>
-          <a:ext cx="6186668" cy="3472584"/>
+          <a:ext cx="6186668" cy="3479661"/>
         </p:xfrm>
         <a:graphic>
           <a:graphicData uri="http://schemas.openxmlformats.org/drawingml/2006/table">
@@ -27595,7 +27698,7 @@
                         <a:rPr lang="en-CA" sz="1400" b="1" dirty="0">
                           <a:effectLst/>
                         </a:rPr>
-                        <a:t>Instance of</a:t>
+                        <a:t>QR is Instance of Questionnaire</a:t>
                       </a:r>
                       <a:endParaRPr lang="en-CA" sz="1400" b="1" dirty="0">
                         <a:effectLst/>
@@ -27615,7 +27718,7 @@
                         <a:rPr lang="en-CA" sz="1400" b="1" dirty="0">
                           <a:effectLst/>
                         </a:rPr>
-                        <a:t>Validates against original Questionnaire</a:t>
+                        <a:t>QR Validates against original Questionnaire</a:t>
                       </a:r>
                       <a:endParaRPr lang="en-CA" sz="1400" b="1" dirty="0">
                         <a:effectLst/>
@@ -27635,7 +27738,7 @@
                         <a:rPr lang="en-CA" sz="1400" b="1" dirty="0">
                           <a:effectLst/>
                         </a:rPr>
-                        <a:t>Validates against derived Questionnaire</a:t>
+                        <a:t>QR Validates against derived Questionnaire</a:t>
                       </a:r>
                       <a:endParaRPr lang="en-CA" sz="1400" b="1" dirty="0">
                         <a:effectLst/>
@@ -27695,122 +27798,6 @@
                         <a:rPr lang="en-CA" sz="1400" b="0" dirty="0">
                           <a:effectLst/>
                         </a:rPr>
-                        <a:t>derived</a:t>
-                      </a:r>
-                      <a:endParaRPr lang="en-CA" sz="1400" b="0" dirty="0">
-                        <a:effectLst/>
-                        <a:latin typeface="verdana" panose="020B0604030504040204" pitchFamily="34" charset="0"/>
-                      </a:endParaRPr>
-                    </a:p>
-                  </a:txBody>
-                  <a:tcPr marL="21481" marR="21481" marT="21481" marB="21481">
-                    <a:lnL w="12700" cap="flat" cmpd="sng" algn="ctr">
-                      <a:solidFill>
-                        <a:schemeClr val="tx2">
-                          <a:lumMod val="40000"/>
-                          <a:lumOff val="60000"/>
-                        </a:schemeClr>
-                      </a:solidFill>
-                      <a:prstDash val="solid"/>
-                      <a:round/>
-                      <a:headEnd type="none" w="med" len="med"/>
-                      <a:tailEnd type="none" w="med" len="med"/>
-                    </a:lnL>
-                  </a:tcPr>
-                </a:tc>
-                <a:tc>
-                  <a:txBody>
-                    <a:bodyPr/>
-                    <a:lstStyle/>
-                    <a:p>
-                      <a:pPr fontAlgn="t"/>
-                      <a:r>
-                        <a:rPr lang="en-CA" sz="1400" b="0">
-                          <a:effectLst/>
-                        </a:rPr>
-                        <a:t>not usually</a:t>
-                      </a:r>
-                      <a:endParaRPr lang="en-CA" sz="1400" b="0">
-                        <a:effectLst/>
-                        <a:latin typeface="verdana" panose="020B0604030504040204" pitchFamily="34" charset="0"/>
-                      </a:endParaRPr>
-                    </a:p>
-                  </a:txBody>
-                  <a:tcPr marL="21481" marR="21481" marT="21481" marB="21481"/>
-                </a:tc>
-                <a:tc>
-                  <a:txBody>
-                    <a:bodyPr/>
-                    <a:lstStyle/>
-                    <a:p>
-                      <a:pPr marL="0" marR="0" lvl="0" indent="0" algn="l" defTabSz="457200" rtl="0" eaLnBrk="1" fontAlgn="t" latinLnBrk="0" hangingPunct="1">
-                        <a:lnSpc>
-                          <a:spcPct val="100000"/>
-                        </a:lnSpc>
-                        <a:spcBef>
-                          <a:spcPts val="0"/>
-                        </a:spcBef>
-                        <a:spcAft>
-                          <a:spcPts val="0"/>
-                        </a:spcAft>
-                        <a:buClrTx/>
-                        <a:buSzTx/>
-                        <a:buFontTx/>
-                        <a:buNone/>
-                        <a:tabLst/>
-                        <a:defRPr/>
-                      </a:pPr>
-                      <a:r>
-                        <a:rPr lang="en-CA" sz="1400" b="0" dirty="0">
-                          <a:solidFill>
-                            <a:schemeClr val="bg1">
-                              <a:lumMod val="75000"/>
-                            </a:schemeClr>
-                          </a:solidFill>
-                          <a:effectLst/>
-                        </a:rPr>
-                        <a:t>yes</a:t>
-                      </a:r>
-                      <a:endParaRPr lang="en-CA" sz="1400" b="0" dirty="0">
-                        <a:solidFill>
-                          <a:schemeClr val="bg1">
-                            <a:lumMod val="75000"/>
-                          </a:schemeClr>
-                        </a:solidFill>
-                        <a:effectLst/>
-                        <a:latin typeface="verdana" panose="020B0604030504040204" pitchFamily="34" charset="0"/>
-                      </a:endParaRPr>
-                    </a:p>
-                  </a:txBody>
-                  <a:tcPr marL="21481" marR="21481" marT="21481" marB="21481"/>
-                </a:tc>
-                <a:extLst>
-                  <a:ext uri="{0D108BD9-81ED-4DB2-BD59-A6C34878D82A}">
-                    <a16:rowId xmlns:a16="http://schemas.microsoft.com/office/drawing/2014/main" val="942875383"/>
-                  </a:ext>
-                </a:extLst>
-              </a:tr>
-              <a:tr h="661630">
-                <a:tc vMerge="1">
-                  <a:txBody>
-                    <a:bodyPr/>
-                    <a:lstStyle/>
-                    <a:p>
-                      <a:endParaRPr lang="en-CA"/>
-                    </a:p>
-                  </a:txBody>
-                  <a:tcPr/>
-                </a:tc>
-                <a:tc>
-                  <a:txBody>
-                    <a:bodyPr/>
-                    <a:lstStyle/>
-                    <a:p>
-                      <a:pPr fontAlgn="t"/>
-                      <a:r>
-                        <a:rPr lang="en-CA" sz="1400" b="0" dirty="0">
-                          <a:effectLst/>
-                        </a:rPr>
                         <a:t>original</a:t>
                       </a:r>
                       <a:endParaRPr lang="en-CA" sz="1400" b="0" dirty="0">
@@ -27857,6 +27844,126 @@
                         <a:defRPr/>
                       </a:pPr>
                       <a:r>
+                        <a:rPr lang="en-CA" sz="1400" b="0">
+                          <a:solidFill>
+                            <a:schemeClr val="bg1">
+                              <a:lumMod val="75000"/>
+                            </a:schemeClr>
+                          </a:solidFill>
+                          <a:effectLst/>
+                        </a:rPr>
+                        <a:t>yes</a:t>
+                      </a:r>
+                      <a:endParaRPr lang="en-CA" sz="1400" b="0">
+                        <a:solidFill>
+                          <a:schemeClr val="bg1">
+                            <a:lumMod val="75000"/>
+                          </a:schemeClr>
+                        </a:solidFill>
+                        <a:effectLst/>
+                        <a:latin typeface="verdana" panose="020B0604030504040204" pitchFamily="34" charset="0"/>
+                      </a:endParaRPr>
+                    </a:p>
+                  </a:txBody>
+                  <a:tcPr marL="21481" marR="21481" marT="21481" marB="21481"/>
+                </a:tc>
+                <a:tc>
+                  <a:txBody>
+                    <a:bodyPr/>
+                    <a:lstStyle/>
+                    <a:p>
+                      <a:pPr fontAlgn="t"/>
+                      <a:r>
+                        <a:rPr lang="en-US" sz="1400" b="0" dirty="0">
+                          <a:effectLst/>
+                        </a:rPr>
+                        <a:t>Possibly (if extended items are optional)</a:t>
+                      </a:r>
+                      <a:endParaRPr lang="en-US" sz="1400" b="0" dirty="0">
+                        <a:effectLst/>
+                        <a:latin typeface="verdana" panose="020B0604030504040204" pitchFamily="34" charset="0"/>
+                      </a:endParaRPr>
+                    </a:p>
+                  </a:txBody>
+                  <a:tcPr marL="21481" marR="21481" marT="21481" marB="21481"/>
+                </a:tc>
+                <a:extLst>
+                  <a:ext uri="{0D108BD9-81ED-4DB2-BD59-A6C34878D82A}">
+                    <a16:rowId xmlns:a16="http://schemas.microsoft.com/office/drawing/2014/main" val="942875383"/>
+                  </a:ext>
+                </a:extLst>
+              </a:tr>
+              <a:tr h="263399">
+                <a:tc vMerge="1">
+                  <a:txBody>
+                    <a:bodyPr/>
+                    <a:lstStyle/>
+                    <a:p>
+                      <a:endParaRPr lang="en-CA"/>
+                    </a:p>
+                  </a:txBody>
+                  <a:tcPr/>
+                </a:tc>
+                <a:tc>
+                  <a:txBody>
+                    <a:bodyPr/>
+                    <a:lstStyle/>
+                    <a:p>
+                      <a:pPr fontAlgn="t"/>
+                      <a:r>
+                        <a:rPr lang="en-CA" sz="1400" b="0" dirty="0">
+                          <a:effectLst/>
+                        </a:rPr>
+                        <a:t>derived</a:t>
+                      </a:r>
+                      <a:endParaRPr lang="en-CA" sz="1400" b="0" dirty="0">
+                        <a:effectLst/>
+                        <a:latin typeface="verdana" panose="020B0604030504040204" pitchFamily="34" charset="0"/>
+                      </a:endParaRPr>
+                    </a:p>
+                  </a:txBody>
+                  <a:tcPr marL="21481" marR="21481" marT="21481" marB="21481">
+                    <a:lnL w="12700" cap="flat" cmpd="sng" algn="ctr">
+                      <a:solidFill>
+                        <a:schemeClr val="tx2">
+                          <a:lumMod val="40000"/>
+                          <a:lumOff val="60000"/>
+                        </a:schemeClr>
+                      </a:solidFill>
+                      <a:prstDash val="solid"/>
+                      <a:round/>
+                      <a:headEnd type="none" w="med" len="med"/>
+                      <a:tailEnd type="none" w="med" len="med"/>
+                    </a:lnL>
+                  </a:tcPr>
+                </a:tc>
+                <a:tc>
+                  <a:txBody>
+                    <a:bodyPr/>
+                    <a:lstStyle/>
+                    <a:p>
+                      <a:pPr fontAlgn="t"/>
+                      <a:r>
+                        <a:rPr lang="en-CA" sz="1400" b="0" dirty="0">
+                          <a:effectLst/>
+                        </a:rPr>
+                        <a:t>Not usually</a:t>
+                      </a:r>
+                      <a:endParaRPr lang="en-CA" sz="1400" b="0" dirty="0">
+                        <a:effectLst/>
+                        <a:latin typeface="verdana" panose="020B0604030504040204" pitchFamily="34" charset="0"/>
+                      </a:endParaRPr>
+                    </a:p>
+                  </a:txBody>
+                  <a:tcPr marL="21481" marR="21481" marT="21481" marB="21481"/>
+                </a:tc>
+                <a:tc>
+                  <a:txBody>
+                    <a:bodyPr/>
+                    <a:lstStyle/>
+                    <a:p>
+                      <a:pPr fontAlgn="t"/>
+                      <a:r>
                         <a:rPr lang="en-CA" sz="1400" b="0" dirty="0">
                           <a:solidFill>
                             <a:schemeClr val="bg1">
@@ -27873,33 +27980,6 @@
                             <a:lumMod val="75000"/>
                           </a:schemeClr>
                         </a:solidFill>
-                        <a:effectLst/>
-                        <a:latin typeface="verdana" panose="020B0604030504040204" pitchFamily="34" charset="0"/>
-                      </a:endParaRPr>
-                    </a:p>
-                    <a:p>
-                      <a:pPr fontAlgn="t"/>
-                      <a:endParaRPr lang="en-CA" sz="1400" b="0" dirty="0">
-                        <a:effectLst/>
-                        <a:latin typeface="verdana" panose="020B0604030504040204" pitchFamily="34" charset="0"/>
-                      </a:endParaRPr>
-                    </a:p>
-                  </a:txBody>
-                  <a:tcPr marL="21481" marR="21481" marT="21481" marB="21481"/>
-                </a:tc>
-                <a:tc>
-                  <a:txBody>
-                    <a:bodyPr/>
-                    <a:lstStyle/>
-                    <a:p>
-                      <a:pPr fontAlgn="t"/>
-                      <a:r>
-                        <a:rPr lang="en-US" sz="1400" b="0">
-                          <a:effectLst/>
-                        </a:rPr>
-                        <a:t>Possibly (if extended items are optional)</a:t>
-                      </a:r>
-                      <a:endParaRPr lang="en-US" sz="1400" b="0">
                         <a:effectLst/>
                         <a:latin typeface="verdana" panose="020B0604030504040204" pitchFamily="34" charset="0"/>
                       </a:endParaRPr>
@@ -27946,106 +28026,6 @@
                       <a:tailEnd type="none" w="med" len="med"/>
                     </a:lnR>
                   </a:tcPr>
-                </a:tc>
-                <a:tc>
-                  <a:txBody>
-                    <a:bodyPr/>
-                    <a:lstStyle/>
-                    <a:p>
-                      <a:pPr fontAlgn="t"/>
-                      <a:r>
-                        <a:rPr lang="en-CA" sz="1400" b="0" dirty="0">
-                          <a:effectLst/>
-                        </a:rPr>
-                        <a:t>derived</a:t>
-                      </a:r>
-                      <a:endParaRPr lang="en-CA" sz="1400" b="0" dirty="0">
-                        <a:effectLst/>
-                        <a:latin typeface="verdana" panose="020B0604030504040204" pitchFamily="34" charset="0"/>
-                      </a:endParaRPr>
-                    </a:p>
-                  </a:txBody>
-                  <a:tcPr marL="21481" marR="21481" marT="21481" marB="21481">
-                    <a:lnL w="12700" cap="flat" cmpd="sng" algn="ctr">
-                      <a:solidFill>
-                        <a:schemeClr val="tx2">
-                          <a:lumMod val="40000"/>
-                          <a:lumOff val="60000"/>
-                        </a:schemeClr>
-                      </a:solidFill>
-                      <a:prstDash val="solid"/>
-                      <a:round/>
-                      <a:headEnd type="none" w="med" len="med"/>
-                      <a:tailEnd type="none" w="med" len="med"/>
-                    </a:lnL>
-                  </a:tcPr>
-                </a:tc>
-                <a:tc>
-                  <a:txBody>
-                    <a:bodyPr/>
-                    <a:lstStyle/>
-                    <a:p>
-                      <a:pPr fontAlgn="t"/>
-                      <a:r>
-                        <a:rPr lang="en-CA" sz="1400" b="0">
-                          <a:effectLst/>
-                        </a:rPr>
-                        <a:t>yes</a:t>
-                      </a:r>
-                      <a:endParaRPr lang="en-CA" sz="1400" b="0">
-                        <a:effectLst/>
-                        <a:latin typeface="verdana" panose="020B0604030504040204" pitchFamily="34" charset="0"/>
-                      </a:endParaRPr>
-                    </a:p>
-                  </a:txBody>
-                  <a:tcPr marL="21481" marR="21481" marT="21481" marB="21481"/>
-                </a:tc>
-                <a:tc>
-                  <a:txBody>
-                    <a:bodyPr/>
-                    <a:lstStyle/>
-                    <a:p>
-                      <a:pPr fontAlgn="t"/>
-                      <a:r>
-                        <a:rPr lang="en-CA" sz="1400" b="0" dirty="0">
-                          <a:solidFill>
-                            <a:schemeClr val="bg1">
-                              <a:lumMod val="75000"/>
-                            </a:schemeClr>
-                          </a:solidFill>
-                          <a:effectLst/>
-                        </a:rPr>
-                        <a:t>yes</a:t>
-                      </a:r>
-                      <a:endParaRPr lang="en-CA" sz="1400" b="0" dirty="0">
-                        <a:solidFill>
-                          <a:schemeClr val="bg1">
-                            <a:lumMod val="75000"/>
-                          </a:schemeClr>
-                        </a:solidFill>
-                        <a:effectLst/>
-                        <a:latin typeface="verdana" panose="020B0604030504040204" pitchFamily="34" charset="0"/>
-                      </a:endParaRPr>
-                    </a:p>
-                  </a:txBody>
-                  <a:tcPr marL="21481" marR="21481" marT="21481" marB="21481"/>
-                </a:tc>
-                <a:extLst>
-                  <a:ext uri="{0D108BD9-81ED-4DB2-BD59-A6C34878D82A}">
-                    <a16:rowId xmlns:a16="http://schemas.microsoft.com/office/drawing/2014/main" val="718050463"/>
-                  </a:ext>
-                </a:extLst>
-              </a:tr>
-              <a:tr h="867852">
-                <a:tc vMerge="1">
-                  <a:txBody>
-                    <a:bodyPr/>
-                    <a:lstStyle/>
-                    <a:p>
-                      <a:endParaRPr lang="en-CA"/>
-                    </a:p>
-                  </a:txBody>
-                  <a:tcPr/>
                 </a:tc>
                 <a:tc>
                   <a:txBody>
@@ -28117,12 +28097,112 @@
                     <a:p>
                       <a:pPr fontAlgn="t"/>
                       <a:r>
-                        <a:rPr lang="en-US" sz="1400" b="0">
+                        <a:rPr lang="en-US" sz="1400" b="0" dirty="0">
                           <a:effectLst/>
                         </a:rPr>
                         <a:t>Possibly (depending on nature of constraints)</a:t>
                       </a:r>
-                      <a:endParaRPr lang="en-US" sz="1400" b="0">
+                      <a:endParaRPr lang="en-US" sz="1400" b="0" dirty="0">
+                        <a:effectLst/>
+                        <a:latin typeface="verdana" panose="020B0604030504040204" pitchFamily="34" charset="0"/>
+                      </a:endParaRPr>
+                    </a:p>
+                  </a:txBody>
+                  <a:tcPr marL="21481" marR="21481" marT="21481" marB="21481"/>
+                </a:tc>
+                <a:extLst>
+                  <a:ext uri="{0D108BD9-81ED-4DB2-BD59-A6C34878D82A}">
+                    <a16:rowId xmlns:a16="http://schemas.microsoft.com/office/drawing/2014/main" val="718050463"/>
+                  </a:ext>
+                </a:extLst>
+              </a:tr>
+              <a:tr h="250227">
+                <a:tc vMerge="1">
+                  <a:txBody>
+                    <a:bodyPr/>
+                    <a:lstStyle/>
+                    <a:p>
+                      <a:endParaRPr lang="en-CA"/>
+                    </a:p>
+                  </a:txBody>
+                  <a:tcPr/>
+                </a:tc>
+                <a:tc>
+                  <a:txBody>
+                    <a:bodyPr/>
+                    <a:lstStyle/>
+                    <a:p>
+                      <a:pPr fontAlgn="t"/>
+                      <a:r>
+                        <a:rPr lang="en-CA" sz="1400" b="0" dirty="0">
+                          <a:effectLst/>
+                        </a:rPr>
+                        <a:t>derived</a:t>
+                      </a:r>
+                      <a:endParaRPr lang="en-CA" sz="1400" b="0" dirty="0">
+                        <a:effectLst/>
+                        <a:latin typeface="verdana" panose="020B0604030504040204" pitchFamily="34" charset="0"/>
+                      </a:endParaRPr>
+                    </a:p>
+                  </a:txBody>
+                  <a:tcPr marL="21481" marR="21481" marT="21481" marB="21481">
+                    <a:lnL w="12700" cap="flat" cmpd="sng" algn="ctr">
+                      <a:solidFill>
+                        <a:schemeClr val="tx2">
+                          <a:lumMod val="40000"/>
+                          <a:lumOff val="60000"/>
+                        </a:schemeClr>
+                      </a:solidFill>
+                      <a:prstDash val="solid"/>
+                      <a:round/>
+                      <a:headEnd type="none" w="med" len="med"/>
+                      <a:tailEnd type="none" w="med" len="med"/>
+                    </a:lnL>
+                  </a:tcPr>
+                </a:tc>
+                <a:tc>
+                  <a:txBody>
+                    <a:bodyPr/>
+                    <a:lstStyle/>
+                    <a:p>
+                      <a:pPr fontAlgn="t"/>
+                      <a:r>
+                        <a:rPr lang="en-CA" sz="1400" b="0" dirty="0">
+                          <a:effectLst/>
+                        </a:rPr>
+                        <a:t>yes</a:t>
+                      </a:r>
+                      <a:endParaRPr lang="en-CA" sz="1400" b="0" dirty="0">
+                        <a:effectLst/>
+                        <a:latin typeface="verdana" panose="020B0604030504040204" pitchFamily="34" charset="0"/>
+                      </a:endParaRPr>
+                    </a:p>
+                  </a:txBody>
+                  <a:tcPr marL="21481" marR="21481" marT="21481" marB="21481"/>
+                </a:tc>
+                <a:tc>
+                  <a:txBody>
+                    <a:bodyPr/>
+                    <a:lstStyle/>
+                    <a:p>
+                      <a:pPr fontAlgn="t"/>
+                      <a:r>
+                        <a:rPr lang="en-CA" sz="1400" b="0" dirty="0">
+                          <a:solidFill>
+                            <a:schemeClr val="bg1">
+                              <a:lumMod val="75000"/>
+                            </a:schemeClr>
+                          </a:solidFill>
+                          <a:effectLst/>
+                        </a:rPr>
+                        <a:t>yes</a:t>
+                      </a:r>
+                      <a:endParaRPr lang="en-CA" sz="1400" b="0" dirty="0">
+                        <a:solidFill>
+                          <a:schemeClr val="bg1">
+                            <a:lumMod val="75000"/>
+                          </a:schemeClr>
+                        </a:solidFill>
                         <a:effectLst/>
                         <a:latin typeface="verdana" panose="020B0604030504040204" pitchFamily="34" charset="0"/>
                       </a:endParaRPr>
@@ -28180,7 +28260,7 @@
                         <a:rPr lang="en-CA" sz="1400" b="0" dirty="0">
                           <a:effectLst/>
                         </a:rPr>
-                        <a:t>derived</a:t>
+                        <a:t>original</a:t>
                       </a:r>
                       <a:endParaRPr lang="en-CA" sz="1400" b="0" dirty="0">
                         <a:effectLst/>
@@ -28210,12 +28290,22 @@
                     <a:p>
                       <a:pPr fontAlgn="t"/>
                       <a:r>
-                        <a:rPr lang="en-CA" sz="1400" b="0">
+                        <a:rPr lang="en-CA" sz="1400" b="0" dirty="0">
+                          <a:solidFill>
+                            <a:schemeClr val="bg1">
+                              <a:lumMod val="75000"/>
+                            </a:schemeClr>
+                          </a:solidFill>
                           <a:effectLst/>
                         </a:rPr>
-                        <a:t>no</a:t>
+                        <a:t>Yes</a:t>
                       </a:r>
-                      <a:endParaRPr lang="en-CA" sz="1400" b="0">
+                      <a:endParaRPr lang="en-CA" sz="1400" b="0" dirty="0">
+                        <a:solidFill>
+                          <a:schemeClr val="bg1">
+                            <a:lumMod val="75000"/>
+                          </a:schemeClr>
+                        </a:solidFill>
                         <a:effectLst/>
                         <a:latin typeface="verdana" panose="020B0604030504040204" pitchFamily="34" charset="0"/>
                       </a:endParaRPr>
@@ -28231,14 +28321,9 @@
                       <a:pPr fontAlgn="t"/>
                       <a:r>
                         <a:rPr lang="en-CA" sz="1400" b="0" dirty="0">
-                          <a:solidFill>
-                            <a:schemeClr val="bg1">
-                              <a:lumMod val="75000"/>
-                            </a:schemeClr>
-                          </a:solidFill>
                           <a:effectLst/>
                         </a:rPr>
-                        <a:t>yes</a:t>
+                        <a:t>no</a:t>
                       </a:r>
                       <a:endParaRPr lang="en-CA" sz="1400" b="0" dirty="0">
                         <a:solidFill>
@@ -28280,7 +28365,7 @@
                         <a:rPr lang="en-CA" sz="1400" b="0" dirty="0">
                           <a:effectLst/>
                         </a:rPr>
-                        <a:t>original</a:t>
+                        <a:t>derived</a:t>
                       </a:r>
                       <a:endParaRPr lang="en-CA" sz="1400" b="0" dirty="0">
                         <a:effectLst/>
@@ -28311,14 +28396,9 @@
                       <a:pPr fontAlgn="t"/>
                       <a:r>
                         <a:rPr lang="en-CA" sz="1400" b="0" dirty="0">
-                          <a:solidFill>
-                            <a:schemeClr val="bg1">
-                              <a:lumMod val="75000"/>
-                            </a:schemeClr>
-                          </a:solidFill>
                           <a:effectLst/>
                         </a:rPr>
-                        <a:t>yes</a:t>
+                        <a:t>no</a:t>
                       </a:r>
                       <a:endParaRPr lang="en-CA" sz="1400" b="0" dirty="0">
                         <a:solidFill>
@@ -28341,9 +28421,14 @@
                       <a:pPr fontAlgn="t"/>
                       <a:r>
                         <a:rPr lang="en-CA" sz="1400" b="0" dirty="0">
+                          <a:solidFill>
+                            <a:schemeClr val="bg1">
+                              <a:lumMod val="75000"/>
+                            </a:schemeClr>
+                          </a:solidFill>
                           <a:effectLst/>
                         </a:rPr>
-                        <a:t>no</a:t>
+                        <a:t>yes</a:t>
                       </a:r>
                       <a:endParaRPr lang="en-CA" sz="1400" b="0" dirty="0">
                         <a:effectLst/>
@@ -28580,15 +28665,7 @@
             </a:r>
             <a:r>
               <a:rPr lang="en-CA" dirty="0"/>
-              <a:t> refer to the ‘</a:t>
-            </a:r>
-            <a:r>
-              <a:rPr lang="en-CA" dirty="0" err="1"/>
-              <a:t>derivedFrom</a:t>
-            </a:r>
-            <a:r>
-              <a:rPr lang="en-CA" dirty="0"/>
-              <a:t>’ Questionnaire instead of the Questionnaire actually used</a:t>
+              <a:t> refer to the ‘original’ Questionnaire instead of the Questionnaire actually used</a:t>
             </a:r>
           </a:p>
           <a:p>
@@ -28740,7 +28817,7 @@
           <a:p>
             <a:r>
               <a:rPr lang="en-CA" dirty="0"/>
-              <a:t>Some ‘optional’ questions are essential to instrument validity, others can safely be yanked</a:t>
+              <a:t>Some ‘optional’ questions are essential to instrument validity, others can safely be omitted</a:t>
             </a:r>
           </a:p>
           <a:p>
@@ -28919,42 +28996,48 @@
           <a:lstStyle/>
           <a:p>
             <a:r>
-              <a:rPr lang="en-CA" sz="2000" dirty="0"/>
+              <a:rPr lang="en-CA" sz="1800" dirty="0"/>
               <a:t>New information can be injected in a base form using either modular forms or derived forms</a:t>
             </a:r>
           </a:p>
           <a:p>
             <a:pPr lvl="1"/>
             <a:r>
+              <a:rPr lang="en-CA" sz="1600" dirty="0"/>
+              <a:t>With modular, place the additional information in an </a:t>
+            </a:r>
+            <a:r>
+              <a:rPr lang="en-CA" sz="1600" dirty="0" err="1"/>
+              <a:t>ElementDefinition</a:t>
+            </a:r>
+            <a:r>
+              <a:rPr lang="en-CA" sz="1600" dirty="0"/>
+              <a:t> or sub-form and have the parent point to that definition/form</a:t>
+            </a:r>
+          </a:p>
+          <a:p>
+            <a:pPr lvl="1"/>
+            <a:r>
+              <a:rPr lang="en-CA" sz="1600" dirty="0"/>
+              <a:t>With derived, copy the parent information and add the new information</a:t>
+            </a:r>
+          </a:p>
+          <a:p>
+            <a:r>
               <a:rPr lang="en-CA" sz="1800" dirty="0"/>
-              <a:t>With modular, place the additional information in an </a:t>
-            </a:r>
-            <a:r>
-              <a:rPr lang="en-CA" sz="1800" dirty="0" err="1"/>
-              <a:t>ElementDefinition</a:t>
-            </a:r>
+              <a:t>Modular is easier to maintain, but requires control over parent.</a:t>
+            </a:r>
+          </a:p>
+          <a:p>
             <a:r>
               <a:rPr lang="en-CA" sz="1800" dirty="0"/>
-              <a:t> and have the parent point to that definition</a:t>
-            </a:r>
-          </a:p>
-          <a:p>
-            <a:pPr lvl="1"/>
+              <a:t>Derived approach can be used even with no control of parent, but takes more maintenance &amp; changes canonical</a:t>
+            </a:r>
+          </a:p>
+          <a:p>
             <a:r>
               <a:rPr lang="en-CA" sz="1800" dirty="0"/>
-              <a:t>With derived, copy the parent information and add the new information</a:t>
-            </a:r>
-          </a:p>
-          <a:p>
-            <a:r>
-              <a:rPr lang="en-CA" sz="2000" dirty="0"/>
-              <a:t>Modular is easier to maintain, but requires control over parent.</a:t>
-            </a:r>
-          </a:p>
-          <a:p>
-            <a:r>
-              <a:rPr lang="en-CA" sz="2000" dirty="0"/>
-              <a:t>Derived approach can be used even with no control of parent, but takes more maintenance &amp; changes canonical</a:t>
+              <a:t>Modular is a single Q.  Derivation creates a new Q (could be non-compatible)</a:t>
             </a:r>
           </a:p>
         </p:txBody>
@@ -30040,7 +30123,7 @@
           <a:lstStyle/>
           <a:p>
             <a:r>
-              <a:rPr lang="en-CA" dirty="0"/>
+              <a:rPr lang="en-CA"/>
               <a:t>Questions / Discussion</a:t>
             </a:r>
           </a:p>
@@ -30089,9 +30172,15 @@
             <a:endParaRPr lang="en-CA" sz="2000" dirty="0"/>
           </a:p>
           <a:p>
-            <a:endParaRPr lang="en-CA" dirty="0"/>
-          </a:p>
-          <a:p>
+            <a:pPr marL="0" indent="0">
+              <a:buNone/>
+            </a:pPr>
+            <a:endParaRPr lang="en-CA" sz="2000" dirty="0"/>
+          </a:p>
+          <a:p>
+            <a:pPr marL="0" indent="0">
+              <a:buNone/>
+            </a:pPr>
             <a:r>
               <a:rPr lang="en-CA" dirty="0"/>
               <a:t>Or, better yet, include the community and ask/discuss on </a:t>
@@ -30100,7 +30189,7 @@
               <a:rPr lang="en-CA" dirty="0">
                 <a:hlinkClick r:id="rId4"/>
               </a:rPr>
-              <a:t>http://chat.fhir.org</a:t>
+              <a:t>https://chat.fhir.org/#narrow/channel/179255-questionnaire</a:t>
             </a:r>
             <a:endParaRPr lang="en-CA" dirty="0"/>
           </a:p>
@@ -30120,7 +30209,7 @@
         </p:nvGrpSpPr>
         <p:grpSpPr>
           <a:xfrm>
-            <a:off x="2646128" y="2565307"/>
+            <a:off x="2646128" y="2850117"/>
             <a:ext cx="2572111" cy="2152533"/>
             <a:chOff x="2646128" y="2565307"/>
             <a:chExt cx="2572111" cy="2152533"/>
@@ -30272,7 +30361,7 @@
     </p:spTree>
     <p:extLst>
       <p:ext uri="{BB962C8B-B14F-4D97-AF65-F5344CB8AC3E}">
-        <p14:creationId xmlns:p14="http://schemas.microsoft.com/office/powerpoint/2010/main" val="2712066723"/>
+        <p14:creationId xmlns:p14="http://schemas.microsoft.com/office/powerpoint/2010/main" val="2250043905"/>
       </p:ext>
     </p:extLst>
   </p:cSld>
@@ -30318,7 +30407,7 @@
               <a:rPr lang="en-US"/>
               <a:t>This presentation</a:t>
             </a:r>
-            <a:endParaRPr lang="en-CA" dirty="0"/>
+            <a:endParaRPr lang="en-CA"/>
           </a:p>
         </p:txBody>
       </p:sp>
@@ -30338,24 +30427,30 @@
           <a:lstStyle/>
           <a:p>
             <a:r>
-              <a:rPr lang="en-US" dirty="0"/>
-              <a:t>Can be downloaded here:</a:t>
+              <a:rPr lang="en-US" dirty="0">
+                <a:ea typeface="ヒラギノ角ゴ Pro W3"/>
+              </a:rPr>
+              <a:t>Can be downloaded from the Ontario Health e-Learning site:</a:t>
             </a:r>
           </a:p>
           <a:p>
             <a:pPr lvl="1"/>
             <a:r>
               <a:rPr lang="en-CA" dirty="0">
+                <a:ea typeface="ヒラギノ角ゴ Pro W3"/>
                 <a:hlinkClick r:id="rId2"/>
               </a:rPr>
-              <a:t>https://github.com/FHIR/documents/tree/master/presentations/sdc</a:t>
-            </a:r>
-            <a:endParaRPr lang="en-CA" dirty="0"/>
-          </a:p>
-          <a:p>
-            <a:pPr lvl="0"/>
-            <a:r>
-              <a:rPr lang="en-US" dirty="0"/>
+              <a:t>https://elearning.ontariohealth.ca/login/index.php</a:t>
+            </a:r>
+            <a:endParaRPr lang="en-CA" dirty="0">
+              <a:ea typeface="ヒラギノ角ゴ Pro W3"/>
+            </a:endParaRPr>
+          </a:p>
+          <a:p>
+            <a:r>
+              <a:rPr lang="en-US" dirty="0">
+                <a:ea typeface="ヒラギノ角ゴ Pro W3"/>
+              </a:rPr>
               <a:t>Is licensed for use under the Creative Commons, specifically:</a:t>
             </a:r>
           </a:p>
@@ -30363,28 +30458,35 @@
             <a:pPr lvl="1"/>
             <a:r>
               <a:rPr lang="en-CA" dirty="0">
+                <a:ea typeface="ヒラギノ角ゴ Pro W3"/>
                 <a:hlinkClick r:id="rId3"/>
               </a:rPr>
               <a:t>Creative Commons Attribution 3.0 </a:t>
             </a:r>
             <a:r>
               <a:rPr lang="en-CA" dirty="0" err="1">
+                <a:ea typeface="ヒラギノ角ゴ Pro W3"/>
                 <a:hlinkClick r:id="rId3"/>
               </a:rPr>
               <a:t>Unported</a:t>
             </a:r>
             <a:r>
               <a:rPr lang="en-CA" dirty="0">
+                <a:ea typeface="ヒラギノ角ゴ Pro W3"/>
                 <a:hlinkClick r:id="rId3"/>
               </a:rPr>
               <a:t> License</a:t>
             </a:r>
-            <a:endParaRPr lang="en-CA" dirty="0"/>
+            <a:endParaRPr lang="en-CA" dirty="0">
+              <a:ea typeface="ヒラギノ角ゴ Pro W3"/>
+            </a:endParaRPr>
           </a:p>
           <a:p>
             <a:pPr lvl="1"/>
             <a:r>
-              <a:rPr lang="en-US" dirty="0"/>
+              <a:rPr lang="en-US" dirty="0">
+                <a:ea typeface="ヒラギノ角ゴ Pro W3"/>
+              </a:rPr>
               <a:t>(Do with it as you wish, so long as you give credit</a:t>
             </a:r>
           </a:p>
@@ -30412,18 +30514,18 @@
           <a:lstStyle/>
           <a:p>
             <a:r>
-              <a:rPr lang="en-CA" dirty="0"/>
+              <a:rPr lang="en-CA"/>
               <a:t>© 2025 Health Level Seven ® International. All Rights Reserved. Published under the Creative Commons 3.0 Attribution </a:t>
             </a:r>
             <a:r>
-              <a:rPr lang="en-CA" dirty="0" err="1"/>
+              <a:rPr lang="en-CA" err="1"/>
               <a:t>Unported</a:t>
             </a:r>
             <a:r>
-              <a:rPr lang="en-CA" dirty="0"/>
+              <a:rPr lang="en-CA"/>
               <a:t> license</a:t>
             </a:r>
-            <a:endParaRPr lang="en-US" dirty="0"/>
+            <a:endParaRPr lang="en-US"/>
           </a:p>
         </p:txBody>
       </p:sp>
@@ -30453,7 +30555,7 @@
               <a:pPr/>
               <a:t>4</a:t>
             </a:fld>
-            <a:endParaRPr lang="en-US" dirty="0"/>
+            <a:endParaRPr lang="en-US"/>
           </a:p>
         </p:txBody>
       </p:sp>
@@ -30501,7 +30603,7 @@
     </p:spTree>
     <p:extLst>
       <p:ext uri="{BB962C8B-B14F-4D97-AF65-F5344CB8AC3E}">
-        <p14:creationId xmlns:p14="http://schemas.microsoft.com/office/powerpoint/2010/main" val="655917162"/>
+        <p14:creationId xmlns:p14="http://schemas.microsoft.com/office/powerpoint/2010/main" val="3568858179"/>
       </p:ext>
     </p:extLst>
   </p:cSld>
@@ -30579,13 +30681,7 @@
           <a:p>
             <a:r>
               <a:rPr lang="en-CA" dirty="0"/>
-              <a:t>These slides include content from Brian Postlethwaite</a:t>
-            </a:r>
-          </a:p>
-          <a:p>
-            <a:r>
-              <a:rPr lang="en-CA" dirty="0"/>
-              <a:t>With updates by Lloyd McKenzie</a:t>
+              <a:t>These slides include content Lloyd McKenzie</a:t>
             </a:r>
           </a:p>
           <a:p>
@@ -32457,18 +32553,18 @@
 </file>
 
 <file path=customXml/item2.xml><?xml version="1.0" encoding="utf-8"?>
-<p:properties xmlns:p="http://schemas.microsoft.com/office/2006/metadata/properties" xmlns:xsi="http://www.w3.org/2001/XMLSchema-instance" xmlns:pc="http://schemas.microsoft.com/office/infopath/2007/PartnerControls">
-  <documentManagement/>
-</p:properties>
-</file>
-
-<file path=customXml/item3.xml><?xml version="1.0" encoding="utf-8"?>
 <?mso-contentType ?>
 <FormTemplates xmlns="http://schemas.microsoft.com/sharepoint/v3/contenttype/forms">
   <Display>DocumentLibraryForm</Display>
   <Edit>DocumentLibraryForm</Edit>
   <New>DocumentLibraryForm</New>
 </FormTemplates>
+</file>
+
+<file path=customXml/item3.xml><?xml version="1.0" encoding="utf-8"?>
+<p:properties xmlns:p="http://schemas.microsoft.com/office/2006/metadata/properties" xmlns:xsi="http://www.w3.org/2001/XMLSchema-instance" xmlns:pc="http://schemas.microsoft.com/office/infopath/2007/PartnerControls">
+  <documentManagement/>
+</p:properties>
 </file>
 
 <file path=customXml/itemProps1.xml><?xml version="1.0" encoding="utf-8"?>
@@ -32490,6 +32586,14 @@
 </file>
 
 <file path=customXml/itemProps2.xml><?xml version="1.0" encoding="utf-8"?>
+<ds:datastoreItem xmlns:ds="http://schemas.openxmlformats.org/officeDocument/2006/customXml" ds:itemID="{A64BB759-F51B-43FB-A13F-86518DC1BE9B}">
+  <ds:schemaRefs>
+    <ds:schemaRef ds:uri="http://schemas.microsoft.com/sharepoint/v3/contenttype/forms"/>
+  </ds:schemaRefs>
+</ds:datastoreItem>
+</file>
+
+<file path=customXml/itemProps3.xml><?xml version="1.0" encoding="utf-8"?>
 <ds:datastoreItem xmlns:ds="http://schemas.openxmlformats.org/officeDocument/2006/customXml" ds:itemID="{4CF163E8-E28C-4AB1-8667-5D8B77F57B40}">
   <ds:schemaRefs>
     <ds:schemaRef ds:uri="http://purl.org/dc/terms/"/>
@@ -32503,12 +32607,4 @@
     <ds:schemaRef ds:uri="http://schemas.microsoft.com/office/infopath/2007/PartnerControls"/>
   </ds:schemaRefs>
 </ds:datastoreItem>
-</file>
-
-<file path=customXml/itemProps3.xml><?xml version="1.0" encoding="utf-8"?>
-<ds:datastoreItem xmlns:ds="http://schemas.openxmlformats.org/officeDocument/2006/customXml" ds:itemID="{A64BB759-F51B-43FB-A13F-86518DC1BE9B}">
-  <ds:schemaRefs>
-    <ds:schemaRef ds:uri="http://schemas.microsoft.com/sharepoint/v3/contenttype/forms"/>
-  </ds:schemaRefs>
-</ds:datastoreItem>
 </file>
--- a/presentations/sdc/8-SDC-Modular-and-Derived-Forms.pptx
+++ b/presentations/sdc/8-SDC-Modular-and-Derived-Forms.pptx
@@ -239,11 +239,16 @@
 </p188:authorLst>
 </file>
 
+<file path=ppt/commentAuthors.xml><?xml version="1.0" encoding="utf-8"?>
+<p:cmAuthorLst xmlns:a="http://schemas.openxmlformats.org/drawingml/2006/main" xmlns:r="http://schemas.openxmlformats.org/officeDocument/2006/relationships" xmlns:p="http://schemas.openxmlformats.org/presentationml/2006/main">
+  <p:cmAuthor id="1" name="Lloyd McKenzie" initials="" lastIdx="0" clrIdx="0"/>
+</p:cmAuthorLst>
+</file>
+
 <file path=ppt/revisionInfo.xml><?xml version="1.0" encoding="utf-8"?>
 <p1510:revInfo xmlns:a="http://schemas.openxmlformats.org/drawingml/2006/main" xmlns:r="http://schemas.openxmlformats.org/officeDocument/2006/relationships" xmlns:p1510="http://schemas.microsoft.com/office/powerpoint/2015/10/main">
   <p1510:revLst>
-    <p1510:client id="{324D43B1-B72A-3C28-DC18-F765FEBA4B6D}" v="41" dt="2025-02-07T18:23:06.457"/>
-    <p1510:client id="{F3C0F137-8028-7069-C88C-5C1CD85F0653}" v="2" dt="2025-02-06T20:23:10.738"/>
+    <p1510:client id="{6822A4BE-46C0-9D5D-37B5-972ED0B27094}" v="5" dt="2025-02-26T20:33:44.433"/>
   </p1510:revLst>
 </p1510:revInfo>
 </file>
@@ -873,6 +878,45 @@
           </pc:sldLayoutMkLst>
         </pc:sldLayoutChg>
       </pc:sldMasterChg>
+    </pc:docChg>
+  </pc:docChgLst>
+  <pc:docChgLst>
+    <pc:chgData name="Smith, Travon" userId="S::travon.smith@ontariohealth.ca::7b3aeafc-2903-42e7-a83c-385da38dde87" providerId="AD" clId="Web-{6822A4BE-46C0-9D5D-37B5-972ED0B27094}"/>
+    <pc:docChg chg="modSld">
+      <pc:chgData name="Smith, Travon" userId="S::travon.smith@ontariohealth.ca::7b3aeafc-2903-42e7-a83c-385da38dde87" providerId="AD" clId="Web-{6822A4BE-46C0-9D5D-37B5-972ED0B27094}" dt="2025-02-26T20:33:44.433" v="3" actId="20577"/>
+      <pc:docMkLst>
+        <pc:docMk/>
+      </pc:docMkLst>
+      <pc:sldChg chg="modSp">
+        <pc:chgData name="Smith, Travon" userId="S::travon.smith@ontariohealth.ca::7b3aeafc-2903-42e7-a83c-385da38dde87" providerId="AD" clId="Web-{6822A4BE-46C0-9D5D-37B5-972ED0B27094}" dt="2025-02-26T20:33:06.215" v="1" actId="20577"/>
+        <pc:sldMkLst>
+          <pc:docMk/>
+          <pc:sldMk cId="655917162" sldId="665"/>
+        </pc:sldMkLst>
+        <pc:spChg chg="mod">
+          <ac:chgData name="Smith, Travon" userId="S::travon.smith@ontariohealth.ca::7b3aeafc-2903-42e7-a83c-385da38dde87" providerId="AD" clId="Web-{6822A4BE-46C0-9D5D-37B5-972ED0B27094}" dt="2025-02-26T20:33:06.215" v="1" actId="20577"/>
+          <ac:spMkLst>
+            <pc:docMk/>
+            <pc:sldMk cId="655917162" sldId="665"/>
+            <ac:spMk id="4" creationId="{00000000-0000-0000-0000-000000000000}"/>
+          </ac:spMkLst>
+        </pc:spChg>
+      </pc:sldChg>
+      <pc:sldChg chg="modSp">
+        <pc:chgData name="Smith, Travon" userId="S::travon.smith@ontariohealth.ca::7b3aeafc-2903-42e7-a83c-385da38dde87" providerId="AD" clId="Web-{6822A4BE-46C0-9D5D-37B5-972ED0B27094}" dt="2025-02-26T20:33:44.433" v="3" actId="20577"/>
+        <pc:sldMkLst>
+          <pc:docMk/>
+          <pc:sldMk cId="1282372968" sldId="4933"/>
+        </pc:sldMkLst>
+        <pc:spChg chg="mod">
+          <ac:chgData name="Smith, Travon" userId="S::travon.smith@ontariohealth.ca::7b3aeafc-2903-42e7-a83c-385da38dde87" providerId="AD" clId="Web-{6822A4BE-46C0-9D5D-37B5-972ED0B27094}" dt="2025-02-26T20:33:44.433" v="3" actId="20577"/>
+          <ac:spMkLst>
+            <pc:docMk/>
+            <pc:sldMk cId="1282372968" sldId="4933"/>
+            <ac:spMk id="3" creationId="{CC37D971-D149-1B7B-DB34-B77AB433D3C2}"/>
+          </ac:spMkLst>
+        </pc:spChg>
+      </pc:sldChg>
     </pc:docChg>
   </pc:docChgLst>
 </pc:chgInfo>
@@ -12419,7 +12463,7 @@
             <a:fld id="{1BCE7D1B-E2D6-42EC-A46F-6B8D8AB722EA}" type="datetime1">
               <a:rPr lang="en-US" altLang="en-US"/>
               <a:pPr/>
-              <a:t>2/24/2025</a:t>
+              <a:t>3/1/2025</a:t>
             </a:fld>
             <a:endParaRPr lang="en-US" altLang="en-US"/>
           </a:p>
@@ -12650,7 +12694,7 @@
             <a:fld id="{60D4D74E-7671-46E5-9A5B-14F31A4C0D2E}" type="datetime1">
               <a:rPr lang="en-US" altLang="en-US"/>
               <a:pPr/>
-              <a:t>2/24/2025</a:t>
+              <a:t>3/1/2025</a:t>
             </a:fld>
             <a:endParaRPr lang="en-US" altLang="en-US"/>
           </a:p>
@@ -13211,9 +13255,13 @@
           <a:p>
             <a:r>
               <a:rPr lang="en-US" dirty="0"/>
-              <a:t>Population and extraction would be added using “complies with”</a:t>
-            </a:r>
-            <a:endParaRPr lang="en-CA" dirty="0"/>
+              <a:t>Population</a:t>
+            </a:r>
+            <a:r>
+              <a:rPr lang="en-US"/>
+              <a:t> and extraction would be added using “complies with”</a:t>
+            </a:r>
+            <a:endParaRPr lang="en-CA"/>
           </a:p>
         </p:txBody>
       </p:sp>
@@ -13244,7 +13292,7 @@
     </p:spTree>
     <p:extLst>
       <p:ext uri="{BB962C8B-B14F-4D97-AF65-F5344CB8AC3E}">
-        <p14:creationId xmlns:p14="http://schemas.microsoft.com/office/powerpoint/2010/main" val="3994509"/>
+        <p14:creationId xmlns:p14="http://schemas.microsoft.com/office/powerpoint/2010/main" val="3044818009"/>
       </p:ext>
     </p:extLst>
   </p:cSld>
@@ -17172,7 +17220,7 @@
           <a:p>
             <a:fld id="{D83995C2-806B-4997-8C0A-E780F2B14CC7}" type="datetimeFigureOut">
               <a:rPr lang="en-US" smtClean="0"/>
-              <a:t>2/24/2025</a:t>
+              <a:t>3/1/2025</a:t>
             </a:fld>
             <a:endParaRPr lang="en-US"/>
           </a:p>
@@ -25135,13 +25183,8 @@
           <a:p>
             <a:r>
               <a:rPr lang="en-CA" sz="2000" dirty="0"/>
-              <a:t>Contained resources and most extensions propagate from </a:t>
-            </a:r>
-            <a:r>
-              <a:rPr lang="en-CA" sz="2000" dirty="0" err="1"/>
-              <a:t>subforms</a:t>
-            </a:r>
-            <a:endParaRPr lang="en-CA" sz="2000" dirty="0"/>
+              <a:t>Contained resources and most extensions propagate from sub-forms</a:t>
+            </a:r>
           </a:p>
           <a:p>
             <a:pPr lvl="1"/>
@@ -25153,18 +25196,13 @@
           <a:p>
             <a:r>
               <a:rPr lang="en-CA" sz="2000" dirty="0"/>
-              <a:t>Definitions for backbone elements turn into groups of questions</a:t>
-            </a:r>
-          </a:p>
-          <a:p>
-            <a:r>
-              <a:rPr lang="en-CA" sz="2000" dirty="0" err="1"/>
-              <a:t>linkIdPrefixes</a:t>
-            </a:r>
-            <a:r>
-              <a:rPr lang="en-CA" sz="2000" dirty="0"/>
-              <a:t> are prepended to the </a:t>
-            </a:r>
+              <a:t>Definitions for backbone elements turn into groups </a:t>
+            </a:r>
+            <a:r>
+              <a:rPr lang="en-CA" sz="2000"/>
+              <a:t>of questions</a:t>
+            </a:r>
+            <a:endParaRPr lang="en-CA" sz="2000" dirty="0"/>
           </a:p>
         </p:txBody>
       </p:sp>
@@ -25320,11 +25358,11 @@
             <a:pPr lvl="1"/>
             <a:r>
               <a:rPr lang="en-CA" dirty="0"/>
-              <a:t>Would result in duplicate </a:t>
-            </a:r>
-            <a:r>
-              <a:rPr lang="en-CA" dirty="0" err="1"/>
-              <a:t>linkIds</a:t>
+              <a:t>Would </a:t>
+            </a:r>
+            <a:r>
+              <a:rPr lang="en-CA"/>
+              <a:t>result in duplicate linkIds</a:t>
             </a:r>
             <a:endParaRPr lang="en-CA" dirty="0"/>
           </a:p>
@@ -25337,11 +25375,15 @@
           <a:p>
             <a:pPr lvl="1"/>
             <a:r>
+              <a:rPr lang="en-CA"/>
+              <a:t>Parent Questionnaire defines a </a:t>
+            </a:r>
+            <a:r>
               <a:rPr lang="en-CA" dirty="0"/>
-              <a:t>Parent Questionnaire defines a %</a:t>
-            </a:r>
-            <a:r>
-              <a:rPr lang="en-CA" dirty="0" err="1"/>
+              <a:t>%</a:t>
+            </a:r>
+            <a:r>
+              <a:rPr lang="en-CA"/>
               <a:t>linkIdPrefix</a:t>
             </a:r>
             <a:endParaRPr lang="en-CA" dirty="0"/>
@@ -25353,28 +25395,38 @@
               <a:t>Gets pre-pended to all </a:t>
             </a:r>
             <a:r>
+              <a:rPr lang="en-CA" err="1"/>
+              <a:t>linkIds</a:t>
+            </a:r>
+            <a:r>
+              <a:rPr lang="en-CA"/>
+              <a:t> and enableWhen.</a:t>
+            </a:r>
+            <a:r>
               <a:rPr lang="en-CA" dirty="0" err="1"/>
-              <a:t>linkIds</a:t>
+              <a:t>question</a:t>
             </a:r>
             <a:r>
               <a:rPr lang="en-CA" dirty="0"/>
-              <a:t> and </a:t>
-            </a:r>
-            <a:r>
-              <a:rPr lang="en-CA" dirty="0" err="1"/>
-              <a:t>enableWhen.question</a:t>
-            </a:r>
+              <a:t> elements in </a:t>
+            </a:r>
+            <a:r>
+              <a:rPr lang="en-CA"/>
+              <a:t>the imported sub-form</a:t>
+            </a:r>
+            <a:endParaRPr lang="en-CA" dirty="0"/>
+          </a:p>
+          <a:p>
+            <a:pPr lvl="2"/>
             <a:r>
               <a:rPr lang="en-CA" dirty="0"/>
-              <a:t> elements in the imported sub-form</a:t>
-            </a:r>
-          </a:p>
-          <a:p>
-            <a:pPr lvl="2"/>
-            <a:r>
-              <a:rPr lang="en-CA" dirty="0"/>
-              <a:t>Also sets a variable that can be used in expressions in the sub-form</a:t>
-            </a:r>
+              <a:t>Also sets a variable that can be used </a:t>
+            </a:r>
+            <a:r>
+              <a:rPr lang="en-CA"/>
+              <a:t>in expressions in the sub-form</a:t>
+            </a:r>
+            <a:endParaRPr lang="en-CA" dirty="0"/>
           </a:p>
         </p:txBody>
       </p:sp>
@@ -26164,20 +26216,25 @@
               <a:rPr lang="en-CA" sz="1800" b="1" dirty="0"/>
               <a:t>the same</a:t>
             </a:r>
+          </a:p>
+          <a:p>
+            <a:r>
+              <a:rPr lang="en-CA" sz="1800" dirty="0"/>
+              <a:t>SDC</a:t>
+            </a:r>
+            <a:r>
+              <a:rPr lang="en-CA" sz="1800"/>
+              <a:t> is currently examining the issue that definition is used for both extraction and modular forms (and might need different values for each)</a:t>
+            </a:r>
             <a:endParaRPr lang="en-CA" sz="1800" dirty="0"/>
           </a:p>
           <a:p>
-            <a:r>
-              <a:rPr lang="en-CA" sz="1800" dirty="0"/>
-              <a:t>SDC is currently examining the issue that definition is used for both extraction and modular forms (and might need different values for each)</a:t>
-            </a:r>
-          </a:p>
-          <a:p>
             <a:pPr lvl="1"/>
             <a:r>
-              <a:rPr lang="en-CA" sz="1600" dirty="0"/>
+              <a:rPr lang="en-CA" sz="1600"/>
               <a:t>Watch for forthcoming guidance</a:t>
             </a:r>
+            <a:endParaRPr lang="en-CA" sz="1600" dirty="0"/>
           </a:p>
         </p:txBody>
       </p:sp>
@@ -28665,7 +28722,15 @@
             </a:r>
             <a:r>
               <a:rPr lang="en-CA" dirty="0"/>
-              <a:t> refer to the ‘original’ Questionnaire instead of the Questionnaire actually used</a:t>
+              <a:t> refer to </a:t>
+            </a:r>
+            <a:r>
+              <a:rPr lang="en-CA"/>
+              <a:t>the ‘original’ </a:t>
+            </a:r>
+            <a:r>
+              <a:rPr lang="en-CA" dirty="0"/>
+              <a:t>Questionnaire instead of the Questionnaire actually used</a:t>
             </a:r>
           </a:p>
           <a:p>
@@ -28817,8 +28882,13 @@
           <a:p>
             <a:r>
               <a:rPr lang="en-CA" dirty="0"/>
-              <a:t>Some ‘optional’ questions are essential to instrument validity, others can safely be omitted</a:t>
-            </a:r>
+              <a:t>Some ‘optional’ questions are essential to instrument validity, others can </a:t>
+            </a:r>
+            <a:r>
+              <a:rPr lang="en-CA"/>
+              <a:t>safely be omitted</a:t>
+            </a:r>
+            <a:endParaRPr lang="en-CA" dirty="0"/>
           </a:p>
           <a:p>
             <a:r>
@@ -29007,13 +29077,38 @@
               <a:t>With modular, place the additional information in an </a:t>
             </a:r>
             <a:r>
-              <a:rPr lang="en-CA" sz="1600" dirty="0" err="1"/>
+              <a:rPr lang="en-CA" sz="1600" err="1"/>
               <a:t>ElementDefinition</a:t>
             </a:r>
             <a:r>
+              <a:rPr lang="en-CA" sz="1600"/>
+              <a:t> </a:t>
+            </a:r>
+            <a:r>
               <a:rPr lang="en-CA" sz="1600" dirty="0"/>
-              <a:t> or sub-form and have the parent point to that definition/form</a:t>
-            </a:r>
+              <a:t>or</a:t>
+            </a:r>
+            <a:r>
+              <a:rPr lang="en-CA" sz="1600"/>
+              <a:t> sub-form and </a:t>
+            </a:r>
+            <a:r>
+              <a:rPr lang="en-CA" sz="1600" dirty="0"/>
+              <a:t>have the parent point to </a:t>
+            </a:r>
+            <a:r>
+              <a:rPr lang="en-CA" sz="1600"/>
+              <a:t>that definition</a:t>
+            </a:r>
+            <a:r>
+              <a:rPr lang="en-CA" sz="1600" dirty="0"/>
+              <a:t>/</a:t>
+            </a:r>
+            <a:r>
+              <a:rPr lang="en-CA" sz="1600"/>
+              <a:t>form</a:t>
+            </a:r>
+            <a:endParaRPr lang="en-CA" sz="1600" dirty="0"/>
           </a:p>
           <a:p>
             <a:pPr lvl="1"/>
@@ -29025,7 +29120,25 @@
           <a:p>
             <a:r>
               <a:rPr lang="en-CA" sz="1800" dirty="0"/>
-              <a:t>Modular is easier to maintain, but requires control over parent.</a:t>
+              <a:t>Modular is easier </a:t>
+            </a:r>
+            <a:r>
+              <a:rPr lang="en-CA" sz="1800"/>
+              <a:t>to maintain</a:t>
+            </a:r>
+            <a:r>
+              <a:rPr lang="en-CA" sz="1800" dirty="0"/>
+              <a:t>,</a:t>
+            </a:r>
+            <a:r>
+              <a:rPr lang="en-CA" sz="2000">
+                <a:ea typeface="ヒラギノ角ゴ Pro W3"/>
+              </a:rPr>
+              <a:t> </a:t>
+            </a:r>
+            <a:r>
+              <a:rPr lang="en-CA" sz="1800" dirty="0"/>
+              <a:t>but requires control over parent.</a:t>
             </a:r>
           </a:p>
           <a:p>
@@ -29037,8 +29150,13 @@
           <a:p>
             <a:r>
               <a:rPr lang="en-CA" sz="1800" dirty="0"/>
-              <a:t>Modular is a single Q.  Derivation creates a new Q (could be non-compatible)</a:t>
-            </a:r>
+              <a:t>Modular</a:t>
+            </a:r>
+            <a:r>
+              <a:rPr lang="en-CA" sz="1800"/>
+              <a:t> is a single Q.  Derivation creates a new Q (could be non-compatible)</a:t>
+            </a:r>
+            <a:endParaRPr lang="en-CA" sz="1800" dirty="0"/>
           </a:p>
         </p:txBody>
       </p:sp>
@@ -30681,7 +30799,7 @@
           <a:p>
             <a:r>
               <a:rPr lang="en-CA" dirty="0"/>
-              <a:t>These slides include content Lloyd McKenzie</a:t>
+              <a:t>These slides include content by Lloyd McKenzie</a:t>
             </a:r>
           </a:p>
           <a:p>

--- a/presentations/sdc/8-SDC-Modular-and-Derived-Forms.pptx
+++ b/presentations/sdc/8-SDC-Modular-and-Derived-Forms.pptx
@@ -5,43 +5,44 @@
     <p:sldMasterId id="2147483648" r:id="rId4"/>
   </p:sldMasterIdLst>
   <p:notesMasterIdLst>
-    <p:notesMasterId r:id="rId36"/>
+    <p:notesMasterId r:id="rId37"/>
   </p:notesMasterIdLst>
   <p:handoutMasterIdLst>
-    <p:handoutMasterId r:id="rId37"/>
+    <p:handoutMasterId r:id="rId38"/>
   </p:handoutMasterIdLst>
   <p:sldIdLst>
-    <p:sldId id="672" r:id="rId5"/>
-    <p:sldId id="797" r:id="rId6"/>
-    <p:sldId id="690" r:id="rId7"/>
-    <p:sldId id="4934" r:id="rId8"/>
-    <p:sldId id="680" r:id="rId9"/>
-    <p:sldId id="758" r:id="rId10"/>
-    <p:sldId id="313" r:id="rId11"/>
-    <p:sldId id="4850" r:id="rId12"/>
-    <p:sldId id="4924" r:id="rId13"/>
-    <p:sldId id="4817" r:id="rId14"/>
-    <p:sldId id="4914" r:id="rId15"/>
-    <p:sldId id="4916" r:id="rId16"/>
-    <p:sldId id="4918" r:id="rId17"/>
-    <p:sldId id="4917" r:id="rId18"/>
-    <p:sldId id="4920" r:id="rId19"/>
-    <p:sldId id="4921" r:id="rId20"/>
-    <p:sldId id="4922" r:id="rId21"/>
-    <p:sldId id="4919" r:id="rId22"/>
-    <p:sldId id="4861" r:id="rId23"/>
-    <p:sldId id="4923" r:id="rId24"/>
-    <p:sldId id="4925" r:id="rId25"/>
-    <p:sldId id="4927" r:id="rId26"/>
-    <p:sldId id="4930" r:id="rId27"/>
-    <p:sldId id="4932" r:id="rId28"/>
-    <p:sldId id="4931" r:id="rId29"/>
-    <p:sldId id="4933" r:id="rId30"/>
-    <p:sldId id="4928" r:id="rId31"/>
-    <p:sldId id="4929" r:id="rId32"/>
-    <p:sldId id="4926" r:id="rId33"/>
-    <p:sldId id="4802" r:id="rId34"/>
-    <p:sldId id="4935" r:id="rId35"/>
+    <p:sldId id="797" r:id="rId5"/>
+    <p:sldId id="690" r:id="rId6"/>
+    <p:sldId id="4934" r:id="rId7"/>
+    <p:sldId id="680" r:id="rId8"/>
+    <p:sldId id="758" r:id="rId9"/>
+    <p:sldId id="313" r:id="rId10"/>
+    <p:sldId id="4850" r:id="rId11"/>
+    <p:sldId id="4924" r:id="rId12"/>
+    <p:sldId id="4817" r:id="rId13"/>
+    <p:sldId id="4914" r:id="rId14"/>
+    <p:sldId id="4916" r:id="rId15"/>
+    <p:sldId id="4918" r:id="rId16"/>
+    <p:sldId id="4917" r:id="rId17"/>
+    <p:sldId id="4920" r:id="rId18"/>
+    <p:sldId id="4921" r:id="rId19"/>
+    <p:sldId id="4922" r:id="rId20"/>
+    <p:sldId id="4919" r:id="rId21"/>
+    <p:sldId id="4861" r:id="rId22"/>
+    <p:sldId id="4923" r:id="rId23"/>
+    <p:sldId id="4925" r:id="rId24"/>
+    <p:sldId id="4927" r:id="rId25"/>
+    <p:sldId id="4930" r:id="rId26"/>
+    <p:sldId id="4932" r:id="rId27"/>
+    <p:sldId id="4931" r:id="rId28"/>
+    <p:sldId id="4933" r:id="rId29"/>
+    <p:sldId id="4928" r:id="rId30"/>
+    <p:sldId id="4929" r:id="rId31"/>
+    <p:sldId id="4926" r:id="rId32"/>
+    <p:sldId id="4802" r:id="rId33"/>
+    <p:sldId id="4937" r:id="rId34"/>
+    <p:sldId id="4936" r:id="rId35"/>
+    <p:sldId id="4935" r:id="rId36"/>
   </p:sldIdLst>
   <p:sldSz cx="9144000" cy="5143500" type="screen16x9"/>
   <p:notesSz cx="6858000" cy="9144000"/>
@@ -173,14 +174,9 @@
   <p:extLst>
     <p:ext uri="{521415D9-36F7-43E2-AB2F-B90AF26B5E84}">
       <p14:sectionLst xmlns:p14="http://schemas.microsoft.com/office/powerpoint/2010/main">
-        <p14:section name="Default Section" id="{A3B7BF1A-48CE-4925-8F93-96FAB591DFC7}">
+        <p14:section name="Modular Introduction" id="{A3B7BF1A-48CE-4925-8F93-96FAB591DFC7}">
           <p14:sldIdLst>
-            <p14:sldId id="672"/>
             <p14:sldId id="797"/>
-          </p14:sldIdLst>
-        </p14:section>
-        <p14:section name="Expressions Introduction" id="{2A578097-FEE4-49B0-858C-B6A0014658D4}">
-          <p14:sldIdLst>
             <p14:sldId id="690"/>
             <p14:sldId id="4934"/>
             <p14:sldId id="680"/>
@@ -221,6 +217,8 @@
           <p14:sldIdLst>
             <p14:sldId id="4926"/>
             <p14:sldId id="4802"/>
+            <p14:sldId id="4937"/>
+            <p14:sldId id="4936"/>
             <p14:sldId id="4935"/>
           </p14:sldIdLst>
         </p14:section>
@@ -4055,7 +4053,13 @@
     </dgm:pt>
     <dgm:pt modelId="{F7804CF8-A785-466F-9482-3D191ABFD207}">
       <dgm:prSet phldrT="[Text]"/>
-      <dgm:spPr/>
+      <dgm:spPr>
+        <a:ln>
+          <a:solidFill>
+            <a:srgbClr val="4F81BD"/>
+          </a:solidFill>
+        </a:ln>
+      </dgm:spPr>
       <dgm:t>
         <a:bodyPr/>
         <a:lstStyle/>
@@ -4263,10 +4267,10 @@
         <a:lstStyle/>
         <a:p>
           <a:r>
-            <a:rPr lang="en-US" dirty="0"/>
+            <a:rPr lang="en-US" b="1" dirty="0"/>
             <a:t>Modular Forms</a:t>
           </a:r>
-          <a:endParaRPr lang="en-CA" dirty="0"/>
+          <a:endParaRPr lang="en-CA" b="1" dirty="0"/>
         </a:p>
       </dgm:t>
     </dgm:pt>
@@ -4594,10 +4598,10 @@
         <a:lstStyle/>
         <a:p>
           <a:r>
-            <a:rPr lang="en-US" dirty="0"/>
+            <a:rPr lang="en-US" b="1" dirty="0"/>
             <a:t>Derived Forms</a:t>
           </a:r>
-          <a:endParaRPr lang="en-CA" dirty="0"/>
+          <a:endParaRPr lang="en-CA" b="1" dirty="0"/>
         </a:p>
       </dgm:t>
     </dgm:pt>
@@ -4911,17 +4915,21 @@
     <dgm:pt modelId="{F7804CF8-A785-466F-9482-3D191ABFD207}">
       <dgm:prSet phldrT="[Text]"/>
       <dgm:spPr>
-        <a:ln w="57150"/>
+        <a:ln w="57150">
+          <a:solidFill>
+            <a:srgbClr val="4F81BD"/>
+          </a:solidFill>
+        </a:ln>
       </dgm:spPr>
       <dgm:t>
         <a:bodyPr/>
         <a:lstStyle/>
         <a:p>
           <a:r>
-            <a:rPr lang="en-US" dirty="0"/>
+            <a:rPr lang="en-US" b="1" dirty="0"/>
             <a:t>Questions</a:t>
           </a:r>
-          <a:endParaRPr lang="en-CA" dirty="0"/>
+          <a:endParaRPr lang="en-CA" b="1" dirty="0"/>
         </a:p>
       </dgm:t>
     </dgm:pt>
@@ -5494,12 +5502,7 @@
         </a:solidFill>
         <a:ln w="25400" cap="flat" cmpd="sng" algn="ctr">
           <a:solidFill>
-            <a:schemeClr val="accent1">
-              <a:hueOff val="0"/>
-              <a:satOff val="0"/>
-              <a:lumOff val="0"/>
-              <a:alphaOff val="0"/>
-            </a:schemeClr>
+            <a:srgbClr val="4F81BD"/>
           </a:solidFill>
           <a:prstDash val="solid"/>
         </a:ln>
@@ -5745,12 +5748,12 @@
         <a:fontRef idx="minor"/>
       </dsp:style>
       <dsp:txBody>
-        <a:bodyPr spcFirstLastPara="0" vert="horz" wrap="square" lIns="40005" tIns="26670" rIns="40005" bIns="26670" numCol="1" spcCol="1270" anchor="ctr" anchorCtr="0">
+        <a:bodyPr spcFirstLastPara="0" vert="horz" wrap="square" lIns="38100" tIns="25400" rIns="38100" bIns="25400" numCol="1" spcCol="1270" anchor="ctr" anchorCtr="0">
           <a:noAutofit/>
         </a:bodyPr>
         <a:lstStyle/>
         <a:p>
-          <a:pPr marL="0" lvl="0" indent="0" algn="ctr" defTabSz="933450">
+          <a:pPr marL="0" lvl="0" indent="0" algn="ctr" defTabSz="889000">
             <a:lnSpc>
               <a:spcPct val="90000"/>
             </a:lnSpc>
@@ -5763,10 +5766,10 @@
             <a:buNone/>
           </a:pPr>
           <a:r>
-            <a:rPr lang="en-US" sz="2100" kern="1200" dirty="0"/>
+            <a:rPr lang="en-US" sz="2000" b="1" kern="1200" dirty="0"/>
             <a:t>Modular Forms</a:t>
           </a:r>
-          <a:endParaRPr lang="en-CA" sz="2100" kern="1200" dirty="0"/>
+          <a:endParaRPr lang="en-CA" sz="2000" b="1" kern="1200" dirty="0"/>
         </a:p>
       </dsp:txBody>
       <dsp:txXfrm>
@@ -5880,12 +5883,12 @@
         <a:fontRef idx="minor"/>
       </dsp:style>
       <dsp:txBody>
-        <a:bodyPr spcFirstLastPara="0" vert="horz" wrap="square" lIns="40005" tIns="26670" rIns="40005" bIns="26670" numCol="1" spcCol="1270" anchor="ctr" anchorCtr="0">
+        <a:bodyPr spcFirstLastPara="0" vert="horz" wrap="square" lIns="38100" tIns="25400" rIns="38100" bIns="25400" numCol="1" spcCol="1270" anchor="ctr" anchorCtr="0">
           <a:noAutofit/>
         </a:bodyPr>
         <a:lstStyle/>
         <a:p>
-          <a:pPr marL="0" lvl="0" indent="0" algn="ctr" defTabSz="933450">
+          <a:pPr marL="0" lvl="0" indent="0" algn="ctr" defTabSz="889000">
             <a:lnSpc>
               <a:spcPct val="90000"/>
             </a:lnSpc>
@@ -5898,10 +5901,10 @@
             <a:buNone/>
           </a:pPr>
           <a:r>
-            <a:rPr lang="en-US" sz="2100" kern="1200" dirty="0"/>
+            <a:rPr lang="en-US" sz="2000" kern="1200" dirty="0"/>
             <a:t>Derived Forms</a:t>
           </a:r>
-          <a:endParaRPr lang="en-CA" sz="2100" kern="1200" dirty="0"/>
+          <a:endParaRPr lang="en-CA" sz="2000" kern="1200" dirty="0"/>
         </a:p>
       </dsp:txBody>
       <dsp:txXfrm>
@@ -6017,12 +6020,12 @@
         <a:fontRef idx="minor"/>
       </dsp:style>
       <dsp:txBody>
-        <a:bodyPr spcFirstLastPara="0" vert="horz" wrap="square" lIns="40005" tIns="26670" rIns="40005" bIns="26670" numCol="1" spcCol="1270" anchor="ctr" anchorCtr="0">
+        <a:bodyPr spcFirstLastPara="0" vert="horz" wrap="square" lIns="38100" tIns="25400" rIns="38100" bIns="25400" numCol="1" spcCol="1270" anchor="ctr" anchorCtr="0">
           <a:noAutofit/>
         </a:bodyPr>
         <a:lstStyle/>
         <a:p>
-          <a:pPr marL="0" lvl="0" indent="0" algn="ctr" defTabSz="933450">
+          <a:pPr marL="0" lvl="0" indent="0" algn="ctr" defTabSz="889000">
             <a:lnSpc>
               <a:spcPct val="90000"/>
             </a:lnSpc>
@@ -6035,10 +6038,10 @@
             <a:buNone/>
           </a:pPr>
           <a:r>
-            <a:rPr lang="en-US" sz="2100" kern="1200" dirty="0"/>
+            <a:rPr lang="en-US" sz="2000" kern="1200" dirty="0"/>
             <a:t>Questions</a:t>
           </a:r>
-          <a:endParaRPr lang="en-CA" sz="2100" kern="1200" dirty="0"/>
+          <a:endParaRPr lang="en-CA" sz="2000" kern="1200" dirty="0"/>
         </a:p>
       </dsp:txBody>
       <dsp:txXfrm>
@@ -6244,12 +6247,12 @@
         <a:fontRef idx="minor"/>
       </dsp:style>
       <dsp:txBody>
-        <a:bodyPr spcFirstLastPara="0" vert="horz" wrap="square" lIns="40005" tIns="26670" rIns="40005" bIns="26670" numCol="1" spcCol="1270" anchor="ctr" anchorCtr="0">
+        <a:bodyPr spcFirstLastPara="0" vert="horz" wrap="square" lIns="38100" tIns="25400" rIns="38100" bIns="25400" numCol="1" spcCol="1270" anchor="ctr" anchorCtr="0">
           <a:noAutofit/>
         </a:bodyPr>
         <a:lstStyle/>
         <a:p>
-          <a:pPr marL="0" lvl="0" indent="0" algn="ctr" defTabSz="933450">
+          <a:pPr marL="0" lvl="0" indent="0" algn="ctr" defTabSz="889000">
             <a:lnSpc>
               <a:spcPct val="90000"/>
             </a:lnSpc>
@@ -6262,10 +6265,10 @@
             <a:buNone/>
           </a:pPr>
           <a:r>
-            <a:rPr lang="en-US" sz="2100" kern="1200" dirty="0"/>
+            <a:rPr lang="en-US" sz="2000" kern="1200" dirty="0"/>
             <a:t>Modular Forms</a:t>
           </a:r>
-          <a:endParaRPr lang="en-CA" sz="2100" kern="1200" dirty="0"/>
+          <a:endParaRPr lang="en-CA" sz="2000" kern="1200" dirty="0"/>
         </a:p>
       </dsp:txBody>
       <dsp:txXfrm>
@@ -6379,12 +6382,12 @@
         <a:fontRef idx="minor"/>
       </dsp:style>
       <dsp:txBody>
-        <a:bodyPr spcFirstLastPara="0" vert="horz" wrap="square" lIns="40005" tIns="26670" rIns="40005" bIns="26670" numCol="1" spcCol="1270" anchor="ctr" anchorCtr="0">
+        <a:bodyPr spcFirstLastPara="0" vert="horz" wrap="square" lIns="38100" tIns="25400" rIns="38100" bIns="25400" numCol="1" spcCol="1270" anchor="ctr" anchorCtr="0">
           <a:noAutofit/>
         </a:bodyPr>
         <a:lstStyle/>
         <a:p>
-          <a:pPr marL="0" lvl="0" indent="0" algn="ctr" defTabSz="933450">
+          <a:pPr marL="0" lvl="0" indent="0" algn="ctr" defTabSz="889000">
             <a:lnSpc>
               <a:spcPct val="90000"/>
             </a:lnSpc>
@@ -6397,10 +6400,10 @@
             <a:buNone/>
           </a:pPr>
           <a:r>
-            <a:rPr lang="en-US" sz="2100" kern="1200" dirty="0"/>
+            <a:rPr lang="en-US" sz="2000" b="1" kern="1200" dirty="0"/>
             <a:t>Derived Forms</a:t>
           </a:r>
-          <a:endParaRPr lang="en-CA" sz="2100" kern="1200" dirty="0"/>
+          <a:endParaRPr lang="en-CA" sz="2000" b="1" kern="1200" dirty="0"/>
         </a:p>
       </dsp:txBody>
       <dsp:txXfrm>
@@ -6516,12 +6519,12 @@
         <a:fontRef idx="minor"/>
       </dsp:style>
       <dsp:txBody>
-        <a:bodyPr spcFirstLastPara="0" vert="horz" wrap="square" lIns="40005" tIns="26670" rIns="40005" bIns="26670" numCol="1" spcCol="1270" anchor="ctr" anchorCtr="0">
+        <a:bodyPr spcFirstLastPara="0" vert="horz" wrap="square" lIns="38100" tIns="25400" rIns="38100" bIns="25400" numCol="1" spcCol="1270" anchor="ctr" anchorCtr="0">
           <a:noAutofit/>
         </a:bodyPr>
         <a:lstStyle/>
         <a:p>
-          <a:pPr marL="0" lvl="0" indent="0" algn="ctr" defTabSz="933450">
+          <a:pPr marL="0" lvl="0" indent="0" algn="ctr" defTabSz="889000">
             <a:lnSpc>
               <a:spcPct val="90000"/>
             </a:lnSpc>
@@ -6534,10 +6537,10 @@
             <a:buNone/>
           </a:pPr>
           <a:r>
-            <a:rPr lang="en-US" sz="2100" kern="1200" dirty="0"/>
+            <a:rPr lang="en-US" sz="2000" kern="1200" dirty="0"/>
             <a:t>Questions</a:t>
           </a:r>
-          <a:endParaRPr lang="en-CA" sz="2100" kern="1200" dirty="0"/>
+          <a:endParaRPr lang="en-CA" sz="2000" kern="1200" dirty="0"/>
         </a:p>
       </dsp:txBody>
       <dsp:txXfrm>
@@ -6991,7 +6994,7 @@
         </a:solidFill>
         <a:ln w="57150" cap="flat" cmpd="sng" algn="ctr">
           <a:solidFill>
-            <a:scrgbClr r="0" g="0" b="0"/>
+            <a:srgbClr val="4F81BD"/>
           </a:solidFill>
           <a:prstDash val="solid"/>
         </a:ln>
@@ -7028,10 +7031,10 @@
             <a:buNone/>
           </a:pPr>
           <a:r>
-            <a:rPr lang="en-US" sz="2100" kern="1200" dirty="0"/>
+            <a:rPr lang="en-US" sz="2100" b="1" kern="1200" dirty="0"/>
             <a:t>Questions</a:t>
           </a:r>
-          <a:endParaRPr lang="en-CA" sz="2100" kern="1200" dirty="0"/>
+          <a:endParaRPr lang="en-CA" sz="2100" b="1" kern="1200" dirty="0"/>
         </a:p>
       </dsp:txBody>
       <dsp:txXfrm>
@@ -12463,7 +12466,7 @@
             <a:fld id="{1BCE7D1B-E2D6-42EC-A46F-6B8D8AB722EA}" type="datetime1">
               <a:rPr lang="en-US" altLang="en-US"/>
               <a:pPr/>
-              <a:t>3/1/2025</a:t>
+              <a:t>3/6/2025</a:t>
             </a:fld>
             <a:endParaRPr lang="en-US" altLang="en-US"/>
           </a:p>
@@ -12694,7 +12697,7 @@
             <a:fld id="{60D4D74E-7671-46E5-9A5B-14F31A4C0D2E}" type="datetime1">
               <a:rPr lang="en-US" altLang="en-US"/>
               <a:pPr/>
-              <a:t>3/1/2025</a:t>
+              <a:t>3/6/2025</a:t>
             </a:fld>
             <a:endParaRPr lang="en-US" altLang="en-US"/>
           </a:p>
@@ -13050,53 +13053,21 @@
       </p:grpSpPr>
       <p:sp>
         <p:nvSpPr>
-          <p:cNvPr id="7" name="Rectangle 7"/>
+          <p:cNvPr id="2" name="Slide Image Placeholder 1"/>
           <p:cNvSpPr>
-            <a:spLocks noGrp="1" noChangeArrowheads="1"/>
-          </p:cNvSpPr>
-          <p:nvPr>
-            <p:ph type="sldNum" sz="quarter" idx="5"/>
-          </p:nvPr>
-        </p:nvSpPr>
-        <p:spPr>
-          <a:ln/>
-        </p:spPr>
-        <p:txBody>
-          <a:bodyPr/>
-          <a:lstStyle/>
-          <a:p>
-            <a:fld id="{38EFF599-57A5-464D-BBDE-DD73E3C700F9}" type="slidenum">
-              <a:rPr lang="en-US"/>
-              <a:pPr/>
-              <a:t>1</a:t>
-            </a:fld>
-            <a:endParaRPr lang="en-US"/>
-          </a:p>
-        </p:txBody>
-      </p:sp>
-      <p:sp>
-        <p:nvSpPr>
-          <p:cNvPr id="5122" name="Rectangle 2"/>
-          <p:cNvSpPr>
-            <a:spLocks noGrp="1" noRot="1" noChangeAspect="1" noChangeArrowheads="1" noTextEdit="1"/>
+            <a:spLocks noGrp="1" noRot="1" noChangeAspect="1"/>
           </p:cNvSpPr>
           <p:nvPr>
             <p:ph type="sldImg"/>
           </p:nvPr>
         </p:nvSpPr>
-        <p:spPr>
-          <a:xfrm>
-            <a:off x="381000" y="685800"/>
-            <a:ext cx="6096000" cy="3429000"/>
-          </a:xfrm>
-          <a:ln/>
-        </p:spPr>
+        <p:spPr/>
       </p:sp>
       <p:sp>
         <p:nvSpPr>
-          <p:cNvPr id="5123" name="Rectangle 3"/>
+          <p:cNvPr id="3" name="Notes Placeholder 2"/>
           <p:cNvSpPr>
-            <a:spLocks noGrp="1" noChangeArrowheads="1"/>
+            <a:spLocks noGrp="1"/>
           </p:cNvSpPr>
           <p:nvPr>
             <p:ph type="body" idx="1"/>
@@ -13107,14 +13078,38 @@
           <a:bodyPr/>
           <a:lstStyle/>
           <a:p>
-            <a:endParaRPr lang="en-US"/>
+            <a:endParaRPr lang="en-CA" dirty="0"/>
+          </a:p>
+        </p:txBody>
+      </p:sp>
+      <p:sp>
+        <p:nvSpPr>
+          <p:cNvPr id="4" name="Slide Number Placeholder 3"/>
+          <p:cNvSpPr>
+            <a:spLocks noGrp="1"/>
+          </p:cNvSpPr>
+          <p:nvPr>
+            <p:ph type="sldNum" sz="quarter" idx="5"/>
+          </p:nvPr>
+        </p:nvSpPr>
+        <p:spPr/>
+        <p:txBody>
+          <a:bodyPr/>
+          <a:lstStyle/>
+          <a:p>
+            <a:fld id="{CF4A7F80-F256-4EC8-A9CC-1A842C6C5143}" type="slidenum">
+              <a:rPr lang="en-US" altLang="en-US" smtClean="0"/>
+              <a:pPr/>
+              <a:t>7</a:t>
+            </a:fld>
+            <a:endParaRPr lang="en-US" altLang="en-US"/>
           </a:p>
         </p:txBody>
       </p:sp>
     </p:spTree>
     <p:extLst>
       <p:ext uri="{BB962C8B-B14F-4D97-AF65-F5344CB8AC3E}">
-        <p14:creationId xmlns:p14="http://schemas.microsoft.com/office/powerpoint/2010/main" val="3535730783"/>
+        <p14:creationId xmlns:p14="http://schemas.microsoft.com/office/powerpoint/2010/main" val="4252791910"/>
       </p:ext>
     </p:extLst>
   </p:cSld>
@@ -13168,7 +13163,15 @@
           <a:bodyPr/>
           <a:lstStyle/>
           <a:p>
-            <a:endParaRPr lang="en-CA" dirty="0"/>
+            <a:r>
+              <a:rPr lang="en-US" dirty="0"/>
+              <a:t>Population</a:t>
+            </a:r>
+            <a:r>
+              <a:rPr lang="en-US"/>
+              <a:t> and extraction would be added using “complies with”</a:t>
+            </a:r>
+            <a:endParaRPr lang="en-CA"/>
           </a:p>
         </p:txBody>
       </p:sp>
@@ -13190,100 +13193,7 @@
             <a:fld id="{CF4A7F80-F256-4EC8-A9CC-1A842C6C5143}" type="slidenum">
               <a:rPr lang="en-US" altLang="en-US" smtClean="0"/>
               <a:pPr/>
-              <a:t>8</a:t>
-            </a:fld>
-            <a:endParaRPr lang="en-US" altLang="en-US"/>
-          </a:p>
-        </p:txBody>
-      </p:sp>
-    </p:spTree>
-    <p:extLst>
-      <p:ext uri="{BB962C8B-B14F-4D97-AF65-F5344CB8AC3E}">
-        <p14:creationId xmlns:p14="http://schemas.microsoft.com/office/powerpoint/2010/main" val="4252791910"/>
-      </p:ext>
-    </p:extLst>
-  </p:cSld>
-  <p:clrMapOvr>
-    <a:masterClrMapping/>
-  </p:clrMapOvr>
-</p:notes>
-</file>
-
-<file path=ppt/notesSlides/notesSlide3.xml><?xml version="1.0" encoding="utf-8"?>
-<p:notes xmlns:a="http://schemas.openxmlformats.org/drawingml/2006/main" xmlns:r="http://schemas.openxmlformats.org/officeDocument/2006/relationships" xmlns:p="http://schemas.openxmlformats.org/presentationml/2006/main">
-  <p:cSld>
-    <p:spTree>
-      <p:nvGrpSpPr>
-        <p:cNvPr id="1" name=""/>
-        <p:cNvGrpSpPr/>
-        <p:nvPr/>
-      </p:nvGrpSpPr>
-      <p:grpSpPr>
-        <a:xfrm>
-          <a:off x="0" y="0"/>
-          <a:ext cx="0" cy="0"/>
-          <a:chOff x="0" y="0"/>
-          <a:chExt cx="0" cy="0"/>
-        </a:xfrm>
-      </p:grpSpPr>
-      <p:sp>
-        <p:nvSpPr>
-          <p:cNvPr id="2" name="Slide Image Placeholder 1"/>
-          <p:cNvSpPr>
-            <a:spLocks noGrp="1" noRot="1" noChangeAspect="1"/>
-          </p:cNvSpPr>
-          <p:nvPr>
-            <p:ph type="sldImg"/>
-          </p:nvPr>
-        </p:nvSpPr>
-        <p:spPr/>
-      </p:sp>
-      <p:sp>
-        <p:nvSpPr>
-          <p:cNvPr id="3" name="Notes Placeholder 2"/>
-          <p:cNvSpPr>
-            <a:spLocks noGrp="1"/>
-          </p:cNvSpPr>
-          <p:nvPr>
-            <p:ph type="body" idx="1"/>
-          </p:nvPr>
-        </p:nvSpPr>
-        <p:spPr/>
-        <p:txBody>
-          <a:bodyPr/>
-          <a:lstStyle/>
-          <a:p>
-            <a:r>
-              <a:rPr lang="en-US" dirty="0"/>
-              <a:t>Population</a:t>
-            </a:r>
-            <a:r>
-              <a:rPr lang="en-US"/>
-              <a:t> and extraction would be added using “complies with”</a:t>
-            </a:r>
-            <a:endParaRPr lang="en-CA"/>
-          </a:p>
-        </p:txBody>
-      </p:sp>
-      <p:sp>
-        <p:nvSpPr>
-          <p:cNvPr id="4" name="Slide Number Placeholder 3"/>
-          <p:cNvSpPr>
-            <a:spLocks noGrp="1"/>
-          </p:cNvSpPr>
-          <p:nvPr>
-            <p:ph type="sldNum" sz="quarter" idx="5"/>
-          </p:nvPr>
-        </p:nvSpPr>
-        <p:spPr/>
-        <p:txBody>
-          <a:bodyPr/>
-          <a:lstStyle/>
-          <a:p>
-            <a:fld id="{CF4A7F80-F256-4EC8-A9CC-1A842C6C5143}" type="slidenum">
-              <a:rPr lang="en-US" altLang="en-US" smtClean="0"/>
-              <a:pPr/>
-              <a:t>23</a:t>
+              <a:t>22</a:t>
             </a:fld>
             <a:endParaRPr lang="en-US" altLang="en-US"/>
           </a:p>
@@ -17220,7 +17130,7 @@
           <a:p>
             <a:fld id="{D83995C2-806B-4997-8C0A-E780F2B14CC7}" type="datetimeFigureOut">
               <a:rPr lang="en-US" smtClean="0"/>
-              <a:t>3/1/2025</a:t>
+              <a:t>3/6/2025</a:t>
             </a:fld>
             <a:endParaRPr lang="en-US"/>
           </a:p>
@@ -23250,6 +23160,20 @@
 <file path=ppt/slides/slide1.xml><?xml version="1.0" encoding="utf-8"?>
 <p:sld xmlns:a="http://schemas.openxmlformats.org/drawingml/2006/main" xmlns:r="http://schemas.openxmlformats.org/officeDocument/2006/relationships" xmlns:p="http://schemas.openxmlformats.org/presentationml/2006/main">
   <p:cSld>
+    <p:bg>
+      <p:bgPr>
+        <a:blipFill dpi="0" rotWithShape="1">
+          <a:blip r:embed="rId2">
+            <a:lum/>
+          </a:blip>
+          <a:srcRect/>
+          <a:stretch>
+            <a:fillRect/>
+          </a:stretch>
+        </a:blipFill>
+        <a:effectLst/>
+      </p:bgPr>
+    </p:bg>
     <p:spTree>
       <p:nvGrpSpPr>
         <p:cNvPr id="1" name=""/>
@@ -23266,55 +23190,10 @@
       </p:grpSpPr>
       <p:sp>
         <p:nvSpPr>
-          <p:cNvPr id="3" name="Title 2"/>
-          <p:cNvSpPr>
-            <a:spLocks noGrp="1"/>
-          </p:cNvSpPr>
-          <p:nvPr>
-            <p:ph type="ctrTitle"/>
-          </p:nvPr>
-        </p:nvSpPr>
-        <p:spPr/>
-        <p:txBody>
-          <a:bodyPr/>
-          <a:lstStyle/>
-          <a:p>
-            <a:r>
-              <a:rPr lang="en-AU" dirty="0"/>
-              <a:t>Structured Data Capture</a:t>
-            </a:r>
-            <a:endParaRPr lang="en-US" dirty="0"/>
-          </a:p>
-        </p:txBody>
-      </p:sp>
-      <p:sp>
-        <p:nvSpPr>
-          <p:cNvPr id="4" name="Subtitle 3"/>
-          <p:cNvSpPr>
-            <a:spLocks noGrp="1"/>
-          </p:cNvSpPr>
-          <p:nvPr>
-            <p:ph type="subTitle" idx="1"/>
-          </p:nvPr>
-        </p:nvSpPr>
-        <p:spPr/>
-        <p:txBody>
-          <a:bodyPr/>
-          <a:lstStyle/>
-          <a:p>
-            <a:r>
-              <a:rPr lang="en-US" altLang="en-US" dirty="0"/>
-              <a:t>Modular and Derived Forms</a:t>
-            </a:r>
-          </a:p>
-        </p:txBody>
-      </p:sp>
-      <p:sp>
-        <p:nvSpPr>
-          <p:cNvPr id="8" name="Text Placeholder 7">
+          <p:cNvPr id="6" name="Text Placeholder 5">
             <a:extLst>
               <a:ext uri="{FF2B5EF4-FFF2-40B4-BE49-F238E27FC236}">
-                <a16:creationId xmlns:a16="http://schemas.microsoft.com/office/drawing/2014/main" id="{62EAEE4D-DFDC-4EFC-B01D-4E1EAA084740}"/>
+                <a16:creationId xmlns:a16="http://schemas.microsoft.com/office/drawing/2014/main" id="{32A55B74-6F49-9F22-9178-DE37CD82D03E}"/>
               </a:ext>
             </a:extLst>
           </p:cNvPr>
@@ -23322,36 +23201,129 @@
             <a:spLocks noGrp="1"/>
           </p:cNvSpPr>
           <p:nvPr>
-            <p:ph type="body" sz="quarter" idx="10"/>
+            <p:ph type="body" sz="quarter" idx="16"/>
           </p:nvPr>
         </p:nvSpPr>
-        <p:spPr/>
+        <p:spPr>
+          <a:xfrm>
+            <a:off x="534075" y="4603166"/>
+            <a:ext cx="4057650" cy="207749"/>
+          </a:xfrm>
+        </p:spPr>
         <p:txBody>
           <a:bodyPr/>
-          <a:lstStyle/>
-          <a:p>
-            <a:r>
-              <a:rPr lang="en-US" dirty="0"/>
-              <a:t>Lloyd McKenzie</a:t>
-            </a:r>
-          </a:p>
-          <a:p>
-            <a:r>
-              <a:rPr lang="en-US">
-                <a:ea typeface="ヒラギノ角ゴ Pro W3"/>
+          <a:lstStyle>
+            <a:defPPr>
+              <a:defRPr lang="en-US"/>
+            </a:defPPr>
+            <a:lvl1pPr marL="0" algn="l" defTabSz="685800" rtl="0" eaLnBrk="1" latinLnBrk="0" hangingPunct="1">
+              <a:defRPr sz="1350" kern="1200">
+                <a:solidFill>
+                  <a:schemeClr val="tx1"/>
+                </a:solidFill>
+                <a:latin typeface="+mn-lt"/>
+                <a:ea typeface="+mn-ea"/>
+                <a:cs typeface="+mn-cs"/>
+              </a:defRPr>
+            </a:lvl1pPr>
+            <a:lvl2pPr marL="342900" algn="l" defTabSz="685800" rtl="0" eaLnBrk="1" latinLnBrk="0" hangingPunct="1">
+              <a:defRPr sz="1350" kern="1200">
+                <a:solidFill>
+                  <a:schemeClr val="tx1"/>
+                </a:solidFill>
+                <a:latin typeface="+mn-lt"/>
+                <a:ea typeface="+mn-ea"/>
+                <a:cs typeface="+mn-cs"/>
+              </a:defRPr>
+            </a:lvl2pPr>
+            <a:lvl3pPr marL="685800" algn="l" defTabSz="685800" rtl="0" eaLnBrk="1" latinLnBrk="0" hangingPunct="1">
+              <a:defRPr sz="1350" kern="1200">
+                <a:solidFill>
+                  <a:schemeClr val="tx1"/>
+                </a:solidFill>
+                <a:latin typeface="+mn-lt"/>
+                <a:ea typeface="+mn-ea"/>
+                <a:cs typeface="+mn-cs"/>
+              </a:defRPr>
+            </a:lvl3pPr>
+            <a:lvl4pPr marL="1028700" algn="l" defTabSz="685800" rtl="0" eaLnBrk="1" latinLnBrk="0" hangingPunct="1">
+              <a:defRPr sz="1350" kern="1200">
+                <a:solidFill>
+                  <a:schemeClr val="tx1"/>
+                </a:solidFill>
+                <a:latin typeface="+mn-lt"/>
+                <a:ea typeface="+mn-ea"/>
+                <a:cs typeface="+mn-cs"/>
+              </a:defRPr>
+            </a:lvl4pPr>
+            <a:lvl5pPr marL="1371600" algn="l" defTabSz="685800" rtl="0" eaLnBrk="1" latinLnBrk="0" hangingPunct="1">
+              <a:defRPr sz="1350" kern="1200">
+                <a:solidFill>
+                  <a:schemeClr val="tx1"/>
+                </a:solidFill>
+                <a:latin typeface="+mn-lt"/>
+                <a:ea typeface="+mn-ea"/>
+                <a:cs typeface="+mn-cs"/>
+              </a:defRPr>
+            </a:lvl5pPr>
+            <a:lvl6pPr marL="1714500" algn="l" defTabSz="685800" rtl="0" eaLnBrk="1" latinLnBrk="0" hangingPunct="1">
+              <a:defRPr sz="1350" kern="1200">
+                <a:solidFill>
+                  <a:schemeClr val="tx1"/>
+                </a:solidFill>
+                <a:latin typeface="+mn-lt"/>
+                <a:ea typeface="+mn-ea"/>
+                <a:cs typeface="+mn-cs"/>
+              </a:defRPr>
+            </a:lvl6pPr>
+            <a:lvl7pPr marL="2057400" algn="l" defTabSz="685800" rtl="0" eaLnBrk="1" latinLnBrk="0" hangingPunct="1">
+              <a:defRPr sz="1350" kern="1200">
+                <a:solidFill>
+                  <a:schemeClr val="tx1"/>
+                </a:solidFill>
+                <a:latin typeface="+mn-lt"/>
+                <a:ea typeface="+mn-ea"/>
+                <a:cs typeface="+mn-cs"/>
+              </a:defRPr>
+            </a:lvl7pPr>
+            <a:lvl8pPr marL="2400300" algn="l" defTabSz="685800" rtl="0" eaLnBrk="1" latinLnBrk="0" hangingPunct="1">
+              <a:defRPr sz="1350" kern="1200">
+                <a:solidFill>
+                  <a:schemeClr val="tx1"/>
+                </a:solidFill>
+                <a:latin typeface="+mn-lt"/>
+                <a:ea typeface="+mn-ea"/>
+                <a:cs typeface="+mn-cs"/>
+              </a:defRPr>
+            </a:lvl8pPr>
+            <a:lvl9pPr marL="2743200" algn="l" defTabSz="685800" rtl="0" eaLnBrk="1" latinLnBrk="0" hangingPunct="1">
+              <a:defRPr sz="1350" kern="1200">
+                <a:solidFill>
+                  <a:schemeClr val="tx1"/>
+                </a:solidFill>
+                <a:latin typeface="+mn-lt"/>
+                <a:ea typeface="+mn-ea"/>
+                <a:cs typeface="+mn-cs"/>
+              </a:defRPr>
+            </a:lvl9pPr>
+          </a:lstStyle>
+          <a:p>
+            <a:r>
+              <a:rPr lang="en-US" dirty="0">
+                <a:cs typeface="Arial"/>
               </a:rPr>
-              <a:t>February 2025</a:t>
-            </a:r>
-            <a:endParaRPr lang="en-US"/>
+              <a:t>Lloyd McKenzie | February 2025</a:t>
+            </a:r>
+            <a:endParaRPr lang="en-US" dirty="0"/>
           </a:p>
         </p:txBody>
       </p:sp>
       <p:sp>
         <p:nvSpPr>
-          <p:cNvPr id="2" name="Footer Placeholder 1">
+          <p:cNvPr id="2" name="Text Placeholder 1">
             <a:extLst>
               <a:ext uri="{FF2B5EF4-FFF2-40B4-BE49-F238E27FC236}">
-                <a16:creationId xmlns:a16="http://schemas.microsoft.com/office/drawing/2014/main" id="{2DB8BFEF-A591-4AA8-9418-E34A204D637F}"/>
+                <a16:creationId xmlns:a16="http://schemas.microsoft.com/office/drawing/2014/main" id="{E265F639-6FEA-A56A-8782-FB04C81D81D5}"/>
               </a:ext>
             </a:extLst>
           </p:cNvPr>
@@ -23359,25 +23331,118 @@
             <a:spLocks noGrp="1"/>
           </p:cNvSpPr>
           <p:nvPr>
-            <p:ph type="ftr" sz="quarter" idx="11"/>
+            <p:ph type="body" sz="quarter" idx="14"/>
           </p:nvPr>
         </p:nvSpPr>
-        <p:spPr/>
+        <p:spPr>
+          <a:xfrm>
+            <a:off x="534075" y="2756496"/>
+            <a:ext cx="4057650" cy="207749"/>
+          </a:xfrm>
+        </p:spPr>
         <p:txBody>
           <a:bodyPr/>
-          <a:lstStyle/>
-          <a:p>
-            <a:r>
-              <a:rPr lang="en-CA" dirty="0"/>
-              <a:t>© 2025 Health Level Seven ® International. All Rights Reserved. Published under the Creative Commons 3.0 Attribution </a:t>
-            </a:r>
-            <a:r>
-              <a:rPr lang="en-CA" dirty="0" err="1"/>
-              <a:t>Unported</a:t>
-            </a:r>
-            <a:r>
-              <a:rPr lang="en-CA" dirty="0"/>
-              <a:t> license</a:t>
+          <a:lstStyle>
+            <a:defPPr>
+              <a:defRPr lang="en-US"/>
+            </a:defPPr>
+            <a:lvl1pPr marL="0" algn="l" defTabSz="685800" rtl="0" eaLnBrk="1" latinLnBrk="0" hangingPunct="1">
+              <a:defRPr sz="1350" kern="1200">
+                <a:solidFill>
+                  <a:schemeClr val="tx1"/>
+                </a:solidFill>
+                <a:latin typeface="+mn-lt"/>
+                <a:ea typeface="+mn-ea"/>
+                <a:cs typeface="+mn-cs"/>
+              </a:defRPr>
+            </a:lvl1pPr>
+            <a:lvl2pPr marL="342900" algn="l" defTabSz="685800" rtl="0" eaLnBrk="1" latinLnBrk="0" hangingPunct="1">
+              <a:defRPr sz="1350" kern="1200">
+                <a:solidFill>
+                  <a:schemeClr val="tx1"/>
+                </a:solidFill>
+                <a:latin typeface="+mn-lt"/>
+                <a:ea typeface="+mn-ea"/>
+                <a:cs typeface="+mn-cs"/>
+              </a:defRPr>
+            </a:lvl2pPr>
+            <a:lvl3pPr marL="685800" algn="l" defTabSz="685800" rtl="0" eaLnBrk="1" latinLnBrk="0" hangingPunct="1">
+              <a:defRPr sz="1350" kern="1200">
+                <a:solidFill>
+                  <a:schemeClr val="tx1"/>
+                </a:solidFill>
+                <a:latin typeface="+mn-lt"/>
+                <a:ea typeface="+mn-ea"/>
+                <a:cs typeface="+mn-cs"/>
+              </a:defRPr>
+            </a:lvl3pPr>
+            <a:lvl4pPr marL="1028700" algn="l" defTabSz="685800" rtl="0" eaLnBrk="1" latinLnBrk="0" hangingPunct="1">
+              <a:defRPr sz="1350" kern="1200">
+                <a:solidFill>
+                  <a:schemeClr val="tx1"/>
+                </a:solidFill>
+                <a:latin typeface="+mn-lt"/>
+                <a:ea typeface="+mn-ea"/>
+                <a:cs typeface="+mn-cs"/>
+              </a:defRPr>
+            </a:lvl4pPr>
+            <a:lvl5pPr marL="1371600" algn="l" defTabSz="685800" rtl="0" eaLnBrk="1" latinLnBrk="0" hangingPunct="1">
+              <a:defRPr sz="1350" kern="1200">
+                <a:solidFill>
+                  <a:schemeClr val="tx1"/>
+                </a:solidFill>
+                <a:latin typeface="+mn-lt"/>
+                <a:ea typeface="+mn-ea"/>
+                <a:cs typeface="+mn-cs"/>
+              </a:defRPr>
+            </a:lvl5pPr>
+            <a:lvl6pPr marL="1714500" algn="l" defTabSz="685800" rtl="0" eaLnBrk="1" latinLnBrk="0" hangingPunct="1">
+              <a:defRPr sz="1350" kern="1200">
+                <a:solidFill>
+                  <a:schemeClr val="tx1"/>
+                </a:solidFill>
+                <a:latin typeface="+mn-lt"/>
+                <a:ea typeface="+mn-ea"/>
+                <a:cs typeface="+mn-cs"/>
+              </a:defRPr>
+            </a:lvl6pPr>
+            <a:lvl7pPr marL="2057400" algn="l" defTabSz="685800" rtl="0" eaLnBrk="1" latinLnBrk="0" hangingPunct="1">
+              <a:defRPr sz="1350" kern="1200">
+                <a:solidFill>
+                  <a:schemeClr val="tx1"/>
+                </a:solidFill>
+                <a:latin typeface="+mn-lt"/>
+                <a:ea typeface="+mn-ea"/>
+                <a:cs typeface="+mn-cs"/>
+              </a:defRPr>
+            </a:lvl7pPr>
+            <a:lvl8pPr marL="2400300" algn="l" defTabSz="685800" rtl="0" eaLnBrk="1" latinLnBrk="0" hangingPunct="1">
+              <a:defRPr sz="1350" kern="1200">
+                <a:solidFill>
+                  <a:schemeClr val="tx1"/>
+                </a:solidFill>
+                <a:latin typeface="+mn-lt"/>
+                <a:ea typeface="+mn-ea"/>
+                <a:cs typeface="+mn-cs"/>
+              </a:defRPr>
+            </a:lvl8pPr>
+            <a:lvl9pPr marL="2743200" algn="l" defTabSz="685800" rtl="0" eaLnBrk="1" latinLnBrk="0" hangingPunct="1">
+              <a:defRPr sz="1350" kern="1200">
+                <a:solidFill>
+                  <a:schemeClr val="tx1"/>
+                </a:solidFill>
+                <a:latin typeface="+mn-lt"/>
+                <a:ea typeface="+mn-ea"/>
+                <a:cs typeface="+mn-cs"/>
+              </a:defRPr>
+            </a:lvl9pPr>
+          </a:lstStyle>
+          <a:p>
+            <a:r>
+              <a:rPr lang="en-US" dirty="0">
+                <a:cs typeface="Arial"/>
+              </a:rPr>
+              <a:t>Modular and Derived Forms</a:t>
             </a:r>
             <a:endParaRPr lang="en-US" dirty="0"/>
           </a:p>
@@ -23385,10 +23450,10 @@
       </p:sp>
       <p:sp>
         <p:nvSpPr>
-          <p:cNvPr id="7" name="Slide Number Placeholder 6">
+          <p:cNvPr id="7" name="Text Placeholder 6">
             <a:extLst>
               <a:ext uri="{FF2B5EF4-FFF2-40B4-BE49-F238E27FC236}">
-                <a16:creationId xmlns:a16="http://schemas.microsoft.com/office/drawing/2014/main" id="{03B02A91-314E-47EE-9F6F-3A18A2FFF0EC}"/>
+                <a16:creationId xmlns:a16="http://schemas.microsoft.com/office/drawing/2014/main" id="{4F7F09CA-AAA3-4BE6-D1C9-77D304F05A8A}"/>
               </a:ext>
             </a:extLst>
           </p:cNvPr>
@@ -23396,32 +23461,157 @@
             <a:spLocks noGrp="1"/>
           </p:cNvSpPr>
           <p:nvPr>
-            <p:ph type="sldNum" sz="quarter" idx="4294967295"/>
+            <p:ph type="body" sz="quarter" idx="17"/>
           </p:nvPr>
         </p:nvSpPr>
         <p:spPr>
           <a:xfrm>
-            <a:off x="8872538" y="4792663"/>
-            <a:ext cx="271462" cy="158750"/>
+            <a:off x="534075" y="2263771"/>
+            <a:ext cx="4383157" cy="182807"/>
           </a:xfrm>
         </p:spPr>
         <p:txBody>
           <a:bodyPr/>
-          <a:lstStyle/>
-          <a:p>
-            <a:fld id="{DD8FDF0E-2772-4D89-9F72-F3CB15D8B8AB}" type="slidenum">
-              <a:rPr lang="en-US" smtClean="0"/>
-              <a:pPr/>
-              <a:t>1</a:t>
-            </a:fld>
+          <a:lstStyle>
+            <a:defPPr>
+              <a:defRPr lang="en-US"/>
+            </a:defPPr>
+            <a:lvl1pPr marL="0" algn="l" defTabSz="685800" rtl="0" eaLnBrk="1" latinLnBrk="0" hangingPunct="1">
+              <a:defRPr sz="1350" kern="1200">
+                <a:solidFill>
+                  <a:schemeClr val="tx1"/>
+                </a:solidFill>
+                <a:latin typeface="+mn-lt"/>
+                <a:ea typeface="+mn-ea"/>
+                <a:cs typeface="+mn-cs"/>
+              </a:defRPr>
+            </a:lvl1pPr>
+            <a:lvl2pPr marL="342900" algn="l" defTabSz="685800" rtl="0" eaLnBrk="1" latinLnBrk="0" hangingPunct="1">
+              <a:defRPr sz="1350" kern="1200">
+                <a:solidFill>
+                  <a:schemeClr val="tx1"/>
+                </a:solidFill>
+                <a:latin typeface="+mn-lt"/>
+                <a:ea typeface="+mn-ea"/>
+                <a:cs typeface="+mn-cs"/>
+              </a:defRPr>
+            </a:lvl2pPr>
+            <a:lvl3pPr marL="685800" algn="l" defTabSz="685800" rtl="0" eaLnBrk="1" latinLnBrk="0" hangingPunct="1">
+              <a:defRPr sz="1350" kern="1200">
+                <a:solidFill>
+                  <a:schemeClr val="tx1"/>
+                </a:solidFill>
+                <a:latin typeface="+mn-lt"/>
+                <a:ea typeface="+mn-ea"/>
+                <a:cs typeface="+mn-cs"/>
+              </a:defRPr>
+            </a:lvl3pPr>
+            <a:lvl4pPr marL="1028700" algn="l" defTabSz="685800" rtl="0" eaLnBrk="1" latinLnBrk="0" hangingPunct="1">
+              <a:defRPr sz="1350" kern="1200">
+                <a:solidFill>
+                  <a:schemeClr val="tx1"/>
+                </a:solidFill>
+                <a:latin typeface="+mn-lt"/>
+                <a:ea typeface="+mn-ea"/>
+                <a:cs typeface="+mn-cs"/>
+              </a:defRPr>
+            </a:lvl4pPr>
+            <a:lvl5pPr marL="1371600" algn="l" defTabSz="685800" rtl="0" eaLnBrk="1" latinLnBrk="0" hangingPunct="1">
+              <a:defRPr sz="1350" kern="1200">
+                <a:solidFill>
+                  <a:schemeClr val="tx1"/>
+                </a:solidFill>
+                <a:latin typeface="+mn-lt"/>
+                <a:ea typeface="+mn-ea"/>
+                <a:cs typeface="+mn-cs"/>
+              </a:defRPr>
+            </a:lvl5pPr>
+            <a:lvl6pPr marL="1714500" algn="l" defTabSz="685800" rtl="0" eaLnBrk="1" latinLnBrk="0" hangingPunct="1">
+              <a:defRPr sz="1350" kern="1200">
+                <a:solidFill>
+                  <a:schemeClr val="tx1"/>
+                </a:solidFill>
+                <a:latin typeface="+mn-lt"/>
+                <a:ea typeface="+mn-ea"/>
+                <a:cs typeface="+mn-cs"/>
+              </a:defRPr>
+            </a:lvl6pPr>
+            <a:lvl7pPr marL="2057400" algn="l" defTabSz="685800" rtl="0" eaLnBrk="1" latinLnBrk="0" hangingPunct="1">
+              <a:defRPr sz="1350" kern="1200">
+                <a:solidFill>
+                  <a:schemeClr val="tx1"/>
+                </a:solidFill>
+                <a:latin typeface="+mn-lt"/>
+                <a:ea typeface="+mn-ea"/>
+                <a:cs typeface="+mn-cs"/>
+              </a:defRPr>
+            </a:lvl7pPr>
+            <a:lvl8pPr marL="2400300" algn="l" defTabSz="685800" rtl="0" eaLnBrk="1" latinLnBrk="0" hangingPunct="1">
+              <a:defRPr sz="1350" kern="1200">
+                <a:solidFill>
+                  <a:schemeClr val="tx1"/>
+                </a:solidFill>
+                <a:latin typeface="+mn-lt"/>
+                <a:ea typeface="+mn-ea"/>
+                <a:cs typeface="+mn-cs"/>
+              </a:defRPr>
+            </a:lvl8pPr>
+            <a:lvl9pPr marL="2743200" algn="l" defTabSz="685800" rtl="0" eaLnBrk="1" latinLnBrk="0" hangingPunct="1">
+              <a:defRPr sz="1350" kern="1200">
+                <a:solidFill>
+                  <a:schemeClr val="tx1"/>
+                </a:solidFill>
+                <a:latin typeface="+mn-lt"/>
+                <a:ea typeface="+mn-ea"/>
+                <a:cs typeface="+mn-cs"/>
+              </a:defRPr>
+            </a:lvl9pPr>
+          </a:lstStyle>
+          <a:p>
+            <a:r>
+              <a:rPr lang="en-US" dirty="0">
+                <a:cs typeface="Arial"/>
+              </a:rPr>
+              <a:t>Structured Data Capture (SDC)</a:t>
+            </a:r>
             <a:endParaRPr lang="en-US" dirty="0"/>
           </a:p>
         </p:txBody>
       </p:sp>
+      <p:pic>
+        <p:nvPicPr>
+          <p:cNvPr id="3" name="Picture 2">
+            <a:extLst>
+              <a:ext uri="{FF2B5EF4-FFF2-40B4-BE49-F238E27FC236}">
+                <a16:creationId xmlns:a16="http://schemas.microsoft.com/office/drawing/2014/main" id="{D757EB45-C247-3B54-4921-3BF1D56F9D38}"/>
+              </a:ext>
+            </a:extLst>
+          </p:cNvPr>
+          <p:cNvPicPr>
+            <a:picLocks noChangeAspect="1"/>
+          </p:cNvPicPr>
+          <p:nvPr/>
+        </p:nvPicPr>
+        <p:blipFill>
+          <a:blip r:embed="rId3"/>
+          <a:stretch>
+            <a:fillRect/>
+          </a:stretch>
+        </p:blipFill>
+        <p:spPr>
+          <a:xfrm>
+            <a:off x="3375580" y="4601608"/>
+            <a:ext cx="1304925" cy="457200"/>
+          </a:xfrm>
+          <a:prstGeom prst="rect">
+            <a:avLst/>
+          </a:prstGeom>
+        </p:spPr>
+      </p:pic>
     </p:spTree>
     <p:extLst>
       <p:ext uri="{BB962C8B-B14F-4D97-AF65-F5344CB8AC3E}">
-        <p14:creationId xmlns:p14="http://schemas.microsoft.com/office/powerpoint/2010/main" val="1226924551"/>
+        <p14:creationId xmlns:p14="http://schemas.microsoft.com/office/powerpoint/2010/main" val="2030768388"/>
       </p:ext>
     </p:extLst>
   </p:cSld>
@@ -23432,227 +23622,6 @@
 </file>
 
 <file path=ppt/slides/slide10.xml><?xml version="1.0" encoding="utf-8"?>
-<p:sld xmlns:a="http://schemas.openxmlformats.org/drawingml/2006/main" xmlns:r="http://schemas.openxmlformats.org/officeDocument/2006/relationships" xmlns:p="http://schemas.openxmlformats.org/presentationml/2006/main">
-  <p:cSld>
-    <p:spTree>
-      <p:nvGrpSpPr>
-        <p:cNvPr id="1" name=""/>
-        <p:cNvGrpSpPr/>
-        <p:nvPr/>
-      </p:nvGrpSpPr>
-      <p:grpSpPr>
-        <a:xfrm>
-          <a:off x="0" y="0"/>
-          <a:ext cx="0" cy="0"/>
-          <a:chOff x="0" y="0"/>
-          <a:chExt cx="0" cy="0"/>
-        </a:xfrm>
-      </p:grpSpPr>
-      <p:sp>
-        <p:nvSpPr>
-          <p:cNvPr id="5" name="Title 4">
-            <a:extLst>
-              <a:ext uri="{FF2B5EF4-FFF2-40B4-BE49-F238E27FC236}">
-                <a16:creationId xmlns:a16="http://schemas.microsoft.com/office/drawing/2014/main" id="{7445A3EF-F95F-1ADA-66F9-800ADE9B40C6}"/>
-              </a:ext>
-            </a:extLst>
-          </p:cNvPr>
-          <p:cNvSpPr>
-            <a:spLocks noGrp="1"/>
-          </p:cNvSpPr>
-          <p:nvPr>
-            <p:ph type="title"/>
-          </p:nvPr>
-        </p:nvSpPr>
-        <p:spPr/>
-        <p:txBody>
-          <a:bodyPr/>
-          <a:lstStyle/>
-          <a:p>
-            <a:r>
-              <a:rPr lang="en-US" dirty="0"/>
-              <a:t>Rationale for modular forms</a:t>
-            </a:r>
-            <a:endParaRPr lang="en-CA" dirty="0"/>
-          </a:p>
-        </p:txBody>
-      </p:sp>
-      <p:sp>
-        <p:nvSpPr>
-          <p:cNvPr id="6" name="Text Placeholder 5">
-            <a:extLst>
-              <a:ext uri="{FF2B5EF4-FFF2-40B4-BE49-F238E27FC236}">
-                <a16:creationId xmlns:a16="http://schemas.microsoft.com/office/drawing/2014/main" id="{D845FD7C-AA28-D0B4-33C4-A9DDAD29160A}"/>
-              </a:ext>
-            </a:extLst>
-          </p:cNvPr>
-          <p:cNvSpPr>
-            <a:spLocks noGrp="1"/>
-          </p:cNvSpPr>
-          <p:nvPr>
-            <p:ph type="body" sz="quarter" idx="13"/>
-          </p:nvPr>
-        </p:nvSpPr>
-        <p:spPr>
-          <a:xfrm>
-            <a:off x="614362" y="1357310"/>
-            <a:ext cx="4779759" cy="3098780"/>
-          </a:xfrm>
-        </p:spPr>
-        <p:txBody>
-          <a:bodyPr/>
-          <a:lstStyle/>
-          <a:p>
-            <a:r>
-              <a:rPr lang="en-US" dirty="0"/>
-              <a:t>More consistency</a:t>
-            </a:r>
-          </a:p>
-          <a:p>
-            <a:pPr lvl="1"/>
-            <a:r>
-              <a:rPr lang="en-US" dirty="0"/>
-              <a:t>Better data quality</a:t>
-            </a:r>
-          </a:p>
-          <a:p>
-            <a:pPr lvl="1"/>
-            <a:r>
-              <a:rPr lang="en-US" dirty="0"/>
-              <a:t>Leverage known ‘good’ questions</a:t>
-            </a:r>
-          </a:p>
-          <a:p>
-            <a:pPr lvl="1"/>
-            <a:r>
-              <a:rPr lang="en-US" dirty="0"/>
-              <a:t>More user familiarity</a:t>
-            </a:r>
-          </a:p>
-          <a:p>
-            <a:r>
-              <a:rPr lang="en-US" dirty="0"/>
-              <a:t>Reduce maintenance effort</a:t>
-            </a:r>
-          </a:p>
-          <a:p>
-            <a:pPr lvl="1"/>
-            <a:r>
-              <a:rPr lang="en-US" dirty="0"/>
-              <a:t>Including on population/extraction logic</a:t>
-            </a:r>
-          </a:p>
-        </p:txBody>
-      </p:sp>
-      <p:sp>
-        <p:nvSpPr>
-          <p:cNvPr id="3" name="Footer Placeholder 2">
-            <a:extLst>
-              <a:ext uri="{FF2B5EF4-FFF2-40B4-BE49-F238E27FC236}">
-                <a16:creationId xmlns:a16="http://schemas.microsoft.com/office/drawing/2014/main" id="{D8136FED-0229-CDD8-8100-DABD768C7D44}"/>
-              </a:ext>
-            </a:extLst>
-          </p:cNvPr>
-          <p:cNvSpPr>
-            <a:spLocks noGrp="1"/>
-          </p:cNvSpPr>
-          <p:nvPr>
-            <p:ph type="ftr" sz="quarter" idx="10"/>
-          </p:nvPr>
-        </p:nvSpPr>
-        <p:spPr/>
-        <p:txBody>
-          <a:bodyPr/>
-          <a:lstStyle/>
-          <a:p>
-            <a:r>
-              <a:rPr lang="en-CA" b="1"/>
-              <a:t>© 2025 Health Level Seven ® International. All Rights Reserved. Published under the Creative Commons 3.0 Attribution Unported license</a:t>
-            </a:r>
-            <a:endParaRPr lang="en-US" b="1" dirty="0"/>
-          </a:p>
-        </p:txBody>
-      </p:sp>
-      <p:sp>
-        <p:nvSpPr>
-          <p:cNvPr id="4" name="Slide Number Placeholder 3">
-            <a:extLst>
-              <a:ext uri="{FF2B5EF4-FFF2-40B4-BE49-F238E27FC236}">
-                <a16:creationId xmlns:a16="http://schemas.microsoft.com/office/drawing/2014/main" id="{9C24CF50-A2AB-9E57-631F-D717DB7B4C6C}"/>
-              </a:ext>
-            </a:extLst>
-          </p:cNvPr>
-          <p:cNvSpPr>
-            <a:spLocks noGrp="1"/>
-          </p:cNvSpPr>
-          <p:nvPr>
-            <p:ph type="sldNum" sz="quarter" idx="11"/>
-          </p:nvPr>
-        </p:nvSpPr>
-        <p:spPr/>
-        <p:txBody>
-          <a:bodyPr/>
-          <a:lstStyle/>
-          <a:p>
-            <a:fld id="{6CACE926-AEF5-4BFE-8BD7-24414108CB7B}" type="slidenum">
-              <a:rPr lang="en-US" altLang="en-US" smtClean="0"/>
-              <a:pPr/>
-              <a:t>10</a:t>
-            </a:fld>
-            <a:endParaRPr lang="en-US" altLang="en-US" dirty="0"/>
-          </a:p>
-        </p:txBody>
-      </p:sp>
-      <p:pic>
-        <p:nvPicPr>
-          <p:cNvPr id="8" name="Picture 7" descr="A hand holding a yellow paper with black text&#10;&#10;Description automatically generated">
-            <a:extLst>
-              <a:ext uri="{FF2B5EF4-FFF2-40B4-BE49-F238E27FC236}">
-                <a16:creationId xmlns:a16="http://schemas.microsoft.com/office/drawing/2014/main" id="{609A5118-F888-EB8B-E4FB-A7DC35D2673C}"/>
-              </a:ext>
-            </a:extLst>
-          </p:cNvPr>
-          <p:cNvPicPr>
-            <a:picLocks noChangeAspect="1"/>
-          </p:cNvPicPr>
-          <p:nvPr/>
-        </p:nvPicPr>
-        <p:blipFill>
-          <a:blip r:embed="rId2">
-            <a:extLst>
-              <a:ext uri="{837473B0-CC2E-450A-ABE3-18F120FF3D39}">
-                <a1611:picAttrSrcUrl xmlns:a1611="http://schemas.microsoft.com/office/drawing/2016/11/main" r:id="rId3"/>
-              </a:ext>
-            </a:extLst>
-          </a:blip>
-          <a:stretch>
-            <a:fillRect/>
-          </a:stretch>
-        </p:blipFill>
-        <p:spPr>
-          <a:xfrm>
-            <a:off x="5730875" y="1476462"/>
-            <a:ext cx="2495725" cy="1871794"/>
-          </a:xfrm>
-          <a:prstGeom prst="rect">
-            <a:avLst/>
-          </a:prstGeom>
-        </p:spPr>
-      </p:pic>
-    </p:spTree>
-    <p:extLst>
-      <p:ext uri="{BB962C8B-B14F-4D97-AF65-F5344CB8AC3E}">
-        <p14:creationId xmlns:p14="http://schemas.microsoft.com/office/powerpoint/2010/main" val="2725813447"/>
-      </p:ext>
-    </p:extLst>
-  </p:cSld>
-  <p:clrMapOvr>
-    <a:masterClrMapping/>
-  </p:clrMapOvr>
-</p:sld>
-</file>
-
-<file path=ppt/slides/slide11.xml><?xml version="1.0" encoding="utf-8"?>
 <p:sld xmlns:a="http://schemas.openxmlformats.org/drawingml/2006/main" xmlns:r="http://schemas.openxmlformats.org/officeDocument/2006/relationships" xmlns:p="http://schemas.openxmlformats.org/presentationml/2006/main">
   <p:cSld>
     <p:spTree>
@@ -23698,7 +23667,7 @@
             <a:fld id="{6CACE926-AEF5-4BFE-8BD7-24414108CB7B}" type="slidenum">
               <a:rPr lang="en-US" altLang="en-US" smtClean="0"/>
               <a:pPr/>
-              <a:t>11</a:t>
+              <a:t>10</a:t>
             </a:fld>
             <a:endParaRPr lang="en-US" altLang="en-US" dirty="0"/>
           </a:p>
@@ -24235,7 +24204,7 @@
 </p:sld>
 </file>
 
-<file path=ppt/slides/slide12.xml><?xml version="1.0" encoding="utf-8"?>
+<file path=ppt/slides/slide11.xml><?xml version="1.0" encoding="utf-8"?>
 <p:sld xmlns:a="http://schemas.openxmlformats.org/drawingml/2006/main" xmlns:r="http://schemas.openxmlformats.org/officeDocument/2006/relationships" xmlns:p="http://schemas.openxmlformats.org/presentationml/2006/main">
   <p:cSld>
     <p:spTree>
@@ -24543,7 +24512,7 @@
 </p:sld>
 </file>
 
-<file path=ppt/slides/slide13.xml><?xml version="1.0" encoding="utf-8"?>
+<file path=ppt/slides/slide12.xml><?xml version="1.0" encoding="utf-8"?>
 <p:sld xmlns:a="http://schemas.openxmlformats.org/drawingml/2006/main" xmlns:r="http://schemas.openxmlformats.org/officeDocument/2006/relationships" xmlns:p="http://schemas.openxmlformats.org/presentationml/2006/main">
   <p:cSld>
     <p:spTree>
@@ -24649,7 +24618,7 @@
             <a:fld id="{6CACE926-AEF5-4BFE-8BD7-24414108CB7B}" type="slidenum">
               <a:rPr lang="en-US" altLang="en-US" smtClean="0"/>
               <a:pPr/>
-              <a:t>13</a:t>
+              <a:t>12</a:t>
             </a:fld>
             <a:endParaRPr lang="en-US" altLang="en-US" dirty="0"/>
           </a:p>
@@ -25095,7 +25064,7 @@
 </p:sld>
 </file>
 
-<file path=ppt/slides/slide14.xml><?xml version="1.0" encoding="utf-8"?>
+<file path=ppt/slides/slide13.xml><?xml version="1.0" encoding="utf-8"?>
 <p:sld xmlns:a="http://schemas.openxmlformats.org/drawingml/2006/main" xmlns:r="http://schemas.openxmlformats.org/officeDocument/2006/relationships" xmlns:p="http://schemas.openxmlformats.org/presentationml/2006/main">
   <p:cSld>
     <p:spTree>
@@ -25259,7 +25228,7 @@
             <a:fld id="{6CACE926-AEF5-4BFE-8BD7-24414108CB7B}" type="slidenum">
               <a:rPr lang="en-US" altLang="en-US" smtClean="0"/>
               <a:pPr/>
-              <a:t>14</a:t>
+              <a:t>13</a:t>
             </a:fld>
             <a:endParaRPr lang="en-US" altLang="en-US" dirty="0"/>
           </a:p>
@@ -25278,7 +25247,7 @@
 </p:sld>
 </file>
 
-<file path=ppt/slides/slide15.xml><?xml version="1.0" encoding="utf-8"?>
+<file path=ppt/slides/slide14.xml><?xml version="1.0" encoding="utf-8"?>
 <p:sld xmlns:a="http://schemas.openxmlformats.org/drawingml/2006/main" xmlns:r="http://schemas.openxmlformats.org/officeDocument/2006/relationships" xmlns:p="http://schemas.openxmlformats.org/presentationml/2006/main">
   <p:cSld>
     <p:spTree>
@@ -25358,11 +25327,11 @@
             <a:pPr lvl="1"/>
             <a:r>
               <a:rPr lang="en-CA" dirty="0"/>
-              <a:t>Would </a:t>
-            </a:r>
-            <a:r>
-              <a:rPr lang="en-CA"/>
-              <a:t>result in duplicate linkIds</a:t>
+              <a:t>Would result in duplicate </a:t>
+            </a:r>
+            <a:r>
+              <a:rPr lang="en-CA" dirty="0" err="1"/>
+              <a:t>linkIds</a:t>
             </a:r>
             <a:endParaRPr lang="en-CA" dirty="0"/>
           </a:p>
@@ -25375,15 +25344,11 @@
           <a:p>
             <a:pPr lvl="1"/>
             <a:r>
-              <a:rPr lang="en-CA"/>
-              <a:t>Parent Questionnaire defines a </a:t>
-            </a:r>
-            <a:r>
               <a:rPr lang="en-CA" dirty="0"/>
-              <a:t>%</a:t>
-            </a:r>
-            <a:r>
-              <a:rPr lang="en-CA"/>
+              <a:t>Parent Questionnaire defines a %</a:t>
+            </a:r>
+            <a:r>
+              <a:rPr lang="en-CA" dirty="0" err="1"/>
               <a:t>linkIdPrefix</a:t>
             </a:r>
             <a:endParaRPr lang="en-CA" dirty="0"/>
@@ -25395,38 +25360,28 @@
               <a:t>Gets pre-pended to all </a:t>
             </a:r>
             <a:r>
-              <a:rPr lang="en-CA" err="1"/>
+              <a:rPr lang="en-CA" dirty="0" err="1"/>
               <a:t>linkIds</a:t>
             </a:r>
             <a:r>
-              <a:rPr lang="en-CA"/>
-              <a:t> and enableWhen.</a:t>
+              <a:rPr lang="en-CA" dirty="0"/>
+              <a:t> and </a:t>
             </a:r>
             <a:r>
               <a:rPr lang="en-CA" dirty="0" err="1"/>
-              <a:t>question</a:t>
+              <a:t>enableWhen.question</a:t>
             </a:r>
             <a:r>
               <a:rPr lang="en-CA" dirty="0"/>
-              <a:t> elements in </a:t>
-            </a:r>
-            <a:r>
-              <a:rPr lang="en-CA"/>
-              <a:t>the imported sub-form</a:t>
-            </a:r>
-            <a:endParaRPr lang="en-CA" dirty="0"/>
+              <a:t> elements in the imported sub-form</a:t>
+            </a:r>
           </a:p>
           <a:p>
             <a:pPr lvl="2"/>
             <a:r>
               <a:rPr lang="en-CA" dirty="0"/>
-              <a:t>Also sets a variable that can be used </a:t>
-            </a:r>
-            <a:r>
-              <a:rPr lang="en-CA"/>
-              <a:t>in expressions in the sub-form</a:t>
-            </a:r>
-            <a:endParaRPr lang="en-CA" dirty="0"/>
+              <a:t>Also sets a variable that can be used in expressions in the sub-form</a:t>
+            </a:r>
           </a:p>
         </p:txBody>
       </p:sp>
@@ -25483,7 +25438,7 @@
             <a:fld id="{6CACE926-AEF5-4BFE-8BD7-24414108CB7B}" type="slidenum">
               <a:rPr lang="en-US" altLang="en-US" smtClean="0"/>
               <a:pPr/>
-              <a:t>15</a:t>
+              <a:t>14</a:t>
             </a:fld>
             <a:endParaRPr lang="en-US" altLang="en-US" dirty="0"/>
           </a:p>
@@ -25502,7 +25457,7 @@
 </p:sld>
 </file>
 
-<file path=ppt/slides/slide16.xml><?xml version="1.0" encoding="utf-8"?>
+<file path=ppt/slides/slide15.xml><?xml version="1.0" encoding="utf-8"?>
 <p:sld xmlns:a="http://schemas.openxmlformats.org/drawingml/2006/main" xmlns:r="http://schemas.openxmlformats.org/officeDocument/2006/relationships" xmlns:p="http://schemas.openxmlformats.org/presentationml/2006/main">
   <p:cSld>
     <p:spTree>
@@ -25548,7 +25503,7 @@
             <a:fld id="{6CACE926-AEF5-4BFE-8BD7-24414108CB7B}" type="slidenum">
               <a:rPr lang="en-US" altLang="en-US" smtClean="0"/>
               <a:pPr/>
-              <a:t>16</a:t>
+              <a:t>15</a:t>
             </a:fld>
             <a:endParaRPr lang="en-US" altLang="en-US" dirty="0"/>
           </a:p>
@@ -25894,7 +25849,7 @@
 </p:sld>
 </file>
 
-<file path=ppt/slides/slide17.xml><?xml version="1.0" encoding="utf-8"?>
+<file path=ppt/slides/slide16.xml><?xml version="1.0" encoding="utf-8"?>
 <p:sld xmlns:a="http://schemas.openxmlformats.org/drawingml/2006/main" xmlns:r="http://schemas.openxmlformats.org/officeDocument/2006/relationships" xmlns:p="http://schemas.openxmlformats.org/presentationml/2006/main">
   <p:cSld>
     <p:spTree>
@@ -26097,7 +26052,7 @@
             <a:fld id="{6CACE926-AEF5-4BFE-8BD7-24414108CB7B}" type="slidenum">
               <a:rPr lang="en-US" altLang="en-US" smtClean="0"/>
               <a:pPr/>
-              <a:t>17</a:t>
+              <a:t>16</a:t>
             </a:fld>
             <a:endParaRPr lang="en-US" altLang="en-US" dirty="0"/>
           </a:p>
@@ -26116,7 +26071,7 @@
 </p:sld>
 </file>
 
-<file path=ppt/slides/slide18.xml><?xml version="1.0" encoding="utf-8"?>
+<file path=ppt/slides/slide17.xml><?xml version="1.0" encoding="utf-8"?>
 <p:sld xmlns:a="http://schemas.openxmlformats.org/drawingml/2006/main" xmlns:r="http://schemas.openxmlformats.org/officeDocument/2006/relationships" xmlns:p="http://schemas.openxmlformats.org/presentationml/2006/main">
   <p:cSld>
     <p:spTree>
@@ -26291,7 +26246,7 @@
             <a:fld id="{6CACE926-AEF5-4BFE-8BD7-24414108CB7B}" type="slidenum">
               <a:rPr lang="en-US" altLang="en-US" smtClean="0"/>
               <a:pPr/>
-              <a:t>18</a:t>
+              <a:t>17</a:t>
             </a:fld>
             <a:endParaRPr lang="en-US" altLang="en-US" dirty="0"/>
           </a:p>
@@ -26310,7 +26265,7 @@
 </p:sld>
 </file>
 
-<file path=ppt/slides/slide19.xml><?xml version="1.0" encoding="utf-8"?>
+<file path=ppt/slides/slide18.xml><?xml version="1.0" encoding="utf-8"?>
 <p:sld xmlns:a="http://schemas.openxmlformats.org/drawingml/2006/main" xmlns:r="http://schemas.openxmlformats.org/officeDocument/2006/relationships" xmlns:p="http://schemas.openxmlformats.org/presentationml/2006/main">
   <p:cSld>
     <p:spTree>
@@ -26409,7 +26364,7 @@
             <a:fld id="{6CACE926-AEF5-4BFE-8BD7-24414108CB7B}" type="slidenum">
               <a:rPr lang="en-US" altLang="en-US" smtClean="0"/>
               <a:pPr/>
-              <a:t>19</a:t>
+              <a:t>18</a:t>
             </a:fld>
             <a:endParaRPr lang="en-US" altLang="en-US" dirty="0"/>
           </a:p>
@@ -26496,471 +26451,7 @@
 </p:sld>
 </file>
 
-<file path=ppt/slides/slide2.xml><?xml version="1.0" encoding="utf-8"?>
-<p:sld xmlns:a="http://schemas.openxmlformats.org/drawingml/2006/main" xmlns:r="http://schemas.openxmlformats.org/officeDocument/2006/relationships" xmlns:p="http://schemas.openxmlformats.org/presentationml/2006/main">
-  <p:cSld>
-    <p:bg>
-      <p:bgPr>
-        <a:blipFill dpi="0" rotWithShape="1">
-          <a:blip r:embed="rId2">
-            <a:lum/>
-          </a:blip>
-          <a:srcRect/>
-          <a:stretch>
-            <a:fillRect/>
-          </a:stretch>
-        </a:blipFill>
-        <a:effectLst/>
-      </p:bgPr>
-    </p:bg>
-    <p:spTree>
-      <p:nvGrpSpPr>
-        <p:cNvPr id="1" name=""/>
-        <p:cNvGrpSpPr/>
-        <p:nvPr/>
-      </p:nvGrpSpPr>
-      <p:grpSpPr>
-        <a:xfrm>
-          <a:off x="0" y="0"/>
-          <a:ext cx="0" cy="0"/>
-          <a:chOff x="0" y="0"/>
-          <a:chExt cx="0" cy="0"/>
-        </a:xfrm>
-      </p:grpSpPr>
-      <p:sp>
-        <p:nvSpPr>
-          <p:cNvPr id="6" name="Text Placeholder 5">
-            <a:extLst>
-              <a:ext uri="{FF2B5EF4-FFF2-40B4-BE49-F238E27FC236}">
-                <a16:creationId xmlns:a16="http://schemas.microsoft.com/office/drawing/2014/main" id="{32A55B74-6F49-9F22-9178-DE37CD82D03E}"/>
-              </a:ext>
-            </a:extLst>
-          </p:cNvPr>
-          <p:cNvSpPr>
-            <a:spLocks noGrp="1"/>
-          </p:cNvSpPr>
-          <p:nvPr>
-            <p:ph type="body" sz="quarter" idx="16"/>
-          </p:nvPr>
-        </p:nvSpPr>
-        <p:spPr>
-          <a:xfrm>
-            <a:off x="534075" y="4603166"/>
-            <a:ext cx="4057650" cy="207749"/>
-          </a:xfrm>
-        </p:spPr>
-        <p:txBody>
-          <a:bodyPr/>
-          <a:lstStyle>
-            <a:defPPr>
-              <a:defRPr lang="en-US"/>
-            </a:defPPr>
-            <a:lvl1pPr marL="0" algn="l" defTabSz="685800" rtl="0" eaLnBrk="1" latinLnBrk="0" hangingPunct="1">
-              <a:defRPr sz="1350" kern="1200">
-                <a:solidFill>
-                  <a:schemeClr val="tx1"/>
-                </a:solidFill>
-                <a:latin typeface="+mn-lt"/>
-                <a:ea typeface="+mn-ea"/>
-                <a:cs typeface="+mn-cs"/>
-              </a:defRPr>
-            </a:lvl1pPr>
-            <a:lvl2pPr marL="342900" algn="l" defTabSz="685800" rtl="0" eaLnBrk="1" latinLnBrk="0" hangingPunct="1">
-              <a:defRPr sz="1350" kern="1200">
-                <a:solidFill>
-                  <a:schemeClr val="tx1"/>
-                </a:solidFill>
-                <a:latin typeface="+mn-lt"/>
-                <a:ea typeface="+mn-ea"/>
-                <a:cs typeface="+mn-cs"/>
-              </a:defRPr>
-            </a:lvl2pPr>
-            <a:lvl3pPr marL="685800" algn="l" defTabSz="685800" rtl="0" eaLnBrk="1" latinLnBrk="0" hangingPunct="1">
-              <a:defRPr sz="1350" kern="1200">
-                <a:solidFill>
-                  <a:schemeClr val="tx1"/>
-                </a:solidFill>
-                <a:latin typeface="+mn-lt"/>
-                <a:ea typeface="+mn-ea"/>
-                <a:cs typeface="+mn-cs"/>
-              </a:defRPr>
-            </a:lvl3pPr>
-            <a:lvl4pPr marL="1028700" algn="l" defTabSz="685800" rtl="0" eaLnBrk="1" latinLnBrk="0" hangingPunct="1">
-              <a:defRPr sz="1350" kern="1200">
-                <a:solidFill>
-                  <a:schemeClr val="tx1"/>
-                </a:solidFill>
-                <a:latin typeface="+mn-lt"/>
-                <a:ea typeface="+mn-ea"/>
-                <a:cs typeface="+mn-cs"/>
-              </a:defRPr>
-            </a:lvl4pPr>
-            <a:lvl5pPr marL="1371600" algn="l" defTabSz="685800" rtl="0" eaLnBrk="1" latinLnBrk="0" hangingPunct="1">
-              <a:defRPr sz="1350" kern="1200">
-                <a:solidFill>
-                  <a:schemeClr val="tx1"/>
-                </a:solidFill>
-                <a:latin typeface="+mn-lt"/>
-                <a:ea typeface="+mn-ea"/>
-                <a:cs typeface="+mn-cs"/>
-              </a:defRPr>
-            </a:lvl5pPr>
-            <a:lvl6pPr marL="1714500" algn="l" defTabSz="685800" rtl="0" eaLnBrk="1" latinLnBrk="0" hangingPunct="1">
-              <a:defRPr sz="1350" kern="1200">
-                <a:solidFill>
-                  <a:schemeClr val="tx1"/>
-                </a:solidFill>
-                <a:latin typeface="+mn-lt"/>
-                <a:ea typeface="+mn-ea"/>
-                <a:cs typeface="+mn-cs"/>
-              </a:defRPr>
-            </a:lvl6pPr>
-            <a:lvl7pPr marL="2057400" algn="l" defTabSz="685800" rtl="0" eaLnBrk="1" latinLnBrk="0" hangingPunct="1">
-              <a:defRPr sz="1350" kern="1200">
-                <a:solidFill>
-                  <a:schemeClr val="tx1"/>
-                </a:solidFill>
-                <a:latin typeface="+mn-lt"/>
-                <a:ea typeface="+mn-ea"/>
-                <a:cs typeface="+mn-cs"/>
-              </a:defRPr>
-            </a:lvl7pPr>
-            <a:lvl8pPr marL="2400300" algn="l" defTabSz="685800" rtl="0" eaLnBrk="1" latinLnBrk="0" hangingPunct="1">
-              <a:defRPr sz="1350" kern="1200">
-                <a:solidFill>
-                  <a:schemeClr val="tx1"/>
-                </a:solidFill>
-                <a:latin typeface="+mn-lt"/>
-                <a:ea typeface="+mn-ea"/>
-                <a:cs typeface="+mn-cs"/>
-              </a:defRPr>
-            </a:lvl8pPr>
-            <a:lvl9pPr marL="2743200" algn="l" defTabSz="685800" rtl="0" eaLnBrk="1" latinLnBrk="0" hangingPunct="1">
-              <a:defRPr sz="1350" kern="1200">
-                <a:solidFill>
-                  <a:schemeClr val="tx1"/>
-                </a:solidFill>
-                <a:latin typeface="+mn-lt"/>
-                <a:ea typeface="+mn-ea"/>
-                <a:cs typeface="+mn-cs"/>
-              </a:defRPr>
-            </a:lvl9pPr>
-          </a:lstStyle>
-          <a:p>
-            <a:r>
-              <a:rPr lang="en-US" dirty="0">
-                <a:cs typeface="Arial"/>
-              </a:rPr>
-              <a:t>Lloyd McKenzie | February 2025</a:t>
-            </a:r>
-            <a:endParaRPr lang="en-US" dirty="0"/>
-          </a:p>
-        </p:txBody>
-      </p:sp>
-      <p:sp>
-        <p:nvSpPr>
-          <p:cNvPr id="2" name="Text Placeholder 1">
-            <a:extLst>
-              <a:ext uri="{FF2B5EF4-FFF2-40B4-BE49-F238E27FC236}">
-                <a16:creationId xmlns:a16="http://schemas.microsoft.com/office/drawing/2014/main" id="{E265F639-6FEA-A56A-8782-FB04C81D81D5}"/>
-              </a:ext>
-            </a:extLst>
-          </p:cNvPr>
-          <p:cNvSpPr>
-            <a:spLocks noGrp="1"/>
-          </p:cNvSpPr>
-          <p:nvPr>
-            <p:ph type="body" sz="quarter" idx="14"/>
-          </p:nvPr>
-        </p:nvSpPr>
-        <p:spPr>
-          <a:xfrm>
-            <a:off x="534075" y="2756496"/>
-            <a:ext cx="4057650" cy="207749"/>
-          </a:xfrm>
-        </p:spPr>
-        <p:txBody>
-          <a:bodyPr/>
-          <a:lstStyle>
-            <a:defPPr>
-              <a:defRPr lang="en-US"/>
-            </a:defPPr>
-            <a:lvl1pPr marL="0" algn="l" defTabSz="685800" rtl="0" eaLnBrk="1" latinLnBrk="0" hangingPunct="1">
-              <a:defRPr sz="1350" kern="1200">
-                <a:solidFill>
-                  <a:schemeClr val="tx1"/>
-                </a:solidFill>
-                <a:latin typeface="+mn-lt"/>
-                <a:ea typeface="+mn-ea"/>
-                <a:cs typeface="+mn-cs"/>
-              </a:defRPr>
-            </a:lvl1pPr>
-            <a:lvl2pPr marL="342900" algn="l" defTabSz="685800" rtl="0" eaLnBrk="1" latinLnBrk="0" hangingPunct="1">
-              <a:defRPr sz="1350" kern="1200">
-                <a:solidFill>
-                  <a:schemeClr val="tx1"/>
-                </a:solidFill>
-                <a:latin typeface="+mn-lt"/>
-                <a:ea typeface="+mn-ea"/>
-                <a:cs typeface="+mn-cs"/>
-              </a:defRPr>
-            </a:lvl2pPr>
-            <a:lvl3pPr marL="685800" algn="l" defTabSz="685800" rtl="0" eaLnBrk="1" latinLnBrk="0" hangingPunct="1">
-              <a:defRPr sz="1350" kern="1200">
-                <a:solidFill>
-                  <a:schemeClr val="tx1"/>
-                </a:solidFill>
-                <a:latin typeface="+mn-lt"/>
-                <a:ea typeface="+mn-ea"/>
-                <a:cs typeface="+mn-cs"/>
-              </a:defRPr>
-            </a:lvl3pPr>
-            <a:lvl4pPr marL="1028700" algn="l" defTabSz="685800" rtl="0" eaLnBrk="1" latinLnBrk="0" hangingPunct="1">
-              <a:defRPr sz="1350" kern="1200">
-                <a:solidFill>
-                  <a:schemeClr val="tx1"/>
-                </a:solidFill>
-                <a:latin typeface="+mn-lt"/>
-                <a:ea typeface="+mn-ea"/>
-                <a:cs typeface="+mn-cs"/>
-              </a:defRPr>
-            </a:lvl4pPr>
-            <a:lvl5pPr marL="1371600" algn="l" defTabSz="685800" rtl="0" eaLnBrk="1" latinLnBrk="0" hangingPunct="1">
-              <a:defRPr sz="1350" kern="1200">
-                <a:solidFill>
-                  <a:schemeClr val="tx1"/>
-                </a:solidFill>
-                <a:latin typeface="+mn-lt"/>
-                <a:ea typeface="+mn-ea"/>
-                <a:cs typeface="+mn-cs"/>
-              </a:defRPr>
-            </a:lvl5pPr>
-            <a:lvl6pPr marL="1714500" algn="l" defTabSz="685800" rtl="0" eaLnBrk="1" latinLnBrk="0" hangingPunct="1">
-              <a:defRPr sz="1350" kern="1200">
-                <a:solidFill>
-                  <a:schemeClr val="tx1"/>
-                </a:solidFill>
-                <a:latin typeface="+mn-lt"/>
-                <a:ea typeface="+mn-ea"/>
-                <a:cs typeface="+mn-cs"/>
-              </a:defRPr>
-            </a:lvl6pPr>
-            <a:lvl7pPr marL="2057400" algn="l" defTabSz="685800" rtl="0" eaLnBrk="1" latinLnBrk="0" hangingPunct="1">
-              <a:defRPr sz="1350" kern="1200">
-                <a:solidFill>
-                  <a:schemeClr val="tx1"/>
-                </a:solidFill>
-                <a:latin typeface="+mn-lt"/>
-                <a:ea typeface="+mn-ea"/>
-                <a:cs typeface="+mn-cs"/>
-              </a:defRPr>
-            </a:lvl7pPr>
-            <a:lvl8pPr marL="2400300" algn="l" defTabSz="685800" rtl="0" eaLnBrk="1" latinLnBrk="0" hangingPunct="1">
-              <a:defRPr sz="1350" kern="1200">
-                <a:solidFill>
-                  <a:schemeClr val="tx1"/>
-                </a:solidFill>
-                <a:latin typeface="+mn-lt"/>
-                <a:ea typeface="+mn-ea"/>
-                <a:cs typeface="+mn-cs"/>
-              </a:defRPr>
-            </a:lvl8pPr>
-            <a:lvl9pPr marL="2743200" algn="l" defTabSz="685800" rtl="0" eaLnBrk="1" latinLnBrk="0" hangingPunct="1">
-              <a:defRPr sz="1350" kern="1200">
-                <a:solidFill>
-                  <a:schemeClr val="tx1"/>
-                </a:solidFill>
-                <a:latin typeface="+mn-lt"/>
-                <a:ea typeface="+mn-ea"/>
-                <a:cs typeface="+mn-cs"/>
-              </a:defRPr>
-            </a:lvl9pPr>
-          </a:lstStyle>
-          <a:p>
-            <a:r>
-              <a:rPr lang="en-US" dirty="0">
-                <a:cs typeface="Arial"/>
-              </a:rPr>
-              <a:t>Modular and Derived Forms</a:t>
-            </a:r>
-            <a:endParaRPr lang="en-US" dirty="0"/>
-          </a:p>
-        </p:txBody>
-      </p:sp>
-      <p:sp>
-        <p:nvSpPr>
-          <p:cNvPr id="7" name="Text Placeholder 6">
-            <a:extLst>
-              <a:ext uri="{FF2B5EF4-FFF2-40B4-BE49-F238E27FC236}">
-                <a16:creationId xmlns:a16="http://schemas.microsoft.com/office/drawing/2014/main" id="{4F7F09CA-AAA3-4BE6-D1C9-77D304F05A8A}"/>
-              </a:ext>
-            </a:extLst>
-          </p:cNvPr>
-          <p:cNvSpPr>
-            <a:spLocks noGrp="1"/>
-          </p:cNvSpPr>
-          <p:nvPr>
-            <p:ph type="body" sz="quarter" idx="17"/>
-          </p:nvPr>
-        </p:nvSpPr>
-        <p:spPr>
-          <a:xfrm>
-            <a:off x="534075" y="2263771"/>
-            <a:ext cx="4383157" cy="182807"/>
-          </a:xfrm>
-        </p:spPr>
-        <p:txBody>
-          <a:bodyPr/>
-          <a:lstStyle>
-            <a:defPPr>
-              <a:defRPr lang="en-US"/>
-            </a:defPPr>
-            <a:lvl1pPr marL="0" algn="l" defTabSz="685800" rtl="0" eaLnBrk="1" latinLnBrk="0" hangingPunct="1">
-              <a:defRPr sz="1350" kern="1200">
-                <a:solidFill>
-                  <a:schemeClr val="tx1"/>
-                </a:solidFill>
-                <a:latin typeface="+mn-lt"/>
-                <a:ea typeface="+mn-ea"/>
-                <a:cs typeface="+mn-cs"/>
-              </a:defRPr>
-            </a:lvl1pPr>
-            <a:lvl2pPr marL="342900" algn="l" defTabSz="685800" rtl="0" eaLnBrk="1" latinLnBrk="0" hangingPunct="1">
-              <a:defRPr sz="1350" kern="1200">
-                <a:solidFill>
-                  <a:schemeClr val="tx1"/>
-                </a:solidFill>
-                <a:latin typeface="+mn-lt"/>
-                <a:ea typeface="+mn-ea"/>
-                <a:cs typeface="+mn-cs"/>
-              </a:defRPr>
-            </a:lvl2pPr>
-            <a:lvl3pPr marL="685800" algn="l" defTabSz="685800" rtl="0" eaLnBrk="1" latinLnBrk="0" hangingPunct="1">
-              <a:defRPr sz="1350" kern="1200">
-                <a:solidFill>
-                  <a:schemeClr val="tx1"/>
-                </a:solidFill>
-                <a:latin typeface="+mn-lt"/>
-                <a:ea typeface="+mn-ea"/>
-                <a:cs typeface="+mn-cs"/>
-              </a:defRPr>
-            </a:lvl3pPr>
-            <a:lvl4pPr marL="1028700" algn="l" defTabSz="685800" rtl="0" eaLnBrk="1" latinLnBrk="0" hangingPunct="1">
-              <a:defRPr sz="1350" kern="1200">
-                <a:solidFill>
-                  <a:schemeClr val="tx1"/>
-                </a:solidFill>
-                <a:latin typeface="+mn-lt"/>
-                <a:ea typeface="+mn-ea"/>
-                <a:cs typeface="+mn-cs"/>
-              </a:defRPr>
-            </a:lvl4pPr>
-            <a:lvl5pPr marL="1371600" algn="l" defTabSz="685800" rtl="0" eaLnBrk="1" latinLnBrk="0" hangingPunct="1">
-              <a:defRPr sz="1350" kern="1200">
-                <a:solidFill>
-                  <a:schemeClr val="tx1"/>
-                </a:solidFill>
-                <a:latin typeface="+mn-lt"/>
-                <a:ea typeface="+mn-ea"/>
-                <a:cs typeface="+mn-cs"/>
-              </a:defRPr>
-            </a:lvl5pPr>
-            <a:lvl6pPr marL="1714500" algn="l" defTabSz="685800" rtl="0" eaLnBrk="1" latinLnBrk="0" hangingPunct="1">
-              <a:defRPr sz="1350" kern="1200">
-                <a:solidFill>
-                  <a:schemeClr val="tx1"/>
-                </a:solidFill>
-                <a:latin typeface="+mn-lt"/>
-                <a:ea typeface="+mn-ea"/>
-                <a:cs typeface="+mn-cs"/>
-              </a:defRPr>
-            </a:lvl6pPr>
-            <a:lvl7pPr marL="2057400" algn="l" defTabSz="685800" rtl="0" eaLnBrk="1" latinLnBrk="0" hangingPunct="1">
-              <a:defRPr sz="1350" kern="1200">
-                <a:solidFill>
-                  <a:schemeClr val="tx1"/>
-                </a:solidFill>
-                <a:latin typeface="+mn-lt"/>
-                <a:ea typeface="+mn-ea"/>
-                <a:cs typeface="+mn-cs"/>
-              </a:defRPr>
-            </a:lvl7pPr>
-            <a:lvl8pPr marL="2400300" algn="l" defTabSz="685800" rtl="0" eaLnBrk="1" latinLnBrk="0" hangingPunct="1">
-              <a:defRPr sz="1350" kern="1200">
-                <a:solidFill>
-                  <a:schemeClr val="tx1"/>
-                </a:solidFill>
-                <a:latin typeface="+mn-lt"/>
-                <a:ea typeface="+mn-ea"/>
-                <a:cs typeface="+mn-cs"/>
-              </a:defRPr>
-            </a:lvl8pPr>
-            <a:lvl9pPr marL="2743200" algn="l" defTabSz="685800" rtl="0" eaLnBrk="1" latinLnBrk="0" hangingPunct="1">
-              <a:defRPr sz="1350" kern="1200">
-                <a:solidFill>
-                  <a:schemeClr val="tx1"/>
-                </a:solidFill>
-                <a:latin typeface="+mn-lt"/>
-                <a:ea typeface="+mn-ea"/>
-                <a:cs typeface="+mn-cs"/>
-              </a:defRPr>
-            </a:lvl9pPr>
-          </a:lstStyle>
-          <a:p>
-            <a:r>
-              <a:rPr lang="en-US" dirty="0">
-                <a:cs typeface="Arial"/>
-              </a:rPr>
-              <a:t>Structured Data Capture (SDC)</a:t>
-            </a:r>
-            <a:endParaRPr lang="en-US" dirty="0"/>
-          </a:p>
-        </p:txBody>
-      </p:sp>
-      <p:pic>
-        <p:nvPicPr>
-          <p:cNvPr id="3" name="Picture 2">
-            <a:extLst>
-              <a:ext uri="{FF2B5EF4-FFF2-40B4-BE49-F238E27FC236}">
-                <a16:creationId xmlns:a16="http://schemas.microsoft.com/office/drawing/2014/main" id="{D757EB45-C247-3B54-4921-3BF1D56F9D38}"/>
-              </a:ext>
-            </a:extLst>
-          </p:cNvPr>
-          <p:cNvPicPr>
-            <a:picLocks noChangeAspect="1"/>
-          </p:cNvPicPr>
-          <p:nvPr/>
-        </p:nvPicPr>
-        <p:blipFill>
-          <a:blip r:embed="rId3"/>
-          <a:stretch>
-            <a:fillRect/>
-          </a:stretch>
-        </p:blipFill>
-        <p:spPr>
-          <a:xfrm>
-            <a:off x="3375580" y="4601608"/>
-            <a:ext cx="1304925" cy="457200"/>
-          </a:xfrm>
-          <a:prstGeom prst="rect">
-            <a:avLst/>
-          </a:prstGeom>
-        </p:spPr>
-      </p:pic>
-    </p:spTree>
-    <p:extLst>
-      <p:ext uri="{BB962C8B-B14F-4D97-AF65-F5344CB8AC3E}">
-        <p14:creationId xmlns:p14="http://schemas.microsoft.com/office/powerpoint/2010/main" val="2030768388"/>
-      </p:ext>
-    </p:extLst>
-  </p:cSld>
-  <p:clrMapOvr>
-    <a:masterClrMapping/>
-  </p:clrMapOvr>
-</p:sld>
-</file>
-
-<file path=ppt/slides/slide20.xml><?xml version="1.0" encoding="utf-8"?>
+<file path=ppt/slides/slide19.xml><?xml version="1.0" encoding="utf-8"?>
 <p:sld xmlns:a="http://schemas.openxmlformats.org/drawingml/2006/main" xmlns:r="http://schemas.openxmlformats.org/officeDocument/2006/relationships" xmlns:p="http://schemas.openxmlformats.org/presentationml/2006/main">
   <p:cSld>
     <p:spTree>
@@ -27160,7 +26651,7 @@
             <a:fld id="{6CACE926-AEF5-4BFE-8BD7-24414108CB7B}" type="slidenum">
               <a:rPr lang="en-US" altLang="en-US" smtClean="0"/>
               <a:pPr/>
-              <a:t>20</a:t>
+              <a:t>19</a:t>
             </a:fld>
             <a:endParaRPr lang="en-US" altLang="en-US" dirty="0"/>
           </a:p>
@@ -27179,7 +26670,240 @@
 </p:sld>
 </file>
 
-<file path=ppt/slides/slide21.xml><?xml version="1.0" encoding="utf-8"?>
+<file path=ppt/slides/slide2.xml><?xml version="1.0" encoding="utf-8"?>
+<p:sld xmlns:a="http://schemas.openxmlformats.org/drawingml/2006/main" xmlns:r="http://schemas.openxmlformats.org/officeDocument/2006/relationships" xmlns:p="http://schemas.openxmlformats.org/presentationml/2006/main">
+  <p:cSld>
+    <p:spTree>
+      <p:nvGrpSpPr>
+        <p:cNvPr id="1" name=""/>
+        <p:cNvGrpSpPr/>
+        <p:nvPr/>
+      </p:nvGrpSpPr>
+      <p:grpSpPr>
+        <a:xfrm>
+          <a:off x="0" y="0"/>
+          <a:ext cx="0" cy="0"/>
+          <a:chOff x="0" y="0"/>
+          <a:chExt cx="0" cy="0"/>
+        </a:xfrm>
+      </p:grpSpPr>
+      <p:sp>
+        <p:nvSpPr>
+          <p:cNvPr id="2" name="Title 1">
+            <a:extLst>
+              <a:ext uri="{FF2B5EF4-FFF2-40B4-BE49-F238E27FC236}">
+                <a16:creationId xmlns:a16="http://schemas.microsoft.com/office/drawing/2014/main" id="{982B60BE-5EFD-4D48-9D4F-7BA611A40098}"/>
+              </a:ext>
+            </a:extLst>
+          </p:cNvPr>
+          <p:cNvSpPr>
+            <a:spLocks noGrp="1"/>
+          </p:cNvSpPr>
+          <p:nvPr>
+            <p:ph type="title"/>
+          </p:nvPr>
+        </p:nvSpPr>
+        <p:spPr/>
+        <p:txBody>
+          <a:bodyPr/>
+          <a:lstStyle/>
+          <a:p>
+            <a:r>
+              <a:rPr lang="en-CA" dirty="0"/>
+              <a:t>Who am I?</a:t>
+            </a:r>
+          </a:p>
+        </p:txBody>
+      </p:sp>
+      <p:sp>
+        <p:nvSpPr>
+          <p:cNvPr id="3" name="Text Placeholder 2">
+            <a:extLst>
+              <a:ext uri="{FF2B5EF4-FFF2-40B4-BE49-F238E27FC236}">
+                <a16:creationId xmlns:a16="http://schemas.microsoft.com/office/drawing/2014/main" id="{F4F28625-56DE-4E6D-944A-39B2939B56B4}"/>
+              </a:ext>
+            </a:extLst>
+          </p:cNvPr>
+          <p:cNvSpPr>
+            <a:spLocks noGrp="1"/>
+          </p:cNvSpPr>
+          <p:nvPr>
+            <p:ph type="body" sz="quarter" idx="13"/>
+          </p:nvPr>
+        </p:nvSpPr>
+        <p:spPr/>
+        <p:txBody>
+          <a:bodyPr/>
+          <a:lstStyle/>
+          <a:p>
+            <a:r>
+              <a:rPr lang="en-US" dirty="0"/>
+              <a:t>Name: Lloyd McKenzie</a:t>
+            </a:r>
+          </a:p>
+          <a:p>
+            <a:r>
+              <a:rPr lang="en-US" dirty="0"/>
+              <a:t>Company: Dogwood Health</a:t>
+            </a:r>
+          </a:p>
+          <a:p>
+            <a:r>
+              <a:rPr lang="en-US" dirty="0"/>
+              <a:t>Background:</a:t>
+            </a:r>
+          </a:p>
+          <a:p>
+            <a:pPr lvl="1"/>
+            <a:r>
+              <a:rPr lang="en-US" dirty="0"/>
+              <a:t>One of FHIR’s 3 initial editors</a:t>
+            </a:r>
+          </a:p>
+          <a:p>
+            <a:pPr lvl="1"/>
+            <a:r>
+              <a:rPr lang="en-US" dirty="0"/>
+              <a:t>Co-chair FHIR-Infrastructure, past chair FHIR Management Group</a:t>
+            </a:r>
+          </a:p>
+          <a:p>
+            <a:pPr lvl="1"/>
+            <a:r>
+              <a:rPr lang="en-US" dirty="0"/>
+              <a:t>HL7 Fellow</a:t>
+            </a:r>
+          </a:p>
+          <a:p>
+            <a:pPr lvl="1"/>
+            <a:r>
+              <a:rPr lang="en-US" dirty="0"/>
+              <a:t>Lead for both the ONC and international FHIR SDC projects</a:t>
+            </a:r>
+          </a:p>
+          <a:p>
+            <a:pPr lvl="1"/>
+            <a:r>
+              <a:rPr lang="en-US" dirty="0">
+                <a:hlinkClick r:id="rId2"/>
+              </a:rPr>
+              <a:t>lloyd@dogwoodhealthconsulting.com</a:t>
+            </a:r>
+            <a:endParaRPr lang="en-CA" dirty="0"/>
+          </a:p>
+        </p:txBody>
+      </p:sp>
+      <p:sp>
+        <p:nvSpPr>
+          <p:cNvPr id="6" name="Footer Placeholder 5">
+            <a:extLst>
+              <a:ext uri="{FF2B5EF4-FFF2-40B4-BE49-F238E27FC236}">
+                <a16:creationId xmlns:a16="http://schemas.microsoft.com/office/drawing/2014/main" id="{6800A3FA-C98F-470C-B249-AC7AFCD5482D}"/>
+              </a:ext>
+            </a:extLst>
+          </p:cNvPr>
+          <p:cNvSpPr>
+            <a:spLocks noGrp="1"/>
+          </p:cNvSpPr>
+          <p:nvPr>
+            <p:ph type="ftr" sz="quarter" idx="10"/>
+          </p:nvPr>
+        </p:nvSpPr>
+        <p:spPr/>
+        <p:txBody>
+          <a:bodyPr/>
+          <a:lstStyle/>
+          <a:p>
+            <a:r>
+              <a:rPr lang="en-CA" dirty="0"/>
+              <a:t>© 2025 Health Level Seven ® International. All Rights Reserved. Published under the Creative Commons 3.0 Attribution </a:t>
+            </a:r>
+            <a:r>
+              <a:rPr lang="en-CA" dirty="0" err="1"/>
+              <a:t>Unported</a:t>
+            </a:r>
+            <a:r>
+              <a:rPr lang="en-CA" dirty="0"/>
+              <a:t> license</a:t>
+            </a:r>
+            <a:endParaRPr lang="en-US" dirty="0"/>
+          </a:p>
+        </p:txBody>
+      </p:sp>
+      <p:sp>
+        <p:nvSpPr>
+          <p:cNvPr id="5" name="Slide Number Placeholder 4">
+            <a:extLst>
+              <a:ext uri="{FF2B5EF4-FFF2-40B4-BE49-F238E27FC236}">
+                <a16:creationId xmlns:a16="http://schemas.microsoft.com/office/drawing/2014/main" id="{37233324-D520-44D6-BABD-140673A5B927}"/>
+              </a:ext>
+            </a:extLst>
+          </p:cNvPr>
+          <p:cNvSpPr>
+            <a:spLocks noGrp="1"/>
+          </p:cNvSpPr>
+          <p:nvPr>
+            <p:ph type="sldNum" sz="quarter" idx="11"/>
+          </p:nvPr>
+        </p:nvSpPr>
+        <p:spPr/>
+        <p:txBody>
+          <a:bodyPr/>
+          <a:lstStyle/>
+          <a:p>
+            <a:fld id="{6CACE926-AEF5-4BFE-8BD7-24414108CB7B}" type="slidenum">
+              <a:rPr lang="en-US" altLang="en-US" smtClean="0"/>
+              <a:pPr/>
+              <a:t>2</a:t>
+            </a:fld>
+            <a:endParaRPr lang="en-US" altLang="en-US" dirty="0"/>
+          </a:p>
+        </p:txBody>
+      </p:sp>
+      <p:pic>
+        <p:nvPicPr>
+          <p:cNvPr id="8" name="Picture 7" descr="A person wearing a suit and tie smiling at the camera&#10;&#10;Description automatically generated">
+            <a:extLst>
+              <a:ext uri="{FF2B5EF4-FFF2-40B4-BE49-F238E27FC236}">
+                <a16:creationId xmlns:a16="http://schemas.microsoft.com/office/drawing/2014/main" id="{549034C7-C9A0-4642-B53B-ACAA4B9277D9}"/>
+              </a:ext>
+            </a:extLst>
+          </p:cNvPr>
+          <p:cNvPicPr>
+            <a:picLocks noChangeAspect="1"/>
+          </p:cNvPicPr>
+          <p:nvPr/>
+        </p:nvPicPr>
+        <p:blipFill>
+          <a:blip r:embed="rId3"/>
+          <a:stretch>
+            <a:fillRect/>
+          </a:stretch>
+        </p:blipFill>
+        <p:spPr>
+          <a:xfrm>
+            <a:off x="6175300" y="597142"/>
+            <a:ext cx="2042891" cy="2042891"/>
+          </a:xfrm>
+          <a:prstGeom prst="rect">
+            <a:avLst/>
+          </a:prstGeom>
+        </p:spPr>
+      </p:pic>
+    </p:spTree>
+    <p:extLst>
+      <p:ext uri="{BB962C8B-B14F-4D97-AF65-F5344CB8AC3E}">
+        <p14:creationId xmlns:p14="http://schemas.microsoft.com/office/powerpoint/2010/main" val="1547336493"/>
+      </p:ext>
+    </p:extLst>
+  </p:cSld>
+  <p:clrMapOvr>
+    <a:masterClrMapping/>
+  </p:clrMapOvr>
+</p:sld>
+</file>
+
+<file path=ppt/slides/slide20.xml><?xml version="1.0" encoding="utf-8"?>
 <p:sld xmlns:a="http://schemas.openxmlformats.org/drawingml/2006/main" xmlns:r="http://schemas.openxmlformats.org/officeDocument/2006/relationships" xmlns:p="http://schemas.openxmlformats.org/presentationml/2006/main">
   <p:cSld>
     <p:spTree>
@@ -27255,7 +26979,7 @@
             <a:fld id="{6CACE926-AEF5-4BFE-8BD7-24414108CB7B}" type="slidenum">
               <a:rPr lang="en-US" altLang="en-US" smtClean="0"/>
               <a:pPr/>
-              <a:t>21</a:t>
+              <a:t>20</a:t>
             </a:fld>
             <a:endParaRPr lang="en-US" altLang="en-US" dirty="0"/>
           </a:p>
@@ -27274,7 +26998,7 @@
           <p:nvPr>
             <p:extLst>
               <p:ext uri="{D42A27DB-BD31-4B8C-83A1-F6EECF244321}">
-                <p14:modId xmlns:p14="http://schemas.microsoft.com/office/powerpoint/2010/main" val="3144900930"/>
+                <p14:modId xmlns:p14="http://schemas.microsoft.com/office/powerpoint/2010/main" val="4060975332"/>
               </p:ext>
             </p:extLst>
           </p:nvPr>
@@ -27302,7 +27026,7 @@
 </p:sld>
 </file>
 
-<file path=ppt/slides/slide22.xml><?xml version="1.0" encoding="utf-8"?>
+<file path=ppt/slides/slide21.xml><?xml version="1.0" encoding="utf-8"?>
 <p:sld xmlns:a="http://schemas.openxmlformats.org/drawingml/2006/main" xmlns:r="http://schemas.openxmlformats.org/officeDocument/2006/relationships" xmlns:p="http://schemas.openxmlformats.org/presentationml/2006/main">
   <p:cSld>
     <p:spTree>
@@ -27474,7 +27198,7 @@
             <a:fld id="{6CACE926-AEF5-4BFE-8BD7-24414108CB7B}" type="slidenum">
               <a:rPr lang="en-US" altLang="en-US" smtClean="0"/>
               <a:pPr/>
-              <a:t>22</a:t>
+              <a:t>21</a:t>
             </a:fld>
             <a:endParaRPr lang="en-US" altLang="en-US" dirty="0"/>
           </a:p>
@@ -27529,7 +27253,7 @@
 </p:sld>
 </file>
 
-<file path=ppt/slides/slide23.xml><?xml version="1.0" encoding="utf-8"?>
+<file path=ppt/slides/slide22.xml><?xml version="1.0" encoding="utf-8"?>
 <p:sld xmlns:a="http://schemas.openxmlformats.org/drawingml/2006/main" xmlns:r="http://schemas.openxmlformats.org/officeDocument/2006/relationships" xmlns:p="http://schemas.openxmlformats.org/presentationml/2006/main">
   <p:cSld>
     <p:spTree>
@@ -27658,7 +27382,7 @@
             <a:fld id="{6CACE926-AEF5-4BFE-8BD7-24414108CB7B}" type="slidenum">
               <a:rPr lang="en-US" altLang="en-US" smtClean="0"/>
               <a:pPr/>
-              <a:t>23</a:t>
+              <a:t>22</a:t>
             </a:fld>
             <a:endParaRPr lang="en-US" altLang="en-US" dirty="0"/>
           </a:p>
@@ -28624,7 +28348,7 @@
 </p:sld>
 </file>
 
-<file path=ppt/slides/slide24.xml><?xml version="1.0" encoding="utf-8"?>
+<file path=ppt/slides/slide23.xml><?xml version="1.0" encoding="utf-8"?>
 <p:sld xmlns:a="http://schemas.openxmlformats.org/drawingml/2006/main" xmlns:r="http://schemas.openxmlformats.org/officeDocument/2006/relationships" xmlns:p="http://schemas.openxmlformats.org/presentationml/2006/main">
   <p:cSld>
     <p:spTree>
@@ -28795,7 +28519,7 @@
             <a:fld id="{6CACE926-AEF5-4BFE-8BD7-24414108CB7B}" type="slidenum">
               <a:rPr lang="en-US" altLang="en-US" smtClean="0"/>
               <a:pPr/>
-              <a:t>24</a:t>
+              <a:t>23</a:t>
             </a:fld>
             <a:endParaRPr lang="en-US" altLang="en-US" dirty="0"/>
           </a:p>
@@ -28814,7 +28538,7 @@
 </p:sld>
 </file>
 
-<file path=ppt/slides/slide25.xml><?xml version="1.0" encoding="utf-8"?>
+<file path=ppt/slides/slide24.xml><?xml version="1.0" encoding="utf-8"?>
 <p:sld xmlns:a="http://schemas.openxmlformats.org/drawingml/2006/main" xmlns:r="http://schemas.openxmlformats.org/officeDocument/2006/relationships" xmlns:p="http://schemas.openxmlformats.org/presentationml/2006/main">
   <p:cSld>
     <p:spTree>
@@ -28980,7 +28704,7 @@
             <a:fld id="{6CACE926-AEF5-4BFE-8BD7-24414108CB7B}" type="slidenum">
               <a:rPr lang="en-US" altLang="en-US" smtClean="0"/>
               <a:pPr/>
-              <a:t>25</a:t>
+              <a:t>24</a:t>
             </a:fld>
             <a:endParaRPr lang="en-US" altLang="en-US" dirty="0"/>
           </a:p>
@@ -28999,7 +28723,7 @@
 </p:sld>
 </file>
 
-<file path=ppt/slides/slide26.xml><?xml version="1.0" encoding="utf-8"?>
+<file path=ppt/slides/slide25.xml><?xml version="1.0" encoding="utf-8"?>
 <p:sld xmlns:a="http://schemas.openxmlformats.org/drawingml/2006/main" xmlns:r="http://schemas.openxmlformats.org/officeDocument/2006/relationships" xmlns:p="http://schemas.openxmlformats.org/presentationml/2006/main">
   <p:cSld>
     <p:spTree>
@@ -29213,7 +28937,7 @@
             <a:fld id="{6CACE926-AEF5-4BFE-8BD7-24414108CB7B}" type="slidenum">
               <a:rPr lang="en-US" altLang="en-US" smtClean="0"/>
               <a:pPr/>
-              <a:t>26</a:t>
+              <a:t>25</a:t>
             </a:fld>
             <a:endParaRPr lang="en-US" altLang="en-US" dirty="0"/>
           </a:p>
@@ -29232,7 +28956,7 @@
 </p:sld>
 </file>
 
-<file path=ppt/slides/slide27.xml><?xml version="1.0" encoding="utf-8"?>
+<file path=ppt/slides/slide26.xml><?xml version="1.0" encoding="utf-8"?>
 <p:sld xmlns:a="http://schemas.openxmlformats.org/drawingml/2006/main" xmlns:r="http://schemas.openxmlformats.org/officeDocument/2006/relationships" xmlns:p="http://schemas.openxmlformats.org/presentationml/2006/main">
   <p:cSld>
     <p:spTree>
@@ -29401,7 +29125,7 @@
             <a:fld id="{6CACE926-AEF5-4BFE-8BD7-24414108CB7B}" type="slidenum">
               <a:rPr lang="en-US" altLang="en-US" smtClean="0"/>
               <a:pPr/>
-              <a:t>27</a:t>
+              <a:t>26</a:t>
             </a:fld>
             <a:endParaRPr lang="en-US" altLang="en-US" dirty="0"/>
           </a:p>
@@ -29420,7 +29144,7 @@
 </p:sld>
 </file>
 
-<file path=ppt/slides/slide28.xml><?xml version="1.0" encoding="utf-8"?>
+<file path=ppt/slides/slide27.xml><?xml version="1.0" encoding="utf-8"?>
 <p:sld xmlns:a="http://schemas.openxmlformats.org/drawingml/2006/main" xmlns:r="http://schemas.openxmlformats.org/officeDocument/2006/relationships" xmlns:p="http://schemas.openxmlformats.org/presentationml/2006/main">
   <p:cSld>
     <p:spTree>
@@ -29525,7 +29249,7 @@
             <a:fld id="{6CACE926-AEF5-4BFE-8BD7-24414108CB7B}" type="slidenum">
               <a:rPr lang="en-US" altLang="en-US" smtClean="0"/>
               <a:pPr/>
-              <a:t>28</a:t>
+              <a:t>27</a:t>
             </a:fld>
             <a:endParaRPr lang="en-US" altLang="en-US" dirty="0"/>
           </a:p>
@@ -29612,7 +29336,7 @@
 </p:sld>
 </file>
 
-<file path=ppt/slides/slide29.xml><?xml version="1.0" encoding="utf-8"?>
+<file path=ppt/slides/slide28.xml><?xml version="1.0" encoding="utf-8"?>
 <p:sld xmlns:a="http://schemas.openxmlformats.org/drawingml/2006/main" xmlns:r="http://schemas.openxmlformats.org/officeDocument/2006/relationships" xmlns:p="http://schemas.openxmlformats.org/presentationml/2006/main">
   <p:cSld>
     <p:spTree>
@@ -29688,7 +29412,7 @@
             <a:fld id="{6CACE926-AEF5-4BFE-8BD7-24414108CB7B}" type="slidenum">
               <a:rPr lang="en-US" altLang="en-US" smtClean="0"/>
               <a:pPr/>
-              <a:t>29</a:t>
+              <a:t>28</a:t>
             </a:fld>
             <a:endParaRPr lang="en-US" altLang="en-US" dirty="0"/>
           </a:p>
@@ -29707,7 +29431,7 @@
           <p:nvPr>
             <p:extLst>
               <p:ext uri="{D42A27DB-BD31-4B8C-83A1-F6EECF244321}">
-                <p14:modId xmlns:p14="http://schemas.microsoft.com/office/powerpoint/2010/main" val="4142176739"/>
+                <p14:modId xmlns:p14="http://schemas.microsoft.com/office/powerpoint/2010/main" val="777662791"/>
               </p:ext>
             </p:extLst>
           </p:nvPr>
@@ -29735,240 +29459,7 @@
 </p:sld>
 </file>
 
-<file path=ppt/slides/slide3.xml><?xml version="1.0" encoding="utf-8"?>
-<p:sld xmlns:a="http://schemas.openxmlformats.org/drawingml/2006/main" xmlns:r="http://schemas.openxmlformats.org/officeDocument/2006/relationships" xmlns:p="http://schemas.openxmlformats.org/presentationml/2006/main">
-  <p:cSld>
-    <p:spTree>
-      <p:nvGrpSpPr>
-        <p:cNvPr id="1" name=""/>
-        <p:cNvGrpSpPr/>
-        <p:nvPr/>
-      </p:nvGrpSpPr>
-      <p:grpSpPr>
-        <a:xfrm>
-          <a:off x="0" y="0"/>
-          <a:ext cx="0" cy="0"/>
-          <a:chOff x="0" y="0"/>
-          <a:chExt cx="0" cy="0"/>
-        </a:xfrm>
-      </p:grpSpPr>
-      <p:sp>
-        <p:nvSpPr>
-          <p:cNvPr id="2" name="Title 1">
-            <a:extLst>
-              <a:ext uri="{FF2B5EF4-FFF2-40B4-BE49-F238E27FC236}">
-                <a16:creationId xmlns:a16="http://schemas.microsoft.com/office/drawing/2014/main" id="{982B60BE-5EFD-4D48-9D4F-7BA611A40098}"/>
-              </a:ext>
-            </a:extLst>
-          </p:cNvPr>
-          <p:cNvSpPr>
-            <a:spLocks noGrp="1"/>
-          </p:cNvSpPr>
-          <p:nvPr>
-            <p:ph type="title"/>
-          </p:nvPr>
-        </p:nvSpPr>
-        <p:spPr/>
-        <p:txBody>
-          <a:bodyPr/>
-          <a:lstStyle/>
-          <a:p>
-            <a:r>
-              <a:rPr lang="en-CA" dirty="0"/>
-              <a:t>Who am I?</a:t>
-            </a:r>
-          </a:p>
-        </p:txBody>
-      </p:sp>
-      <p:sp>
-        <p:nvSpPr>
-          <p:cNvPr id="3" name="Text Placeholder 2">
-            <a:extLst>
-              <a:ext uri="{FF2B5EF4-FFF2-40B4-BE49-F238E27FC236}">
-                <a16:creationId xmlns:a16="http://schemas.microsoft.com/office/drawing/2014/main" id="{F4F28625-56DE-4E6D-944A-39B2939B56B4}"/>
-              </a:ext>
-            </a:extLst>
-          </p:cNvPr>
-          <p:cNvSpPr>
-            <a:spLocks noGrp="1"/>
-          </p:cNvSpPr>
-          <p:nvPr>
-            <p:ph type="body" sz="quarter" idx="13"/>
-          </p:nvPr>
-        </p:nvSpPr>
-        <p:spPr/>
-        <p:txBody>
-          <a:bodyPr/>
-          <a:lstStyle/>
-          <a:p>
-            <a:r>
-              <a:rPr lang="en-US" dirty="0"/>
-              <a:t>Name: Lloyd McKenzie</a:t>
-            </a:r>
-          </a:p>
-          <a:p>
-            <a:r>
-              <a:rPr lang="en-US" dirty="0"/>
-              <a:t>Company: Dogwood Health</a:t>
-            </a:r>
-          </a:p>
-          <a:p>
-            <a:r>
-              <a:rPr lang="en-US" dirty="0"/>
-              <a:t>Background:</a:t>
-            </a:r>
-          </a:p>
-          <a:p>
-            <a:pPr lvl="1"/>
-            <a:r>
-              <a:rPr lang="en-US" dirty="0"/>
-              <a:t>One of FHIR’s 3 initial editors</a:t>
-            </a:r>
-          </a:p>
-          <a:p>
-            <a:pPr lvl="1"/>
-            <a:r>
-              <a:rPr lang="en-US" dirty="0"/>
-              <a:t>Co-chair FHIR-Infrastructure, past chair FHIR Management Group</a:t>
-            </a:r>
-          </a:p>
-          <a:p>
-            <a:pPr lvl="1"/>
-            <a:r>
-              <a:rPr lang="en-US" dirty="0"/>
-              <a:t>HL7 Fellow</a:t>
-            </a:r>
-          </a:p>
-          <a:p>
-            <a:pPr lvl="1"/>
-            <a:r>
-              <a:rPr lang="en-US" dirty="0"/>
-              <a:t>Lead for both the ONC and international FHIR SDC projects</a:t>
-            </a:r>
-          </a:p>
-          <a:p>
-            <a:pPr lvl="1"/>
-            <a:r>
-              <a:rPr lang="en-US" dirty="0">
-                <a:hlinkClick r:id="rId2"/>
-              </a:rPr>
-              <a:t>lloyd@dogwoodhealthconsulting.com</a:t>
-            </a:r>
-            <a:endParaRPr lang="en-CA" dirty="0"/>
-          </a:p>
-        </p:txBody>
-      </p:sp>
-      <p:sp>
-        <p:nvSpPr>
-          <p:cNvPr id="6" name="Footer Placeholder 5">
-            <a:extLst>
-              <a:ext uri="{FF2B5EF4-FFF2-40B4-BE49-F238E27FC236}">
-                <a16:creationId xmlns:a16="http://schemas.microsoft.com/office/drawing/2014/main" id="{6800A3FA-C98F-470C-B249-AC7AFCD5482D}"/>
-              </a:ext>
-            </a:extLst>
-          </p:cNvPr>
-          <p:cNvSpPr>
-            <a:spLocks noGrp="1"/>
-          </p:cNvSpPr>
-          <p:nvPr>
-            <p:ph type="ftr" sz="quarter" idx="10"/>
-          </p:nvPr>
-        </p:nvSpPr>
-        <p:spPr/>
-        <p:txBody>
-          <a:bodyPr/>
-          <a:lstStyle/>
-          <a:p>
-            <a:r>
-              <a:rPr lang="en-CA" dirty="0"/>
-              <a:t>© 2025 Health Level Seven ® International. All Rights Reserved. Published under the Creative Commons 3.0 Attribution </a:t>
-            </a:r>
-            <a:r>
-              <a:rPr lang="en-CA" dirty="0" err="1"/>
-              <a:t>Unported</a:t>
-            </a:r>
-            <a:r>
-              <a:rPr lang="en-CA" dirty="0"/>
-              <a:t> license</a:t>
-            </a:r>
-            <a:endParaRPr lang="en-US" dirty="0"/>
-          </a:p>
-        </p:txBody>
-      </p:sp>
-      <p:sp>
-        <p:nvSpPr>
-          <p:cNvPr id="5" name="Slide Number Placeholder 4">
-            <a:extLst>
-              <a:ext uri="{FF2B5EF4-FFF2-40B4-BE49-F238E27FC236}">
-                <a16:creationId xmlns:a16="http://schemas.microsoft.com/office/drawing/2014/main" id="{37233324-D520-44D6-BABD-140673A5B927}"/>
-              </a:ext>
-            </a:extLst>
-          </p:cNvPr>
-          <p:cNvSpPr>
-            <a:spLocks noGrp="1"/>
-          </p:cNvSpPr>
-          <p:nvPr>
-            <p:ph type="sldNum" sz="quarter" idx="11"/>
-          </p:nvPr>
-        </p:nvSpPr>
-        <p:spPr/>
-        <p:txBody>
-          <a:bodyPr/>
-          <a:lstStyle/>
-          <a:p>
-            <a:fld id="{6CACE926-AEF5-4BFE-8BD7-24414108CB7B}" type="slidenum">
-              <a:rPr lang="en-US" altLang="en-US" smtClean="0"/>
-              <a:pPr/>
-              <a:t>3</a:t>
-            </a:fld>
-            <a:endParaRPr lang="en-US" altLang="en-US" dirty="0"/>
-          </a:p>
-        </p:txBody>
-      </p:sp>
-      <p:pic>
-        <p:nvPicPr>
-          <p:cNvPr id="8" name="Picture 7" descr="A person wearing a suit and tie smiling at the camera&#10;&#10;Description automatically generated">
-            <a:extLst>
-              <a:ext uri="{FF2B5EF4-FFF2-40B4-BE49-F238E27FC236}">
-                <a16:creationId xmlns:a16="http://schemas.microsoft.com/office/drawing/2014/main" id="{549034C7-C9A0-4642-B53B-ACAA4B9277D9}"/>
-              </a:ext>
-            </a:extLst>
-          </p:cNvPr>
-          <p:cNvPicPr>
-            <a:picLocks noChangeAspect="1"/>
-          </p:cNvPicPr>
-          <p:nvPr/>
-        </p:nvPicPr>
-        <p:blipFill>
-          <a:blip r:embed="rId3"/>
-          <a:stretch>
-            <a:fillRect/>
-          </a:stretch>
-        </p:blipFill>
-        <p:spPr>
-          <a:xfrm>
-            <a:off x="6175300" y="597142"/>
-            <a:ext cx="2042891" cy="2042891"/>
-          </a:xfrm>
-          <a:prstGeom prst="rect">
-            <a:avLst/>
-          </a:prstGeom>
-        </p:spPr>
-      </p:pic>
-    </p:spTree>
-    <p:extLst>
-      <p:ext uri="{BB962C8B-B14F-4D97-AF65-F5344CB8AC3E}">
-        <p14:creationId xmlns:p14="http://schemas.microsoft.com/office/powerpoint/2010/main" val="1547336493"/>
-      </p:ext>
-    </p:extLst>
-  </p:cSld>
-  <p:clrMapOvr>
-    <a:masterClrMapping/>
-  </p:clrMapOvr>
-</p:sld>
-</file>
-
-<file path=ppt/slides/slide30.xml><?xml version="1.0" encoding="utf-8"?>
+<file path=ppt/slides/slide29.xml><?xml version="1.0" encoding="utf-8"?>
 <p:sld xmlns:a="http://schemas.openxmlformats.org/drawingml/2006/main" xmlns:r="http://schemas.openxmlformats.org/officeDocument/2006/relationships" xmlns:p="http://schemas.openxmlformats.org/presentationml/2006/main">
   <p:cSld>
     <p:spTree>
@@ -30008,7 +29499,7 @@
           <a:p>
             <a:r>
               <a:rPr lang="en-US" dirty="0"/>
-              <a:t>Adaptive Questions</a:t>
+              <a:t>Modular/Derived Questions</a:t>
             </a:r>
             <a:endParaRPr lang="en-CA" dirty="0"/>
           </a:p>
@@ -30183,7 +29674,7 @@
             <a:fld id="{6CACE926-AEF5-4BFE-8BD7-24414108CB7B}" type="slidenum">
               <a:rPr lang="en-US" altLang="en-US" smtClean="0"/>
               <a:pPr/>
-              <a:t>30</a:t>
+              <a:t>29</a:t>
             </a:fld>
             <a:endParaRPr lang="en-US" altLang="en-US" dirty="0"/>
           </a:p>
@@ -30202,7 +29693,693 @@
 </p:sld>
 </file>
 
+<file path=ppt/slides/slide3.xml><?xml version="1.0" encoding="utf-8"?>
+<p:sld xmlns:a="http://schemas.openxmlformats.org/drawingml/2006/main" xmlns:r="http://schemas.openxmlformats.org/officeDocument/2006/relationships" xmlns:p="http://schemas.openxmlformats.org/presentationml/2006/main">
+  <p:cSld>
+    <p:spTree>
+      <p:nvGrpSpPr>
+        <p:cNvPr id="1" name=""/>
+        <p:cNvGrpSpPr/>
+        <p:nvPr/>
+      </p:nvGrpSpPr>
+      <p:grpSpPr>
+        <a:xfrm>
+          <a:off x="0" y="0"/>
+          <a:ext cx="0" cy="0"/>
+          <a:chOff x="0" y="0"/>
+          <a:chExt cx="0" cy="0"/>
+        </a:xfrm>
+      </p:grpSpPr>
+      <p:sp>
+        <p:nvSpPr>
+          <p:cNvPr id="2" name="Title 1"/>
+          <p:cNvSpPr>
+            <a:spLocks noGrp="1"/>
+          </p:cNvSpPr>
+          <p:nvPr>
+            <p:ph type="title"/>
+          </p:nvPr>
+        </p:nvSpPr>
+        <p:spPr/>
+        <p:txBody>
+          <a:bodyPr/>
+          <a:lstStyle/>
+          <a:p>
+            <a:r>
+              <a:rPr lang="en-US"/>
+              <a:t>This presentation</a:t>
+            </a:r>
+            <a:endParaRPr lang="en-CA"/>
+          </a:p>
+        </p:txBody>
+      </p:sp>
+      <p:sp>
+        <p:nvSpPr>
+          <p:cNvPr id="4" name="Content Placeholder 3"/>
+          <p:cNvSpPr>
+            <a:spLocks noGrp="1"/>
+          </p:cNvSpPr>
+          <p:nvPr>
+            <p:ph type="body" sz="quarter" idx="13"/>
+          </p:nvPr>
+        </p:nvSpPr>
+        <p:spPr/>
+        <p:txBody>
+          <a:bodyPr/>
+          <a:lstStyle/>
+          <a:p>
+            <a:r>
+              <a:rPr lang="en-US" dirty="0">
+                <a:ea typeface="ヒラギノ角ゴ Pro W3"/>
+              </a:rPr>
+              <a:t>Can be downloaded from the Ontario Health e-Learning site:</a:t>
+            </a:r>
+          </a:p>
+          <a:p>
+            <a:pPr lvl="1"/>
+            <a:r>
+              <a:rPr lang="en-CA" dirty="0">
+                <a:ea typeface="ヒラギノ角ゴ Pro W3"/>
+                <a:hlinkClick r:id="rId2"/>
+              </a:rPr>
+              <a:t>https://elearning.ontariohealth.ca/login/index.php</a:t>
+            </a:r>
+            <a:endParaRPr lang="en-CA" dirty="0">
+              <a:ea typeface="ヒラギノ角ゴ Pro W3"/>
+            </a:endParaRPr>
+          </a:p>
+          <a:p>
+            <a:r>
+              <a:rPr lang="en-US" dirty="0">
+                <a:ea typeface="ヒラギノ角ゴ Pro W3"/>
+              </a:rPr>
+              <a:t>Is licensed for use under the Creative Commons, specifically:</a:t>
+            </a:r>
+          </a:p>
+          <a:p>
+            <a:pPr lvl="1"/>
+            <a:r>
+              <a:rPr lang="en-CA" dirty="0">
+                <a:ea typeface="ヒラギノ角ゴ Pro W3"/>
+                <a:hlinkClick r:id="rId3"/>
+              </a:rPr>
+              <a:t>Creative Commons Attribution 3.0 </a:t>
+            </a:r>
+            <a:r>
+              <a:rPr lang="en-CA" dirty="0" err="1">
+                <a:ea typeface="ヒラギノ角ゴ Pro W3"/>
+                <a:hlinkClick r:id="rId3"/>
+              </a:rPr>
+              <a:t>Unported</a:t>
+            </a:r>
+            <a:r>
+              <a:rPr lang="en-CA" dirty="0">
+                <a:ea typeface="ヒラギノ角ゴ Pro W3"/>
+                <a:hlinkClick r:id="rId3"/>
+              </a:rPr>
+              <a:t> License</a:t>
+            </a:r>
+            <a:endParaRPr lang="en-CA" dirty="0">
+              <a:ea typeface="ヒラギノ角ゴ Pro W3"/>
+            </a:endParaRPr>
+          </a:p>
+          <a:p>
+            <a:pPr lvl="1"/>
+            <a:r>
+              <a:rPr lang="en-US" dirty="0">
+                <a:ea typeface="ヒラギノ角ゴ Pro W3"/>
+              </a:rPr>
+              <a:t>Do with it as you wish, so long as you give credit</a:t>
+            </a:r>
+          </a:p>
+        </p:txBody>
+      </p:sp>
+      <p:sp>
+        <p:nvSpPr>
+          <p:cNvPr id="11" name="Footer Placeholder 10">
+            <a:extLst>
+              <a:ext uri="{FF2B5EF4-FFF2-40B4-BE49-F238E27FC236}">
+                <a16:creationId xmlns:a16="http://schemas.microsoft.com/office/drawing/2014/main" id="{E5D67FA5-D1E9-4E1E-B63E-097C12003FCF}"/>
+              </a:ext>
+            </a:extLst>
+          </p:cNvPr>
+          <p:cNvSpPr>
+            <a:spLocks noGrp="1"/>
+          </p:cNvSpPr>
+          <p:nvPr>
+            <p:ph type="ftr" sz="quarter" idx="10"/>
+          </p:nvPr>
+        </p:nvSpPr>
+        <p:spPr/>
+        <p:txBody>
+          <a:bodyPr/>
+          <a:lstStyle/>
+          <a:p>
+            <a:r>
+              <a:rPr lang="en-CA"/>
+              <a:t>© 2025 Health Level Seven ® International. All Rights Reserved. Published under the Creative Commons 3.0 Attribution </a:t>
+            </a:r>
+            <a:r>
+              <a:rPr lang="en-CA" err="1"/>
+              <a:t>Unported</a:t>
+            </a:r>
+            <a:r>
+              <a:rPr lang="en-CA"/>
+              <a:t> license</a:t>
+            </a:r>
+            <a:endParaRPr lang="en-US"/>
+          </a:p>
+        </p:txBody>
+      </p:sp>
+      <p:sp>
+        <p:nvSpPr>
+          <p:cNvPr id="8" name="Slide Number Placeholder 7">
+            <a:extLst>
+              <a:ext uri="{FF2B5EF4-FFF2-40B4-BE49-F238E27FC236}">
+                <a16:creationId xmlns:a16="http://schemas.microsoft.com/office/drawing/2014/main" id="{0D655E1C-9171-4990-BC7C-0027C9FAE154}"/>
+              </a:ext>
+            </a:extLst>
+          </p:cNvPr>
+          <p:cNvSpPr>
+            <a:spLocks noGrp="1"/>
+          </p:cNvSpPr>
+          <p:nvPr>
+            <p:ph type="sldNum" sz="quarter" idx="11"/>
+          </p:nvPr>
+        </p:nvSpPr>
+        <p:spPr/>
+        <p:txBody>
+          <a:bodyPr/>
+          <a:lstStyle/>
+          <a:p>
+            <a:fld id="{DD8FDF0E-2772-4D89-9F72-F3CB15D8B8AB}" type="slidenum">
+              <a:rPr lang="en-US" smtClean="0"/>
+              <a:pPr/>
+              <a:t>3</a:t>
+            </a:fld>
+            <a:endParaRPr lang="en-US"/>
+          </a:p>
+        </p:txBody>
+      </p:sp>
+      <p:pic>
+        <p:nvPicPr>
+          <p:cNvPr id="5" name="Picture 4" descr="Creative Commons Licence"/>
+          <p:cNvPicPr>
+            <a:picLocks noChangeAspect="1" noChangeArrowheads="1"/>
+          </p:cNvPicPr>
+          <p:nvPr/>
+        </p:nvPicPr>
+        <p:blipFill>
+          <a:blip r:embed="rId4" cstate="print">
+            <a:extLst>
+              <a:ext uri="{28A0092B-C50C-407E-A947-70E740481C1C}">
+                <a14:useLocalDpi xmlns:a14="http://schemas.microsoft.com/office/drawing/2010/main" val="0"/>
+              </a:ext>
+            </a:extLst>
+          </a:blip>
+          <a:srcRect/>
+          <a:stretch>
+            <a:fillRect/>
+          </a:stretch>
+        </p:blipFill>
+        <p:spPr bwMode="auto">
+          <a:xfrm>
+            <a:off x="7672387" y="3226897"/>
+            <a:ext cx="1135626" cy="400050"/>
+          </a:xfrm>
+          <a:prstGeom prst="rect">
+            <a:avLst/>
+          </a:prstGeom>
+          <a:noFill/>
+          <a:extLst>
+            <a:ext uri="{909E8E84-426E-40DD-AFC4-6F175D3DCCD1}">
+              <a14:hiddenFill xmlns:a14="http://schemas.microsoft.com/office/drawing/2010/main">
+                <a:solidFill>
+                  <a:srgbClr val="FFFFFF"/>
+                </a:solidFill>
+              </a14:hiddenFill>
+            </a:ext>
+          </a:extLst>
+        </p:spPr>
+      </p:pic>
+    </p:spTree>
+    <p:extLst>
+      <p:ext uri="{BB962C8B-B14F-4D97-AF65-F5344CB8AC3E}">
+        <p14:creationId xmlns:p14="http://schemas.microsoft.com/office/powerpoint/2010/main" val="3568858179"/>
+      </p:ext>
+    </p:extLst>
+  </p:cSld>
+  <p:clrMapOvr>
+    <a:masterClrMapping/>
+  </p:clrMapOvr>
+</p:sld>
+</file>
+
+<file path=ppt/slides/slide30.xml><?xml version="1.0" encoding="utf-8"?>
+<p:sld xmlns:a="http://schemas.openxmlformats.org/drawingml/2006/main" xmlns:r="http://schemas.openxmlformats.org/officeDocument/2006/relationships" xmlns:p="http://schemas.openxmlformats.org/presentationml/2006/main">
+  <p:cSld>
+    <p:spTree>
+      <p:nvGrpSpPr>
+        <p:cNvPr id="1" name=""/>
+        <p:cNvGrpSpPr/>
+        <p:nvPr/>
+      </p:nvGrpSpPr>
+      <p:grpSpPr>
+        <a:xfrm>
+          <a:off x="0" y="0"/>
+          <a:ext cx="0" cy="0"/>
+          <a:chOff x="0" y="0"/>
+          <a:chExt cx="0" cy="0"/>
+        </a:xfrm>
+      </p:grpSpPr>
+      <p:sp>
+        <p:nvSpPr>
+          <p:cNvPr id="2" name="Title 1">
+            <a:extLst>
+              <a:ext uri="{FF2B5EF4-FFF2-40B4-BE49-F238E27FC236}">
+                <a16:creationId xmlns:a16="http://schemas.microsoft.com/office/drawing/2014/main" id="{F6ADBCB2-9813-4D39-CBE1-E1F9D462956D}"/>
+              </a:ext>
+            </a:extLst>
+          </p:cNvPr>
+          <p:cNvSpPr>
+            <a:spLocks noGrp="1"/>
+          </p:cNvSpPr>
+          <p:nvPr>
+            <p:ph type="title"/>
+          </p:nvPr>
+        </p:nvSpPr>
+        <p:spPr/>
+        <p:txBody>
+          <a:bodyPr/>
+          <a:lstStyle/>
+          <a:p>
+            <a:r>
+              <a:rPr lang="en-US" dirty="0"/>
+              <a:t>Modular/Derived Answers</a:t>
+            </a:r>
+            <a:endParaRPr lang="en-CA" dirty="0"/>
+          </a:p>
+        </p:txBody>
+      </p:sp>
+      <p:sp>
+        <p:nvSpPr>
+          <p:cNvPr id="3" name="Text Placeholder 2">
+            <a:extLst>
+              <a:ext uri="{FF2B5EF4-FFF2-40B4-BE49-F238E27FC236}">
+                <a16:creationId xmlns:a16="http://schemas.microsoft.com/office/drawing/2014/main" id="{5CB4F144-6FAF-26EE-1BD3-805869A15F45}"/>
+              </a:ext>
+            </a:extLst>
+          </p:cNvPr>
+          <p:cNvSpPr>
+            <a:spLocks noGrp="1"/>
+          </p:cNvSpPr>
+          <p:nvPr>
+            <p:ph type="body" sz="quarter" idx="13"/>
+          </p:nvPr>
+        </p:nvSpPr>
+        <p:spPr/>
+        <p:txBody>
+          <a:bodyPr/>
+          <a:lstStyle/>
+          <a:p>
+            <a:pPr marL="457200" indent="-457200">
+              <a:buFont typeface="+mj-lt"/>
+              <a:buAutoNum type="arabicPeriod"/>
+            </a:pPr>
+            <a:r>
+              <a:rPr lang="en-US" dirty="0"/>
+              <a:t>Sub-forms and element definitions</a:t>
+            </a:r>
+          </a:p>
+          <a:p>
+            <a:pPr marL="457200" indent="-457200">
+              <a:buFont typeface="+mj-lt"/>
+              <a:buAutoNum type="arabicPeriod"/>
+            </a:pPr>
+            <a:r>
+              <a:rPr lang="en-US" dirty="0" err="1"/>
+              <a:t>ElementDefinition.label</a:t>
+            </a:r>
+            <a:endParaRPr lang="en-US" dirty="0"/>
+          </a:p>
+          <a:p>
+            <a:pPr marL="457200" indent="-457200">
+              <a:buFont typeface="+mj-lt"/>
+              <a:buAutoNum type="arabicPeriod"/>
+            </a:pPr>
+            <a:r>
+              <a:rPr lang="en-US" dirty="0" err="1"/>
+              <a:t>EnableWhen.question</a:t>
+            </a:r>
+            <a:r>
+              <a:rPr lang="en-US" dirty="0"/>
+              <a:t> and </a:t>
+            </a:r>
+            <a:r>
+              <a:rPr lang="en-US" dirty="0" err="1"/>
+              <a:t>linkId</a:t>
+            </a:r>
+            <a:endParaRPr lang="en-US" dirty="0"/>
+          </a:p>
+          <a:p>
+            <a:pPr marL="457200" indent="-457200">
+              <a:buFont typeface="+mj-lt"/>
+              <a:buAutoNum type="arabicPeriod"/>
+            </a:pPr>
+            <a:r>
+              <a:rPr lang="en-US" dirty="0"/>
+              <a:t>Derived forms</a:t>
+            </a:r>
+          </a:p>
+          <a:p>
+            <a:pPr marL="457200" indent="-457200">
+              <a:buFont typeface="+mj-lt"/>
+              <a:buAutoNum type="arabicPeriod"/>
+            </a:pPr>
+            <a:r>
+              <a:rPr lang="en-US"/>
+              <a:t>Not usually</a:t>
+            </a:r>
+            <a:endParaRPr lang="en-CA" dirty="0"/>
+          </a:p>
+        </p:txBody>
+      </p:sp>
+      <p:sp>
+        <p:nvSpPr>
+          <p:cNvPr id="4" name="Footer Placeholder 3">
+            <a:extLst>
+              <a:ext uri="{FF2B5EF4-FFF2-40B4-BE49-F238E27FC236}">
+                <a16:creationId xmlns:a16="http://schemas.microsoft.com/office/drawing/2014/main" id="{AC5778B1-5A44-72F5-667D-6FAE1618FC42}"/>
+              </a:ext>
+            </a:extLst>
+          </p:cNvPr>
+          <p:cNvSpPr>
+            <a:spLocks noGrp="1"/>
+          </p:cNvSpPr>
+          <p:nvPr>
+            <p:ph type="ftr" sz="quarter" idx="10"/>
+          </p:nvPr>
+        </p:nvSpPr>
+        <p:spPr/>
+        <p:txBody>
+          <a:bodyPr/>
+          <a:lstStyle/>
+          <a:p>
+            <a:r>
+              <a:rPr lang="en-CA" b="1"/>
+              <a:t>© 2025 Health Level Seven ® International. All Rights Reserved. Published under the Creative Commons 3.0 Attribution Unported license</a:t>
+            </a:r>
+            <a:endParaRPr lang="en-US" b="1" dirty="0"/>
+          </a:p>
+        </p:txBody>
+      </p:sp>
+      <p:sp>
+        <p:nvSpPr>
+          <p:cNvPr id="5" name="Slide Number Placeholder 4">
+            <a:extLst>
+              <a:ext uri="{FF2B5EF4-FFF2-40B4-BE49-F238E27FC236}">
+                <a16:creationId xmlns:a16="http://schemas.microsoft.com/office/drawing/2014/main" id="{DB2BF278-D97B-5130-B37B-1E0D5FB15663}"/>
+              </a:ext>
+            </a:extLst>
+          </p:cNvPr>
+          <p:cNvSpPr>
+            <a:spLocks noGrp="1"/>
+          </p:cNvSpPr>
+          <p:nvPr>
+            <p:ph type="sldNum" sz="quarter" idx="11"/>
+          </p:nvPr>
+        </p:nvSpPr>
+        <p:spPr/>
+        <p:txBody>
+          <a:bodyPr/>
+          <a:lstStyle/>
+          <a:p>
+            <a:fld id="{6CACE926-AEF5-4BFE-8BD7-24414108CB7B}" type="slidenum">
+              <a:rPr lang="en-US" altLang="en-US" smtClean="0"/>
+              <a:pPr/>
+              <a:t>30</a:t>
+            </a:fld>
+            <a:endParaRPr lang="en-US" altLang="en-US" dirty="0"/>
+          </a:p>
+        </p:txBody>
+      </p:sp>
+    </p:spTree>
+    <p:extLst>
+      <p:ext uri="{BB962C8B-B14F-4D97-AF65-F5344CB8AC3E}">
+        <p14:creationId xmlns:p14="http://schemas.microsoft.com/office/powerpoint/2010/main" val="2576484553"/>
+      </p:ext>
+    </p:extLst>
+  </p:cSld>
+  <p:clrMapOvr>
+    <a:masterClrMapping/>
+  </p:clrMapOvr>
+</p:sld>
+</file>
+
 <file path=ppt/slides/slide31.xml><?xml version="1.0" encoding="utf-8"?>
+<p:sld xmlns:a="http://schemas.openxmlformats.org/drawingml/2006/main" xmlns:r="http://schemas.openxmlformats.org/officeDocument/2006/relationships" xmlns:p="http://schemas.openxmlformats.org/presentationml/2006/main">
+  <p:cSld>
+    <p:spTree>
+      <p:nvGrpSpPr>
+        <p:cNvPr id="1" name="">
+          <a:extLst>
+            <a:ext uri="{FF2B5EF4-FFF2-40B4-BE49-F238E27FC236}">
+              <a16:creationId xmlns:a16="http://schemas.microsoft.com/office/drawing/2014/main" id="{68134E5D-7977-C7A2-9E4B-2E5563A24FF1}"/>
+            </a:ext>
+          </a:extLst>
+        </p:cNvPr>
+        <p:cNvGrpSpPr/>
+        <p:nvPr/>
+      </p:nvGrpSpPr>
+      <p:grpSpPr>
+        <a:xfrm>
+          <a:off x="0" y="0"/>
+          <a:ext cx="0" cy="0"/>
+          <a:chOff x="0" y="0"/>
+          <a:chExt cx="0" cy="0"/>
+        </a:xfrm>
+      </p:grpSpPr>
+      <p:sp>
+        <p:nvSpPr>
+          <p:cNvPr id="2" name="Title 1">
+            <a:extLst>
+              <a:ext uri="{FF2B5EF4-FFF2-40B4-BE49-F238E27FC236}">
+                <a16:creationId xmlns:a16="http://schemas.microsoft.com/office/drawing/2014/main" id="{A56619F7-9DBE-D350-B39A-61981B97D750}"/>
+              </a:ext>
+            </a:extLst>
+          </p:cNvPr>
+          <p:cNvSpPr>
+            <a:spLocks noGrp="1"/>
+          </p:cNvSpPr>
+          <p:nvPr>
+            <p:ph type="title"/>
+          </p:nvPr>
+        </p:nvSpPr>
+        <p:spPr/>
+        <p:txBody>
+          <a:bodyPr/>
+          <a:lstStyle/>
+          <a:p>
+            <a:r>
+              <a:rPr lang="en-US" dirty="0"/>
+              <a:t>The SDC Collection</a:t>
+            </a:r>
+            <a:endParaRPr lang="en-CA" dirty="0"/>
+          </a:p>
+        </p:txBody>
+      </p:sp>
+      <p:sp>
+        <p:nvSpPr>
+          <p:cNvPr id="3" name="Text Placeholder 2">
+            <a:extLst>
+              <a:ext uri="{FF2B5EF4-FFF2-40B4-BE49-F238E27FC236}">
+                <a16:creationId xmlns:a16="http://schemas.microsoft.com/office/drawing/2014/main" id="{A0A8E452-0AB8-67CA-45AA-AB338552ACCD}"/>
+              </a:ext>
+            </a:extLst>
+          </p:cNvPr>
+          <p:cNvSpPr>
+            <a:spLocks noGrp="1"/>
+          </p:cNvSpPr>
+          <p:nvPr>
+            <p:ph type="body" sz="quarter" idx="13"/>
+          </p:nvPr>
+        </p:nvSpPr>
+        <p:spPr/>
+        <p:txBody>
+          <a:bodyPr/>
+          <a:lstStyle/>
+          <a:p>
+            <a:r>
+              <a:rPr lang="en-US" sz="1800" dirty="0"/>
+              <a:t>SDC Overview</a:t>
+            </a:r>
+          </a:p>
+          <a:p>
+            <a:r>
+              <a:rPr lang="en-US" sz="1800" dirty="0"/>
+              <a:t>SDC Workflow</a:t>
+            </a:r>
+          </a:p>
+          <a:p>
+            <a:r>
+              <a:rPr lang="en-US" sz="1800" dirty="0"/>
+              <a:t>SDC Expressions</a:t>
+            </a:r>
+            <a:endParaRPr lang="en-US" sz="1800" b="1" dirty="0"/>
+          </a:p>
+          <a:p>
+            <a:r>
+              <a:rPr lang="en-US" sz="1800" dirty="0"/>
+              <a:t>SDC Rendering &amp; Behavior</a:t>
+            </a:r>
+          </a:p>
+          <a:p>
+            <a:r>
+              <a:rPr lang="en-US" sz="1800" dirty="0"/>
+              <a:t>SDC Population</a:t>
+            </a:r>
+          </a:p>
+          <a:p>
+            <a:r>
+              <a:rPr lang="en-US" sz="1800" dirty="0"/>
+              <a:t>SDC Extraction</a:t>
+            </a:r>
+          </a:p>
+          <a:p>
+            <a:r>
+              <a:rPr lang="en-US" sz="1800" dirty="0"/>
+              <a:t>SDC Adaptive Forms</a:t>
+            </a:r>
+            <a:endParaRPr lang="en-US" sz="1800" b="1" dirty="0"/>
+          </a:p>
+          <a:p>
+            <a:r>
+              <a:rPr lang="en-US" sz="1800" b="1" dirty="0">
+                <a:ea typeface="ヒラギノ角ゴ Pro W3"/>
+              </a:rPr>
+              <a:t>SDC Modular &amp; Derived Forms </a:t>
+            </a:r>
+            <a:r>
+              <a:rPr lang="en-US" sz="1800">
+                <a:ea typeface="ヒラギノ角ゴ Pro W3"/>
+              </a:rPr>
+              <a:t>(you are here)</a:t>
+            </a:r>
+            <a:endParaRPr lang="en-US" sz="1800" b="1">
+              <a:ea typeface="ヒラギノ角ゴ Pro W3"/>
+            </a:endParaRPr>
+          </a:p>
+        </p:txBody>
+      </p:sp>
+      <p:sp>
+        <p:nvSpPr>
+          <p:cNvPr id="4" name="Footer Placeholder 3">
+            <a:extLst>
+              <a:ext uri="{FF2B5EF4-FFF2-40B4-BE49-F238E27FC236}">
+                <a16:creationId xmlns:a16="http://schemas.microsoft.com/office/drawing/2014/main" id="{B994DF0B-23F9-B4BE-EB37-46EAF80060D2}"/>
+              </a:ext>
+            </a:extLst>
+          </p:cNvPr>
+          <p:cNvSpPr>
+            <a:spLocks noGrp="1"/>
+          </p:cNvSpPr>
+          <p:nvPr>
+            <p:ph type="ftr" sz="quarter" idx="10"/>
+          </p:nvPr>
+        </p:nvSpPr>
+        <p:spPr/>
+        <p:txBody>
+          <a:bodyPr/>
+          <a:lstStyle/>
+          <a:p>
+            <a:r>
+              <a:rPr lang="en-CA" b="1"/>
+              <a:t>© 2025 Health Level Seven ® International. All Rights Reserved. Published under the Creative Commons 3.0 Attribution Unported license</a:t>
+            </a:r>
+            <a:endParaRPr lang="en-US" b="1" dirty="0"/>
+          </a:p>
+        </p:txBody>
+      </p:sp>
+      <p:sp>
+        <p:nvSpPr>
+          <p:cNvPr id="5" name="Slide Number Placeholder 4">
+            <a:extLst>
+              <a:ext uri="{FF2B5EF4-FFF2-40B4-BE49-F238E27FC236}">
+                <a16:creationId xmlns:a16="http://schemas.microsoft.com/office/drawing/2014/main" id="{78D0FD1A-D581-FE2C-8D33-9622C0A5C92B}"/>
+              </a:ext>
+            </a:extLst>
+          </p:cNvPr>
+          <p:cNvSpPr>
+            <a:spLocks noGrp="1"/>
+          </p:cNvSpPr>
+          <p:nvPr>
+            <p:ph type="sldNum" sz="quarter" idx="11"/>
+          </p:nvPr>
+        </p:nvSpPr>
+        <p:spPr/>
+        <p:txBody>
+          <a:bodyPr/>
+          <a:lstStyle/>
+          <a:p>
+            <a:fld id="{6CACE926-AEF5-4BFE-8BD7-24414108CB7B}" type="slidenum">
+              <a:rPr lang="en-US" altLang="en-US" smtClean="0"/>
+              <a:pPr/>
+              <a:t>31</a:t>
+            </a:fld>
+            <a:endParaRPr lang="en-US" altLang="en-US" dirty="0"/>
+          </a:p>
+        </p:txBody>
+      </p:sp>
+      <p:pic>
+        <p:nvPicPr>
+          <p:cNvPr id="9" name="Picture 8" descr="A clipboard with a pen on it&#10;&#10;Description automatically generated">
+            <a:extLst>
+              <a:ext uri="{FF2B5EF4-FFF2-40B4-BE49-F238E27FC236}">
+                <a16:creationId xmlns:a16="http://schemas.microsoft.com/office/drawing/2014/main" id="{0C86B462-9FBE-1D34-B9E5-4B923A17DF16}"/>
+              </a:ext>
+            </a:extLst>
+          </p:cNvPr>
+          <p:cNvPicPr>
+            <a:picLocks noChangeAspect="1"/>
+          </p:cNvPicPr>
+          <p:nvPr/>
+        </p:nvPicPr>
+        <p:blipFill>
+          <a:blip r:embed="rId2">
+            <a:extLst>
+              <a:ext uri="{837473B0-CC2E-450A-ABE3-18F120FF3D39}">
+                <a1611:picAttrSrcUrl xmlns:a1611="http://schemas.microsoft.com/office/drawing/2016/11/main" r:id="rId3"/>
+              </a:ext>
+            </a:extLst>
+          </a:blip>
+          <a:stretch>
+            <a:fillRect/>
+          </a:stretch>
+        </p:blipFill>
+        <p:spPr>
+          <a:xfrm>
+            <a:off x="6365671" y="1454442"/>
+            <a:ext cx="1714500" cy="1714500"/>
+          </a:xfrm>
+          <a:prstGeom prst="rect">
+            <a:avLst/>
+          </a:prstGeom>
+        </p:spPr>
+      </p:pic>
+    </p:spTree>
+    <p:extLst>
+      <p:ext uri="{BB962C8B-B14F-4D97-AF65-F5344CB8AC3E}">
+        <p14:creationId xmlns:p14="http://schemas.microsoft.com/office/powerpoint/2010/main" val="2480054156"/>
+      </p:ext>
+    </p:extLst>
+  </p:cSld>
+  <p:clrMapOvr>
+    <a:masterClrMapping/>
+  </p:clrMapOvr>
+</p:sld>
+</file>
+
+<file path=ppt/slides/slide32.xml><?xml version="1.0" encoding="utf-8"?>
 <p:sld xmlns:a="http://schemas.openxmlformats.org/drawingml/2006/main" xmlns:r="http://schemas.openxmlformats.org/officeDocument/2006/relationships" xmlns:p="http://schemas.openxmlformats.org/presentationml/2006/main">
   <p:cSld>
     <p:spTree>
@@ -30508,248 +30685,6 @@
       </p:grpSpPr>
       <p:sp>
         <p:nvSpPr>
-          <p:cNvPr id="2" name="Title 1"/>
-          <p:cNvSpPr>
-            <a:spLocks noGrp="1"/>
-          </p:cNvSpPr>
-          <p:nvPr>
-            <p:ph type="title"/>
-          </p:nvPr>
-        </p:nvSpPr>
-        <p:spPr/>
-        <p:txBody>
-          <a:bodyPr/>
-          <a:lstStyle/>
-          <a:p>
-            <a:r>
-              <a:rPr lang="en-US"/>
-              <a:t>This presentation</a:t>
-            </a:r>
-            <a:endParaRPr lang="en-CA"/>
-          </a:p>
-        </p:txBody>
-      </p:sp>
-      <p:sp>
-        <p:nvSpPr>
-          <p:cNvPr id="4" name="Content Placeholder 3"/>
-          <p:cNvSpPr>
-            <a:spLocks noGrp="1"/>
-          </p:cNvSpPr>
-          <p:nvPr>
-            <p:ph type="body" sz="quarter" idx="13"/>
-          </p:nvPr>
-        </p:nvSpPr>
-        <p:spPr/>
-        <p:txBody>
-          <a:bodyPr/>
-          <a:lstStyle/>
-          <a:p>
-            <a:r>
-              <a:rPr lang="en-US" dirty="0">
-                <a:ea typeface="ヒラギノ角ゴ Pro W3"/>
-              </a:rPr>
-              <a:t>Can be downloaded from the Ontario Health e-Learning site:</a:t>
-            </a:r>
-          </a:p>
-          <a:p>
-            <a:pPr lvl="1"/>
-            <a:r>
-              <a:rPr lang="en-CA" dirty="0">
-                <a:ea typeface="ヒラギノ角ゴ Pro W3"/>
-                <a:hlinkClick r:id="rId2"/>
-              </a:rPr>
-              <a:t>https://elearning.ontariohealth.ca/login/index.php</a:t>
-            </a:r>
-            <a:endParaRPr lang="en-CA" dirty="0">
-              <a:ea typeface="ヒラギノ角ゴ Pro W3"/>
-            </a:endParaRPr>
-          </a:p>
-          <a:p>
-            <a:r>
-              <a:rPr lang="en-US" dirty="0">
-                <a:ea typeface="ヒラギノ角ゴ Pro W3"/>
-              </a:rPr>
-              <a:t>Is licensed for use under the Creative Commons, specifically:</a:t>
-            </a:r>
-          </a:p>
-          <a:p>
-            <a:pPr lvl="1"/>
-            <a:r>
-              <a:rPr lang="en-CA" dirty="0">
-                <a:ea typeface="ヒラギノ角ゴ Pro W3"/>
-                <a:hlinkClick r:id="rId3"/>
-              </a:rPr>
-              <a:t>Creative Commons Attribution 3.0 </a:t>
-            </a:r>
-            <a:r>
-              <a:rPr lang="en-CA" dirty="0" err="1">
-                <a:ea typeface="ヒラギノ角ゴ Pro W3"/>
-                <a:hlinkClick r:id="rId3"/>
-              </a:rPr>
-              <a:t>Unported</a:t>
-            </a:r>
-            <a:r>
-              <a:rPr lang="en-CA" dirty="0">
-                <a:ea typeface="ヒラギノ角ゴ Pro W3"/>
-                <a:hlinkClick r:id="rId3"/>
-              </a:rPr>
-              <a:t> License</a:t>
-            </a:r>
-            <a:endParaRPr lang="en-CA" dirty="0">
-              <a:ea typeface="ヒラギノ角ゴ Pro W3"/>
-            </a:endParaRPr>
-          </a:p>
-          <a:p>
-            <a:pPr lvl="1"/>
-            <a:r>
-              <a:rPr lang="en-US" dirty="0">
-                <a:ea typeface="ヒラギノ角ゴ Pro W3"/>
-              </a:rPr>
-              <a:t>(Do with it as you wish, so long as you give credit</a:t>
-            </a:r>
-          </a:p>
-        </p:txBody>
-      </p:sp>
-      <p:sp>
-        <p:nvSpPr>
-          <p:cNvPr id="11" name="Footer Placeholder 10">
-            <a:extLst>
-              <a:ext uri="{FF2B5EF4-FFF2-40B4-BE49-F238E27FC236}">
-                <a16:creationId xmlns:a16="http://schemas.microsoft.com/office/drawing/2014/main" id="{E5D67FA5-D1E9-4E1E-B63E-097C12003FCF}"/>
-              </a:ext>
-            </a:extLst>
-          </p:cNvPr>
-          <p:cNvSpPr>
-            <a:spLocks noGrp="1"/>
-          </p:cNvSpPr>
-          <p:nvPr>
-            <p:ph type="ftr" sz="quarter" idx="10"/>
-          </p:nvPr>
-        </p:nvSpPr>
-        <p:spPr/>
-        <p:txBody>
-          <a:bodyPr/>
-          <a:lstStyle/>
-          <a:p>
-            <a:r>
-              <a:rPr lang="en-CA"/>
-              <a:t>© 2025 Health Level Seven ® International. All Rights Reserved. Published under the Creative Commons 3.0 Attribution </a:t>
-            </a:r>
-            <a:r>
-              <a:rPr lang="en-CA" err="1"/>
-              <a:t>Unported</a:t>
-            </a:r>
-            <a:r>
-              <a:rPr lang="en-CA"/>
-              <a:t> license</a:t>
-            </a:r>
-            <a:endParaRPr lang="en-US"/>
-          </a:p>
-        </p:txBody>
-      </p:sp>
-      <p:sp>
-        <p:nvSpPr>
-          <p:cNvPr id="8" name="Slide Number Placeholder 7">
-            <a:extLst>
-              <a:ext uri="{FF2B5EF4-FFF2-40B4-BE49-F238E27FC236}">
-                <a16:creationId xmlns:a16="http://schemas.microsoft.com/office/drawing/2014/main" id="{0D655E1C-9171-4990-BC7C-0027C9FAE154}"/>
-              </a:ext>
-            </a:extLst>
-          </p:cNvPr>
-          <p:cNvSpPr>
-            <a:spLocks noGrp="1"/>
-          </p:cNvSpPr>
-          <p:nvPr>
-            <p:ph type="sldNum" sz="quarter" idx="11"/>
-          </p:nvPr>
-        </p:nvSpPr>
-        <p:spPr/>
-        <p:txBody>
-          <a:bodyPr/>
-          <a:lstStyle/>
-          <a:p>
-            <a:fld id="{DD8FDF0E-2772-4D89-9F72-F3CB15D8B8AB}" type="slidenum">
-              <a:rPr lang="en-US" smtClean="0"/>
-              <a:pPr/>
-              <a:t>4</a:t>
-            </a:fld>
-            <a:endParaRPr lang="en-US"/>
-          </a:p>
-        </p:txBody>
-      </p:sp>
-      <p:pic>
-        <p:nvPicPr>
-          <p:cNvPr id="5" name="Picture 4" descr="Creative Commons Licence"/>
-          <p:cNvPicPr>
-            <a:picLocks noChangeAspect="1" noChangeArrowheads="1"/>
-          </p:cNvPicPr>
-          <p:nvPr/>
-        </p:nvPicPr>
-        <p:blipFill>
-          <a:blip r:embed="rId4" cstate="print">
-            <a:extLst>
-              <a:ext uri="{28A0092B-C50C-407E-A947-70E740481C1C}">
-                <a14:useLocalDpi xmlns:a14="http://schemas.microsoft.com/office/drawing/2010/main" val="0"/>
-              </a:ext>
-            </a:extLst>
-          </a:blip>
-          <a:srcRect/>
-          <a:stretch>
-            <a:fillRect/>
-          </a:stretch>
-        </p:blipFill>
-        <p:spPr bwMode="auto">
-          <a:xfrm>
-            <a:off x="7672387" y="3226897"/>
-            <a:ext cx="1135626" cy="400050"/>
-          </a:xfrm>
-          <a:prstGeom prst="rect">
-            <a:avLst/>
-          </a:prstGeom>
-          <a:noFill/>
-          <a:extLst>
-            <a:ext uri="{909E8E84-426E-40DD-AFC4-6F175D3DCCD1}">
-              <a14:hiddenFill xmlns:a14="http://schemas.microsoft.com/office/drawing/2010/main">
-                <a:solidFill>
-                  <a:srgbClr val="FFFFFF"/>
-                </a:solidFill>
-              </a14:hiddenFill>
-            </a:ext>
-          </a:extLst>
-        </p:spPr>
-      </p:pic>
-    </p:spTree>
-    <p:extLst>
-      <p:ext uri="{BB962C8B-B14F-4D97-AF65-F5344CB8AC3E}">
-        <p14:creationId xmlns:p14="http://schemas.microsoft.com/office/powerpoint/2010/main" val="3568858179"/>
-      </p:ext>
-    </p:extLst>
-  </p:cSld>
-  <p:clrMapOvr>
-    <a:masterClrMapping/>
-  </p:clrMapOvr>
-</p:sld>
-</file>
-
-<file path=ppt/slides/slide5.xml><?xml version="1.0" encoding="utf-8"?>
-<p:sld xmlns:a="http://schemas.openxmlformats.org/drawingml/2006/main" xmlns:r="http://schemas.openxmlformats.org/officeDocument/2006/relationships" xmlns:p="http://schemas.openxmlformats.org/presentationml/2006/main">
-  <p:cSld>
-    <p:spTree>
-      <p:nvGrpSpPr>
-        <p:cNvPr id="1" name=""/>
-        <p:cNvGrpSpPr/>
-        <p:nvPr/>
-      </p:nvGrpSpPr>
-      <p:grpSpPr>
-        <a:xfrm>
-          <a:off x="0" y="0"/>
-          <a:ext cx="0" cy="0"/>
-          <a:chOff x="0" y="0"/>
-          <a:chExt cx="0" cy="0"/>
-        </a:xfrm>
-      </p:grpSpPr>
-      <p:sp>
-        <p:nvSpPr>
           <p:cNvPr id="7" name="Title 6">
             <a:extLst>
               <a:ext uri="{FF2B5EF4-FFF2-40B4-BE49-F238E27FC236}">
@@ -30868,7 +30803,7 @@
             <a:fld id="{CEB45A3F-552B-4961-AC9A-06435CED62A6}" type="slidenum">
               <a:rPr lang="en-US" smtClean="0"/>
               <a:pPr/>
-              <a:t>5</a:t>
+              <a:t>4</a:t>
             </a:fld>
             <a:endParaRPr lang="en-US"/>
           </a:p>
@@ -30923,7 +30858,7 @@
 </p:sld>
 </file>
 
-<file path=ppt/slides/slide6.xml><?xml version="1.0" encoding="utf-8"?>
+<file path=ppt/slides/slide5.xml><?xml version="1.0" encoding="utf-8"?>
 <p:sld xmlns:a="http://schemas.openxmlformats.org/drawingml/2006/main" xmlns:r="http://schemas.openxmlformats.org/officeDocument/2006/relationships" xmlns:p="http://schemas.openxmlformats.org/presentationml/2006/main">
   <p:cSld>
     <p:spTree>
@@ -31105,7 +31040,7 @@
             <a:fld id="{6CACE926-AEF5-4BFE-8BD7-24414108CB7B}" type="slidenum">
               <a:rPr lang="en-US" altLang="en-US" smtClean="0"/>
               <a:pPr/>
-              <a:t>6</a:t>
+              <a:t>5</a:t>
             </a:fld>
             <a:endParaRPr lang="en-US" altLang="en-US" dirty="0"/>
           </a:p>
@@ -31160,7 +31095,7 @@
 </p:sld>
 </file>
 
-<file path=ppt/slides/slide7.xml><?xml version="1.0" encoding="utf-8"?>
+<file path=ppt/slides/slide6.xml><?xml version="1.0" encoding="utf-8"?>
 <p:sld xmlns:a="http://schemas.openxmlformats.org/drawingml/2006/main" xmlns:r="http://schemas.openxmlformats.org/officeDocument/2006/relationships" xmlns:p="http://schemas.openxmlformats.org/presentationml/2006/main">
   <p:cSld>
     <p:spTree>
@@ -31322,7 +31257,7 @@
 </p:sld>
 </file>
 
-<file path=ppt/slides/slide8.xml><?xml version="1.0" encoding="utf-8"?>
+<file path=ppt/slides/slide7.xml><?xml version="1.0" encoding="utf-8"?>
 <p:sld xmlns:a="http://schemas.openxmlformats.org/drawingml/2006/main" xmlns:r="http://schemas.openxmlformats.org/officeDocument/2006/relationships" xmlns:p="http://schemas.openxmlformats.org/presentationml/2006/main">
   <p:cSld>
     <p:spTree>
@@ -31398,7 +31333,7 @@
             <a:fld id="{6CACE926-AEF5-4BFE-8BD7-24414108CB7B}" type="slidenum">
               <a:rPr lang="en-US" altLang="en-US" smtClean="0"/>
               <a:pPr/>
-              <a:t>8</a:t>
+              <a:t>7</a:t>
             </a:fld>
             <a:endParaRPr lang="en-US" altLang="en-US" dirty="0"/>
           </a:p>
@@ -31417,7 +31352,7 @@
           <p:nvPr>
             <p:extLst>
               <p:ext uri="{D42A27DB-BD31-4B8C-83A1-F6EECF244321}">
-                <p14:modId xmlns:p14="http://schemas.microsoft.com/office/powerpoint/2010/main" val="2004018579"/>
+                <p14:modId xmlns:p14="http://schemas.microsoft.com/office/powerpoint/2010/main" val="2414839584"/>
               </p:ext>
             </p:extLst>
           </p:nvPr>
@@ -31445,7 +31380,7 @@
 </p:sld>
 </file>
 
-<file path=ppt/slides/slide9.xml><?xml version="1.0" encoding="utf-8"?>
+<file path=ppt/slides/slide8.xml><?xml version="1.0" encoding="utf-8"?>
 <p:sld xmlns:a="http://schemas.openxmlformats.org/drawingml/2006/main" xmlns:r="http://schemas.openxmlformats.org/officeDocument/2006/relationships" xmlns:p="http://schemas.openxmlformats.org/presentationml/2006/main">
   <p:cSld>
     <p:spTree>
@@ -31521,7 +31456,7 @@
             <a:fld id="{6CACE926-AEF5-4BFE-8BD7-24414108CB7B}" type="slidenum">
               <a:rPr lang="en-US" altLang="en-US" smtClean="0"/>
               <a:pPr/>
-              <a:t>9</a:t>
+              <a:t>8</a:t>
             </a:fld>
             <a:endParaRPr lang="en-US" altLang="en-US" dirty="0"/>
           </a:p>
@@ -31540,7 +31475,7 @@
           <p:nvPr>
             <p:extLst>
               <p:ext uri="{D42A27DB-BD31-4B8C-83A1-F6EECF244321}">
-                <p14:modId xmlns:p14="http://schemas.microsoft.com/office/powerpoint/2010/main" val="1648801008"/>
+                <p14:modId xmlns:p14="http://schemas.microsoft.com/office/powerpoint/2010/main" val="2206286381"/>
               </p:ext>
             </p:extLst>
           </p:nvPr>
@@ -31559,6 +31494,227 @@
     <p:extLst>
       <p:ext uri="{BB962C8B-B14F-4D97-AF65-F5344CB8AC3E}">
         <p14:creationId xmlns:p14="http://schemas.microsoft.com/office/powerpoint/2010/main" val="3562261403"/>
+      </p:ext>
+    </p:extLst>
+  </p:cSld>
+  <p:clrMapOvr>
+    <a:masterClrMapping/>
+  </p:clrMapOvr>
+</p:sld>
+</file>
+
+<file path=ppt/slides/slide9.xml><?xml version="1.0" encoding="utf-8"?>
+<p:sld xmlns:a="http://schemas.openxmlformats.org/drawingml/2006/main" xmlns:r="http://schemas.openxmlformats.org/officeDocument/2006/relationships" xmlns:p="http://schemas.openxmlformats.org/presentationml/2006/main">
+  <p:cSld>
+    <p:spTree>
+      <p:nvGrpSpPr>
+        <p:cNvPr id="1" name=""/>
+        <p:cNvGrpSpPr/>
+        <p:nvPr/>
+      </p:nvGrpSpPr>
+      <p:grpSpPr>
+        <a:xfrm>
+          <a:off x="0" y="0"/>
+          <a:ext cx="0" cy="0"/>
+          <a:chOff x="0" y="0"/>
+          <a:chExt cx="0" cy="0"/>
+        </a:xfrm>
+      </p:grpSpPr>
+      <p:sp>
+        <p:nvSpPr>
+          <p:cNvPr id="5" name="Title 4">
+            <a:extLst>
+              <a:ext uri="{FF2B5EF4-FFF2-40B4-BE49-F238E27FC236}">
+                <a16:creationId xmlns:a16="http://schemas.microsoft.com/office/drawing/2014/main" id="{7445A3EF-F95F-1ADA-66F9-800ADE9B40C6}"/>
+              </a:ext>
+            </a:extLst>
+          </p:cNvPr>
+          <p:cNvSpPr>
+            <a:spLocks noGrp="1"/>
+          </p:cNvSpPr>
+          <p:nvPr>
+            <p:ph type="title"/>
+          </p:nvPr>
+        </p:nvSpPr>
+        <p:spPr/>
+        <p:txBody>
+          <a:bodyPr/>
+          <a:lstStyle/>
+          <a:p>
+            <a:r>
+              <a:rPr lang="en-US" dirty="0"/>
+              <a:t>Rationale for modular forms</a:t>
+            </a:r>
+            <a:endParaRPr lang="en-CA" dirty="0"/>
+          </a:p>
+        </p:txBody>
+      </p:sp>
+      <p:sp>
+        <p:nvSpPr>
+          <p:cNvPr id="6" name="Text Placeholder 5">
+            <a:extLst>
+              <a:ext uri="{FF2B5EF4-FFF2-40B4-BE49-F238E27FC236}">
+                <a16:creationId xmlns:a16="http://schemas.microsoft.com/office/drawing/2014/main" id="{D845FD7C-AA28-D0B4-33C4-A9DDAD29160A}"/>
+              </a:ext>
+            </a:extLst>
+          </p:cNvPr>
+          <p:cNvSpPr>
+            <a:spLocks noGrp="1"/>
+          </p:cNvSpPr>
+          <p:nvPr>
+            <p:ph type="body" sz="quarter" idx="13"/>
+          </p:nvPr>
+        </p:nvSpPr>
+        <p:spPr>
+          <a:xfrm>
+            <a:off x="614362" y="1357310"/>
+            <a:ext cx="4779759" cy="3098780"/>
+          </a:xfrm>
+        </p:spPr>
+        <p:txBody>
+          <a:bodyPr/>
+          <a:lstStyle/>
+          <a:p>
+            <a:r>
+              <a:rPr lang="en-US" dirty="0"/>
+              <a:t>More consistency</a:t>
+            </a:r>
+          </a:p>
+          <a:p>
+            <a:pPr lvl="1"/>
+            <a:r>
+              <a:rPr lang="en-US" dirty="0"/>
+              <a:t>Better data quality</a:t>
+            </a:r>
+          </a:p>
+          <a:p>
+            <a:pPr lvl="1"/>
+            <a:r>
+              <a:rPr lang="en-US" dirty="0"/>
+              <a:t>Leverage known ‘good’ questions</a:t>
+            </a:r>
+          </a:p>
+          <a:p>
+            <a:pPr lvl="1"/>
+            <a:r>
+              <a:rPr lang="en-US" dirty="0"/>
+              <a:t>More user familiarity</a:t>
+            </a:r>
+          </a:p>
+          <a:p>
+            <a:r>
+              <a:rPr lang="en-US" dirty="0"/>
+              <a:t>Reduce maintenance effort</a:t>
+            </a:r>
+          </a:p>
+          <a:p>
+            <a:pPr lvl="1"/>
+            <a:r>
+              <a:rPr lang="en-US" dirty="0"/>
+              <a:t>Including on population/extraction logic</a:t>
+            </a:r>
+          </a:p>
+        </p:txBody>
+      </p:sp>
+      <p:sp>
+        <p:nvSpPr>
+          <p:cNvPr id="3" name="Footer Placeholder 2">
+            <a:extLst>
+              <a:ext uri="{FF2B5EF4-FFF2-40B4-BE49-F238E27FC236}">
+                <a16:creationId xmlns:a16="http://schemas.microsoft.com/office/drawing/2014/main" id="{D8136FED-0229-CDD8-8100-DABD768C7D44}"/>
+              </a:ext>
+            </a:extLst>
+          </p:cNvPr>
+          <p:cNvSpPr>
+            <a:spLocks noGrp="1"/>
+          </p:cNvSpPr>
+          <p:nvPr>
+            <p:ph type="ftr" sz="quarter" idx="10"/>
+          </p:nvPr>
+        </p:nvSpPr>
+        <p:spPr/>
+        <p:txBody>
+          <a:bodyPr/>
+          <a:lstStyle/>
+          <a:p>
+            <a:r>
+              <a:rPr lang="en-CA" b="1"/>
+              <a:t>© 2025 Health Level Seven ® International. All Rights Reserved. Published under the Creative Commons 3.0 Attribution Unported license</a:t>
+            </a:r>
+            <a:endParaRPr lang="en-US" b="1" dirty="0"/>
+          </a:p>
+        </p:txBody>
+      </p:sp>
+      <p:sp>
+        <p:nvSpPr>
+          <p:cNvPr id="4" name="Slide Number Placeholder 3">
+            <a:extLst>
+              <a:ext uri="{FF2B5EF4-FFF2-40B4-BE49-F238E27FC236}">
+                <a16:creationId xmlns:a16="http://schemas.microsoft.com/office/drawing/2014/main" id="{9C24CF50-A2AB-9E57-631F-D717DB7B4C6C}"/>
+              </a:ext>
+            </a:extLst>
+          </p:cNvPr>
+          <p:cNvSpPr>
+            <a:spLocks noGrp="1"/>
+          </p:cNvSpPr>
+          <p:nvPr>
+            <p:ph type="sldNum" sz="quarter" idx="11"/>
+          </p:nvPr>
+        </p:nvSpPr>
+        <p:spPr/>
+        <p:txBody>
+          <a:bodyPr/>
+          <a:lstStyle/>
+          <a:p>
+            <a:fld id="{6CACE926-AEF5-4BFE-8BD7-24414108CB7B}" type="slidenum">
+              <a:rPr lang="en-US" altLang="en-US" smtClean="0"/>
+              <a:pPr/>
+              <a:t>9</a:t>
+            </a:fld>
+            <a:endParaRPr lang="en-US" altLang="en-US" dirty="0"/>
+          </a:p>
+        </p:txBody>
+      </p:sp>
+      <p:pic>
+        <p:nvPicPr>
+          <p:cNvPr id="8" name="Picture 7" descr="A hand holding a yellow paper with black text&#10;&#10;Description automatically generated">
+            <a:extLst>
+              <a:ext uri="{FF2B5EF4-FFF2-40B4-BE49-F238E27FC236}">
+                <a16:creationId xmlns:a16="http://schemas.microsoft.com/office/drawing/2014/main" id="{609A5118-F888-EB8B-E4FB-A7DC35D2673C}"/>
+              </a:ext>
+            </a:extLst>
+          </p:cNvPr>
+          <p:cNvPicPr>
+            <a:picLocks noChangeAspect="1"/>
+          </p:cNvPicPr>
+          <p:nvPr/>
+        </p:nvPicPr>
+        <p:blipFill>
+          <a:blip r:embed="rId2">
+            <a:extLst>
+              <a:ext uri="{837473B0-CC2E-450A-ABE3-18F120FF3D39}">
+                <a1611:picAttrSrcUrl xmlns:a1611="http://schemas.microsoft.com/office/drawing/2016/11/main" r:id="rId3"/>
+              </a:ext>
+            </a:extLst>
+          </a:blip>
+          <a:stretch>
+            <a:fillRect/>
+          </a:stretch>
+        </p:blipFill>
+        <p:spPr>
+          <a:xfrm>
+            <a:off x="5730875" y="1476462"/>
+            <a:ext cx="2495725" cy="1871794"/>
+          </a:xfrm>
+          <a:prstGeom prst="rect">
+            <a:avLst/>
+          </a:prstGeom>
+        </p:spPr>
+      </p:pic>
+    </p:spTree>
+    <p:extLst>
+      <p:ext uri="{BB962C8B-B14F-4D97-AF65-F5344CB8AC3E}">
+        <p14:creationId xmlns:p14="http://schemas.microsoft.com/office/powerpoint/2010/main" val="2725813447"/>
       </p:ext>
     </p:extLst>
   </p:cSld>
@@ -32527,6 +32683,15 @@
 </file>
 
 <file path=customXml/item1.xml><?xml version="1.0" encoding="utf-8"?>
+<?mso-contentType ?>
+<FormTemplates xmlns="http://schemas.microsoft.com/sharepoint/v3/contenttype/forms">
+  <Display>DocumentLibraryForm</Display>
+  <Edit>DocumentLibraryForm</Edit>
+  <New>DocumentLibraryForm</New>
+</FormTemplates>
+</file>
+
+<file path=customXml/item2.xml><?xml version="1.0" encoding="utf-8"?>
 <ct:contentTypeSchema xmlns:ct="http://schemas.microsoft.com/office/2006/metadata/contentType" xmlns:ma="http://schemas.microsoft.com/office/2006/metadata/properties/metaAttributes" ct:_="" ma:_="" ma:contentTypeName="Document" ma:contentTypeID="0x01010046B6A228CEBB844FBC6B8633F16E3300" ma:contentTypeVersion="4" ma:contentTypeDescription="Create a new document." ma:contentTypeScope="" ma:versionID="5b56d2be9ea1ecaf21ca08678214dcd0">
   <xsd:schema xmlns:xsd="http://www.w3.org/2001/XMLSchema" xmlns:xs="http://www.w3.org/2001/XMLSchema" xmlns:p="http://schemas.microsoft.com/office/2006/metadata/properties" xmlns:ns2="2371556d-c2f8-4c27-a7c5-4c2acf225d27" targetNamespace="http://schemas.microsoft.com/office/2006/metadata/properties" ma:root="true" ma:fieldsID="e32f1ed78c00c18b31e32be9b8f4ba9c" ns2:_="">
     <xsd:import namespace="2371556d-c2f8-4c27-a7c5-4c2acf225d27"/>
@@ -32670,15 +32835,6 @@
 </ct:contentTypeSchema>
 </file>
 
-<file path=customXml/item2.xml><?xml version="1.0" encoding="utf-8"?>
-<?mso-contentType ?>
-<FormTemplates xmlns="http://schemas.microsoft.com/sharepoint/v3/contenttype/forms">
-  <Display>DocumentLibraryForm</Display>
-  <Edit>DocumentLibraryForm</Edit>
-  <New>DocumentLibraryForm</New>
-</FormTemplates>
-</file>
-
 <file path=customXml/item3.xml><?xml version="1.0" encoding="utf-8"?>
 <p:properties xmlns:p="http://schemas.microsoft.com/office/2006/metadata/properties" xmlns:xsi="http://www.w3.org/2001/XMLSchema-instance" xmlns:pc="http://schemas.microsoft.com/office/infopath/2007/PartnerControls">
   <documentManagement/>
@@ -32686,6 +32842,14 @@
 </file>
 
 <file path=customXml/itemProps1.xml><?xml version="1.0" encoding="utf-8"?>
+<ds:datastoreItem xmlns:ds="http://schemas.openxmlformats.org/officeDocument/2006/customXml" ds:itemID="{A64BB759-F51B-43FB-A13F-86518DC1BE9B}">
+  <ds:schemaRefs>
+    <ds:schemaRef ds:uri="http://schemas.microsoft.com/sharepoint/v3/contenttype/forms"/>
+  </ds:schemaRefs>
+</ds:datastoreItem>
+</file>
+
+<file path=customXml/itemProps2.xml><?xml version="1.0" encoding="utf-8"?>
 <ds:datastoreItem xmlns:ds="http://schemas.openxmlformats.org/officeDocument/2006/customXml" ds:itemID="{56561847-7309-464A-A49C-3BBB6A514354}">
   <ds:schemaRefs>
     <ds:schemaRef ds:uri="http://schemas.microsoft.com/office/2006/metadata/contentType"/>
@@ -32699,14 +32863,6 @@
     <ds:schemaRef ds:uri="http://purl.org/dc/elements/1.1/"/>
     <ds:schemaRef ds:uri="http://purl.org/dc/terms/"/>
     <ds:schemaRef ds:uri="http://schemas.microsoft.com/internal/obd"/>
-  </ds:schemaRefs>
-</ds:datastoreItem>
-</file>
-
-<file path=customXml/itemProps2.xml><?xml version="1.0" encoding="utf-8"?>
-<ds:datastoreItem xmlns:ds="http://schemas.openxmlformats.org/officeDocument/2006/customXml" ds:itemID="{A64BB759-F51B-43FB-A13F-86518DC1BE9B}">
-  <ds:schemaRefs>
-    <ds:schemaRef ds:uri="http://schemas.microsoft.com/sharepoint/v3/contenttype/forms"/>
   </ds:schemaRefs>
 </ds:datastoreItem>
 </file>
